--- a/Circu Li Ion.pptx
+++ b/Circu Li Ion.pptx
@@ -5,19 +5,20 @@
     <p:sldMasterId id="2147483738" r:id="rId1"/>
   </p:sldMasterIdLst>
   <p:notesMasterIdLst>
-    <p:notesMasterId r:id="rId12"/>
+    <p:notesMasterId r:id="rId13"/>
   </p:notesMasterIdLst>
   <p:sldIdLst>
     <p:sldId id="257" r:id="rId2"/>
     <p:sldId id="258" r:id="rId3"/>
     <p:sldId id="259" r:id="rId4"/>
     <p:sldId id="260" r:id="rId5"/>
-    <p:sldId id="261" r:id="rId6"/>
-    <p:sldId id="262" r:id="rId7"/>
-    <p:sldId id="263" r:id="rId8"/>
-    <p:sldId id="264" r:id="rId9"/>
-    <p:sldId id="266" r:id="rId10"/>
-    <p:sldId id="265" r:id="rId11"/>
+    <p:sldId id="267" r:id="rId6"/>
+    <p:sldId id="261" r:id="rId7"/>
+    <p:sldId id="262" r:id="rId8"/>
+    <p:sldId id="263" r:id="rId9"/>
+    <p:sldId id="264" r:id="rId10"/>
+    <p:sldId id="266" r:id="rId11"/>
+    <p:sldId id="265" r:id="rId12"/>
   </p:sldIdLst>
   <p:sldSz cx="12192000" cy="6858000"/>
   <p:notesSz cx="6858000" cy="9144000"/>
@@ -4526,2053 +4527,6 @@
 </file>
 
 <file path=ppt/slides/slide10.xml><?xml version="1.0" encoding="utf-8"?>
-<p:sld xmlns:a="http://schemas.openxmlformats.org/drawingml/2006/main" xmlns:r="http://schemas.openxmlformats.org/officeDocument/2006/relationships" xmlns:p="http://schemas.openxmlformats.org/presentationml/2006/main">
-  <p:cSld>
-    <p:bg>
-      <p:bgPr>
-        <a:gradFill>
-          <a:gsLst>
-            <a:gs pos="18000">
-              <a:srgbClr val="42DAAB"/>
-            </a:gs>
-            <a:gs pos="0">
-              <a:schemeClr val="tx1"/>
-            </a:gs>
-            <a:gs pos="100000">
-              <a:schemeClr val="accent1">
-                <a:lumMod val="30000"/>
-                <a:lumOff val="70000"/>
-              </a:schemeClr>
-            </a:gs>
-          </a:gsLst>
-          <a:lin ang="2700000" scaled="1"/>
-        </a:gradFill>
-        <a:effectLst/>
-      </p:bgPr>
-    </p:bg>
-    <p:spTree>
-      <p:nvGrpSpPr>
-        <p:cNvPr id="1" name="">
-          <a:extLst>
-            <a:ext uri="{FF2B5EF4-FFF2-40B4-BE49-F238E27FC236}">
-              <a16:creationId xmlns:a16="http://schemas.microsoft.com/office/drawing/2014/main" id="{5D9EC191-AE48-37E5-72BA-8DAE88C050E9}"/>
-            </a:ext>
-          </a:extLst>
-        </p:cNvPr>
-        <p:cNvGrpSpPr/>
-        <p:nvPr/>
-      </p:nvGrpSpPr>
-      <p:grpSpPr>
-        <a:xfrm>
-          <a:off x="0" y="0"/>
-          <a:ext cx="0" cy="0"/>
-          <a:chOff x="0" y="0"/>
-          <a:chExt cx="0" cy="0"/>
-        </a:xfrm>
-      </p:grpSpPr>
-      <p:sp>
-        <p:nvSpPr>
-          <p:cNvPr id="2" name="TextBox 1">
-            <a:extLst>
-              <a:ext uri="{FF2B5EF4-FFF2-40B4-BE49-F238E27FC236}">
-                <a16:creationId xmlns:a16="http://schemas.microsoft.com/office/drawing/2014/main" id="{540E87E5-474D-830D-56CB-3F68E741F66B}"/>
-              </a:ext>
-            </a:extLst>
-          </p:cNvPr>
-          <p:cNvSpPr txBox="1"/>
-          <p:nvPr/>
-        </p:nvSpPr>
-        <p:spPr>
-          <a:xfrm>
-            <a:off x="3562027" y="3105834"/>
-            <a:ext cx="5067946" cy="646331"/>
-          </a:xfrm>
-          <a:prstGeom prst="rect">
-            <a:avLst/>
-          </a:prstGeom>
-          <a:noFill/>
-        </p:spPr>
-        <p:txBody>
-          <a:bodyPr wrap="square" rtlCol="0">
-            <a:spAutoFit/>
-          </a:bodyPr>
-          <a:lstStyle/>
-          <a:p>
-            <a:pPr algn="ctr"/>
-            <a:r>
-              <a:rPr lang="en-US" sz="3600" dirty="0"/>
-              <a:t>THANK YOU </a:t>
-            </a:r>
-          </a:p>
-        </p:txBody>
-      </p:sp>
-    </p:spTree>
-    <p:extLst>
-      <p:ext uri="{BB962C8B-B14F-4D97-AF65-F5344CB8AC3E}">
-        <p14:creationId xmlns:p14="http://schemas.microsoft.com/office/powerpoint/2010/main" val="2590805178"/>
-      </p:ext>
-    </p:extLst>
-  </p:cSld>
-  <p:clrMapOvr>
-    <a:masterClrMapping/>
-  </p:clrMapOvr>
-</p:sld>
-</file>
-
-<file path=ppt/slides/slide2.xml><?xml version="1.0" encoding="utf-8"?>
-<p:sld xmlns:a="http://schemas.openxmlformats.org/drawingml/2006/main" xmlns:r="http://schemas.openxmlformats.org/officeDocument/2006/relationships" xmlns:p="http://schemas.openxmlformats.org/presentationml/2006/main">
-  <p:cSld>
-    <p:bg>
-      <p:bgPr>
-        <a:gradFill>
-          <a:gsLst>
-            <a:gs pos="18000">
-              <a:srgbClr val="42DAAB"/>
-            </a:gs>
-            <a:gs pos="0">
-              <a:schemeClr val="tx1"/>
-            </a:gs>
-            <a:gs pos="100000">
-              <a:schemeClr val="accent1">
-                <a:lumMod val="30000"/>
-                <a:lumOff val="70000"/>
-              </a:schemeClr>
-            </a:gs>
-          </a:gsLst>
-          <a:lin ang="2700000" scaled="1"/>
-        </a:gradFill>
-        <a:effectLst/>
-      </p:bgPr>
-    </p:bg>
-    <p:spTree>
-      <p:nvGrpSpPr>
-        <p:cNvPr id="1" name=""/>
-        <p:cNvGrpSpPr/>
-        <p:nvPr/>
-      </p:nvGrpSpPr>
-      <p:grpSpPr>
-        <a:xfrm>
-          <a:off x="0" y="0"/>
-          <a:ext cx="0" cy="0"/>
-          <a:chOff x="0" y="0"/>
-          <a:chExt cx="0" cy="0"/>
-        </a:xfrm>
-      </p:grpSpPr>
-      <p:sp>
-        <p:nvSpPr>
-          <p:cNvPr id="6" name="TextBox 5">
-            <a:extLst>
-              <a:ext uri="{FF2B5EF4-FFF2-40B4-BE49-F238E27FC236}">
-                <a16:creationId xmlns:a16="http://schemas.microsoft.com/office/drawing/2014/main" id="{BB4F9EEB-65BD-B72A-DF62-00CDC4AB46D1}"/>
-              </a:ext>
-            </a:extLst>
-          </p:cNvPr>
-          <p:cNvSpPr txBox="1"/>
-          <p:nvPr/>
-        </p:nvSpPr>
-        <p:spPr>
-          <a:xfrm>
-            <a:off x="884421" y="1888761"/>
-            <a:ext cx="11111268" cy="1969770"/>
-          </a:xfrm>
-          <a:prstGeom prst="rect">
-            <a:avLst/>
-          </a:prstGeom>
-          <a:noFill/>
-        </p:spPr>
-        <p:txBody>
-          <a:bodyPr wrap="square" rtlCol="0">
-            <a:spAutoFit/>
-          </a:bodyPr>
-          <a:lstStyle/>
-          <a:p>
-            <a:r>
-              <a:rPr lang="en-US" sz="2800" dirty="0">
-                <a:solidFill>
-                  <a:schemeClr val="bg1"/>
-                </a:solidFill>
-              </a:rPr>
-              <a:t>Problem Statement ?</a:t>
-            </a:r>
-          </a:p>
-          <a:p>
-            <a:endParaRPr lang="en-US" sz="2000" dirty="0"/>
-          </a:p>
-          <a:p>
-            <a:pPr marL="285750" indent="-285750">
-              <a:buFont typeface="Wingdings" panose="05000000000000000000" pitchFamily="2" charset="2"/>
-              <a:buChar char="q"/>
-            </a:pPr>
-            <a:r>
-              <a:rPr lang="en-US" sz="2000" dirty="0">
-                <a:effectLst/>
-                <a:latin typeface="Calibri" panose="020F0502020204030204" pitchFamily="34" charset="0"/>
-              </a:rPr>
-              <a:t>Need a robust cloud infrastructure for storing, consolidating, and distributing automation recipes.</a:t>
-            </a:r>
-            <a:endParaRPr lang="en-US" sz="2000" dirty="0">
-              <a:latin typeface="Calibri" panose="020F0502020204030204" pitchFamily="34" charset="0"/>
-            </a:endParaRPr>
-          </a:p>
-          <a:p>
-            <a:pPr marL="742950" lvl="1" indent="-285750">
-              <a:buFont typeface="Wingdings" panose="05000000000000000000" pitchFamily="2" charset="2"/>
-              <a:buChar char="q"/>
-            </a:pPr>
-            <a:r>
-              <a:rPr lang="en-US" b="0" i="0" u="none" strike="noStrike" baseline="0" dirty="0">
-                <a:solidFill>
-                  <a:srgbClr val="000000"/>
-                </a:solidFill>
-                <a:latin typeface="Open Sans" panose="020B0606030504020204" pitchFamily="34" charset="0"/>
-              </a:rPr>
-              <a:t> A recipe is a set of instructions that a robotic arm follows to complete tasks. These instructions can cover a variety of actions, from recognizing screws to unscrewing them, and picking up various components of a battery </a:t>
-            </a:r>
-            <a:endParaRPr lang="en-US" sz="2000" dirty="0"/>
-          </a:p>
-        </p:txBody>
-      </p:sp>
-      <p:sp>
-        <p:nvSpPr>
-          <p:cNvPr id="8" name="TextBox 7">
-            <a:extLst>
-              <a:ext uri="{FF2B5EF4-FFF2-40B4-BE49-F238E27FC236}">
-                <a16:creationId xmlns:a16="http://schemas.microsoft.com/office/drawing/2014/main" id="{214B7011-3B9B-F36C-C5D8-C86FF41EBF92}"/>
-              </a:ext>
-            </a:extLst>
-          </p:cNvPr>
-          <p:cNvSpPr txBox="1"/>
-          <p:nvPr/>
-        </p:nvSpPr>
-        <p:spPr>
-          <a:xfrm>
-            <a:off x="884421" y="3901107"/>
-            <a:ext cx="11111268" cy="369332"/>
-          </a:xfrm>
-          <a:prstGeom prst="rect">
-            <a:avLst/>
-          </a:prstGeom>
-          <a:noFill/>
-        </p:spPr>
-        <p:txBody>
-          <a:bodyPr wrap="square">
-            <a:spAutoFit/>
-          </a:bodyPr>
-          <a:lstStyle/>
-          <a:p>
-            <a:pPr rtl="0" fontAlgn="ctr"/>
-            <a:r>
-              <a:rPr lang="en-US" sz="1800" dirty="0">
-                <a:effectLst/>
-                <a:latin typeface="Calibri" panose="020F0502020204030204" pitchFamily="34" charset="0"/>
-              </a:rPr>
-              <a:t> </a:t>
-            </a:r>
-          </a:p>
-        </p:txBody>
-      </p:sp>
-      <p:pic>
-        <p:nvPicPr>
-          <p:cNvPr id="10" name="Picture 9" descr="A black background with a black square&#10;&#10;Description automatically generated with medium confidence">
-            <a:extLst>
-              <a:ext uri="{FF2B5EF4-FFF2-40B4-BE49-F238E27FC236}">
-                <a16:creationId xmlns:a16="http://schemas.microsoft.com/office/drawing/2014/main" id="{FB9AC6AB-6C62-799D-4008-3DF66638A35C}"/>
-              </a:ext>
-            </a:extLst>
-          </p:cNvPr>
-          <p:cNvPicPr>
-            <a:picLocks noChangeAspect="1"/>
-          </p:cNvPicPr>
-          <p:nvPr/>
-        </p:nvPicPr>
-        <p:blipFill>
-          <a:blip r:embed="rId3">
-            <a:extLst>
-              <a:ext uri="{28A0092B-C50C-407E-A947-70E740481C1C}">
-                <a14:useLocalDpi xmlns:a14="http://schemas.microsoft.com/office/drawing/2010/main" val="0"/>
-              </a:ext>
-            </a:extLst>
-          </a:blip>
-          <a:stretch>
-            <a:fillRect/>
-          </a:stretch>
-        </p:blipFill>
-        <p:spPr>
-          <a:xfrm>
-            <a:off x="0" y="1749069"/>
-            <a:ext cx="1013278" cy="1013278"/>
-          </a:xfrm>
-          <a:prstGeom prst="rect">
-            <a:avLst/>
-          </a:prstGeom>
-        </p:spPr>
-      </p:pic>
-    </p:spTree>
-    <p:extLst>
-      <p:ext uri="{BB962C8B-B14F-4D97-AF65-F5344CB8AC3E}">
-        <p14:creationId xmlns:p14="http://schemas.microsoft.com/office/powerpoint/2010/main" val="3151958061"/>
-      </p:ext>
-    </p:extLst>
-  </p:cSld>
-  <p:clrMapOvr>
-    <a:masterClrMapping/>
-  </p:clrMapOvr>
-</p:sld>
-</file>
-
-<file path=ppt/slides/slide3.xml><?xml version="1.0" encoding="utf-8"?>
-<p:sld xmlns:a="http://schemas.openxmlformats.org/drawingml/2006/main" xmlns:r="http://schemas.openxmlformats.org/officeDocument/2006/relationships" xmlns:p="http://schemas.openxmlformats.org/presentationml/2006/main">
-  <p:cSld>
-    <p:bg>
-      <p:bgPr>
-        <a:gradFill>
-          <a:gsLst>
-            <a:gs pos="18000">
-              <a:srgbClr val="42DAAB"/>
-            </a:gs>
-            <a:gs pos="0">
-              <a:schemeClr val="tx1"/>
-            </a:gs>
-            <a:gs pos="100000">
-              <a:schemeClr val="accent1">
-                <a:lumMod val="30000"/>
-                <a:lumOff val="70000"/>
-              </a:schemeClr>
-            </a:gs>
-          </a:gsLst>
-          <a:lin ang="2700000" scaled="1"/>
-        </a:gradFill>
-        <a:effectLst/>
-      </p:bgPr>
-    </p:bg>
-    <p:spTree>
-      <p:nvGrpSpPr>
-        <p:cNvPr id="1" name="">
-          <a:extLst>
-            <a:ext uri="{FF2B5EF4-FFF2-40B4-BE49-F238E27FC236}">
-              <a16:creationId xmlns:a16="http://schemas.microsoft.com/office/drawing/2014/main" id="{835A5EF8-D030-CB60-D45F-C24C76164EF7}"/>
-            </a:ext>
-          </a:extLst>
-        </p:cNvPr>
-        <p:cNvGrpSpPr/>
-        <p:nvPr/>
-      </p:nvGrpSpPr>
-      <p:grpSpPr>
-        <a:xfrm>
-          <a:off x="0" y="0"/>
-          <a:ext cx="0" cy="0"/>
-          <a:chOff x="0" y="0"/>
-          <a:chExt cx="0" cy="0"/>
-        </a:xfrm>
-      </p:grpSpPr>
-      <p:sp>
-        <p:nvSpPr>
-          <p:cNvPr id="2" name="TextBox 1">
-            <a:extLst>
-              <a:ext uri="{FF2B5EF4-FFF2-40B4-BE49-F238E27FC236}">
-                <a16:creationId xmlns:a16="http://schemas.microsoft.com/office/drawing/2014/main" id="{5A676CB7-5AB3-282D-340A-107851000DAC}"/>
-              </a:ext>
-            </a:extLst>
-          </p:cNvPr>
-          <p:cNvSpPr txBox="1"/>
-          <p:nvPr/>
-        </p:nvSpPr>
-        <p:spPr>
-          <a:xfrm>
-            <a:off x="144057" y="990875"/>
-            <a:ext cx="5067946" cy="523220"/>
-          </a:xfrm>
-          <a:prstGeom prst="rect">
-            <a:avLst/>
-          </a:prstGeom>
-          <a:noFill/>
-        </p:spPr>
-        <p:txBody>
-          <a:bodyPr wrap="square" rtlCol="0">
-            <a:spAutoFit/>
-          </a:bodyPr>
-          <a:lstStyle/>
-          <a:p>
-            <a:r>
-              <a:rPr lang="en-US" sz="2800" u="sng" dirty="0">
-                <a:solidFill>
-                  <a:schemeClr val="bg1"/>
-                </a:solidFill>
-                <a:latin typeface="Calibri" panose="020F0502020204030204" pitchFamily="34" charset="0"/>
-                <a:ea typeface="Calibri" panose="020F0502020204030204" pitchFamily="34" charset="0"/>
-                <a:cs typeface="Calibri" panose="020F0502020204030204" pitchFamily="34" charset="0"/>
-              </a:rPr>
-              <a:t>Infrastructure Design Goals</a:t>
-            </a:r>
-          </a:p>
-        </p:txBody>
-      </p:sp>
-      <p:sp>
-        <p:nvSpPr>
-          <p:cNvPr id="4" name="TextBox 3">
-            <a:extLst>
-              <a:ext uri="{FF2B5EF4-FFF2-40B4-BE49-F238E27FC236}">
-                <a16:creationId xmlns:a16="http://schemas.microsoft.com/office/drawing/2014/main" id="{95E697A5-3B57-1B5A-3C17-929ECC096C35}"/>
-              </a:ext>
-            </a:extLst>
-          </p:cNvPr>
-          <p:cNvSpPr txBox="1"/>
-          <p:nvPr/>
-        </p:nvSpPr>
-        <p:spPr>
-          <a:xfrm>
-            <a:off x="453453" y="1824335"/>
-            <a:ext cx="9904750" cy="3139321"/>
-          </a:xfrm>
-          <a:prstGeom prst="rect">
-            <a:avLst/>
-          </a:prstGeom>
-          <a:noFill/>
-        </p:spPr>
-        <p:txBody>
-          <a:bodyPr wrap="square">
-            <a:spAutoFit/>
-          </a:bodyPr>
-          <a:lstStyle/>
-          <a:p>
-            <a:r>
-              <a:rPr lang="en-US" sz="2000" dirty="0">
-                <a:effectLst/>
-                <a:latin typeface="Calibri" panose="020F0502020204030204" pitchFamily="34" charset="0"/>
-              </a:rPr>
-              <a:t>Design a cloud solution to handle large and small recipe files efficiently, ensuring secure storage, easy distribution, and access control.</a:t>
-            </a:r>
-          </a:p>
-          <a:p>
-            <a:endParaRPr lang="en-US" sz="2000" dirty="0">
-              <a:latin typeface="Calibri" panose="020F0502020204030204" pitchFamily="34" charset="0"/>
-            </a:endParaRPr>
-          </a:p>
-          <a:p>
-            <a:pPr marL="285750" indent="-285750">
-              <a:buFont typeface="Wingdings" panose="05000000000000000000" pitchFamily="2" charset="2"/>
-              <a:buChar char="Ø"/>
-            </a:pPr>
-            <a:r>
-              <a:rPr lang="en-US" sz="2000" b="1" dirty="0">
-                <a:effectLst/>
-                <a:latin typeface="Calibri" panose="020F0502020204030204" pitchFamily="34" charset="0"/>
-              </a:rPr>
-              <a:t>Storage</a:t>
-            </a:r>
-            <a:r>
-              <a:rPr lang="en-US" sz="2000" dirty="0">
-                <a:effectLst/>
-                <a:latin typeface="Calibri" panose="020F0502020204030204" pitchFamily="34" charset="0"/>
-              </a:rPr>
-              <a:t>: Efficient handling of large binary files (1+ GB) and small configuration files.</a:t>
-            </a:r>
-            <a:r>
-              <a:rPr lang="en-US" sz="2000" dirty="0">
-                <a:latin typeface="Calibri" panose="020F0502020204030204" pitchFamily="34" charset="0"/>
-              </a:rPr>
-              <a:t> </a:t>
-            </a:r>
-            <a:r>
-              <a:rPr lang="en-US" sz="2000" dirty="0">
-                <a:effectLst/>
-                <a:latin typeface="Calibri" panose="020F0502020204030204" pitchFamily="34" charset="0"/>
-              </a:rPr>
-              <a:t>Version control to track changes.</a:t>
-            </a:r>
-          </a:p>
-          <a:p>
-            <a:pPr marL="285750" indent="-285750">
-              <a:buFont typeface="Wingdings" panose="05000000000000000000" pitchFamily="2" charset="2"/>
-              <a:buChar char="Ø"/>
-            </a:pPr>
-            <a:r>
-              <a:rPr lang="en-US" sz="2000" b="1" i="0" dirty="0">
-                <a:effectLst/>
-                <a:latin typeface="Calibri" panose="020F0502020204030204" pitchFamily="34" charset="0"/>
-              </a:rPr>
-              <a:t>Consolidation</a:t>
-            </a:r>
-            <a:r>
-              <a:rPr lang="en-US" sz="2000" b="0" i="0" dirty="0">
-                <a:effectLst/>
-                <a:latin typeface="Calibri" panose="020F0502020204030204" pitchFamily="34" charset="0"/>
-              </a:rPr>
-              <a:t>: Zip files for easy distribution and secure storage.</a:t>
-            </a:r>
-          </a:p>
-          <a:p>
-            <a:pPr marL="285750" indent="-285750">
-              <a:buFont typeface="Wingdings" panose="05000000000000000000" pitchFamily="2" charset="2"/>
-              <a:buChar char="Ø"/>
-            </a:pPr>
-            <a:r>
-              <a:rPr lang="en-US" sz="2000" b="1" i="0" dirty="0">
-                <a:effectLst/>
-                <a:latin typeface="Calibri" panose="020F0502020204030204" pitchFamily="34" charset="0"/>
-              </a:rPr>
-              <a:t>Distribution</a:t>
-            </a:r>
-            <a:r>
-              <a:rPr lang="en-US" sz="2000" b="0" i="0" dirty="0">
-                <a:effectLst/>
-                <a:latin typeface="Calibri" panose="020F0502020204030204" pitchFamily="34" charset="0"/>
-              </a:rPr>
-              <a:t>: Ensure global delivery with secure access.</a:t>
-            </a:r>
-          </a:p>
-          <a:p>
-            <a:pPr marL="285750" indent="-285750">
-              <a:buFont typeface="Wingdings" panose="05000000000000000000" pitchFamily="2" charset="2"/>
-              <a:buChar char="Ø"/>
-            </a:pPr>
-            <a:r>
-              <a:rPr lang="en-US" sz="2000" b="1" i="0" dirty="0">
-                <a:effectLst/>
-                <a:latin typeface="Calibri" panose="020F0502020204030204" pitchFamily="34" charset="0"/>
-              </a:rPr>
-              <a:t>Security</a:t>
-            </a:r>
-            <a:r>
-              <a:rPr lang="en-US" sz="2000" b="0" i="0" dirty="0">
-                <a:effectLst/>
-                <a:latin typeface="Calibri" panose="020F0502020204030204" pitchFamily="34" charset="0"/>
-              </a:rPr>
-              <a:t>: Encrypt data during storage and transmission.</a:t>
-            </a:r>
-          </a:p>
-          <a:p>
-            <a:pPr marL="285750" indent="-285750">
-              <a:buFont typeface="Wingdings" panose="05000000000000000000" pitchFamily="2" charset="2"/>
-              <a:buChar char="Ø"/>
-            </a:pPr>
-            <a:r>
-              <a:rPr lang="en-US" sz="2000" b="1" i="0" dirty="0">
-                <a:effectLst/>
-                <a:latin typeface="Calibri" panose="020F0502020204030204" pitchFamily="34" charset="0"/>
-              </a:rPr>
-              <a:t>Network</a:t>
-            </a:r>
-            <a:r>
-              <a:rPr lang="en-US" sz="2000" b="0" i="0" dirty="0">
-                <a:effectLst/>
-                <a:latin typeface="Calibri" panose="020F0502020204030204" pitchFamily="34" charset="0"/>
-              </a:rPr>
-              <a:t>: VPN for secure on-premises and cloud communication.</a:t>
-            </a:r>
-            <a:endParaRPr lang="en-US" sz="2000" b="1" i="0" dirty="0">
-              <a:effectLst/>
-              <a:latin typeface="Calibri" panose="020F0502020204030204" pitchFamily="34" charset="0"/>
-            </a:endParaRPr>
-          </a:p>
-          <a:p>
-            <a:endParaRPr lang="en-US" dirty="0">
-              <a:solidFill>
-                <a:schemeClr val="bg1"/>
-              </a:solidFill>
-              <a:latin typeface="Calibri" panose="020F0502020204030204" pitchFamily="34" charset="0"/>
-            </a:endParaRPr>
-          </a:p>
-        </p:txBody>
-      </p:sp>
-    </p:spTree>
-    <p:extLst>
-      <p:ext uri="{BB962C8B-B14F-4D97-AF65-F5344CB8AC3E}">
-        <p14:creationId xmlns:p14="http://schemas.microsoft.com/office/powerpoint/2010/main" val="2828708031"/>
-      </p:ext>
-    </p:extLst>
-  </p:cSld>
-  <p:clrMapOvr>
-    <a:masterClrMapping/>
-  </p:clrMapOvr>
-</p:sld>
-</file>
-
-<file path=ppt/slides/slide4.xml><?xml version="1.0" encoding="utf-8"?>
-<p:sld xmlns:a="http://schemas.openxmlformats.org/drawingml/2006/main" xmlns:r="http://schemas.openxmlformats.org/officeDocument/2006/relationships" xmlns:p="http://schemas.openxmlformats.org/presentationml/2006/main">
-  <p:cSld>
-    <p:bg>
-      <p:bgPr>
-        <a:gradFill>
-          <a:gsLst>
-            <a:gs pos="18000">
-              <a:srgbClr val="42DAAB"/>
-            </a:gs>
-            <a:gs pos="0">
-              <a:schemeClr val="tx1"/>
-            </a:gs>
-            <a:gs pos="100000">
-              <a:schemeClr val="accent1">
-                <a:lumMod val="30000"/>
-                <a:lumOff val="70000"/>
-              </a:schemeClr>
-            </a:gs>
-          </a:gsLst>
-          <a:lin ang="2700000" scaled="1"/>
-        </a:gradFill>
-        <a:effectLst/>
-      </p:bgPr>
-    </p:bg>
-    <p:spTree>
-      <p:nvGrpSpPr>
-        <p:cNvPr id="1" name="">
-          <a:extLst>
-            <a:ext uri="{FF2B5EF4-FFF2-40B4-BE49-F238E27FC236}">
-              <a16:creationId xmlns:a16="http://schemas.microsoft.com/office/drawing/2014/main" id="{68A5709C-FDC5-D578-DF26-AD5570EFA7DA}"/>
-            </a:ext>
-          </a:extLst>
-        </p:cNvPr>
-        <p:cNvGrpSpPr/>
-        <p:nvPr/>
-      </p:nvGrpSpPr>
-      <p:grpSpPr>
-        <a:xfrm>
-          <a:off x="0" y="0"/>
-          <a:ext cx="0" cy="0"/>
-          <a:chOff x="0" y="0"/>
-          <a:chExt cx="0" cy="0"/>
-        </a:xfrm>
-      </p:grpSpPr>
-      <p:sp>
-        <p:nvSpPr>
-          <p:cNvPr id="2" name="TextBox 1">
-            <a:extLst>
-              <a:ext uri="{FF2B5EF4-FFF2-40B4-BE49-F238E27FC236}">
-                <a16:creationId xmlns:a16="http://schemas.microsoft.com/office/drawing/2014/main" id="{612760B1-88FC-8525-484C-0CBA15007C7F}"/>
-              </a:ext>
-            </a:extLst>
-          </p:cNvPr>
-          <p:cNvSpPr txBox="1"/>
-          <p:nvPr/>
-        </p:nvSpPr>
-        <p:spPr>
-          <a:xfrm>
-            <a:off x="0" y="256357"/>
-            <a:ext cx="5067946" cy="523220"/>
-          </a:xfrm>
-          <a:prstGeom prst="rect">
-            <a:avLst/>
-          </a:prstGeom>
-          <a:noFill/>
-        </p:spPr>
-        <p:txBody>
-          <a:bodyPr wrap="square" rtlCol="0">
-            <a:spAutoFit/>
-          </a:bodyPr>
-          <a:lstStyle/>
-          <a:p>
-            <a:r>
-              <a:rPr lang="en-US" sz="2800" u="sng" dirty="0">
-                <a:solidFill>
-                  <a:schemeClr val="bg1"/>
-                </a:solidFill>
-                <a:latin typeface="Calibri" panose="020F0502020204030204" pitchFamily="34" charset="0"/>
-                <a:ea typeface="Calibri" panose="020F0502020204030204" pitchFamily="34" charset="0"/>
-                <a:cs typeface="Calibri" panose="020F0502020204030204" pitchFamily="34" charset="0"/>
-              </a:rPr>
-              <a:t>Proposed Architecture</a:t>
-            </a:r>
-          </a:p>
-        </p:txBody>
-      </p:sp>
-      <p:sp>
-        <p:nvSpPr>
-          <p:cNvPr id="4" name="TextBox 3">
-            <a:extLst>
-              <a:ext uri="{FF2B5EF4-FFF2-40B4-BE49-F238E27FC236}">
-                <a16:creationId xmlns:a16="http://schemas.microsoft.com/office/drawing/2014/main" id="{EF59D5D7-B01D-6E1E-F583-211D8F2AB347}"/>
-              </a:ext>
-            </a:extLst>
-          </p:cNvPr>
-          <p:cNvSpPr txBox="1"/>
-          <p:nvPr/>
-        </p:nvSpPr>
-        <p:spPr>
-          <a:xfrm>
-            <a:off x="273570" y="1101498"/>
-            <a:ext cx="10849131" cy="1384995"/>
-          </a:xfrm>
-          <a:prstGeom prst="rect">
-            <a:avLst/>
-          </a:prstGeom>
-          <a:noFill/>
-        </p:spPr>
-        <p:txBody>
-          <a:bodyPr wrap="square">
-            <a:spAutoFit/>
-          </a:bodyPr>
-          <a:lstStyle/>
-          <a:p>
-            <a:pPr rtl="0" fontAlgn="ctr"/>
-            <a:r>
-              <a:rPr lang="en-US" sz="2400" b="1" i="0" u="sng" dirty="0">
-                <a:effectLst/>
-                <a:latin typeface="Calibri" panose="020F0502020204030204" pitchFamily="34" charset="0"/>
-              </a:rPr>
-              <a:t>Hub-and-Spoke Network</a:t>
-            </a:r>
-            <a:r>
-              <a:rPr lang="en-US" sz="2400" b="0" i="0" u="sng" dirty="0">
-                <a:effectLst/>
-                <a:latin typeface="Calibri" panose="020F0502020204030204" pitchFamily="34" charset="0"/>
-              </a:rPr>
-              <a:t>:</a:t>
-            </a:r>
-          </a:p>
-          <a:p>
-            <a:pPr rtl="0" fontAlgn="ctr"/>
-            <a:endParaRPr lang="en-US" sz="2000" b="1" i="0" u="sng" dirty="0">
-              <a:effectLst/>
-              <a:latin typeface="Calibri" panose="020F0502020204030204" pitchFamily="34" charset="0"/>
-            </a:endParaRPr>
-          </a:p>
-          <a:p>
-            <a:pPr marL="742950" lvl="1" indent="-285750" rtl="0" fontAlgn="ctr">
-              <a:buFont typeface="Wingdings" panose="05000000000000000000" pitchFamily="2" charset="2"/>
-              <a:buChar char="q"/>
-            </a:pPr>
-            <a:r>
-              <a:rPr lang="en-US" sz="2000" b="1" i="0" dirty="0">
-                <a:effectLst/>
-                <a:latin typeface="Calibri" panose="020F0502020204030204" pitchFamily="34" charset="0"/>
-              </a:rPr>
-              <a:t>Hub: Centralized resources like firewall, VPN gateway, monitoring.</a:t>
-            </a:r>
-          </a:p>
-          <a:p>
-            <a:pPr marL="742950" lvl="1" indent="-285750" rtl="0" fontAlgn="ctr">
-              <a:buFont typeface="Wingdings" panose="05000000000000000000" pitchFamily="2" charset="2"/>
-              <a:buChar char="q"/>
-            </a:pPr>
-            <a:r>
-              <a:rPr lang="en-US" sz="2000" b="1" i="0" dirty="0">
-                <a:effectLst/>
-                <a:latin typeface="Calibri" panose="020F0502020204030204" pitchFamily="34" charset="0"/>
-              </a:rPr>
-              <a:t>Spokes: Isolated networks for storage, functions, CDN, and user </a:t>
-            </a:r>
-            <a:r>
-              <a:rPr lang="en-US" sz="2000" b="1" i="0" dirty="0" err="1">
-                <a:effectLst/>
-                <a:latin typeface="Calibri" panose="020F0502020204030204" pitchFamily="34" charset="0"/>
-              </a:rPr>
-              <a:t>portal,KeyVaults</a:t>
-            </a:r>
-            <a:r>
-              <a:rPr lang="en-US" sz="2000" b="1" i="0" dirty="0">
-                <a:effectLst/>
-                <a:latin typeface="Calibri" panose="020F0502020204030204" pitchFamily="34" charset="0"/>
-              </a:rPr>
-              <a:t>.</a:t>
-            </a:r>
-          </a:p>
-        </p:txBody>
-      </p:sp>
-      <p:pic>
-        <p:nvPicPr>
-          <p:cNvPr id="6" name="Graphic 5">
-            <a:extLst>
-              <a:ext uri="{FF2B5EF4-FFF2-40B4-BE49-F238E27FC236}">
-                <a16:creationId xmlns:a16="http://schemas.microsoft.com/office/drawing/2014/main" id="{F44AA01E-F423-A84C-05B4-28212F472E7B}"/>
-              </a:ext>
-            </a:extLst>
-          </p:cNvPr>
-          <p:cNvPicPr>
-            <a:picLocks noChangeAspect="1"/>
-          </p:cNvPicPr>
-          <p:nvPr/>
-        </p:nvPicPr>
-        <p:blipFill>
-          <a:blip r:embed="rId2">
-            <a:extLst>
-              <a:ext uri="{96DAC541-7B7A-43D3-8B79-37D633B846F1}">
-                <asvg:svgBlip xmlns:asvg="http://schemas.microsoft.com/office/drawing/2016/SVG/main" r:embed="rId3"/>
-              </a:ext>
-            </a:extLst>
-          </a:blip>
-          <a:stretch>
-            <a:fillRect/>
-          </a:stretch>
-        </p:blipFill>
-        <p:spPr>
-          <a:xfrm>
-            <a:off x="1545279" y="4004592"/>
-            <a:ext cx="6164317" cy="2454510"/>
-          </a:xfrm>
-          <a:prstGeom prst="rect">
-            <a:avLst/>
-          </a:prstGeom>
-        </p:spPr>
-      </p:pic>
-      <p:sp>
-        <p:nvSpPr>
-          <p:cNvPr id="8" name="TextBox 7">
-            <a:extLst>
-              <a:ext uri="{FF2B5EF4-FFF2-40B4-BE49-F238E27FC236}">
-                <a16:creationId xmlns:a16="http://schemas.microsoft.com/office/drawing/2014/main" id="{1146DD13-821E-27A1-4C55-CE8856B5E2DF}"/>
-              </a:ext>
-            </a:extLst>
-          </p:cNvPr>
-          <p:cNvSpPr txBox="1"/>
-          <p:nvPr/>
-        </p:nvSpPr>
-        <p:spPr>
-          <a:xfrm>
-            <a:off x="583647" y="2770180"/>
-            <a:ext cx="11408484" cy="707886"/>
-          </a:xfrm>
-          <a:prstGeom prst="rect">
-            <a:avLst/>
-          </a:prstGeom>
-          <a:noFill/>
-        </p:spPr>
-        <p:txBody>
-          <a:bodyPr wrap="square">
-            <a:spAutoFit/>
-          </a:bodyPr>
-          <a:lstStyle/>
-          <a:p>
-            <a:r>
-              <a:rPr lang="en-US" sz="2000" b="1" dirty="0">
-                <a:latin typeface="Calibri" panose="020F0502020204030204" pitchFamily="34" charset="0"/>
-                <a:ea typeface="Calibri" panose="020F0502020204030204" pitchFamily="34" charset="0"/>
-                <a:cs typeface="Calibri" panose="020F0502020204030204" pitchFamily="34" charset="0"/>
-              </a:rPr>
-              <a:t>Hub and Spoke</a:t>
-            </a:r>
-            <a:r>
-              <a:rPr lang="en-US" sz="2000" dirty="0">
-                <a:latin typeface="Calibri" panose="020F0502020204030204" pitchFamily="34" charset="0"/>
-                <a:ea typeface="Calibri" panose="020F0502020204030204" pitchFamily="34" charset="0"/>
-                <a:cs typeface="Calibri" panose="020F0502020204030204" pitchFamily="34" charset="0"/>
-              </a:rPr>
-              <a:t> network design will allow us to simplify security, improve scalability, manage costs more effectively, and ensure a flexible and robust architecture for handling large-scale data distribution</a:t>
-            </a:r>
-          </a:p>
-        </p:txBody>
-      </p:sp>
-    </p:spTree>
-    <p:extLst>
-      <p:ext uri="{BB962C8B-B14F-4D97-AF65-F5344CB8AC3E}">
-        <p14:creationId xmlns:p14="http://schemas.microsoft.com/office/powerpoint/2010/main" val="4026245086"/>
-      </p:ext>
-    </p:extLst>
-  </p:cSld>
-  <p:clrMapOvr>
-    <a:masterClrMapping/>
-  </p:clrMapOvr>
-</p:sld>
-</file>
-
-<file path=ppt/slides/slide5.xml><?xml version="1.0" encoding="utf-8"?>
-<p:sld xmlns:a="http://schemas.openxmlformats.org/drawingml/2006/main" xmlns:r="http://schemas.openxmlformats.org/officeDocument/2006/relationships" xmlns:p="http://schemas.openxmlformats.org/presentationml/2006/main">
-  <p:cSld>
-    <p:bg>
-      <p:bgPr>
-        <a:gradFill>
-          <a:gsLst>
-            <a:gs pos="18000">
-              <a:srgbClr val="42DAAB"/>
-            </a:gs>
-            <a:gs pos="0">
-              <a:schemeClr val="tx1"/>
-            </a:gs>
-            <a:gs pos="100000">
-              <a:schemeClr val="accent1">
-                <a:lumMod val="30000"/>
-                <a:lumOff val="70000"/>
-              </a:schemeClr>
-            </a:gs>
-          </a:gsLst>
-          <a:lin ang="2700000" scaled="1"/>
-        </a:gradFill>
-        <a:effectLst/>
-      </p:bgPr>
-    </p:bg>
-    <p:spTree>
-      <p:nvGrpSpPr>
-        <p:cNvPr id="1" name="">
-          <a:extLst>
-            <a:ext uri="{FF2B5EF4-FFF2-40B4-BE49-F238E27FC236}">
-              <a16:creationId xmlns:a16="http://schemas.microsoft.com/office/drawing/2014/main" id="{B8C55B13-0C4D-FEF7-02E6-C6CEA93460DB}"/>
-            </a:ext>
-          </a:extLst>
-        </p:cNvPr>
-        <p:cNvGrpSpPr/>
-        <p:nvPr/>
-      </p:nvGrpSpPr>
-      <p:grpSpPr>
-        <a:xfrm>
-          <a:off x="0" y="0"/>
-          <a:ext cx="0" cy="0"/>
-          <a:chOff x="0" y="0"/>
-          <a:chExt cx="0" cy="0"/>
-        </a:xfrm>
-      </p:grpSpPr>
-      <p:sp>
-        <p:nvSpPr>
-          <p:cNvPr id="2" name="TextBox 1">
-            <a:extLst>
-              <a:ext uri="{FF2B5EF4-FFF2-40B4-BE49-F238E27FC236}">
-                <a16:creationId xmlns:a16="http://schemas.microsoft.com/office/drawing/2014/main" id="{2566ADFF-4C07-DAF8-F793-E20BBDCC5BBC}"/>
-              </a:ext>
-            </a:extLst>
-          </p:cNvPr>
-          <p:cNvSpPr txBox="1"/>
-          <p:nvPr/>
-        </p:nvSpPr>
-        <p:spPr>
-          <a:xfrm>
-            <a:off x="-1" y="256357"/>
-            <a:ext cx="7060367" cy="523220"/>
-          </a:xfrm>
-          <a:prstGeom prst="rect">
-            <a:avLst/>
-          </a:prstGeom>
-          <a:noFill/>
-        </p:spPr>
-        <p:txBody>
-          <a:bodyPr wrap="square" rtlCol="0">
-            <a:spAutoFit/>
-          </a:bodyPr>
-          <a:lstStyle/>
-          <a:p>
-            <a:r>
-              <a:rPr lang="en-US" sz="2800" u="sng" dirty="0">
-                <a:solidFill>
-                  <a:schemeClr val="bg1"/>
-                </a:solidFill>
-                <a:latin typeface="Calibri" panose="020F0502020204030204" pitchFamily="34" charset="0"/>
-                <a:ea typeface="Calibri" panose="020F0502020204030204" pitchFamily="34" charset="0"/>
-                <a:cs typeface="Calibri" panose="020F0502020204030204" pitchFamily="34" charset="0"/>
-              </a:rPr>
-              <a:t>Detailed Architecture Components</a:t>
-            </a:r>
-          </a:p>
-        </p:txBody>
-      </p:sp>
-      <p:sp>
-        <p:nvSpPr>
-          <p:cNvPr id="5" name="TextBox 4">
-            <a:extLst>
-              <a:ext uri="{FF2B5EF4-FFF2-40B4-BE49-F238E27FC236}">
-                <a16:creationId xmlns:a16="http://schemas.microsoft.com/office/drawing/2014/main" id="{F2752558-C421-781B-A442-18D2D91A41F4}"/>
-              </a:ext>
-            </a:extLst>
-          </p:cNvPr>
-          <p:cNvSpPr txBox="1"/>
-          <p:nvPr/>
-        </p:nvSpPr>
-        <p:spPr>
-          <a:xfrm>
-            <a:off x="119919" y="1248753"/>
-            <a:ext cx="10519347" cy="4093428"/>
-          </a:xfrm>
-          <a:prstGeom prst="rect">
-            <a:avLst/>
-          </a:prstGeom>
-          <a:noFill/>
-        </p:spPr>
-        <p:txBody>
-          <a:bodyPr wrap="square">
-            <a:spAutoFit/>
-          </a:bodyPr>
-          <a:lstStyle/>
-          <a:p>
-            <a:pPr marL="342900" indent="-342900" rtl="0" fontAlgn="ctr">
-              <a:buFont typeface="Wingdings" panose="05000000000000000000" pitchFamily="2" charset="2"/>
-              <a:buChar char="§"/>
-            </a:pPr>
-            <a:r>
-              <a:rPr lang="en-US" sz="2000" b="1" i="0" dirty="0">
-                <a:effectLst/>
-                <a:latin typeface="Calibri" panose="020F0502020204030204" pitchFamily="34" charset="0"/>
-              </a:rPr>
-              <a:t>Hub Network</a:t>
-            </a:r>
-            <a:r>
-              <a:rPr lang="en-US" sz="2000" b="0" i="0" dirty="0">
-                <a:effectLst/>
-                <a:latin typeface="Calibri" panose="020F0502020204030204" pitchFamily="34" charset="0"/>
-              </a:rPr>
-              <a:t>:</a:t>
-            </a:r>
-            <a:endParaRPr lang="en-US" sz="2000" b="1" i="0" dirty="0">
-              <a:effectLst/>
-              <a:latin typeface="Calibri" panose="020F0502020204030204" pitchFamily="34" charset="0"/>
-            </a:endParaRPr>
-          </a:p>
-          <a:p>
-            <a:pPr marL="800100" lvl="1" indent="-342900" rtl="0" fontAlgn="ctr">
-              <a:buFont typeface="Wingdings" panose="05000000000000000000" pitchFamily="2" charset="2"/>
-              <a:buChar char="§"/>
-            </a:pPr>
-            <a:r>
-              <a:rPr lang="en-US" sz="2000" i="0" dirty="0">
-                <a:effectLst/>
-                <a:latin typeface="Calibri" panose="020F0502020204030204" pitchFamily="34" charset="0"/>
-              </a:rPr>
-              <a:t>Azure Firewall: Controls traffic and enforces security policies.</a:t>
-            </a:r>
-          </a:p>
-          <a:p>
-            <a:pPr marL="800100" lvl="1" indent="-342900" rtl="0" fontAlgn="ctr">
-              <a:buFont typeface="Wingdings" panose="05000000000000000000" pitchFamily="2" charset="2"/>
-              <a:buChar char="§"/>
-            </a:pPr>
-            <a:r>
-              <a:rPr lang="en-US" sz="2000" i="0" dirty="0">
-                <a:effectLst/>
-                <a:latin typeface="Calibri" panose="020F0502020204030204" pitchFamily="34" charset="0"/>
-              </a:rPr>
-              <a:t>VPN Gateway &amp;Express route: Secure communication between on-premises and Azure.</a:t>
-            </a:r>
-          </a:p>
-          <a:p>
-            <a:pPr marL="800100" lvl="1" indent="-342900" rtl="0" fontAlgn="ctr">
-              <a:buFont typeface="Wingdings" panose="05000000000000000000" pitchFamily="2" charset="2"/>
-              <a:buChar char="§"/>
-            </a:pPr>
-            <a:r>
-              <a:rPr lang="en-US" sz="2000" i="0" dirty="0">
-                <a:effectLst/>
-                <a:latin typeface="Calibri" panose="020F0502020204030204" pitchFamily="34" charset="0"/>
-              </a:rPr>
-              <a:t>Monitoring: Secure management and tracking.</a:t>
-            </a:r>
-          </a:p>
-          <a:p>
-            <a:pPr marL="800100" lvl="1" indent="-342900" rtl="0" fontAlgn="ctr">
-              <a:buFont typeface="Wingdings" panose="05000000000000000000" pitchFamily="2" charset="2"/>
-              <a:buChar char="§"/>
-            </a:pPr>
-            <a:r>
-              <a:rPr lang="en-US" sz="2000" dirty="0">
-                <a:latin typeface="Calibri" panose="020F0502020204030204" pitchFamily="34" charset="0"/>
-              </a:rPr>
-              <a:t>Application Gateway : Used </a:t>
-            </a:r>
-            <a:r>
-              <a:rPr lang="en-US" sz="2000" dirty="0">
-                <a:latin typeface="Calibri" panose="020F0502020204030204" pitchFamily="34" charset="0"/>
-                <a:ea typeface="Calibri" panose="020F0502020204030204" pitchFamily="34" charset="0"/>
-                <a:cs typeface="Calibri" panose="020F0502020204030204" pitchFamily="34" charset="0"/>
-              </a:rPr>
-              <a:t>load balancing and web traffic management</a:t>
-            </a:r>
-            <a:endParaRPr lang="en-US" sz="2000" i="0" dirty="0">
-              <a:effectLst/>
-              <a:latin typeface="Calibri" panose="020F0502020204030204" pitchFamily="34" charset="0"/>
-              <a:ea typeface="Calibri" panose="020F0502020204030204" pitchFamily="34" charset="0"/>
-              <a:cs typeface="Calibri" panose="020F0502020204030204" pitchFamily="34" charset="0"/>
-            </a:endParaRPr>
-          </a:p>
-          <a:p>
-            <a:pPr marL="800100" lvl="1" indent="-342900" rtl="0" fontAlgn="ctr">
-              <a:buFont typeface="Wingdings" panose="05000000000000000000" pitchFamily="2" charset="2"/>
-              <a:buChar char="§"/>
-            </a:pPr>
-            <a:endParaRPr lang="en-US" sz="2000" b="1" i="0" dirty="0">
-              <a:effectLst/>
-              <a:latin typeface="Calibri" panose="020F0502020204030204" pitchFamily="34" charset="0"/>
-            </a:endParaRPr>
-          </a:p>
-          <a:p>
-            <a:pPr marL="342900" indent="-342900" rtl="0" fontAlgn="ctr">
-              <a:buFont typeface="Wingdings" panose="05000000000000000000" pitchFamily="2" charset="2"/>
-              <a:buChar char="§"/>
-            </a:pPr>
-            <a:r>
-              <a:rPr lang="en-US" sz="2000" b="1" i="0" dirty="0">
-                <a:effectLst/>
-                <a:latin typeface="Calibri" panose="020F0502020204030204" pitchFamily="34" charset="0"/>
-              </a:rPr>
-              <a:t>Spoke Networks</a:t>
-            </a:r>
-            <a:r>
-              <a:rPr lang="en-US" sz="2000" b="0" i="0" dirty="0">
-                <a:effectLst/>
-                <a:latin typeface="Calibri" panose="020F0502020204030204" pitchFamily="34" charset="0"/>
-              </a:rPr>
-              <a:t>:</a:t>
-            </a:r>
-            <a:endParaRPr lang="en-US" sz="2000" b="1" i="0" dirty="0">
-              <a:effectLst/>
-              <a:latin typeface="Calibri" panose="020F0502020204030204" pitchFamily="34" charset="0"/>
-            </a:endParaRPr>
-          </a:p>
-          <a:p>
-            <a:pPr marL="800100" lvl="1" indent="-342900" rtl="0" fontAlgn="ctr">
-              <a:buFont typeface="Wingdings" panose="05000000000000000000" pitchFamily="2" charset="2"/>
-              <a:buChar char="§"/>
-            </a:pPr>
-            <a:r>
-              <a:rPr lang="en-US" sz="2000" i="0" dirty="0">
-                <a:effectLst/>
-                <a:latin typeface="Calibri" panose="020F0502020204030204" pitchFamily="34" charset="0"/>
-              </a:rPr>
-              <a:t>Storage: Azure Blob Storage with versioning.</a:t>
-            </a:r>
-          </a:p>
-          <a:p>
-            <a:pPr marL="800100" lvl="1" indent="-342900" rtl="0" fontAlgn="ctr">
-              <a:buFont typeface="Wingdings" panose="05000000000000000000" pitchFamily="2" charset="2"/>
-              <a:buChar char="§"/>
-            </a:pPr>
-            <a:r>
-              <a:rPr lang="en-US" sz="2000" i="0" dirty="0">
-                <a:effectLst/>
-                <a:latin typeface="Calibri" panose="020F0502020204030204" pitchFamily="34" charset="0"/>
-              </a:rPr>
-              <a:t>Function: Azure Functions for automating file processing.</a:t>
-            </a:r>
-          </a:p>
-          <a:p>
-            <a:pPr marL="800100" lvl="1" indent="-342900" rtl="0" fontAlgn="ctr">
-              <a:buFont typeface="Wingdings" panose="05000000000000000000" pitchFamily="2" charset="2"/>
-              <a:buChar char="§"/>
-            </a:pPr>
-            <a:r>
-              <a:rPr lang="en-US" sz="2000" i="0" dirty="0">
-                <a:effectLst/>
-                <a:latin typeface="Calibri" panose="020F0502020204030204" pitchFamily="34" charset="0"/>
-              </a:rPr>
-              <a:t>Content Delivery: Azure CDN for fast global access.</a:t>
-            </a:r>
-          </a:p>
-          <a:p>
-            <a:pPr marL="800100" lvl="1" indent="-342900" rtl="0" fontAlgn="ctr">
-              <a:buFont typeface="Wingdings" panose="05000000000000000000" pitchFamily="2" charset="2"/>
-              <a:buChar char="§"/>
-            </a:pPr>
-            <a:r>
-              <a:rPr lang="en-US" sz="2000" i="0" dirty="0">
-                <a:effectLst/>
-                <a:latin typeface="Calibri" panose="020F0502020204030204" pitchFamily="34" charset="0"/>
-              </a:rPr>
-              <a:t>User Portal: Web infrastructure for authentication and access.</a:t>
-            </a:r>
-          </a:p>
-          <a:p>
-            <a:pPr marL="800100" lvl="1" indent="-342900" rtl="0" fontAlgn="ctr">
-              <a:buFont typeface="Wingdings" panose="05000000000000000000" pitchFamily="2" charset="2"/>
-              <a:buChar char="§"/>
-            </a:pPr>
-            <a:r>
-              <a:rPr lang="en-US" sz="2000" dirty="0">
-                <a:latin typeface="Calibri" panose="020F0502020204030204" pitchFamily="34" charset="0"/>
-              </a:rPr>
-              <a:t>Azure </a:t>
-            </a:r>
-            <a:r>
-              <a:rPr lang="en-US" sz="2000" dirty="0" err="1">
-                <a:latin typeface="Calibri" panose="020F0502020204030204" pitchFamily="34" charset="0"/>
-              </a:rPr>
-              <a:t>KeyVault</a:t>
-            </a:r>
-            <a:r>
-              <a:rPr lang="en-US" sz="2000" dirty="0">
-                <a:latin typeface="Calibri" panose="020F0502020204030204" pitchFamily="34" charset="0"/>
-              </a:rPr>
-              <a:t>: To Store and Manage Keys &amp; secrets.</a:t>
-            </a:r>
-            <a:endParaRPr lang="en-US" sz="2000" i="0" dirty="0">
-              <a:effectLst/>
-              <a:latin typeface="Calibri" panose="020F0502020204030204" pitchFamily="34" charset="0"/>
-            </a:endParaRPr>
-          </a:p>
-          <a:p>
-            <a:pPr marL="800100" lvl="1" indent="-342900" rtl="0" fontAlgn="ctr">
-              <a:buFont typeface="Wingdings" panose="05000000000000000000" pitchFamily="2" charset="2"/>
-              <a:buChar char="§"/>
-            </a:pPr>
-            <a:endParaRPr lang="en-US" sz="2000" i="0" dirty="0">
-              <a:effectLst/>
-              <a:latin typeface="Calibri" panose="020F0502020204030204" pitchFamily="34" charset="0"/>
-            </a:endParaRPr>
-          </a:p>
-        </p:txBody>
-      </p:sp>
-    </p:spTree>
-    <p:extLst>
-      <p:ext uri="{BB962C8B-B14F-4D97-AF65-F5344CB8AC3E}">
-        <p14:creationId xmlns:p14="http://schemas.microsoft.com/office/powerpoint/2010/main" val="66079871"/>
-      </p:ext>
-    </p:extLst>
-  </p:cSld>
-  <p:clrMapOvr>
-    <a:masterClrMapping/>
-  </p:clrMapOvr>
-</p:sld>
-</file>
-
-<file path=ppt/slides/slide6.xml><?xml version="1.0" encoding="utf-8"?>
-<p:sld xmlns:a="http://schemas.openxmlformats.org/drawingml/2006/main" xmlns:r="http://schemas.openxmlformats.org/officeDocument/2006/relationships" xmlns:p="http://schemas.openxmlformats.org/presentationml/2006/main">
-  <p:cSld>
-    <p:bg>
-      <p:bgPr>
-        <a:gradFill>
-          <a:gsLst>
-            <a:gs pos="18000">
-              <a:srgbClr val="42DAAB"/>
-            </a:gs>
-            <a:gs pos="0">
-              <a:schemeClr val="tx1"/>
-            </a:gs>
-            <a:gs pos="100000">
-              <a:schemeClr val="accent1">
-                <a:lumMod val="30000"/>
-                <a:lumOff val="70000"/>
-              </a:schemeClr>
-            </a:gs>
-          </a:gsLst>
-          <a:lin ang="2700000" scaled="1"/>
-        </a:gradFill>
-        <a:effectLst/>
-      </p:bgPr>
-    </p:bg>
-    <p:spTree>
-      <p:nvGrpSpPr>
-        <p:cNvPr id="1" name="">
-          <a:extLst>
-            <a:ext uri="{FF2B5EF4-FFF2-40B4-BE49-F238E27FC236}">
-              <a16:creationId xmlns:a16="http://schemas.microsoft.com/office/drawing/2014/main" id="{73D294CB-6BE7-E6A7-F004-B00F3FED7DB0}"/>
-            </a:ext>
-          </a:extLst>
-        </p:cNvPr>
-        <p:cNvGrpSpPr/>
-        <p:nvPr/>
-      </p:nvGrpSpPr>
-      <p:grpSpPr>
-        <a:xfrm>
-          <a:off x="0" y="0"/>
-          <a:ext cx="0" cy="0"/>
-          <a:chOff x="0" y="0"/>
-          <a:chExt cx="0" cy="0"/>
-        </a:xfrm>
-      </p:grpSpPr>
-      <p:sp>
-        <p:nvSpPr>
-          <p:cNvPr id="6" name="TextBox 5">
-            <a:extLst>
-              <a:ext uri="{FF2B5EF4-FFF2-40B4-BE49-F238E27FC236}">
-                <a16:creationId xmlns:a16="http://schemas.microsoft.com/office/drawing/2014/main" id="{4665B345-2071-EEF6-D1FB-2A1BE4CDB5D3}"/>
-              </a:ext>
-            </a:extLst>
-          </p:cNvPr>
-          <p:cNvSpPr txBox="1"/>
-          <p:nvPr/>
-        </p:nvSpPr>
-        <p:spPr>
-          <a:xfrm>
-            <a:off x="153650" y="3938185"/>
-            <a:ext cx="9485027" cy="1938992"/>
-          </a:xfrm>
-          <a:prstGeom prst="rect">
-            <a:avLst/>
-          </a:prstGeom>
-          <a:noFill/>
-        </p:spPr>
-        <p:txBody>
-          <a:bodyPr wrap="square">
-            <a:spAutoFit/>
-          </a:bodyPr>
-          <a:lstStyle/>
-          <a:p>
-            <a:pPr marL="285750" indent="-285750" rtl="0" fontAlgn="ctr">
-              <a:buFont typeface="Wingdings" panose="05000000000000000000" pitchFamily="2" charset="2"/>
-              <a:buChar char="§"/>
-            </a:pPr>
-            <a:r>
-              <a:rPr lang="en-US" sz="2000" b="1" dirty="0">
-                <a:effectLst/>
-                <a:latin typeface="Calibri" panose="020F0502020204030204" pitchFamily="34" charset="0"/>
-              </a:rPr>
-              <a:t>Azure AD Authentication</a:t>
-            </a:r>
-            <a:r>
-              <a:rPr lang="en-US" sz="2000" dirty="0">
-                <a:effectLst/>
-                <a:latin typeface="Calibri" panose="020F0502020204030204" pitchFamily="34" charset="0"/>
-              </a:rPr>
-              <a:t>: Ensures only authorized users can access the portal.</a:t>
-            </a:r>
-          </a:p>
-          <a:p>
-            <a:pPr marL="285750" indent="-285750" rtl="0" fontAlgn="ctr">
-              <a:buFont typeface="Wingdings" panose="05000000000000000000" pitchFamily="2" charset="2"/>
-              <a:buChar char="§"/>
-            </a:pPr>
-            <a:r>
-              <a:rPr lang="en-US" sz="2000" b="1" dirty="0">
-                <a:effectLst/>
-                <a:latin typeface="Calibri" panose="020F0502020204030204" pitchFamily="34" charset="0"/>
-              </a:rPr>
-              <a:t>RBAC</a:t>
-            </a:r>
-            <a:r>
-              <a:rPr lang="en-US" sz="2000" dirty="0">
-                <a:effectLst/>
-                <a:latin typeface="Calibri" panose="020F0502020204030204" pitchFamily="34" charset="0"/>
-              </a:rPr>
-              <a:t>: Manages access to resources based on user roles.</a:t>
-            </a:r>
-          </a:p>
-          <a:p>
-            <a:pPr marL="285750" indent="-285750" rtl="0" fontAlgn="ctr">
-              <a:buFont typeface="Wingdings" panose="05000000000000000000" pitchFamily="2" charset="2"/>
-              <a:buChar char="§"/>
-            </a:pPr>
-            <a:r>
-              <a:rPr lang="en-US" sz="2000" b="1" dirty="0">
-                <a:effectLst/>
-                <a:latin typeface="Calibri" panose="020F0502020204030204" pitchFamily="34" charset="0"/>
-              </a:rPr>
-              <a:t>Private Endpoints</a:t>
-            </a:r>
-            <a:r>
-              <a:rPr lang="en-US" sz="2000" dirty="0">
-                <a:effectLst/>
-                <a:latin typeface="Calibri" panose="020F0502020204030204" pitchFamily="34" charset="0"/>
-              </a:rPr>
-              <a:t>: Keeps internal communication secure.</a:t>
-            </a:r>
-          </a:p>
-          <a:p>
-            <a:pPr marL="285750" indent="-285750" rtl="0" fontAlgn="ctr">
-              <a:buFont typeface="Wingdings" panose="05000000000000000000" pitchFamily="2" charset="2"/>
-              <a:buChar char="§"/>
-            </a:pPr>
-            <a:r>
-              <a:rPr lang="en-US" sz="2000" b="1" dirty="0">
-                <a:effectLst/>
-                <a:latin typeface="Calibri" panose="020F0502020204030204" pitchFamily="34" charset="0"/>
-              </a:rPr>
-              <a:t>VPN Gateway</a:t>
-            </a:r>
-            <a:r>
-              <a:rPr lang="en-US" sz="2000" dirty="0">
-                <a:effectLst/>
-                <a:latin typeface="Calibri" panose="020F0502020204030204" pitchFamily="34" charset="0"/>
-              </a:rPr>
-              <a:t>: Ensures encrypted communication between on-premises and Azure.</a:t>
-            </a:r>
-          </a:p>
-          <a:p>
-            <a:pPr marL="285750" indent="-285750" rtl="0" fontAlgn="ctr">
-              <a:buFont typeface="Wingdings" panose="05000000000000000000" pitchFamily="2" charset="2"/>
-              <a:buChar char="§"/>
-            </a:pPr>
-            <a:r>
-              <a:rPr lang="en-US" sz="2000" b="1" dirty="0">
-                <a:effectLst/>
-                <a:latin typeface="Calibri" panose="020F0502020204030204" pitchFamily="34" charset="0"/>
-              </a:rPr>
-              <a:t>SAS Tokens</a:t>
-            </a:r>
-            <a:r>
-              <a:rPr lang="en-US" sz="2000" dirty="0">
-                <a:effectLst/>
-                <a:latin typeface="Calibri" panose="020F0502020204030204" pitchFamily="34" charset="0"/>
-              </a:rPr>
-              <a:t>: Temporary, secure access to recipe files.</a:t>
-            </a:r>
-          </a:p>
-          <a:p>
-            <a:pPr marL="285750" indent="-285750" rtl="0" fontAlgn="ctr">
-              <a:buFont typeface="Wingdings" panose="05000000000000000000" pitchFamily="2" charset="2"/>
-              <a:buChar char="§"/>
-            </a:pPr>
-            <a:r>
-              <a:rPr lang="en-US" sz="2000" b="1" dirty="0">
-                <a:latin typeface="Calibri" panose="020F0502020204030204" pitchFamily="34" charset="0"/>
-              </a:rPr>
-              <a:t>Azure </a:t>
-            </a:r>
-            <a:r>
-              <a:rPr lang="en-US" sz="2000" b="1" dirty="0" err="1">
-                <a:latin typeface="Calibri" panose="020F0502020204030204" pitchFamily="34" charset="0"/>
-              </a:rPr>
-              <a:t>KeyVault</a:t>
-            </a:r>
-            <a:r>
-              <a:rPr lang="en-US" sz="2000" dirty="0">
-                <a:latin typeface="Calibri" panose="020F0502020204030204" pitchFamily="34" charset="0"/>
-              </a:rPr>
-              <a:t>: Store Sensitive Information.</a:t>
-            </a:r>
-            <a:endParaRPr lang="en-US" sz="2000" dirty="0">
-              <a:effectLst/>
-              <a:latin typeface="Calibri" panose="020F0502020204030204" pitchFamily="34" charset="0"/>
-            </a:endParaRPr>
-          </a:p>
-        </p:txBody>
-      </p:sp>
-      <p:sp>
-        <p:nvSpPr>
-          <p:cNvPr id="8" name="TextBox 7">
-            <a:extLst>
-              <a:ext uri="{FF2B5EF4-FFF2-40B4-BE49-F238E27FC236}">
-                <a16:creationId xmlns:a16="http://schemas.microsoft.com/office/drawing/2014/main" id="{708E3AD6-9782-F951-6F8F-ADA322768FC7}"/>
-              </a:ext>
-            </a:extLst>
-          </p:cNvPr>
-          <p:cNvSpPr txBox="1"/>
-          <p:nvPr/>
-        </p:nvSpPr>
-        <p:spPr>
-          <a:xfrm>
-            <a:off x="258581" y="3414965"/>
-            <a:ext cx="6093500" cy="523220"/>
-          </a:xfrm>
-          <a:prstGeom prst="rect">
-            <a:avLst/>
-          </a:prstGeom>
-          <a:noFill/>
-        </p:spPr>
-        <p:txBody>
-          <a:bodyPr wrap="square">
-            <a:spAutoFit/>
-          </a:bodyPr>
-          <a:lstStyle/>
-          <a:p>
-            <a:r>
-              <a:rPr lang="en-US" sz="2800" b="1" dirty="0">
-                <a:solidFill>
-                  <a:schemeClr val="bg1"/>
-                </a:solidFill>
-                <a:effectLst/>
-                <a:latin typeface="Calibri" panose="020F0502020204030204" pitchFamily="34" charset="0"/>
-              </a:rPr>
-              <a:t>Security Considerations</a:t>
-            </a:r>
-            <a:endParaRPr lang="en-US" sz="2800" dirty="0">
-              <a:solidFill>
-                <a:schemeClr val="bg1"/>
-              </a:solidFill>
-            </a:endParaRPr>
-          </a:p>
-        </p:txBody>
-      </p:sp>
-      <p:sp>
-        <p:nvSpPr>
-          <p:cNvPr id="7" name="TextBox 6">
-            <a:extLst>
-              <a:ext uri="{FF2B5EF4-FFF2-40B4-BE49-F238E27FC236}">
-                <a16:creationId xmlns:a16="http://schemas.microsoft.com/office/drawing/2014/main" id="{1091320A-917C-742C-9646-725F6BDBFABE}"/>
-              </a:ext>
-            </a:extLst>
-          </p:cNvPr>
-          <p:cNvSpPr txBox="1"/>
-          <p:nvPr/>
-        </p:nvSpPr>
-        <p:spPr>
-          <a:xfrm>
-            <a:off x="153650" y="212977"/>
-            <a:ext cx="6820525" cy="523220"/>
-          </a:xfrm>
-          <a:prstGeom prst="rect">
-            <a:avLst/>
-          </a:prstGeom>
-          <a:noFill/>
-        </p:spPr>
-        <p:txBody>
-          <a:bodyPr wrap="square" rtlCol="0">
-            <a:spAutoFit/>
-          </a:bodyPr>
-          <a:lstStyle/>
-          <a:p>
-            <a:r>
-              <a:rPr lang="en-US" sz="2800" u="sng" dirty="0">
-                <a:solidFill>
-                  <a:schemeClr val="bg1"/>
-                </a:solidFill>
-                <a:effectLst/>
-                <a:latin typeface="Calibri" panose="020F0502020204030204" pitchFamily="34" charset="0"/>
-              </a:rPr>
-              <a:t>Flow of User Access &amp; File Management</a:t>
-            </a:r>
-            <a:endParaRPr lang="en-US" sz="2800" u="sng" dirty="0">
-              <a:solidFill>
-                <a:schemeClr val="bg1"/>
-              </a:solidFill>
-            </a:endParaRPr>
-          </a:p>
-        </p:txBody>
-      </p:sp>
-      <p:sp>
-        <p:nvSpPr>
-          <p:cNvPr id="9" name="TextBox 8">
-            <a:extLst>
-              <a:ext uri="{FF2B5EF4-FFF2-40B4-BE49-F238E27FC236}">
-                <a16:creationId xmlns:a16="http://schemas.microsoft.com/office/drawing/2014/main" id="{4459D5F9-4D6A-7FDD-9DAE-45E07E664473}"/>
-              </a:ext>
-            </a:extLst>
-          </p:cNvPr>
-          <p:cNvSpPr txBox="1"/>
-          <p:nvPr/>
-        </p:nvSpPr>
-        <p:spPr>
-          <a:xfrm>
-            <a:off x="258581" y="1427100"/>
-            <a:ext cx="8645578" cy="1938992"/>
-          </a:xfrm>
-          <a:prstGeom prst="rect">
-            <a:avLst/>
-          </a:prstGeom>
-          <a:noFill/>
-        </p:spPr>
-        <p:txBody>
-          <a:bodyPr wrap="square">
-            <a:spAutoFit/>
-          </a:bodyPr>
-          <a:lstStyle/>
-          <a:p>
-            <a:pPr marL="285750" indent="-285750" rtl="0" fontAlgn="ctr">
-              <a:buFont typeface="Wingdings" panose="05000000000000000000" pitchFamily="2" charset="2"/>
-              <a:buChar char="§"/>
-            </a:pPr>
-            <a:r>
-              <a:rPr lang="en-US" sz="2000" b="1" i="0" dirty="0">
-                <a:effectLst/>
-                <a:latin typeface="Calibri" panose="020F0502020204030204" pitchFamily="34" charset="0"/>
-              </a:rPr>
-              <a:t>User Authentication</a:t>
-            </a:r>
-            <a:r>
-              <a:rPr lang="en-US" sz="2000" b="0" i="0" dirty="0">
-                <a:effectLst/>
-                <a:latin typeface="Calibri" panose="020F0502020204030204" pitchFamily="34" charset="0"/>
-              </a:rPr>
-              <a:t>: Azure AD authenticates users, assigns roles.</a:t>
-            </a:r>
-            <a:endParaRPr lang="en-US" sz="2000" b="1" i="0" dirty="0">
-              <a:effectLst/>
-              <a:latin typeface="Calibri" panose="020F0502020204030204" pitchFamily="34" charset="0"/>
-            </a:endParaRPr>
-          </a:p>
-          <a:p>
-            <a:pPr marL="285750" indent="-285750" rtl="0" fontAlgn="ctr">
-              <a:buFont typeface="Wingdings" panose="05000000000000000000" pitchFamily="2" charset="2"/>
-              <a:buChar char="§"/>
-            </a:pPr>
-            <a:r>
-              <a:rPr lang="en-US" sz="2000" b="1" i="0" dirty="0">
-                <a:effectLst/>
-                <a:latin typeface="Calibri" panose="020F0502020204030204" pitchFamily="34" charset="0"/>
-              </a:rPr>
-              <a:t>Authorization</a:t>
-            </a:r>
-            <a:r>
-              <a:rPr lang="en-US" sz="2000" b="0" i="0" dirty="0">
-                <a:effectLst/>
-                <a:latin typeface="Calibri" panose="020F0502020204030204" pitchFamily="34" charset="0"/>
-              </a:rPr>
-              <a:t>: Role-based access control (RBAC) to Blob Storage.</a:t>
-            </a:r>
-            <a:endParaRPr lang="en-US" sz="2000" b="1" i="0" dirty="0">
-              <a:effectLst/>
-              <a:latin typeface="Calibri" panose="020F0502020204030204" pitchFamily="34" charset="0"/>
-            </a:endParaRPr>
-          </a:p>
-          <a:p>
-            <a:pPr marL="285750" indent="-285750" rtl="0" fontAlgn="ctr">
-              <a:buFont typeface="Wingdings" panose="05000000000000000000" pitchFamily="2" charset="2"/>
-              <a:buChar char="§"/>
-            </a:pPr>
-            <a:r>
-              <a:rPr lang="en-US" sz="2000" b="1" i="0" dirty="0">
-                <a:effectLst/>
-                <a:latin typeface="Calibri" panose="020F0502020204030204" pitchFamily="34" charset="0"/>
-              </a:rPr>
-              <a:t>Data Storage</a:t>
-            </a:r>
-            <a:r>
-              <a:rPr lang="en-US" sz="2000" b="0" i="0" dirty="0">
-                <a:effectLst/>
-                <a:latin typeface="Calibri" panose="020F0502020204030204" pitchFamily="34" charset="0"/>
-              </a:rPr>
-              <a:t>: Recipes stored securely in Blob Storage with versioning.</a:t>
-            </a:r>
-            <a:endParaRPr lang="en-US" sz="2000" b="1" i="0" dirty="0">
-              <a:effectLst/>
-              <a:latin typeface="Calibri" panose="020F0502020204030204" pitchFamily="34" charset="0"/>
-            </a:endParaRPr>
-          </a:p>
-          <a:p>
-            <a:pPr marL="285750" indent="-285750" rtl="0" fontAlgn="ctr">
-              <a:buFont typeface="Wingdings" panose="05000000000000000000" pitchFamily="2" charset="2"/>
-              <a:buChar char="§"/>
-            </a:pPr>
-            <a:r>
-              <a:rPr lang="en-US" sz="2000" b="1" i="0" dirty="0">
-                <a:effectLst/>
-                <a:latin typeface="Calibri" panose="020F0502020204030204" pitchFamily="34" charset="0"/>
-              </a:rPr>
-              <a:t>Automation</a:t>
-            </a:r>
-            <a:r>
-              <a:rPr lang="en-US" sz="2000" b="0" i="0" dirty="0">
-                <a:effectLst/>
-                <a:latin typeface="Calibri" panose="020F0502020204030204" pitchFamily="34" charset="0"/>
-              </a:rPr>
-              <a:t>: Azure Functions zip files for easier distribution.</a:t>
-            </a:r>
-            <a:endParaRPr lang="en-US" sz="2000" b="1" i="0" dirty="0">
-              <a:effectLst/>
-              <a:latin typeface="Calibri" panose="020F0502020204030204" pitchFamily="34" charset="0"/>
-            </a:endParaRPr>
-          </a:p>
-          <a:p>
-            <a:pPr marL="285750" indent="-285750" rtl="0" fontAlgn="ctr">
-              <a:buFont typeface="Wingdings" panose="05000000000000000000" pitchFamily="2" charset="2"/>
-              <a:buChar char="§"/>
-            </a:pPr>
-            <a:r>
-              <a:rPr lang="en-US" sz="2000" b="1" i="0" dirty="0">
-                <a:effectLst/>
-                <a:latin typeface="Calibri" panose="020F0502020204030204" pitchFamily="34" charset="0"/>
-              </a:rPr>
-              <a:t>Secure Distribution</a:t>
-            </a:r>
-            <a:r>
-              <a:rPr lang="en-US" sz="2000" b="0" i="0" dirty="0">
-                <a:effectLst/>
-                <a:latin typeface="Calibri" panose="020F0502020204030204" pitchFamily="34" charset="0"/>
-              </a:rPr>
-              <a:t>: Azure CDN delivers files globally with SAS tokens.</a:t>
-            </a:r>
-            <a:endParaRPr lang="en-US" sz="2000" b="1" i="0" dirty="0">
-              <a:effectLst/>
-              <a:latin typeface="Calibri" panose="020F0502020204030204" pitchFamily="34" charset="0"/>
-            </a:endParaRPr>
-          </a:p>
-          <a:p>
-            <a:pPr marL="285750" indent="-285750" rtl="0" fontAlgn="ctr">
-              <a:buFont typeface="Wingdings" panose="05000000000000000000" pitchFamily="2" charset="2"/>
-              <a:buChar char="§"/>
-            </a:pPr>
-            <a:r>
-              <a:rPr lang="en-US" sz="2000" b="1" i="0" dirty="0">
-                <a:effectLst/>
-                <a:latin typeface="Calibri" panose="020F0502020204030204" pitchFamily="34" charset="0"/>
-              </a:rPr>
-              <a:t>VPN Gateway</a:t>
-            </a:r>
-            <a:r>
-              <a:rPr lang="en-US" sz="2000" b="0" i="0" dirty="0">
-                <a:effectLst/>
-                <a:latin typeface="Calibri" panose="020F0502020204030204" pitchFamily="34" charset="0"/>
-              </a:rPr>
-              <a:t>: Secure access for on-premises systems.</a:t>
-            </a:r>
-            <a:endParaRPr lang="en-US" sz="2000" b="1" i="0" dirty="0">
-              <a:effectLst/>
-              <a:latin typeface="Calibri" panose="020F0502020204030204" pitchFamily="34" charset="0"/>
-            </a:endParaRPr>
-          </a:p>
-        </p:txBody>
-      </p:sp>
-    </p:spTree>
-    <p:extLst>
-      <p:ext uri="{BB962C8B-B14F-4D97-AF65-F5344CB8AC3E}">
-        <p14:creationId xmlns:p14="http://schemas.microsoft.com/office/powerpoint/2010/main" val="4278213206"/>
-      </p:ext>
-    </p:extLst>
-  </p:cSld>
-  <p:clrMapOvr>
-    <a:masterClrMapping/>
-  </p:clrMapOvr>
-</p:sld>
-</file>
-
-<file path=ppt/slides/slide7.xml><?xml version="1.0" encoding="utf-8"?>
-<p:sld xmlns:a="http://schemas.openxmlformats.org/drawingml/2006/main" xmlns:r="http://schemas.openxmlformats.org/officeDocument/2006/relationships" xmlns:p="http://schemas.openxmlformats.org/presentationml/2006/main">
-  <p:cSld>
-    <p:bg>
-      <p:bgPr>
-        <a:gradFill>
-          <a:gsLst>
-            <a:gs pos="18000">
-              <a:srgbClr val="42DAAB"/>
-            </a:gs>
-            <a:gs pos="0">
-              <a:schemeClr val="tx1"/>
-            </a:gs>
-            <a:gs pos="100000">
-              <a:schemeClr val="accent1">
-                <a:lumMod val="30000"/>
-                <a:lumOff val="70000"/>
-              </a:schemeClr>
-            </a:gs>
-          </a:gsLst>
-          <a:lin ang="2700000" scaled="1"/>
-        </a:gradFill>
-        <a:effectLst/>
-      </p:bgPr>
-    </p:bg>
-    <p:spTree>
-      <p:nvGrpSpPr>
-        <p:cNvPr id="1" name="">
-          <a:extLst>
-            <a:ext uri="{FF2B5EF4-FFF2-40B4-BE49-F238E27FC236}">
-              <a16:creationId xmlns:a16="http://schemas.microsoft.com/office/drawing/2014/main" id="{7A3AD305-3F67-B899-8549-96627DB010B1}"/>
-            </a:ext>
-          </a:extLst>
-        </p:cNvPr>
-        <p:cNvGrpSpPr/>
-        <p:nvPr/>
-      </p:nvGrpSpPr>
-      <p:grpSpPr>
-        <a:xfrm>
-          <a:off x="0" y="0"/>
-          <a:ext cx="0" cy="0"/>
-          <a:chOff x="0" y="0"/>
-          <a:chExt cx="0" cy="0"/>
-        </a:xfrm>
-      </p:grpSpPr>
-      <p:sp>
-        <p:nvSpPr>
-          <p:cNvPr id="2" name="TextBox 1">
-            <a:extLst>
-              <a:ext uri="{FF2B5EF4-FFF2-40B4-BE49-F238E27FC236}">
-                <a16:creationId xmlns:a16="http://schemas.microsoft.com/office/drawing/2014/main" id="{CC89CD65-83B3-F9FF-E1E2-A6F5C8577A5E}"/>
-              </a:ext>
-            </a:extLst>
-          </p:cNvPr>
-          <p:cNvSpPr txBox="1"/>
-          <p:nvPr/>
-        </p:nvSpPr>
-        <p:spPr>
-          <a:xfrm>
-            <a:off x="-1" y="256357"/>
-            <a:ext cx="6835515" cy="523220"/>
-          </a:xfrm>
-          <a:prstGeom prst="rect">
-            <a:avLst/>
-          </a:prstGeom>
-          <a:noFill/>
-        </p:spPr>
-        <p:txBody>
-          <a:bodyPr wrap="square" rtlCol="0">
-            <a:spAutoFit/>
-          </a:bodyPr>
-          <a:lstStyle/>
-          <a:p>
-            <a:r>
-              <a:rPr lang="en-US" sz="2800" u="sng" dirty="0">
-                <a:solidFill>
-                  <a:schemeClr val="bg1"/>
-                </a:solidFill>
-                <a:latin typeface="Calibri" panose="020F0502020204030204" pitchFamily="34" charset="0"/>
-                <a:ea typeface="Calibri" panose="020F0502020204030204" pitchFamily="34" charset="0"/>
-                <a:cs typeface="Calibri" panose="020F0502020204030204" pitchFamily="34" charset="0"/>
-              </a:rPr>
-              <a:t>Complete Architecture Diagram</a:t>
-            </a:r>
-          </a:p>
-        </p:txBody>
-      </p:sp>
-      <p:pic>
-        <p:nvPicPr>
-          <p:cNvPr id="4" name="Picture 3">
-            <a:extLst>
-              <a:ext uri="{FF2B5EF4-FFF2-40B4-BE49-F238E27FC236}">
-                <a16:creationId xmlns:a16="http://schemas.microsoft.com/office/drawing/2014/main" id="{7B5CDDF2-65A8-14AA-331E-4368C1AD97E7}"/>
-              </a:ext>
-            </a:extLst>
-          </p:cNvPr>
-          <p:cNvPicPr>
-            <a:picLocks noChangeAspect="1"/>
-          </p:cNvPicPr>
-          <p:nvPr/>
-        </p:nvPicPr>
-        <p:blipFill>
-          <a:blip r:embed="rId2"/>
-          <a:stretch>
-            <a:fillRect/>
-          </a:stretch>
-        </p:blipFill>
-        <p:spPr>
-          <a:xfrm>
-            <a:off x="524656" y="944381"/>
-            <a:ext cx="10882859" cy="5913620"/>
-          </a:xfrm>
-          <a:prstGeom prst="rect">
-            <a:avLst/>
-          </a:prstGeom>
-        </p:spPr>
-      </p:pic>
-    </p:spTree>
-    <p:extLst>
-      <p:ext uri="{BB962C8B-B14F-4D97-AF65-F5344CB8AC3E}">
-        <p14:creationId xmlns:p14="http://schemas.microsoft.com/office/powerpoint/2010/main" val="3767454697"/>
-      </p:ext>
-    </p:extLst>
-  </p:cSld>
-  <p:clrMapOvr>
-    <a:masterClrMapping/>
-  </p:clrMapOvr>
-</p:sld>
-</file>
-
-<file path=ppt/slides/slide8.xml><?xml version="1.0" encoding="utf-8"?>
-<p:sld xmlns:a="http://schemas.openxmlformats.org/drawingml/2006/main" xmlns:r="http://schemas.openxmlformats.org/officeDocument/2006/relationships" xmlns:p="http://schemas.openxmlformats.org/presentationml/2006/main">
-  <p:cSld>
-    <p:bg>
-      <p:bgPr>
-        <a:gradFill>
-          <a:gsLst>
-            <a:gs pos="18000">
-              <a:srgbClr val="42DAAB"/>
-            </a:gs>
-            <a:gs pos="0">
-              <a:schemeClr val="tx1"/>
-            </a:gs>
-            <a:gs pos="100000">
-              <a:schemeClr val="accent1">
-                <a:lumMod val="30000"/>
-                <a:lumOff val="70000"/>
-              </a:schemeClr>
-            </a:gs>
-          </a:gsLst>
-          <a:lin ang="2700000" scaled="1"/>
-        </a:gradFill>
-        <a:effectLst/>
-      </p:bgPr>
-    </p:bg>
-    <p:spTree>
-      <p:nvGrpSpPr>
-        <p:cNvPr id="1" name="">
-          <a:extLst>
-            <a:ext uri="{FF2B5EF4-FFF2-40B4-BE49-F238E27FC236}">
-              <a16:creationId xmlns:a16="http://schemas.microsoft.com/office/drawing/2014/main" id="{45946E1B-3654-20DC-8B1D-E1ECF9413A2E}"/>
-            </a:ext>
-          </a:extLst>
-        </p:cNvPr>
-        <p:cNvGrpSpPr/>
-        <p:nvPr/>
-      </p:nvGrpSpPr>
-      <p:grpSpPr>
-        <a:xfrm>
-          <a:off x="0" y="0"/>
-          <a:ext cx="0" cy="0"/>
-          <a:chOff x="0" y="0"/>
-          <a:chExt cx="0" cy="0"/>
-        </a:xfrm>
-      </p:grpSpPr>
-      <p:sp>
-        <p:nvSpPr>
-          <p:cNvPr id="2" name="TextBox 1">
-            <a:extLst>
-              <a:ext uri="{FF2B5EF4-FFF2-40B4-BE49-F238E27FC236}">
-                <a16:creationId xmlns:a16="http://schemas.microsoft.com/office/drawing/2014/main" id="{9E2472A5-1953-F781-D6AF-983F896D436F}"/>
-              </a:ext>
-            </a:extLst>
-          </p:cNvPr>
-          <p:cNvSpPr txBox="1"/>
-          <p:nvPr/>
-        </p:nvSpPr>
-        <p:spPr>
-          <a:xfrm>
-            <a:off x="0" y="256357"/>
-            <a:ext cx="5067946" cy="523220"/>
-          </a:xfrm>
-          <a:prstGeom prst="rect">
-            <a:avLst/>
-          </a:prstGeom>
-          <a:noFill/>
-        </p:spPr>
-        <p:txBody>
-          <a:bodyPr wrap="square" rtlCol="0">
-            <a:spAutoFit/>
-          </a:bodyPr>
-          <a:lstStyle/>
-          <a:p>
-            <a:r>
-              <a:rPr lang="en-US" sz="2800" u="sng" dirty="0">
-                <a:solidFill>
-                  <a:schemeClr val="bg1"/>
-                </a:solidFill>
-                <a:latin typeface="Calibri" panose="020F0502020204030204" pitchFamily="34" charset="0"/>
-                <a:ea typeface="Calibri" panose="020F0502020204030204" pitchFamily="34" charset="0"/>
-                <a:cs typeface="Calibri" panose="020F0502020204030204" pitchFamily="34" charset="0"/>
-              </a:rPr>
-              <a:t>Benefits of This Architecture </a:t>
-            </a:r>
-          </a:p>
-        </p:txBody>
-      </p:sp>
-      <p:sp>
-        <p:nvSpPr>
-          <p:cNvPr id="4" name="TextBox 3">
-            <a:extLst>
-              <a:ext uri="{FF2B5EF4-FFF2-40B4-BE49-F238E27FC236}">
-                <a16:creationId xmlns:a16="http://schemas.microsoft.com/office/drawing/2014/main" id="{80E8E44B-02E8-60B3-9145-9B7CCB614C63}"/>
-              </a:ext>
-            </a:extLst>
-          </p:cNvPr>
-          <p:cNvSpPr txBox="1"/>
-          <p:nvPr/>
-        </p:nvSpPr>
-        <p:spPr>
-          <a:xfrm>
-            <a:off x="-1" y="1559377"/>
-            <a:ext cx="10343214" cy="1631216"/>
-          </a:xfrm>
-          <a:prstGeom prst="rect">
-            <a:avLst/>
-          </a:prstGeom>
-          <a:noFill/>
-        </p:spPr>
-        <p:txBody>
-          <a:bodyPr wrap="square">
-            <a:spAutoFit/>
-          </a:bodyPr>
-          <a:lstStyle/>
-          <a:p>
-            <a:pPr marL="342900" indent="-342900" rtl="0" fontAlgn="ctr">
-              <a:buFont typeface="Wingdings" panose="05000000000000000000" pitchFamily="2" charset="2"/>
-              <a:buChar char="§"/>
-            </a:pPr>
-            <a:r>
-              <a:rPr lang="en-US" sz="2000" b="1" i="0" dirty="0">
-                <a:effectLst/>
-                <a:latin typeface="Calibri" panose="020F0502020204030204" pitchFamily="34" charset="0"/>
-              </a:rPr>
-              <a:t>Scalability</a:t>
-            </a:r>
-            <a:r>
-              <a:rPr lang="en-US" sz="2000" b="0" i="0" dirty="0">
-                <a:effectLst/>
-                <a:latin typeface="Calibri" panose="020F0502020204030204" pitchFamily="34" charset="0"/>
-              </a:rPr>
-              <a:t>: Easily expand as business grows with isolated spoke networks.</a:t>
-            </a:r>
-            <a:endParaRPr lang="en-US" sz="2000" b="1" i="0" dirty="0">
-              <a:effectLst/>
-              <a:latin typeface="Calibri" panose="020F0502020204030204" pitchFamily="34" charset="0"/>
-            </a:endParaRPr>
-          </a:p>
-          <a:p>
-            <a:pPr marL="342900" indent="-342900" rtl="0" fontAlgn="ctr">
-              <a:buFont typeface="Wingdings" panose="05000000000000000000" pitchFamily="2" charset="2"/>
-              <a:buChar char="§"/>
-            </a:pPr>
-            <a:r>
-              <a:rPr lang="en-US" sz="2000" b="1" i="0" dirty="0">
-                <a:effectLst/>
-                <a:latin typeface="Calibri" panose="020F0502020204030204" pitchFamily="34" charset="0"/>
-              </a:rPr>
-              <a:t>Security</a:t>
-            </a:r>
-            <a:r>
-              <a:rPr lang="en-US" sz="2000" b="0" i="0" dirty="0">
-                <a:effectLst/>
-                <a:latin typeface="Calibri" panose="020F0502020204030204" pitchFamily="34" charset="0"/>
-              </a:rPr>
-              <a:t>: Robust data protection with encryption, RBAC, and private endpoints.</a:t>
-            </a:r>
-            <a:endParaRPr lang="en-US" sz="2000" b="1" i="0" dirty="0">
-              <a:effectLst/>
-              <a:latin typeface="Calibri" panose="020F0502020204030204" pitchFamily="34" charset="0"/>
-            </a:endParaRPr>
-          </a:p>
-          <a:p>
-            <a:pPr marL="342900" indent="-342900" rtl="0" fontAlgn="ctr">
-              <a:buFont typeface="Wingdings" panose="05000000000000000000" pitchFamily="2" charset="2"/>
-              <a:buChar char="§"/>
-            </a:pPr>
-            <a:r>
-              <a:rPr lang="en-US" sz="2000" b="1" i="0" dirty="0">
-                <a:effectLst/>
-                <a:latin typeface="Calibri" panose="020F0502020204030204" pitchFamily="34" charset="0"/>
-              </a:rPr>
-              <a:t>Global Reach</a:t>
-            </a:r>
-            <a:r>
-              <a:rPr lang="en-US" sz="2000" b="0" i="0" dirty="0">
-                <a:effectLst/>
-                <a:latin typeface="Calibri" panose="020F0502020204030204" pitchFamily="34" charset="0"/>
-              </a:rPr>
-              <a:t>: Fast, reliable delivery of recipe files via Azure CDN.</a:t>
-            </a:r>
-            <a:endParaRPr lang="en-US" sz="2000" b="1" i="0" dirty="0">
-              <a:effectLst/>
-              <a:latin typeface="Calibri" panose="020F0502020204030204" pitchFamily="34" charset="0"/>
-            </a:endParaRPr>
-          </a:p>
-          <a:p>
-            <a:pPr marL="342900" indent="-342900" rtl="0" fontAlgn="ctr">
-              <a:buFont typeface="Wingdings" panose="05000000000000000000" pitchFamily="2" charset="2"/>
-              <a:buChar char="§"/>
-            </a:pPr>
-            <a:r>
-              <a:rPr lang="en-US" sz="2000" b="1" i="0" dirty="0">
-                <a:effectLst/>
-                <a:latin typeface="Calibri" panose="020F0502020204030204" pitchFamily="34" charset="0"/>
-              </a:rPr>
-              <a:t>Automation</a:t>
-            </a:r>
-            <a:r>
-              <a:rPr lang="en-US" sz="2000" b="0" i="0" dirty="0">
-                <a:effectLst/>
-                <a:latin typeface="Calibri" panose="020F0502020204030204" pitchFamily="34" charset="0"/>
-              </a:rPr>
-              <a:t>: Reduces manual work with Azure Functions for file zipping.</a:t>
-            </a:r>
-            <a:endParaRPr lang="en-US" sz="2000" b="1" i="0" dirty="0">
-              <a:effectLst/>
-              <a:latin typeface="Calibri" panose="020F0502020204030204" pitchFamily="34" charset="0"/>
-            </a:endParaRPr>
-          </a:p>
-          <a:p>
-            <a:pPr marL="342900" indent="-342900" rtl="0" fontAlgn="ctr">
-              <a:buFont typeface="Wingdings" panose="05000000000000000000" pitchFamily="2" charset="2"/>
-              <a:buChar char="§"/>
-            </a:pPr>
-            <a:r>
-              <a:rPr lang="en-US" sz="2000" b="1" i="0" dirty="0">
-                <a:effectLst/>
-                <a:latin typeface="Calibri" panose="020F0502020204030204" pitchFamily="34" charset="0"/>
-              </a:rPr>
-              <a:t>Comprehensive Monitoring</a:t>
-            </a:r>
-            <a:r>
-              <a:rPr lang="en-US" sz="2000" b="0" i="0" dirty="0">
-                <a:effectLst/>
-                <a:latin typeface="Calibri" panose="020F0502020204030204" pitchFamily="34" charset="0"/>
-              </a:rPr>
-              <a:t>: Centralized logging and alerting for performance and security</a:t>
-            </a:r>
-            <a:r>
-              <a:rPr lang="en-US" sz="1800" b="0" i="0" dirty="0">
-                <a:effectLst/>
-                <a:latin typeface="Calibri" panose="020F0502020204030204" pitchFamily="34" charset="0"/>
-              </a:rPr>
-              <a:t>.</a:t>
-            </a:r>
-            <a:endParaRPr lang="en-US" sz="1800" b="1" i="0" dirty="0">
-              <a:effectLst/>
-              <a:latin typeface="Calibri" panose="020F0502020204030204" pitchFamily="34" charset="0"/>
-            </a:endParaRPr>
-          </a:p>
-        </p:txBody>
-      </p:sp>
-    </p:spTree>
-    <p:extLst>
-      <p:ext uri="{BB962C8B-B14F-4D97-AF65-F5344CB8AC3E}">
-        <p14:creationId xmlns:p14="http://schemas.microsoft.com/office/powerpoint/2010/main" val="4026869486"/>
-      </p:ext>
-    </p:extLst>
-  </p:cSld>
-  <p:clrMapOvr>
-    <a:masterClrMapping/>
-  </p:clrMapOvr>
-</p:sld>
-</file>
-
-<file path=ppt/slides/slide9.xml><?xml version="1.0" encoding="utf-8"?>
 <p:sld xmlns:a="http://schemas.openxmlformats.org/drawingml/2006/main" xmlns:r="http://schemas.openxmlformats.org/officeDocument/2006/relationships" xmlns:p="http://schemas.openxmlformats.org/presentationml/2006/main">
   <p:cSld>
     <p:bg>
@@ -7315,6 +5269,3020 @@
 </p:sld>
 </file>
 
+<file path=ppt/slides/slide11.xml><?xml version="1.0" encoding="utf-8"?>
+<p:sld xmlns:a="http://schemas.openxmlformats.org/drawingml/2006/main" xmlns:r="http://schemas.openxmlformats.org/officeDocument/2006/relationships" xmlns:p="http://schemas.openxmlformats.org/presentationml/2006/main">
+  <p:cSld>
+    <p:bg>
+      <p:bgPr>
+        <a:gradFill>
+          <a:gsLst>
+            <a:gs pos="18000">
+              <a:srgbClr val="42DAAB"/>
+            </a:gs>
+            <a:gs pos="0">
+              <a:schemeClr val="tx1"/>
+            </a:gs>
+            <a:gs pos="100000">
+              <a:schemeClr val="accent1">
+                <a:lumMod val="30000"/>
+                <a:lumOff val="70000"/>
+              </a:schemeClr>
+            </a:gs>
+          </a:gsLst>
+          <a:lin ang="2700000" scaled="1"/>
+        </a:gradFill>
+        <a:effectLst/>
+      </p:bgPr>
+    </p:bg>
+    <p:spTree>
+      <p:nvGrpSpPr>
+        <p:cNvPr id="1" name="">
+          <a:extLst>
+            <a:ext uri="{FF2B5EF4-FFF2-40B4-BE49-F238E27FC236}">
+              <a16:creationId xmlns:a16="http://schemas.microsoft.com/office/drawing/2014/main" id="{5D9EC191-AE48-37E5-72BA-8DAE88C050E9}"/>
+            </a:ext>
+          </a:extLst>
+        </p:cNvPr>
+        <p:cNvGrpSpPr/>
+        <p:nvPr/>
+      </p:nvGrpSpPr>
+      <p:grpSpPr>
+        <a:xfrm>
+          <a:off x="0" y="0"/>
+          <a:ext cx="0" cy="0"/>
+          <a:chOff x="0" y="0"/>
+          <a:chExt cx="0" cy="0"/>
+        </a:xfrm>
+      </p:grpSpPr>
+      <p:sp>
+        <p:nvSpPr>
+          <p:cNvPr id="2" name="TextBox 1">
+            <a:extLst>
+              <a:ext uri="{FF2B5EF4-FFF2-40B4-BE49-F238E27FC236}">
+                <a16:creationId xmlns:a16="http://schemas.microsoft.com/office/drawing/2014/main" id="{540E87E5-474D-830D-56CB-3F68E741F66B}"/>
+              </a:ext>
+            </a:extLst>
+          </p:cNvPr>
+          <p:cNvSpPr txBox="1"/>
+          <p:nvPr/>
+        </p:nvSpPr>
+        <p:spPr>
+          <a:xfrm>
+            <a:off x="3562027" y="3105834"/>
+            <a:ext cx="5067946" cy="646331"/>
+          </a:xfrm>
+          <a:prstGeom prst="rect">
+            <a:avLst/>
+          </a:prstGeom>
+          <a:noFill/>
+        </p:spPr>
+        <p:txBody>
+          <a:bodyPr wrap="square" rtlCol="0">
+            <a:spAutoFit/>
+          </a:bodyPr>
+          <a:lstStyle/>
+          <a:p>
+            <a:pPr algn="ctr"/>
+            <a:r>
+              <a:rPr lang="en-US" sz="3600" dirty="0"/>
+              <a:t>THANK YOU </a:t>
+            </a:r>
+          </a:p>
+        </p:txBody>
+      </p:sp>
+    </p:spTree>
+    <p:extLst>
+      <p:ext uri="{BB962C8B-B14F-4D97-AF65-F5344CB8AC3E}">
+        <p14:creationId xmlns:p14="http://schemas.microsoft.com/office/powerpoint/2010/main" val="2590805178"/>
+      </p:ext>
+    </p:extLst>
+  </p:cSld>
+  <p:clrMapOvr>
+    <a:masterClrMapping/>
+  </p:clrMapOvr>
+</p:sld>
+</file>
+
+<file path=ppt/slides/slide2.xml><?xml version="1.0" encoding="utf-8"?>
+<p:sld xmlns:a="http://schemas.openxmlformats.org/drawingml/2006/main" xmlns:r="http://schemas.openxmlformats.org/officeDocument/2006/relationships" xmlns:p="http://schemas.openxmlformats.org/presentationml/2006/main">
+  <p:cSld>
+    <p:bg>
+      <p:bgPr>
+        <a:gradFill>
+          <a:gsLst>
+            <a:gs pos="18000">
+              <a:srgbClr val="42DAAB"/>
+            </a:gs>
+            <a:gs pos="0">
+              <a:schemeClr val="tx1"/>
+            </a:gs>
+            <a:gs pos="100000">
+              <a:schemeClr val="accent1">
+                <a:lumMod val="30000"/>
+                <a:lumOff val="70000"/>
+              </a:schemeClr>
+            </a:gs>
+          </a:gsLst>
+          <a:lin ang="2700000" scaled="1"/>
+        </a:gradFill>
+        <a:effectLst/>
+      </p:bgPr>
+    </p:bg>
+    <p:spTree>
+      <p:nvGrpSpPr>
+        <p:cNvPr id="1" name=""/>
+        <p:cNvGrpSpPr/>
+        <p:nvPr/>
+      </p:nvGrpSpPr>
+      <p:grpSpPr>
+        <a:xfrm>
+          <a:off x="0" y="0"/>
+          <a:ext cx="0" cy="0"/>
+          <a:chOff x="0" y="0"/>
+          <a:chExt cx="0" cy="0"/>
+        </a:xfrm>
+      </p:grpSpPr>
+      <p:sp>
+        <p:nvSpPr>
+          <p:cNvPr id="6" name="TextBox 5">
+            <a:extLst>
+              <a:ext uri="{FF2B5EF4-FFF2-40B4-BE49-F238E27FC236}">
+                <a16:creationId xmlns:a16="http://schemas.microsoft.com/office/drawing/2014/main" id="{BB4F9EEB-65BD-B72A-DF62-00CDC4AB46D1}"/>
+              </a:ext>
+            </a:extLst>
+          </p:cNvPr>
+          <p:cNvSpPr txBox="1"/>
+          <p:nvPr/>
+        </p:nvSpPr>
+        <p:spPr>
+          <a:xfrm>
+            <a:off x="884421" y="1888761"/>
+            <a:ext cx="11111268" cy="1969770"/>
+          </a:xfrm>
+          <a:prstGeom prst="rect">
+            <a:avLst/>
+          </a:prstGeom>
+          <a:noFill/>
+        </p:spPr>
+        <p:txBody>
+          <a:bodyPr wrap="square" rtlCol="0">
+            <a:spAutoFit/>
+          </a:bodyPr>
+          <a:lstStyle/>
+          <a:p>
+            <a:r>
+              <a:rPr lang="en-US" sz="2800" dirty="0">
+                <a:solidFill>
+                  <a:schemeClr val="bg1"/>
+                </a:solidFill>
+              </a:rPr>
+              <a:t>Problem Statement ?</a:t>
+            </a:r>
+          </a:p>
+          <a:p>
+            <a:endParaRPr lang="en-US" sz="2000" dirty="0"/>
+          </a:p>
+          <a:p>
+            <a:pPr marL="285750" indent="-285750">
+              <a:buFont typeface="Wingdings" panose="05000000000000000000" pitchFamily="2" charset="2"/>
+              <a:buChar char="q"/>
+            </a:pPr>
+            <a:r>
+              <a:rPr lang="en-US" sz="2000" dirty="0">
+                <a:effectLst/>
+                <a:latin typeface="Calibri" panose="020F0502020204030204" pitchFamily="34" charset="0"/>
+              </a:rPr>
+              <a:t>Need a robust cloud infrastructure for storing, consolidating, and distributing automation recipes.</a:t>
+            </a:r>
+            <a:endParaRPr lang="en-US" sz="2000" dirty="0">
+              <a:latin typeface="Calibri" panose="020F0502020204030204" pitchFamily="34" charset="0"/>
+            </a:endParaRPr>
+          </a:p>
+          <a:p>
+            <a:pPr marL="742950" lvl="1" indent="-285750">
+              <a:buFont typeface="Wingdings" panose="05000000000000000000" pitchFamily="2" charset="2"/>
+              <a:buChar char="q"/>
+            </a:pPr>
+            <a:r>
+              <a:rPr lang="en-US" b="0" i="0" u="none" strike="noStrike" baseline="0" dirty="0">
+                <a:solidFill>
+                  <a:srgbClr val="000000"/>
+                </a:solidFill>
+                <a:latin typeface="Open Sans" panose="020B0606030504020204" pitchFamily="34" charset="0"/>
+              </a:rPr>
+              <a:t> A recipe is a set of instructions that a robotic arm follows to complete tasks. These instructions can cover a variety of actions, from recognizing screws to unscrewing them, and picking up various components of a battery </a:t>
+            </a:r>
+            <a:endParaRPr lang="en-US" sz="2000" dirty="0"/>
+          </a:p>
+        </p:txBody>
+      </p:sp>
+      <p:sp>
+        <p:nvSpPr>
+          <p:cNvPr id="8" name="TextBox 7">
+            <a:extLst>
+              <a:ext uri="{FF2B5EF4-FFF2-40B4-BE49-F238E27FC236}">
+                <a16:creationId xmlns:a16="http://schemas.microsoft.com/office/drawing/2014/main" id="{214B7011-3B9B-F36C-C5D8-C86FF41EBF92}"/>
+              </a:ext>
+            </a:extLst>
+          </p:cNvPr>
+          <p:cNvSpPr txBox="1"/>
+          <p:nvPr/>
+        </p:nvSpPr>
+        <p:spPr>
+          <a:xfrm>
+            <a:off x="884421" y="3901107"/>
+            <a:ext cx="11111268" cy="369332"/>
+          </a:xfrm>
+          <a:prstGeom prst="rect">
+            <a:avLst/>
+          </a:prstGeom>
+          <a:noFill/>
+        </p:spPr>
+        <p:txBody>
+          <a:bodyPr wrap="square">
+            <a:spAutoFit/>
+          </a:bodyPr>
+          <a:lstStyle/>
+          <a:p>
+            <a:pPr rtl="0" fontAlgn="ctr"/>
+            <a:r>
+              <a:rPr lang="en-US" sz="1800" dirty="0">
+                <a:effectLst/>
+                <a:latin typeface="Calibri" panose="020F0502020204030204" pitchFamily="34" charset="0"/>
+              </a:rPr>
+              <a:t> </a:t>
+            </a:r>
+          </a:p>
+        </p:txBody>
+      </p:sp>
+      <p:pic>
+        <p:nvPicPr>
+          <p:cNvPr id="10" name="Picture 9" descr="A black background with a black square&#10;&#10;Description automatically generated with medium confidence">
+            <a:extLst>
+              <a:ext uri="{FF2B5EF4-FFF2-40B4-BE49-F238E27FC236}">
+                <a16:creationId xmlns:a16="http://schemas.microsoft.com/office/drawing/2014/main" id="{FB9AC6AB-6C62-799D-4008-3DF66638A35C}"/>
+              </a:ext>
+            </a:extLst>
+          </p:cNvPr>
+          <p:cNvPicPr>
+            <a:picLocks noChangeAspect="1"/>
+          </p:cNvPicPr>
+          <p:nvPr/>
+        </p:nvPicPr>
+        <p:blipFill>
+          <a:blip r:embed="rId3">
+            <a:extLst>
+              <a:ext uri="{28A0092B-C50C-407E-A947-70E740481C1C}">
+                <a14:useLocalDpi xmlns:a14="http://schemas.microsoft.com/office/drawing/2010/main" val="0"/>
+              </a:ext>
+            </a:extLst>
+          </a:blip>
+          <a:stretch>
+            <a:fillRect/>
+          </a:stretch>
+        </p:blipFill>
+        <p:spPr>
+          <a:xfrm>
+            <a:off x="0" y="1749069"/>
+            <a:ext cx="1013278" cy="1013278"/>
+          </a:xfrm>
+          <a:prstGeom prst="rect">
+            <a:avLst/>
+          </a:prstGeom>
+        </p:spPr>
+      </p:pic>
+    </p:spTree>
+    <p:extLst>
+      <p:ext uri="{BB962C8B-B14F-4D97-AF65-F5344CB8AC3E}">
+        <p14:creationId xmlns:p14="http://schemas.microsoft.com/office/powerpoint/2010/main" val="3151958061"/>
+      </p:ext>
+    </p:extLst>
+  </p:cSld>
+  <p:clrMapOvr>
+    <a:masterClrMapping/>
+  </p:clrMapOvr>
+</p:sld>
+</file>
+
+<file path=ppt/slides/slide3.xml><?xml version="1.0" encoding="utf-8"?>
+<p:sld xmlns:a="http://schemas.openxmlformats.org/drawingml/2006/main" xmlns:r="http://schemas.openxmlformats.org/officeDocument/2006/relationships" xmlns:p="http://schemas.openxmlformats.org/presentationml/2006/main">
+  <p:cSld>
+    <p:bg>
+      <p:bgPr>
+        <a:gradFill>
+          <a:gsLst>
+            <a:gs pos="18000">
+              <a:srgbClr val="42DAAB"/>
+            </a:gs>
+            <a:gs pos="0">
+              <a:schemeClr val="tx1"/>
+            </a:gs>
+            <a:gs pos="100000">
+              <a:schemeClr val="accent1">
+                <a:lumMod val="30000"/>
+                <a:lumOff val="70000"/>
+              </a:schemeClr>
+            </a:gs>
+          </a:gsLst>
+          <a:lin ang="2700000" scaled="1"/>
+        </a:gradFill>
+        <a:effectLst/>
+      </p:bgPr>
+    </p:bg>
+    <p:spTree>
+      <p:nvGrpSpPr>
+        <p:cNvPr id="1" name="">
+          <a:extLst>
+            <a:ext uri="{FF2B5EF4-FFF2-40B4-BE49-F238E27FC236}">
+              <a16:creationId xmlns:a16="http://schemas.microsoft.com/office/drawing/2014/main" id="{835A5EF8-D030-CB60-D45F-C24C76164EF7}"/>
+            </a:ext>
+          </a:extLst>
+        </p:cNvPr>
+        <p:cNvGrpSpPr/>
+        <p:nvPr/>
+      </p:nvGrpSpPr>
+      <p:grpSpPr>
+        <a:xfrm>
+          <a:off x="0" y="0"/>
+          <a:ext cx="0" cy="0"/>
+          <a:chOff x="0" y="0"/>
+          <a:chExt cx="0" cy="0"/>
+        </a:xfrm>
+      </p:grpSpPr>
+      <p:sp>
+        <p:nvSpPr>
+          <p:cNvPr id="2" name="TextBox 1">
+            <a:extLst>
+              <a:ext uri="{FF2B5EF4-FFF2-40B4-BE49-F238E27FC236}">
+                <a16:creationId xmlns:a16="http://schemas.microsoft.com/office/drawing/2014/main" id="{5A676CB7-5AB3-282D-340A-107851000DAC}"/>
+              </a:ext>
+            </a:extLst>
+          </p:cNvPr>
+          <p:cNvSpPr txBox="1"/>
+          <p:nvPr/>
+        </p:nvSpPr>
+        <p:spPr>
+          <a:xfrm>
+            <a:off x="114077" y="226377"/>
+            <a:ext cx="5067946" cy="523220"/>
+          </a:xfrm>
+          <a:prstGeom prst="rect">
+            <a:avLst/>
+          </a:prstGeom>
+          <a:noFill/>
+        </p:spPr>
+        <p:txBody>
+          <a:bodyPr wrap="square" rtlCol="0">
+            <a:spAutoFit/>
+          </a:bodyPr>
+          <a:lstStyle/>
+          <a:p>
+            <a:r>
+              <a:rPr lang="en-US" sz="2800" u="sng" dirty="0">
+                <a:solidFill>
+                  <a:schemeClr val="bg1"/>
+                </a:solidFill>
+                <a:latin typeface="Calibri" panose="020F0502020204030204" pitchFamily="34" charset="0"/>
+                <a:ea typeface="Calibri" panose="020F0502020204030204" pitchFamily="34" charset="0"/>
+                <a:cs typeface="Calibri" panose="020F0502020204030204" pitchFamily="34" charset="0"/>
+              </a:rPr>
+              <a:t>Infrastructure Design Goals</a:t>
+            </a:r>
+          </a:p>
+        </p:txBody>
+      </p:sp>
+      <p:sp>
+        <p:nvSpPr>
+          <p:cNvPr id="4" name="TextBox 3">
+            <a:extLst>
+              <a:ext uri="{FF2B5EF4-FFF2-40B4-BE49-F238E27FC236}">
+                <a16:creationId xmlns:a16="http://schemas.microsoft.com/office/drawing/2014/main" id="{95E697A5-3B57-1B5A-3C17-929ECC096C35}"/>
+              </a:ext>
+            </a:extLst>
+          </p:cNvPr>
+          <p:cNvSpPr txBox="1"/>
+          <p:nvPr/>
+        </p:nvSpPr>
+        <p:spPr>
+          <a:xfrm>
+            <a:off x="393492" y="1104807"/>
+            <a:ext cx="9904750" cy="3139321"/>
+          </a:xfrm>
+          <a:prstGeom prst="rect">
+            <a:avLst/>
+          </a:prstGeom>
+          <a:noFill/>
+        </p:spPr>
+        <p:txBody>
+          <a:bodyPr wrap="square">
+            <a:spAutoFit/>
+          </a:bodyPr>
+          <a:lstStyle/>
+          <a:p>
+            <a:r>
+              <a:rPr lang="en-US" sz="2000" dirty="0">
+                <a:effectLst/>
+                <a:latin typeface="Calibri" panose="020F0502020204030204" pitchFamily="34" charset="0"/>
+              </a:rPr>
+              <a:t>Design a cloud solution to handle large and small recipe files efficiently, ensuring secure storage, easy distribution, and access control.</a:t>
+            </a:r>
+          </a:p>
+          <a:p>
+            <a:endParaRPr lang="en-US" sz="2000" dirty="0">
+              <a:latin typeface="Calibri" panose="020F0502020204030204" pitchFamily="34" charset="0"/>
+            </a:endParaRPr>
+          </a:p>
+          <a:p>
+            <a:pPr marL="285750" indent="-285750">
+              <a:buFont typeface="Wingdings" panose="05000000000000000000" pitchFamily="2" charset="2"/>
+              <a:buChar char="Ø"/>
+            </a:pPr>
+            <a:r>
+              <a:rPr lang="en-US" sz="2000" b="1" dirty="0">
+                <a:effectLst/>
+                <a:latin typeface="Calibri" panose="020F0502020204030204" pitchFamily="34" charset="0"/>
+              </a:rPr>
+              <a:t>Storage</a:t>
+            </a:r>
+            <a:r>
+              <a:rPr lang="en-US" sz="2000" dirty="0">
+                <a:effectLst/>
+                <a:latin typeface="Calibri" panose="020F0502020204030204" pitchFamily="34" charset="0"/>
+              </a:rPr>
+              <a:t>: Efficient handling of large binary files (1+ GB) and small configuration files.</a:t>
+            </a:r>
+            <a:r>
+              <a:rPr lang="en-US" sz="2000" dirty="0">
+                <a:latin typeface="Calibri" panose="020F0502020204030204" pitchFamily="34" charset="0"/>
+              </a:rPr>
+              <a:t> </a:t>
+            </a:r>
+            <a:r>
+              <a:rPr lang="en-US" sz="2000" dirty="0">
+                <a:effectLst/>
+                <a:latin typeface="Calibri" panose="020F0502020204030204" pitchFamily="34" charset="0"/>
+              </a:rPr>
+              <a:t>Version control to track changes.</a:t>
+            </a:r>
+          </a:p>
+          <a:p>
+            <a:pPr marL="285750" indent="-285750">
+              <a:buFont typeface="Wingdings" panose="05000000000000000000" pitchFamily="2" charset="2"/>
+              <a:buChar char="Ø"/>
+            </a:pPr>
+            <a:r>
+              <a:rPr lang="en-US" sz="2000" b="1" i="0" dirty="0">
+                <a:effectLst/>
+                <a:latin typeface="Calibri" panose="020F0502020204030204" pitchFamily="34" charset="0"/>
+              </a:rPr>
+              <a:t>Consolidation</a:t>
+            </a:r>
+            <a:r>
+              <a:rPr lang="en-US" sz="2000" b="0" i="0" dirty="0">
+                <a:effectLst/>
+                <a:latin typeface="Calibri" panose="020F0502020204030204" pitchFamily="34" charset="0"/>
+              </a:rPr>
+              <a:t>: Zip files for easy distribution and secure storage.</a:t>
+            </a:r>
+          </a:p>
+          <a:p>
+            <a:pPr marL="285750" indent="-285750">
+              <a:buFont typeface="Wingdings" panose="05000000000000000000" pitchFamily="2" charset="2"/>
+              <a:buChar char="Ø"/>
+            </a:pPr>
+            <a:r>
+              <a:rPr lang="en-US" sz="2000" b="1" i="0" dirty="0">
+                <a:effectLst/>
+                <a:latin typeface="Calibri" panose="020F0502020204030204" pitchFamily="34" charset="0"/>
+              </a:rPr>
+              <a:t>Distribution</a:t>
+            </a:r>
+            <a:r>
+              <a:rPr lang="en-US" sz="2000" b="0" i="0" dirty="0">
+                <a:effectLst/>
+                <a:latin typeface="Calibri" panose="020F0502020204030204" pitchFamily="34" charset="0"/>
+              </a:rPr>
+              <a:t>: Ensure global delivery with secure access.</a:t>
+            </a:r>
+          </a:p>
+          <a:p>
+            <a:pPr marL="285750" indent="-285750">
+              <a:buFont typeface="Wingdings" panose="05000000000000000000" pitchFamily="2" charset="2"/>
+              <a:buChar char="Ø"/>
+            </a:pPr>
+            <a:r>
+              <a:rPr lang="en-US" sz="2000" b="1" i="0" dirty="0">
+                <a:effectLst/>
+                <a:latin typeface="Calibri" panose="020F0502020204030204" pitchFamily="34" charset="0"/>
+              </a:rPr>
+              <a:t>Security</a:t>
+            </a:r>
+            <a:r>
+              <a:rPr lang="en-US" sz="2000" b="0" i="0" dirty="0">
+                <a:effectLst/>
+                <a:latin typeface="Calibri" panose="020F0502020204030204" pitchFamily="34" charset="0"/>
+              </a:rPr>
+              <a:t>: Encrypt data during storage and transmission.</a:t>
+            </a:r>
+          </a:p>
+          <a:p>
+            <a:pPr marL="285750" indent="-285750">
+              <a:buFont typeface="Wingdings" panose="05000000000000000000" pitchFamily="2" charset="2"/>
+              <a:buChar char="Ø"/>
+            </a:pPr>
+            <a:r>
+              <a:rPr lang="en-US" sz="2000" b="1" i="0" dirty="0">
+                <a:effectLst/>
+                <a:latin typeface="Calibri" panose="020F0502020204030204" pitchFamily="34" charset="0"/>
+              </a:rPr>
+              <a:t>Network</a:t>
+            </a:r>
+            <a:r>
+              <a:rPr lang="en-US" sz="2000" b="0" i="0" dirty="0">
+                <a:effectLst/>
+                <a:latin typeface="Calibri" panose="020F0502020204030204" pitchFamily="34" charset="0"/>
+              </a:rPr>
+              <a:t>: VPN for secure on-premises and cloud communication.</a:t>
+            </a:r>
+            <a:endParaRPr lang="en-US" sz="2000" b="1" i="0" dirty="0">
+              <a:effectLst/>
+              <a:latin typeface="Calibri" panose="020F0502020204030204" pitchFamily="34" charset="0"/>
+            </a:endParaRPr>
+          </a:p>
+          <a:p>
+            <a:endParaRPr lang="en-US" dirty="0">
+              <a:solidFill>
+                <a:schemeClr val="bg1"/>
+              </a:solidFill>
+              <a:latin typeface="Calibri" panose="020F0502020204030204" pitchFamily="34" charset="0"/>
+            </a:endParaRPr>
+          </a:p>
+        </p:txBody>
+      </p:sp>
+      <p:sp>
+        <p:nvSpPr>
+          <p:cNvPr id="3" name="TextBox 2">
+            <a:extLst>
+              <a:ext uri="{FF2B5EF4-FFF2-40B4-BE49-F238E27FC236}">
+                <a16:creationId xmlns:a16="http://schemas.microsoft.com/office/drawing/2014/main" id="{C969B131-292E-1189-DA0F-A4E15D40F1C1}"/>
+              </a:ext>
+            </a:extLst>
+          </p:cNvPr>
+          <p:cNvSpPr txBox="1"/>
+          <p:nvPr/>
+        </p:nvSpPr>
+        <p:spPr>
+          <a:xfrm>
+            <a:off x="277921" y="4337728"/>
+            <a:ext cx="5067946" cy="523220"/>
+          </a:xfrm>
+          <a:prstGeom prst="rect">
+            <a:avLst/>
+          </a:prstGeom>
+          <a:noFill/>
+        </p:spPr>
+        <p:txBody>
+          <a:bodyPr wrap="square" rtlCol="0">
+            <a:spAutoFit/>
+          </a:bodyPr>
+          <a:lstStyle/>
+          <a:p>
+            <a:r>
+              <a:rPr lang="en-US" sz="2800" u="sng" dirty="0">
+                <a:solidFill>
+                  <a:schemeClr val="bg1"/>
+                </a:solidFill>
+                <a:latin typeface="Calibri" panose="020F0502020204030204" pitchFamily="34" charset="0"/>
+                <a:ea typeface="Calibri" panose="020F0502020204030204" pitchFamily="34" charset="0"/>
+                <a:cs typeface="Calibri" panose="020F0502020204030204" pitchFamily="34" charset="0"/>
+              </a:rPr>
+              <a:t>Proposed Architecture Flow </a:t>
+            </a:r>
+          </a:p>
+        </p:txBody>
+      </p:sp>
+      <p:sp>
+        <p:nvSpPr>
+          <p:cNvPr id="5" name="Rectangle: Rounded Corners 4">
+            <a:extLst>
+              <a:ext uri="{FF2B5EF4-FFF2-40B4-BE49-F238E27FC236}">
+                <a16:creationId xmlns:a16="http://schemas.microsoft.com/office/drawing/2014/main" id="{AB3885C8-1BAE-F34A-10D8-7792D7AA08E8}"/>
+              </a:ext>
+            </a:extLst>
+          </p:cNvPr>
+          <p:cNvSpPr/>
+          <p:nvPr/>
+        </p:nvSpPr>
+        <p:spPr>
+          <a:xfrm>
+            <a:off x="689547" y="5216577"/>
+            <a:ext cx="1723869" cy="764499"/>
+          </a:xfrm>
+          <a:prstGeom prst="roundRect">
+            <a:avLst/>
+          </a:prstGeom>
+          <a:solidFill>
+            <a:srgbClr val="42DAAB"/>
+          </a:solidFill>
+        </p:spPr>
+        <p:style>
+          <a:lnRef idx="2">
+            <a:schemeClr val="accent1">
+              <a:shade val="15000"/>
+            </a:schemeClr>
+          </a:lnRef>
+          <a:fillRef idx="1">
+            <a:schemeClr val="accent1"/>
+          </a:fillRef>
+          <a:effectRef idx="0">
+            <a:schemeClr val="accent1"/>
+          </a:effectRef>
+          <a:fontRef idx="minor">
+            <a:schemeClr val="lt1"/>
+          </a:fontRef>
+        </p:style>
+        <p:txBody>
+          <a:bodyPr rtlCol="0" anchor="ctr"/>
+          <a:lstStyle/>
+          <a:p>
+            <a:pPr algn="ctr"/>
+            <a:r>
+              <a:rPr lang="en-US" sz="2000" dirty="0">
+                <a:solidFill>
+                  <a:schemeClr val="tx1"/>
+                </a:solidFill>
+                <a:latin typeface="Calibri" panose="020F0502020204030204" pitchFamily="34" charset="0"/>
+                <a:ea typeface="Calibri" panose="020F0502020204030204" pitchFamily="34" charset="0"/>
+                <a:cs typeface="Calibri" panose="020F0502020204030204" pitchFamily="34" charset="0"/>
+              </a:rPr>
+              <a:t>Data Source</a:t>
+            </a:r>
+          </a:p>
+        </p:txBody>
+      </p:sp>
+      <p:sp>
+        <p:nvSpPr>
+          <p:cNvPr id="6" name="Rectangle: Rounded Corners 5">
+            <a:extLst>
+              <a:ext uri="{FF2B5EF4-FFF2-40B4-BE49-F238E27FC236}">
+                <a16:creationId xmlns:a16="http://schemas.microsoft.com/office/drawing/2014/main" id="{98CD0170-21F3-42ED-AAFC-67191837979F}"/>
+              </a:ext>
+            </a:extLst>
+          </p:cNvPr>
+          <p:cNvSpPr/>
+          <p:nvPr/>
+        </p:nvSpPr>
+        <p:spPr>
+          <a:xfrm>
+            <a:off x="2955560" y="5216577"/>
+            <a:ext cx="1723869" cy="764499"/>
+          </a:xfrm>
+          <a:prstGeom prst="roundRect">
+            <a:avLst/>
+          </a:prstGeom>
+          <a:solidFill>
+            <a:srgbClr val="42DAAB"/>
+          </a:solidFill>
+        </p:spPr>
+        <p:style>
+          <a:lnRef idx="2">
+            <a:schemeClr val="accent1">
+              <a:shade val="15000"/>
+            </a:schemeClr>
+          </a:lnRef>
+          <a:fillRef idx="1">
+            <a:schemeClr val="accent1"/>
+          </a:fillRef>
+          <a:effectRef idx="0">
+            <a:schemeClr val="accent1"/>
+          </a:effectRef>
+          <a:fontRef idx="minor">
+            <a:schemeClr val="lt1"/>
+          </a:fontRef>
+        </p:style>
+        <p:txBody>
+          <a:bodyPr rtlCol="0" anchor="ctr"/>
+          <a:lstStyle/>
+          <a:p>
+            <a:pPr algn="ctr"/>
+            <a:r>
+              <a:rPr lang="en-US" sz="2000" dirty="0">
+                <a:solidFill>
+                  <a:schemeClr val="tx1"/>
+                </a:solidFill>
+                <a:latin typeface="Calibri" panose="020F0502020204030204" pitchFamily="34" charset="0"/>
+                <a:ea typeface="Calibri" panose="020F0502020204030204" pitchFamily="34" charset="0"/>
+                <a:cs typeface="Calibri" panose="020F0502020204030204" pitchFamily="34" charset="0"/>
+              </a:rPr>
+              <a:t>Store the Data</a:t>
+            </a:r>
+          </a:p>
+        </p:txBody>
+      </p:sp>
+      <p:sp>
+        <p:nvSpPr>
+          <p:cNvPr id="7" name="Rectangle: Rounded Corners 6">
+            <a:extLst>
+              <a:ext uri="{FF2B5EF4-FFF2-40B4-BE49-F238E27FC236}">
+                <a16:creationId xmlns:a16="http://schemas.microsoft.com/office/drawing/2014/main" id="{3E99E5F3-4975-BED0-BA21-56C4A9D9E8E8}"/>
+              </a:ext>
+            </a:extLst>
+          </p:cNvPr>
+          <p:cNvSpPr/>
+          <p:nvPr/>
+        </p:nvSpPr>
+        <p:spPr>
+          <a:xfrm>
+            <a:off x="5385005" y="5216576"/>
+            <a:ext cx="1723869" cy="764499"/>
+          </a:xfrm>
+          <a:prstGeom prst="roundRect">
+            <a:avLst/>
+          </a:prstGeom>
+          <a:solidFill>
+            <a:srgbClr val="42DAAB"/>
+          </a:solidFill>
+        </p:spPr>
+        <p:style>
+          <a:lnRef idx="2">
+            <a:schemeClr val="accent1">
+              <a:shade val="15000"/>
+            </a:schemeClr>
+          </a:lnRef>
+          <a:fillRef idx="1">
+            <a:schemeClr val="accent1"/>
+          </a:fillRef>
+          <a:effectRef idx="0">
+            <a:schemeClr val="accent1"/>
+          </a:effectRef>
+          <a:fontRef idx="minor">
+            <a:schemeClr val="lt1"/>
+          </a:fontRef>
+        </p:style>
+        <p:txBody>
+          <a:bodyPr rtlCol="0" anchor="ctr"/>
+          <a:lstStyle/>
+          <a:p>
+            <a:pPr algn="ctr"/>
+            <a:r>
+              <a:rPr lang="en-US" sz="2000" dirty="0">
+                <a:solidFill>
+                  <a:schemeClr val="tx1"/>
+                </a:solidFill>
+                <a:latin typeface="Calibri" panose="020F0502020204030204" pitchFamily="34" charset="0"/>
+                <a:ea typeface="Calibri" panose="020F0502020204030204" pitchFamily="34" charset="0"/>
+                <a:cs typeface="Calibri" panose="020F0502020204030204" pitchFamily="34" charset="0"/>
+              </a:rPr>
+              <a:t>Process the Data </a:t>
+            </a:r>
+          </a:p>
+        </p:txBody>
+      </p:sp>
+      <p:sp>
+        <p:nvSpPr>
+          <p:cNvPr id="8" name="Rectangle: Rounded Corners 7">
+            <a:extLst>
+              <a:ext uri="{FF2B5EF4-FFF2-40B4-BE49-F238E27FC236}">
+                <a16:creationId xmlns:a16="http://schemas.microsoft.com/office/drawing/2014/main" id="{107C2CC4-06BD-6E1A-3BC5-9467ED2C5877}"/>
+              </a:ext>
+            </a:extLst>
+          </p:cNvPr>
+          <p:cNvSpPr/>
+          <p:nvPr/>
+        </p:nvSpPr>
+        <p:spPr>
+          <a:xfrm>
+            <a:off x="7762828" y="5216576"/>
+            <a:ext cx="1723869" cy="764499"/>
+          </a:xfrm>
+          <a:prstGeom prst="roundRect">
+            <a:avLst/>
+          </a:prstGeom>
+          <a:solidFill>
+            <a:srgbClr val="42DAAB"/>
+          </a:solidFill>
+        </p:spPr>
+        <p:style>
+          <a:lnRef idx="2">
+            <a:schemeClr val="accent1">
+              <a:shade val="15000"/>
+            </a:schemeClr>
+          </a:lnRef>
+          <a:fillRef idx="1">
+            <a:schemeClr val="accent1"/>
+          </a:fillRef>
+          <a:effectRef idx="0">
+            <a:schemeClr val="accent1"/>
+          </a:effectRef>
+          <a:fontRef idx="minor">
+            <a:schemeClr val="lt1"/>
+          </a:fontRef>
+        </p:style>
+        <p:txBody>
+          <a:bodyPr rtlCol="0" anchor="ctr"/>
+          <a:lstStyle/>
+          <a:p>
+            <a:pPr algn="ctr"/>
+            <a:r>
+              <a:rPr lang="en-US" sz="2000" dirty="0">
+                <a:solidFill>
+                  <a:schemeClr val="tx1"/>
+                </a:solidFill>
+                <a:latin typeface="Calibri" panose="020F0502020204030204" pitchFamily="34" charset="0"/>
+                <a:ea typeface="Calibri" panose="020F0502020204030204" pitchFamily="34" charset="0"/>
+                <a:cs typeface="Calibri" panose="020F0502020204030204" pitchFamily="34" charset="0"/>
+              </a:rPr>
+              <a:t>Store the Data </a:t>
+            </a:r>
+          </a:p>
+        </p:txBody>
+      </p:sp>
+      <p:sp>
+        <p:nvSpPr>
+          <p:cNvPr id="9" name="Rectangle: Rounded Corners 8">
+            <a:extLst>
+              <a:ext uri="{FF2B5EF4-FFF2-40B4-BE49-F238E27FC236}">
+                <a16:creationId xmlns:a16="http://schemas.microsoft.com/office/drawing/2014/main" id="{E00638C6-D4BA-D9D8-1C38-CC6364C02BD3}"/>
+              </a:ext>
+            </a:extLst>
+          </p:cNvPr>
+          <p:cNvSpPr/>
+          <p:nvPr/>
+        </p:nvSpPr>
+        <p:spPr>
+          <a:xfrm>
+            <a:off x="10090878" y="5185158"/>
+            <a:ext cx="1723869" cy="764499"/>
+          </a:xfrm>
+          <a:prstGeom prst="roundRect">
+            <a:avLst/>
+          </a:prstGeom>
+          <a:solidFill>
+            <a:srgbClr val="42DAAB"/>
+          </a:solidFill>
+        </p:spPr>
+        <p:style>
+          <a:lnRef idx="2">
+            <a:schemeClr val="accent1">
+              <a:shade val="15000"/>
+            </a:schemeClr>
+          </a:lnRef>
+          <a:fillRef idx="1">
+            <a:schemeClr val="accent1"/>
+          </a:fillRef>
+          <a:effectRef idx="0">
+            <a:schemeClr val="accent1"/>
+          </a:effectRef>
+          <a:fontRef idx="minor">
+            <a:schemeClr val="lt1"/>
+          </a:fontRef>
+        </p:style>
+        <p:txBody>
+          <a:bodyPr rtlCol="0" anchor="ctr"/>
+          <a:lstStyle/>
+          <a:p>
+            <a:pPr algn="ctr"/>
+            <a:r>
+              <a:rPr lang="en-US" sz="2000" dirty="0">
+                <a:solidFill>
+                  <a:schemeClr val="tx1"/>
+                </a:solidFill>
+                <a:latin typeface="Calibri" panose="020F0502020204030204" pitchFamily="34" charset="0"/>
+                <a:ea typeface="Calibri" panose="020F0502020204030204" pitchFamily="34" charset="0"/>
+                <a:cs typeface="Calibri" panose="020F0502020204030204" pitchFamily="34" charset="0"/>
+              </a:rPr>
+              <a:t>Transfer to Customer</a:t>
+            </a:r>
+          </a:p>
+        </p:txBody>
+      </p:sp>
+      <p:sp>
+        <p:nvSpPr>
+          <p:cNvPr id="10" name="Arrow: Right 9">
+            <a:extLst>
+              <a:ext uri="{FF2B5EF4-FFF2-40B4-BE49-F238E27FC236}">
+                <a16:creationId xmlns:a16="http://schemas.microsoft.com/office/drawing/2014/main" id="{03A2B51C-300F-DEDB-9E3D-44E1D09FAC20}"/>
+              </a:ext>
+            </a:extLst>
+          </p:cNvPr>
+          <p:cNvSpPr/>
+          <p:nvPr/>
+        </p:nvSpPr>
+        <p:spPr>
+          <a:xfrm>
+            <a:off x="2413416" y="5511645"/>
+            <a:ext cx="542144" cy="154368"/>
+          </a:xfrm>
+          <a:prstGeom prst="rightArrow">
+            <a:avLst/>
+          </a:prstGeom>
+          <a:solidFill>
+            <a:srgbClr val="42DAAB"/>
+          </a:solidFill>
+        </p:spPr>
+        <p:style>
+          <a:lnRef idx="2">
+            <a:schemeClr val="accent1">
+              <a:shade val="15000"/>
+            </a:schemeClr>
+          </a:lnRef>
+          <a:fillRef idx="1">
+            <a:schemeClr val="accent1"/>
+          </a:fillRef>
+          <a:effectRef idx="0">
+            <a:schemeClr val="accent1"/>
+          </a:effectRef>
+          <a:fontRef idx="minor">
+            <a:schemeClr val="lt1"/>
+          </a:fontRef>
+        </p:style>
+        <p:txBody>
+          <a:bodyPr rtlCol="0" anchor="ctr"/>
+          <a:lstStyle/>
+          <a:p>
+            <a:pPr algn="ctr"/>
+            <a:endParaRPr lang="en-US"/>
+          </a:p>
+        </p:txBody>
+      </p:sp>
+      <p:sp>
+        <p:nvSpPr>
+          <p:cNvPr id="11" name="Arrow: Right 10">
+            <a:extLst>
+              <a:ext uri="{FF2B5EF4-FFF2-40B4-BE49-F238E27FC236}">
+                <a16:creationId xmlns:a16="http://schemas.microsoft.com/office/drawing/2014/main" id="{5F89F3FF-8B92-3E2A-8EE5-5650BDEFA9F0}"/>
+              </a:ext>
+            </a:extLst>
+          </p:cNvPr>
+          <p:cNvSpPr/>
+          <p:nvPr/>
+        </p:nvSpPr>
+        <p:spPr>
+          <a:xfrm>
+            <a:off x="4741466" y="5521641"/>
+            <a:ext cx="542144" cy="154368"/>
+          </a:xfrm>
+          <a:prstGeom prst="rightArrow">
+            <a:avLst/>
+          </a:prstGeom>
+          <a:solidFill>
+            <a:srgbClr val="42DAAB"/>
+          </a:solidFill>
+        </p:spPr>
+        <p:style>
+          <a:lnRef idx="2">
+            <a:schemeClr val="accent1">
+              <a:shade val="15000"/>
+            </a:schemeClr>
+          </a:lnRef>
+          <a:fillRef idx="1">
+            <a:schemeClr val="accent1"/>
+          </a:fillRef>
+          <a:effectRef idx="0">
+            <a:schemeClr val="accent1"/>
+          </a:effectRef>
+          <a:fontRef idx="minor">
+            <a:schemeClr val="lt1"/>
+          </a:fontRef>
+        </p:style>
+        <p:txBody>
+          <a:bodyPr rtlCol="0" anchor="ctr"/>
+          <a:lstStyle/>
+          <a:p>
+            <a:pPr algn="ctr"/>
+            <a:endParaRPr lang="en-US"/>
+          </a:p>
+        </p:txBody>
+      </p:sp>
+      <p:sp>
+        <p:nvSpPr>
+          <p:cNvPr id="12" name="Arrow: Right 11">
+            <a:extLst>
+              <a:ext uri="{FF2B5EF4-FFF2-40B4-BE49-F238E27FC236}">
+                <a16:creationId xmlns:a16="http://schemas.microsoft.com/office/drawing/2014/main" id="{5033F3BB-82CC-ECA9-7CF9-F568EA2408CE}"/>
+              </a:ext>
+            </a:extLst>
+          </p:cNvPr>
+          <p:cNvSpPr/>
+          <p:nvPr/>
+        </p:nvSpPr>
+        <p:spPr>
+          <a:xfrm>
+            <a:off x="7170911" y="5521375"/>
+            <a:ext cx="542144" cy="154368"/>
+          </a:xfrm>
+          <a:prstGeom prst="rightArrow">
+            <a:avLst/>
+          </a:prstGeom>
+          <a:solidFill>
+            <a:srgbClr val="42DAAB"/>
+          </a:solidFill>
+        </p:spPr>
+        <p:style>
+          <a:lnRef idx="2">
+            <a:schemeClr val="accent1">
+              <a:shade val="15000"/>
+            </a:schemeClr>
+          </a:lnRef>
+          <a:fillRef idx="1">
+            <a:schemeClr val="accent1"/>
+          </a:fillRef>
+          <a:effectRef idx="0">
+            <a:schemeClr val="accent1"/>
+          </a:effectRef>
+          <a:fontRef idx="minor">
+            <a:schemeClr val="lt1"/>
+          </a:fontRef>
+        </p:style>
+        <p:txBody>
+          <a:bodyPr rtlCol="0" anchor="ctr"/>
+          <a:lstStyle/>
+          <a:p>
+            <a:pPr algn="ctr"/>
+            <a:endParaRPr lang="en-US"/>
+          </a:p>
+        </p:txBody>
+      </p:sp>
+      <p:sp>
+        <p:nvSpPr>
+          <p:cNvPr id="13" name="Arrow: Right 12">
+            <a:extLst>
+              <a:ext uri="{FF2B5EF4-FFF2-40B4-BE49-F238E27FC236}">
+                <a16:creationId xmlns:a16="http://schemas.microsoft.com/office/drawing/2014/main" id="{5EC11C2D-CAAF-3AC5-B70B-F0CB1921F5E0}"/>
+              </a:ext>
+            </a:extLst>
+          </p:cNvPr>
+          <p:cNvSpPr/>
+          <p:nvPr/>
+        </p:nvSpPr>
+        <p:spPr>
+          <a:xfrm>
+            <a:off x="9507512" y="5547154"/>
+            <a:ext cx="542144" cy="154368"/>
+          </a:xfrm>
+          <a:prstGeom prst="rightArrow">
+            <a:avLst/>
+          </a:prstGeom>
+          <a:solidFill>
+            <a:srgbClr val="42DAAB"/>
+          </a:solidFill>
+        </p:spPr>
+        <p:style>
+          <a:lnRef idx="2">
+            <a:schemeClr val="accent1">
+              <a:shade val="15000"/>
+            </a:schemeClr>
+          </a:lnRef>
+          <a:fillRef idx="1">
+            <a:schemeClr val="accent1"/>
+          </a:fillRef>
+          <a:effectRef idx="0">
+            <a:schemeClr val="accent1"/>
+          </a:effectRef>
+          <a:fontRef idx="minor">
+            <a:schemeClr val="lt1"/>
+          </a:fontRef>
+        </p:style>
+        <p:txBody>
+          <a:bodyPr rtlCol="0" anchor="ctr"/>
+          <a:lstStyle/>
+          <a:p>
+            <a:pPr algn="ctr"/>
+            <a:endParaRPr lang="en-US"/>
+          </a:p>
+        </p:txBody>
+      </p:sp>
+    </p:spTree>
+    <p:extLst>
+      <p:ext uri="{BB962C8B-B14F-4D97-AF65-F5344CB8AC3E}">
+        <p14:creationId xmlns:p14="http://schemas.microsoft.com/office/powerpoint/2010/main" val="2828708031"/>
+      </p:ext>
+    </p:extLst>
+  </p:cSld>
+  <p:clrMapOvr>
+    <a:masterClrMapping/>
+  </p:clrMapOvr>
+</p:sld>
+</file>
+
+<file path=ppt/slides/slide4.xml><?xml version="1.0" encoding="utf-8"?>
+<p:sld xmlns:a="http://schemas.openxmlformats.org/drawingml/2006/main" xmlns:r="http://schemas.openxmlformats.org/officeDocument/2006/relationships" xmlns:p="http://schemas.openxmlformats.org/presentationml/2006/main">
+  <p:cSld>
+    <p:bg>
+      <p:bgPr>
+        <a:gradFill>
+          <a:gsLst>
+            <a:gs pos="18000">
+              <a:srgbClr val="42DAAB"/>
+            </a:gs>
+            <a:gs pos="0">
+              <a:schemeClr val="tx1"/>
+            </a:gs>
+            <a:gs pos="100000">
+              <a:schemeClr val="accent1">
+                <a:lumMod val="30000"/>
+                <a:lumOff val="70000"/>
+              </a:schemeClr>
+            </a:gs>
+          </a:gsLst>
+          <a:lin ang="2700000" scaled="1"/>
+        </a:gradFill>
+        <a:effectLst/>
+      </p:bgPr>
+    </p:bg>
+    <p:spTree>
+      <p:nvGrpSpPr>
+        <p:cNvPr id="1" name="">
+          <a:extLst>
+            <a:ext uri="{FF2B5EF4-FFF2-40B4-BE49-F238E27FC236}">
+              <a16:creationId xmlns:a16="http://schemas.microsoft.com/office/drawing/2014/main" id="{68A5709C-FDC5-D578-DF26-AD5570EFA7DA}"/>
+            </a:ext>
+          </a:extLst>
+        </p:cNvPr>
+        <p:cNvGrpSpPr/>
+        <p:nvPr/>
+      </p:nvGrpSpPr>
+      <p:grpSpPr>
+        <a:xfrm>
+          <a:off x="0" y="0"/>
+          <a:ext cx="0" cy="0"/>
+          <a:chOff x="0" y="0"/>
+          <a:chExt cx="0" cy="0"/>
+        </a:xfrm>
+      </p:grpSpPr>
+      <p:sp>
+        <p:nvSpPr>
+          <p:cNvPr id="2" name="TextBox 1">
+            <a:extLst>
+              <a:ext uri="{FF2B5EF4-FFF2-40B4-BE49-F238E27FC236}">
+                <a16:creationId xmlns:a16="http://schemas.microsoft.com/office/drawing/2014/main" id="{612760B1-88FC-8525-484C-0CBA15007C7F}"/>
+              </a:ext>
+            </a:extLst>
+          </p:cNvPr>
+          <p:cNvSpPr txBox="1"/>
+          <p:nvPr/>
+        </p:nvSpPr>
+        <p:spPr>
+          <a:xfrm>
+            <a:off x="0" y="256357"/>
+            <a:ext cx="5067946" cy="523220"/>
+          </a:xfrm>
+          <a:prstGeom prst="rect">
+            <a:avLst/>
+          </a:prstGeom>
+          <a:noFill/>
+        </p:spPr>
+        <p:txBody>
+          <a:bodyPr wrap="square" rtlCol="0">
+            <a:spAutoFit/>
+          </a:bodyPr>
+          <a:lstStyle/>
+          <a:p>
+            <a:r>
+              <a:rPr lang="en-US" sz="2800" u="sng" dirty="0">
+                <a:solidFill>
+                  <a:schemeClr val="bg1"/>
+                </a:solidFill>
+                <a:latin typeface="Calibri" panose="020F0502020204030204" pitchFamily="34" charset="0"/>
+                <a:ea typeface="Calibri" panose="020F0502020204030204" pitchFamily="34" charset="0"/>
+                <a:cs typeface="Calibri" panose="020F0502020204030204" pitchFamily="34" charset="0"/>
+              </a:rPr>
+              <a:t>Proposed Architecture Flow </a:t>
+            </a:r>
+          </a:p>
+        </p:txBody>
+      </p:sp>
+      <p:sp>
+        <p:nvSpPr>
+          <p:cNvPr id="5" name="Rectangle: Rounded Corners 4">
+            <a:extLst>
+              <a:ext uri="{FF2B5EF4-FFF2-40B4-BE49-F238E27FC236}">
+                <a16:creationId xmlns:a16="http://schemas.microsoft.com/office/drawing/2014/main" id="{8EA17AB2-3F3D-DA6F-B2CE-E305E67EC947}"/>
+              </a:ext>
+            </a:extLst>
+          </p:cNvPr>
+          <p:cNvSpPr/>
+          <p:nvPr/>
+        </p:nvSpPr>
+        <p:spPr>
+          <a:xfrm>
+            <a:off x="449705" y="1678898"/>
+            <a:ext cx="1723869" cy="764499"/>
+          </a:xfrm>
+          <a:prstGeom prst="roundRect">
+            <a:avLst/>
+          </a:prstGeom>
+          <a:solidFill>
+            <a:srgbClr val="42DAAB"/>
+          </a:solidFill>
+        </p:spPr>
+        <p:style>
+          <a:lnRef idx="2">
+            <a:schemeClr val="accent1">
+              <a:shade val="15000"/>
+            </a:schemeClr>
+          </a:lnRef>
+          <a:fillRef idx="1">
+            <a:schemeClr val="accent1"/>
+          </a:fillRef>
+          <a:effectRef idx="0">
+            <a:schemeClr val="accent1"/>
+          </a:effectRef>
+          <a:fontRef idx="minor">
+            <a:schemeClr val="lt1"/>
+          </a:fontRef>
+        </p:style>
+        <p:txBody>
+          <a:bodyPr rtlCol="0" anchor="ctr"/>
+          <a:lstStyle/>
+          <a:p>
+            <a:pPr algn="ctr"/>
+            <a:r>
+              <a:rPr lang="en-US" dirty="0">
+                <a:solidFill>
+                  <a:schemeClr val="tx1"/>
+                </a:solidFill>
+              </a:rPr>
+              <a:t>Data Source</a:t>
+            </a:r>
+          </a:p>
+        </p:txBody>
+      </p:sp>
+      <p:sp>
+        <p:nvSpPr>
+          <p:cNvPr id="7" name="Rectangle: Rounded Corners 6">
+            <a:extLst>
+              <a:ext uri="{FF2B5EF4-FFF2-40B4-BE49-F238E27FC236}">
+                <a16:creationId xmlns:a16="http://schemas.microsoft.com/office/drawing/2014/main" id="{9A296D5C-15E2-2B4D-175B-FA5CBCA8F4B5}"/>
+              </a:ext>
+            </a:extLst>
+          </p:cNvPr>
+          <p:cNvSpPr/>
+          <p:nvPr/>
+        </p:nvSpPr>
+        <p:spPr>
+          <a:xfrm>
+            <a:off x="2715718" y="1678898"/>
+            <a:ext cx="1723869" cy="764499"/>
+          </a:xfrm>
+          <a:prstGeom prst="roundRect">
+            <a:avLst/>
+          </a:prstGeom>
+          <a:solidFill>
+            <a:srgbClr val="42DAAB"/>
+          </a:solidFill>
+        </p:spPr>
+        <p:style>
+          <a:lnRef idx="2">
+            <a:schemeClr val="accent1">
+              <a:shade val="15000"/>
+            </a:schemeClr>
+          </a:lnRef>
+          <a:fillRef idx="1">
+            <a:schemeClr val="accent1"/>
+          </a:fillRef>
+          <a:effectRef idx="0">
+            <a:schemeClr val="accent1"/>
+          </a:effectRef>
+          <a:fontRef idx="minor">
+            <a:schemeClr val="lt1"/>
+          </a:fontRef>
+        </p:style>
+        <p:txBody>
+          <a:bodyPr rtlCol="0" anchor="ctr"/>
+          <a:lstStyle/>
+          <a:p>
+            <a:pPr algn="ctr"/>
+            <a:r>
+              <a:rPr lang="en-US" dirty="0">
+                <a:solidFill>
+                  <a:schemeClr val="tx1"/>
+                </a:solidFill>
+              </a:rPr>
+              <a:t>Store the Data</a:t>
+            </a:r>
+          </a:p>
+        </p:txBody>
+      </p:sp>
+      <p:sp>
+        <p:nvSpPr>
+          <p:cNvPr id="9" name="Rectangle: Rounded Corners 8">
+            <a:extLst>
+              <a:ext uri="{FF2B5EF4-FFF2-40B4-BE49-F238E27FC236}">
+                <a16:creationId xmlns:a16="http://schemas.microsoft.com/office/drawing/2014/main" id="{73A9E44D-F576-9209-31E4-A940B83AC820}"/>
+              </a:ext>
+            </a:extLst>
+          </p:cNvPr>
+          <p:cNvSpPr/>
+          <p:nvPr/>
+        </p:nvSpPr>
+        <p:spPr>
+          <a:xfrm>
+            <a:off x="4861809" y="1678897"/>
+            <a:ext cx="1723869" cy="764499"/>
+          </a:xfrm>
+          <a:prstGeom prst="roundRect">
+            <a:avLst/>
+          </a:prstGeom>
+          <a:solidFill>
+            <a:srgbClr val="42DAAB"/>
+          </a:solidFill>
+        </p:spPr>
+        <p:style>
+          <a:lnRef idx="2">
+            <a:schemeClr val="accent1">
+              <a:shade val="15000"/>
+            </a:schemeClr>
+          </a:lnRef>
+          <a:fillRef idx="1">
+            <a:schemeClr val="accent1"/>
+          </a:fillRef>
+          <a:effectRef idx="0">
+            <a:schemeClr val="accent1"/>
+          </a:effectRef>
+          <a:fontRef idx="minor">
+            <a:schemeClr val="lt1"/>
+          </a:fontRef>
+        </p:style>
+        <p:txBody>
+          <a:bodyPr rtlCol="0" anchor="ctr"/>
+          <a:lstStyle/>
+          <a:p>
+            <a:pPr algn="ctr"/>
+            <a:r>
+              <a:rPr lang="en-US" dirty="0">
+                <a:solidFill>
+                  <a:schemeClr val="tx1"/>
+                </a:solidFill>
+              </a:rPr>
+              <a:t>Process the Data </a:t>
+            </a:r>
+          </a:p>
+        </p:txBody>
+      </p:sp>
+      <p:sp>
+        <p:nvSpPr>
+          <p:cNvPr id="10" name="Rectangle: Rounded Corners 9">
+            <a:extLst>
+              <a:ext uri="{FF2B5EF4-FFF2-40B4-BE49-F238E27FC236}">
+                <a16:creationId xmlns:a16="http://schemas.microsoft.com/office/drawing/2014/main" id="{75496CCE-5014-F233-E1D9-C6AA6D986CE3}"/>
+              </a:ext>
+            </a:extLst>
+          </p:cNvPr>
+          <p:cNvSpPr/>
+          <p:nvPr/>
+        </p:nvSpPr>
+        <p:spPr>
+          <a:xfrm>
+            <a:off x="7127822" y="1678897"/>
+            <a:ext cx="1723869" cy="764499"/>
+          </a:xfrm>
+          <a:prstGeom prst="roundRect">
+            <a:avLst/>
+          </a:prstGeom>
+          <a:solidFill>
+            <a:srgbClr val="42DAAB"/>
+          </a:solidFill>
+        </p:spPr>
+        <p:style>
+          <a:lnRef idx="2">
+            <a:schemeClr val="accent1">
+              <a:shade val="15000"/>
+            </a:schemeClr>
+          </a:lnRef>
+          <a:fillRef idx="1">
+            <a:schemeClr val="accent1"/>
+          </a:fillRef>
+          <a:effectRef idx="0">
+            <a:schemeClr val="accent1"/>
+          </a:effectRef>
+          <a:fontRef idx="minor">
+            <a:schemeClr val="lt1"/>
+          </a:fontRef>
+        </p:style>
+        <p:txBody>
+          <a:bodyPr rtlCol="0" anchor="ctr"/>
+          <a:lstStyle/>
+          <a:p>
+            <a:pPr algn="ctr"/>
+            <a:r>
+              <a:rPr lang="en-US" dirty="0">
+                <a:solidFill>
+                  <a:schemeClr val="tx1"/>
+                </a:solidFill>
+              </a:rPr>
+              <a:t>Store the Data </a:t>
+            </a:r>
+          </a:p>
+        </p:txBody>
+      </p:sp>
+      <p:sp>
+        <p:nvSpPr>
+          <p:cNvPr id="11" name="Rectangle: Rounded Corners 10">
+            <a:extLst>
+              <a:ext uri="{FF2B5EF4-FFF2-40B4-BE49-F238E27FC236}">
+                <a16:creationId xmlns:a16="http://schemas.microsoft.com/office/drawing/2014/main" id="{FD1A0A7C-16EB-0152-612C-A693641C86E8}"/>
+              </a:ext>
+            </a:extLst>
+          </p:cNvPr>
+          <p:cNvSpPr/>
+          <p:nvPr/>
+        </p:nvSpPr>
+        <p:spPr>
+          <a:xfrm>
+            <a:off x="9476282" y="1678897"/>
+            <a:ext cx="1723869" cy="764499"/>
+          </a:xfrm>
+          <a:prstGeom prst="roundRect">
+            <a:avLst/>
+          </a:prstGeom>
+          <a:solidFill>
+            <a:srgbClr val="42DAAB"/>
+          </a:solidFill>
+        </p:spPr>
+        <p:style>
+          <a:lnRef idx="2">
+            <a:schemeClr val="accent1">
+              <a:shade val="15000"/>
+            </a:schemeClr>
+          </a:lnRef>
+          <a:fillRef idx="1">
+            <a:schemeClr val="accent1"/>
+          </a:fillRef>
+          <a:effectRef idx="0">
+            <a:schemeClr val="accent1"/>
+          </a:effectRef>
+          <a:fontRef idx="minor">
+            <a:schemeClr val="lt1"/>
+          </a:fontRef>
+        </p:style>
+        <p:txBody>
+          <a:bodyPr rtlCol="0" anchor="ctr"/>
+          <a:lstStyle/>
+          <a:p>
+            <a:pPr algn="ctr"/>
+            <a:r>
+              <a:rPr lang="en-US" dirty="0">
+                <a:solidFill>
+                  <a:schemeClr val="tx1"/>
+                </a:solidFill>
+              </a:rPr>
+              <a:t>Transfer to Customer</a:t>
+            </a:r>
+          </a:p>
+        </p:txBody>
+      </p:sp>
+    </p:spTree>
+    <p:extLst>
+      <p:ext uri="{BB962C8B-B14F-4D97-AF65-F5344CB8AC3E}">
+        <p14:creationId xmlns:p14="http://schemas.microsoft.com/office/powerpoint/2010/main" val="4026245086"/>
+      </p:ext>
+    </p:extLst>
+  </p:cSld>
+  <p:clrMapOvr>
+    <a:masterClrMapping/>
+  </p:clrMapOvr>
+</p:sld>
+</file>
+
+<file path=ppt/slides/slide5.xml><?xml version="1.0" encoding="utf-8"?>
+<p:sld xmlns:a="http://schemas.openxmlformats.org/drawingml/2006/main" xmlns:r="http://schemas.openxmlformats.org/officeDocument/2006/relationships" xmlns:p="http://schemas.openxmlformats.org/presentationml/2006/main">
+  <p:cSld>
+    <p:bg>
+      <p:bgPr>
+        <a:gradFill>
+          <a:gsLst>
+            <a:gs pos="18000">
+              <a:srgbClr val="42DAAB"/>
+            </a:gs>
+            <a:gs pos="0">
+              <a:schemeClr val="tx1"/>
+            </a:gs>
+            <a:gs pos="100000">
+              <a:schemeClr val="accent1">
+                <a:lumMod val="30000"/>
+                <a:lumOff val="70000"/>
+              </a:schemeClr>
+            </a:gs>
+          </a:gsLst>
+          <a:lin ang="2700000" scaled="1"/>
+        </a:gradFill>
+        <a:effectLst/>
+      </p:bgPr>
+    </p:bg>
+    <p:spTree>
+      <p:nvGrpSpPr>
+        <p:cNvPr id="1" name="">
+          <a:extLst>
+            <a:ext uri="{FF2B5EF4-FFF2-40B4-BE49-F238E27FC236}">
+              <a16:creationId xmlns:a16="http://schemas.microsoft.com/office/drawing/2014/main" id="{0D5234B8-144B-B8D0-23C8-F12FF43E95F6}"/>
+            </a:ext>
+          </a:extLst>
+        </p:cNvPr>
+        <p:cNvGrpSpPr/>
+        <p:nvPr/>
+      </p:nvGrpSpPr>
+      <p:grpSpPr>
+        <a:xfrm>
+          <a:off x="0" y="0"/>
+          <a:ext cx="0" cy="0"/>
+          <a:chOff x="0" y="0"/>
+          <a:chExt cx="0" cy="0"/>
+        </a:xfrm>
+      </p:grpSpPr>
+      <p:sp>
+        <p:nvSpPr>
+          <p:cNvPr id="2" name="TextBox 1">
+            <a:extLst>
+              <a:ext uri="{FF2B5EF4-FFF2-40B4-BE49-F238E27FC236}">
+                <a16:creationId xmlns:a16="http://schemas.microsoft.com/office/drawing/2014/main" id="{936EA33B-C159-CA52-2983-95EDB8E8B47A}"/>
+              </a:ext>
+            </a:extLst>
+          </p:cNvPr>
+          <p:cNvSpPr txBox="1"/>
+          <p:nvPr/>
+        </p:nvSpPr>
+        <p:spPr>
+          <a:xfrm>
+            <a:off x="0" y="256357"/>
+            <a:ext cx="5067946" cy="523220"/>
+          </a:xfrm>
+          <a:prstGeom prst="rect">
+            <a:avLst/>
+          </a:prstGeom>
+          <a:noFill/>
+        </p:spPr>
+        <p:txBody>
+          <a:bodyPr wrap="square" rtlCol="0">
+            <a:spAutoFit/>
+          </a:bodyPr>
+          <a:lstStyle/>
+          <a:p>
+            <a:r>
+              <a:rPr lang="en-US" sz="2800" u="sng" dirty="0">
+                <a:solidFill>
+                  <a:schemeClr val="bg1"/>
+                </a:solidFill>
+                <a:latin typeface="Calibri" panose="020F0502020204030204" pitchFamily="34" charset="0"/>
+                <a:ea typeface="Calibri" panose="020F0502020204030204" pitchFamily="34" charset="0"/>
+                <a:cs typeface="Calibri" panose="020F0502020204030204" pitchFamily="34" charset="0"/>
+              </a:rPr>
+              <a:t>Proposed Architecture</a:t>
+            </a:r>
+          </a:p>
+        </p:txBody>
+      </p:sp>
+      <p:sp>
+        <p:nvSpPr>
+          <p:cNvPr id="4" name="TextBox 3">
+            <a:extLst>
+              <a:ext uri="{FF2B5EF4-FFF2-40B4-BE49-F238E27FC236}">
+                <a16:creationId xmlns:a16="http://schemas.microsoft.com/office/drawing/2014/main" id="{0A2F2340-AAAE-CDFE-76FF-237B1661588C}"/>
+              </a:ext>
+            </a:extLst>
+          </p:cNvPr>
+          <p:cNvSpPr txBox="1"/>
+          <p:nvPr/>
+        </p:nvSpPr>
+        <p:spPr>
+          <a:xfrm>
+            <a:off x="273570" y="1101498"/>
+            <a:ext cx="10849131" cy="1692771"/>
+          </a:xfrm>
+          <a:prstGeom prst="rect">
+            <a:avLst/>
+          </a:prstGeom>
+          <a:noFill/>
+        </p:spPr>
+        <p:txBody>
+          <a:bodyPr wrap="square">
+            <a:spAutoFit/>
+          </a:bodyPr>
+          <a:lstStyle/>
+          <a:p>
+            <a:pPr rtl="0" fontAlgn="ctr"/>
+            <a:r>
+              <a:rPr lang="en-US" sz="2400" b="1" i="0" u="sng" dirty="0">
+                <a:effectLst/>
+                <a:latin typeface="Calibri" panose="020F0502020204030204" pitchFamily="34" charset="0"/>
+              </a:rPr>
+              <a:t>Hub-and-Spoke Network</a:t>
+            </a:r>
+            <a:r>
+              <a:rPr lang="en-US" sz="2400" b="0" i="0" u="sng" dirty="0">
+                <a:effectLst/>
+                <a:latin typeface="Calibri" panose="020F0502020204030204" pitchFamily="34" charset="0"/>
+              </a:rPr>
+              <a:t>:</a:t>
+            </a:r>
+          </a:p>
+          <a:p>
+            <a:pPr rtl="0" fontAlgn="ctr"/>
+            <a:endParaRPr lang="en-US" sz="2000" b="1" i="0" u="sng" dirty="0">
+              <a:effectLst/>
+              <a:latin typeface="Calibri" panose="020F0502020204030204" pitchFamily="34" charset="0"/>
+            </a:endParaRPr>
+          </a:p>
+          <a:p>
+            <a:pPr marL="742950" lvl="1" indent="-285750" rtl="0" fontAlgn="ctr">
+              <a:buFont typeface="Wingdings" panose="05000000000000000000" pitchFamily="2" charset="2"/>
+              <a:buChar char="q"/>
+            </a:pPr>
+            <a:r>
+              <a:rPr lang="en-US" sz="2000" b="1" i="0" dirty="0">
+                <a:effectLst/>
+                <a:latin typeface="Calibri" panose="020F0502020204030204" pitchFamily="34" charset="0"/>
+              </a:rPr>
+              <a:t>Hub: Centralized resources like firewall, VPN gateway, monitoring.</a:t>
+            </a:r>
+          </a:p>
+          <a:p>
+            <a:pPr marL="742950" lvl="1" indent="-285750" rtl="0" fontAlgn="ctr">
+              <a:buFont typeface="Wingdings" panose="05000000000000000000" pitchFamily="2" charset="2"/>
+              <a:buChar char="q"/>
+            </a:pPr>
+            <a:r>
+              <a:rPr lang="en-US" sz="2000" b="1" i="0" dirty="0">
+                <a:effectLst/>
+                <a:latin typeface="Calibri" panose="020F0502020204030204" pitchFamily="34" charset="0"/>
+              </a:rPr>
+              <a:t>Spokes: Isolated networks for storage, functions, CDN, and user </a:t>
+            </a:r>
+            <a:r>
+              <a:rPr lang="en-US" sz="2000" b="1" i="0" dirty="0" err="1">
+                <a:effectLst/>
+                <a:latin typeface="Calibri" panose="020F0502020204030204" pitchFamily="34" charset="0"/>
+              </a:rPr>
+              <a:t>portal,KeyVaults,IoT</a:t>
+            </a:r>
+            <a:r>
+              <a:rPr lang="en-US" sz="2000" b="1" i="0" dirty="0">
+                <a:effectLst/>
+                <a:latin typeface="Calibri" panose="020F0502020204030204" pitchFamily="34" charset="0"/>
+              </a:rPr>
+              <a:t> Hub &amp; event grid.</a:t>
+            </a:r>
+          </a:p>
+        </p:txBody>
+      </p:sp>
+      <p:pic>
+        <p:nvPicPr>
+          <p:cNvPr id="6" name="Graphic 5">
+            <a:extLst>
+              <a:ext uri="{FF2B5EF4-FFF2-40B4-BE49-F238E27FC236}">
+                <a16:creationId xmlns:a16="http://schemas.microsoft.com/office/drawing/2014/main" id="{80B8E82A-065B-81B9-416F-9966C8232D86}"/>
+              </a:ext>
+            </a:extLst>
+          </p:cNvPr>
+          <p:cNvPicPr>
+            <a:picLocks noChangeAspect="1"/>
+          </p:cNvPicPr>
+          <p:nvPr/>
+        </p:nvPicPr>
+        <p:blipFill>
+          <a:blip r:embed="rId2">
+            <a:extLst>
+              <a:ext uri="{96DAC541-7B7A-43D3-8B79-37D633B846F1}">
+                <asvg:svgBlip xmlns:asvg="http://schemas.microsoft.com/office/drawing/2016/SVG/main" r:embed="rId3"/>
+              </a:ext>
+            </a:extLst>
+          </a:blip>
+          <a:stretch>
+            <a:fillRect/>
+          </a:stretch>
+        </p:blipFill>
+        <p:spPr>
+          <a:xfrm>
+            <a:off x="1545279" y="4004592"/>
+            <a:ext cx="6164317" cy="2454510"/>
+          </a:xfrm>
+          <a:prstGeom prst="rect">
+            <a:avLst/>
+          </a:prstGeom>
+        </p:spPr>
+      </p:pic>
+      <p:sp>
+        <p:nvSpPr>
+          <p:cNvPr id="8" name="TextBox 7">
+            <a:extLst>
+              <a:ext uri="{FF2B5EF4-FFF2-40B4-BE49-F238E27FC236}">
+                <a16:creationId xmlns:a16="http://schemas.microsoft.com/office/drawing/2014/main" id="{8E15AA03-14E6-B16E-3F21-50F074E4BBFB}"/>
+              </a:ext>
+            </a:extLst>
+          </p:cNvPr>
+          <p:cNvSpPr txBox="1"/>
+          <p:nvPr/>
+        </p:nvSpPr>
+        <p:spPr>
+          <a:xfrm>
+            <a:off x="583647" y="2770180"/>
+            <a:ext cx="11408484" cy="707886"/>
+          </a:xfrm>
+          <a:prstGeom prst="rect">
+            <a:avLst/>
+          </a:prstGeom>
+          <a:noFill/>
+        </p:spPr>
+        <p:txBody>
+          <a:bodyPr wrap="square">
+            <a:spAutoFit/>
+          </a:bodyPr>
+          <a:lstStyle/>
+          <a:p>
+            <a:r>
+              <a:rPr lang="en-US" sz="2000" b="1" dirty="0">
+                <a:latin typeface="Calibri" panose="020F0502020204030204" pitchFamily="34" charset="0"/>
+                <a:ea typeface="Calibri" panose="020F0502020204030204" pitchFamily="34" charset="0"/>
+                <a:cs typeface="Calibri" panose="020F0502020204030204" pitchFamily="34" charset="0"/>
+              </a:rPr>
+              <a:t>Hub and Spoke</a:t>
+            </a:r>
+            <a:r>
+              <a:rPr lang="en-US" sz="2000" dirty="0">
+                <a:latin typeface="Calibri" panose="020F0502020204030204" pitchFamily="34" charset="0"/>
+                <a:ea typeface="Calibri" panose="020F0502020204030204" pitchFamily="34" charset="0"/>
+                <a:cs typeface="Calibri" panose="020F0502020204030204" pitchFamily="34" charset="0"/>
+              </a:rPr>
+              <a:t> network design will allow us to simplify security, improve scalability, manage costs more effectively, and ensure a flexible and robust architecture for handling large-scale data distribution</a:t>
+            </a:r>
+          </a:p>
+        </p:txBody>
+      </p:sp>
+    </p:spTree>
+    <p:extLst>
+      <p:ext uri="{BB962C8B-B14F-4D97-AF65-F5344CB8AC3E}">
+        <p14:creationId xmlns:p14="http://schemas.microsoft.com/office/powerpoint/2010/main" val="1590511877"/>
+      </p:ext>
+    </p:extLst>
+  </p:cSld>
+  <p:clrMapOvr>
+    <a:masterClrMapping/>
+  </p:clrMapOvr>
+</p:sld>
+</file>
+
+<file path=ppt/slides/slide6.xml><?xml version="1.0" encoding="utf-8"?>
+<p:sld xmlns:a="http://schemas.openxmlformats.org/drawingml/2006/main" xmlns:r="http://schemas.openxmlformats.org/officeDocument/2006/relationships" xmlns:p="http://schemas.openxmlformats.org/presentationml/2006/main">
+  <p:cSld>
+    <p:bg>
+      <p:bgPr>
+        <a:gradFill>
+          <a:gsLst>
+            <a:gs pos="18000">
+              <a:srgbClr val="42DAAB"/>
+            </a:gs>
+            <a:gs pos="0">
+              <a:schemeClr val="tx1"/>
+            </a:gs>
+            <a:gs pos="100000">
+              <a:schemeClr val="accent1">
+                <a:lumMod val="30000"/>
+                <a:lumOff val="70000"/>
+              </a:schemeClr>
+            </a:gs>
+          </a:gsLst>
+          <a:lin ang="2700000" scaled="1"/>
+        </a:gradFill>
+        <a:effectLst/>
+      </p:bgPr>
+    </p:bg>
+    <p:spTree>
+      <p:nvGrpSpPr>
+        <p:cNvPr id="1" name="">
+          <a:extLst>
+            <a:ext uri="{FF2B5EF4-FFF2-40B4-BE49-F238E27FC236}">
+              <a16:creationId xmlns:a16="http://schemas.microsoft.com/office/drawing/2014/main" id="{B8C55B13-0C4D-FEF7-02E6-C6CEA93460DB}"/>
+            </a:ext>
+          </a:extLst>
+        </p:cNvPr>
+        <p:cNvGrpSpPr/>
+        <p:nvPr/>
+      </p:nvGrpSpPr>
+      <p:grpSpPr>
+        <a:xfrm>
+          <a:off x="0" y="0"/>
+          <a:ext cx="0" cy="0"/>
+          <a:chOff x="0" y="0"/>
+          <a:chExt cx="0" cy="0"/>
+        </a:xfrm>
+      </p:grpSpPr>
+      <p:sp>
+        <p:nvSpPr>
+          <p:cNvPr id="2" name="TextBox 1">
+            <a:extLst>
+              <a:ext uri="{FF2B5EF4-FFF2-40B4-BE49-F238E27FC236}">
+                <a16:creationId xmlns:a16="http://schemas.microsoft.com/office/drawing/2014/main" id="{2566ADFF-4C07-DAF8-F793-E20BBDCC5BBC}"/>
+              </a:ext>
+            </a:extLst>
+          </p:cNvPr>
+          <p:cNvSpPr txBox="1"/>
+          <p:nvPr/>
+        </p:nvSpPr>
+        <p:spPr>
+          <a:xfrm>
+            <a:off x="-1" y="256357"/>
+            <a:ext cx="7060367" cy="523220"/>
+          </a:xfrm>
+          <a:prstGeom prst="rect">
+            <a:avLst/>
+          </a:prstGeom>
+          <a:noFill/>
+        </p:spPr>
+        <p:txBody>
+          <a:bodyPr wrap="square" rtlCol="0">
+            <a:spAutoFit/>
+          </a:bodyPr>
+          <a:lstStyle/>
+          <a:p>
+            <a:r>
+              <a:rPr lang="en-US" sz="2800" u="sng" dirty="0">
+                <a:solidFill>
+                  <a:schemeClr val="bg1"/>
+                </a:solidFill>
+                <a:latin typeface="Calibri" panose="020F0502020204030204" pitchFamily="34" charset="0"/>
+                <a:ea typeface="Calibri" panose="020F0502020204030204" pitchFamily="34" charset="0"/>
+                <a:cs typeface="Calibri" panose="020F0502020204030204" pitchFamily="34" charset="0"/>
+              </a:rPr>
+              <a:t>Detailed Architecture Components</a:t>
+            </a:r>
+          </a:p>
+        </p:txBody>
+      </p:sp>
+      <p:sp>
+        <p:nvSpPr>
+          <p:cNvPr id="5" name="TextBox 4">
+            <a:extLst>
+              <a:ext uri="{FF2B5EF4-FFF2-40B4-BE49-F238E27FC236}">
+                <a16:creationId xmlns:a16="http://schemas.microsoft.com/office/drawing/2014/main" id="{F2752558-C421-781B-A442-18D2D91A41F4}"/>
+              </a:ext>
+            </a:extLst>
+          </p:cNvPr>
+          <p:cNvSpPr txBox="1"/>
+          <p:nvPr/>
+        </p:nvSpPr>
+        <p:spPr>
+          <a:xfrm>
+            <a:off x="119919" y="1248753"/>
+            <a:ext cx="10519347" cy="5016758"/>
+          </a:xfrm>
+          <a:prstGeom prst="rect">
+            <a:avLst/>
+          </a:prstGeom>
+          <a:noFill/>
+        </p:spPr>
+        <p:txBody>
+          <a:bodyPr wrap="square">
+            <a:spAutoFit/>
+          </a:bodyPr>
+          <a:lstStyle/>
+          <a:p>
+            <a:pPr marL="342900" indent="-342900" rtl="0" fontAlgn="ctr">
+              <a:buFont typeface="Wingdings" panose="05000000000000000000" pitchFamily="2" charset="2"/>
+              <a:buChar char="§"/>
+            </a:pPr>
+            <a:r>
+              <a:rPr lang="en-US" sz="2000" b="1" i="0" dirty="0">
+                <a:effectLst/>
+                <a:latin typeface="Calibri" panose="020F0502020204030204" pitchFamily="34" charset="0"/>
+              </a:rPr>
+              <a:t>Hub Network</a:t>
+            </a:r>
+            <a:r>
+              <a:rPr lang="en-US" sz="2000" b="0" i="0" dirty="0">
+                <a:effectLst/>
+                <a:latin typeface="Calibri" panose="020F0502020204030204" pitchFamily="34" charset="0"/>
+              </a:rPr>
+              <a:t>:</a:t>
+            </a:r>
+            <a:endParaRPr lang="en-US" sz="2000" b="1" i="0" dirty="0">
+              <a:effectLst/>
+              <a:latin typeface="Calibri" panose="020F0502020204030204" pitchFamily="34" charset="0"/>
+            </a:endParaRPr>
+          </a:p>
+          <a:p>
+            <a:pPr marL="800100" lvl="1" indent="-342900" rtl="0" fontAlgn="ctr">
+              <a:buFont typeface="Wingdings" panose="05000000000000000000" pitchFamily="2" charset="2"/>
+              <a:buChar char="§"/>
+            </a:pPr>
+            <a:r>
+              <a:rPr lang="en-US" sz="2000" i="0" dirty="0">
+                <a:effectLst/>
+                <a:latin typeface="Calibri" panose="020F0502020204030204" pitchFamily="34" charset="0"/>
+              </a:rPr>
+              <a:t>Azure Firewall: Controls traffic and enforces security policies.</a:t>
+            </a:r>
+          </a:p>
+          <a:p>
+            <a:pPr marL="800100" lvl="1" indent="-342900" rtl="0" fontAlgn="ctr">
+              <a:buFont typeface="Wingdings" panose="05000000000000000000" pitchFamily="2" charset="2"/>
+              <a:buChar char="§"/>
+            </a:pPr>
+            <a:r>
+              <a:rPr lang="en-US" sz="2000" i="0" dirty="0">
+                <a:effectLst/>
+                <a:latin typeface="Calibri" panose="020F0502020204030204" pitchFamily="34" charset="0"/>
+              </a:rPr>
+              <a:t>VPN Gateway &amp;Express route: Secure communication between on-premises and Azure.</a:t>
+            </a:r>
+          </a:p>
+          <a:p>
+            <a:pPr marL="800100" lvl="1" indent="-342900" rtl="0" fontAlgn="ctr">
+              <a:buFont typeface="Wingdings" panose="05000000000000000000" pitchFamily="2" charset="2"/>
+              <a:buChar char="§"/>
+            </a:pPr>
+            <a:r>
+              <a:rPr lang="en-US" sz="2000" i="0" dirty="0">
+                <a:effectLst/>
+                <a:latin typeface="Calibri" panose="020F0502020204030204" pitchFamily="34" charset="0"/>
+              </a:rPr>
+              <a:t>Monitoring: Secure management and tracking.</a:t>
+            </a:r>
+          </a:p>
+          <a:p>
+            <a:pPr marL="800100" lvl="1" indent="-342900" rtl="0" fontAlgn="ctr">
+              <a:buFont typeface="Wingdings" panose="05000000000000000000" pitchFamily="2" charset="2"/>
+              <a:buChar char="§"/>
+            </a:pPr>
+            <a:r>
+              <a:rPr lang="en-US" sz="2000" dirty="0">
+                <a:latin typeface="Calibri" panose="020F0502020204030204" pitchFamily="34" charset="0"/>
+              </a:rPr>
+              <a:t>Application Gateway : Used </a:t>
+            </a:r>
+            <a:r>
+              <a:rPr lang="en-US" sz="2000" dirty="0">
+                <a:latin typeface="Calibri" panose="020F0502020204030204" pitchFamily="34" charset="0"/>
+                <a:ea typeface="Calibri" panose="020F0502020204030204" pitchFamily="34" charset="0"/>
+                <a:cs typeface="Calibri" panose="020F0502020204030204" pitchFamily="34" charset="0"/>
+              </a:rPr>
+              <a:t>load balancing and web traffic management</a:t>
+            </a:r>
+            <a:endParaRPr lang="en-US" sz="2000" i="0" dirty="0">
+              <a:effectLst/>
+              <a:latin typeface="Calibri" panose="020F0502020204030204" pitchFamily="34" charset="0"/>
+              <a:ea typeface="Calibri" panose="020F0502020204030204" pitchFamily="34" charset="0"/>
+              <a:cs typeface="Calibri" panose="020F0502020204030204" pitchFamily="34" charset="0"/>
+            </a:endParaRPr>
+          </a:p>
+          <a:p>
+            <a:pPr marL="800100" lvl="1" indent="-342900" rtl="0" fontAlgn="ctr">
+              <a:buFont typeface="Wingdings" panose="05000000000000000000" pitchFamily="2" charset="2"/>
+              <a:buChar char="§"/>
+            </a:pPr>
+            <a:endParaRPr lang="en-US" sz="2000" b="1" i="0" dirty="0">
+              <a:effectLst/>
+              <a:latin typeface="Calibri" panose="020F0502020204030204" pitchFamily="34" charset="0"/>
+            </a:endParaRPr>
+          </a:p>
+          <a:p>
+            <a:pPr marL="342900" indent="-342900" rtl="0" fontAlgn="ctr">
+              <a:buFont typeface="Wingdings" panose="05000000000000000000" pitchFamily="2" charset="2"/>
+              <a:buChar char="§"/>
+            </a:pPr>
+            <a:r>
+              <a:rPr lang="en-US" sz="2000" b="1" i="0" dirty="0">
+                <a:effectLst/>
+                <a:latin typeface="Calibri" panose="020F0502020204030204" pitchFamily="34" charset="0"/>
+              </a:rPr>
+              <a:t>Spoke Networks</a:t>
+            </a:r>
+            <a:r>
+              <a:rPr lang="en-US" sz="2000" b="0" i="0" dirty="0">
+                <a:effectLst/>
+                <a:latin typeface="Calibri" panose="020F0502020204030204" pitchFamily="34" charset="0"/>
+              </a:rPr>
+              <a:t>:</a:t>
+            </a:r>
+          </a:p>
+          <a:p>
+            <a:pPr marL="800100" lvl="1" indent="-342900" fontAlgn="ctr">
+              <a:buFont typeface="Wingdings" panose="05000000000000000000" pitchFamily="2" charset="2"/>
+              <a:buChar char="§"/>
+            </a:pPr>
+            <a:r>
+              <a:rPr lang="en-US" sz="2000" dirty="0">
+                <a:latin typeface="Calibri" panose="020F0502020204030204" pitchFamily="34" charset="0"/>
+              </a:rPr>
+              <a:t>Azure </a:t>
+            </a:r>
+            <a:r>
+              <a:rPr lang="en-US" sz="2000" dirty="0">
+                <a:latin typeface="Calibri" panose="020F0502020204030204" pitchFamily="34" charset="0"/>
+                <a:ea typeface="Calibri" panose="020F0502020204030204" pitchFamily="34" charset="0"/>
+                <a:cs typeface="Calibri" panose="020F0502020204030204" pitchFamily="34" charset="0"/>
+              </a:rPr>
+              <a:t>IoT Hub: enables secure and scalable communication with IoT devices.</a:t>
+            </a:r>
+          </a:p>
+          <a:p>
+            <a:pPr marL="800100" lvl="1" indent="-342900" fontAlgn="ctr">
+              <a:buFont typeface="Wingdings" panose="05000000000000000000" pitchFamily="2" charset="2"/>
+              <a:buChar char="§"/>
+            </a:pPr>
+            <a:r>
+              <a:rPr lang="en-US" sz="2000" i="0" dirty="0">
+                <a:effectLst/>
+                <a:latin typeface="Calibri" panose="020F0502020204030204" pitchFamily="34" charset="0"/>
+                <a:ea typeface="Calibri" panose="020F0502020204030204" pitchFamily="34" charset="0"/>
+                <a:cs typeface="Calibri" panose="020F0502020204030204" pitchFamily="34" charset="0"/>
+              </a:rPr>
+              <a:t>Event Grid</a:t>
+            </a:r>
+            <a:r>
+              <a:rPr lang="en-US" sz="2000" b="1" i="0" dirty="0">
+                <a:effectLst/>
+                <a:latin typeface="Calibri" panose="020F0502020204030204" pitchFamily="34" charset="0"/>
+                <a:ea typeface="Calibri" panose="020F0502020204030204" pitchFamily="34" charset="0"/>
+                <a:cs typeface="Calibri" panose="020F0502020204030204" pitchFamily="34" charset="0"/>
+              </a:rPr>
+              <a:t>: </a:t>
+            </a:r>
+            <a:r>
+              <a:rPr lang="en-US" sz="2000" dirty="0">
+                <a:latin typeface="Calibri" panose="020F0502020204030204" pitchFamily="34" charset="0"/>
+                <a:ea typeface="Calibri" panose="020F0502020204030204" pitchFamily="34" charset="0"/>
+                <a:cs typeface="Calibri" panose="020F0502020204030204" pitchFamily="34" charset="0"/>
+              </a:rPr>
+              <a:t>routing events from various sources to event handlers like Azure Functions or Webhooks</a:t>
+            </a:r>
+            <a:endParaRPr lang="en-US" sz="2000" b="1" i="0" dirty="0">
+              <a:effectLst/>
+              <a:latin typeface="Calibri" panose="020F0502020204030204" pitchFamily="34" charset="0"/>
+              <a:ea typeface="Calibri" panose="020F0502020204030204" pitchFamily="34" charset="0"/>
+              <a:cs typeface="Calibri" panose="020F0502020204030204" pitchFamily="34" charset="0"/>
+            </a:endParaRPr>
+          </a:p>
+          <a:p>
+            <a:pPr marL="800100" lvl="1" indent="-342900" rtl="0" fontAlgn="ctr">
+              <a:buFont typeface="Wingdings" panose="05000000000000000000" pitchFamily="2" charset="2"/>
+              <a:buChar char="§"/>
+            </a:pPr>
+            <a:r>
+              <a:rPr lang="en-US" sz="2000" i="0" dirty="0">
+                <a:effectLst/>
+                <a:latin typeface="Calibri" panose="020F0502020204030204" pitchFamily="34" charset="0"/>
+              </a:rPr>
+              <a:t>Storage: Azure Blob Storage with versioning.</a:t>
+            </a:r>
+          </a:p>
+          <a:p>
+            <a:pPr marL="800100" lvl="1" indent="-342900" rtl="0" fontAlgn="ctr">
+              <a:buFont typeface="Wingdings" panose="05000000000000000000" pitchFamily="2" charset="2"/>
+              <a:buChar char="§"/>
+            </a:pPr>
+            <a:r>
+              <a:rPr lang="en-US" sz="2000" i="0" dirty="0">
+                <a:effectLst/>
+                <a:latin typeface="Calibri" panose="020F0502020204030204" pitchFamily="34" charset="0"/>
+              </a:rPr>
+              <a:t>Function: Azure Functions for automating file processing.</a:t>
+            </a:r>
+          </a:p>
+          <a:p>
+            <a:pPr marL="800100" lvl="1" indent="-342900" rtl="0" fontAlgn="ctr">
+              <a:buFont typeface="Wingdings" panose="05000000000000000000" pitchFamily="2" charset="2"/>
+              <a:buChar char="§"/>
+            </a:pPr>
+            <a:r>
+              <a:rPr lang="en-US" sz="2000" i="0" dirty="0">
+                <a:effectLst/>
+                <a:latin typeface="Calibri" panose="020F0502020204030204" pitchFamily="34" charset="0"/>
+              </a:rPr>
+              <a:t>Content Delivery: Azure CDN for fast global access.</a:t>
+            </a:r>
+          </a:p>
+          <a:p>
+            <a:pPr marL="800100" lvl="1" indent="-342900" rtl="0" fontAlgn="ctr">
+              <a:buFont typeface="Wingdings" panose="05000000000000000000" pitchFamily="2" charset="2"/>
+              <a:buChar char="§"/>
+            </a:pPr>
+            <a:r>
+              <a:rPr lang="en-US" sz="2000" i="0" dirty="0">
+                <a:effectLst/>
+                <a:latin typeface="Calibri" panose="020F0502020204030204" pitchFamily="34" charset="0"/>
+              </a:rPr>
+              <a:t>User Portal: Web infrastructure for authentication and access.</a:t>
+            </a:r>
+          </a:p>
+          <a:p>
+            <a:pPr marL="800100" lvl="1" indent="-342900" rtl="0" fontAlgn="ctr">
+              <a:buFont typeface="Wingdings" panose="05000000000000000000" pitchFamily="2" charset="2"/>
+              <a:buChar char="§"/>
+            </a:pPr>
+            <a:r>
+              <a:rPr lang="en-US" sz="2000" dirty="0">
+                <a:latin typeface="Calibri" panose="020F0502020204030204" pitchFamily="34" charset="0"/>
+              </a:rPr>
+              <a:t>Azure </a:t>
+            </a:r>
+            <a:r>
+              <a:rPr lang="en-US" sz="2000" dirty="0" err="1">
+                <a:latin typeface="Calibri" panose="020F0502020204030204" pitchFamily="34" charset="0"/>
+              </a:rPr>
+              <a:t>KeyVault</a:t>
+            </a:r>
+            <a:r>
+              <a:rPr lang="en-US" sz="2000" dirty="0">
+                <a:latin typeface="Calibri" panose="020F0502020204030204" pitchFamily="34" charset="0"/>
+              </a:rPr>
+              <a:t>: To Store and Manage Keys &amp; secrets.</a:t>
+            </a:r>
+            <a:endParaRPr lang="en-US" sz="2000" i="0" dirty="0">
+              <a:effectLst/>
+              <a:latin typeface="Calibri" panose="020F0502020204030204" pitchFamily="34" charset="0"/>
+            </a:endParaRPr>
+          </a:p>
+          <a:p>
+            <a:pPr marL="800100" lvl="1" indent="-342900" rtl="0" fontAlgn="ctr">
+              <a:buFont typeface="Wingdings" panose="05000000000000000000" pitchFamily="2" charset="2"/>
+              <a:buChar char="§"/>
+            </a:pPr>
+            <a:endParaRPr lang="en-US" sz="2000" i="0" dirty="0">
+              <a:effectLst/>
+              <a:latin typeface="Calibri" panose="020F0502020204030204" pitchFamily="34" charset="0"/>
+            </a:endParaRPr>
+          </a:p>
+        </p:txBody>
+      </p:sp>
+    </p:spTree>
+    <p:extLst>
+      <p:ext uri="{BB962C8B-B14F-4D97-AF65-F5344CB8AC3E}">
+        <p14:creationId xmlns:p14="http://schemas.microsoft.com/office/powerpoint/2010/main" val="66079871"/>
+      </p:ext>
+    </p:extLst>
+  </p:cSld>
+  <p:clrMapOvr>
+    <a:masterClrMapping/>
+  </p:clrMapOvr>
+</p:sld>
+</file>
+
+<file path=ppt/slides/slide7.xml><?xml version="1.0" encoding="utf-8"?>
+<p:sld xmlns:a="http://schemas.openxmlformats.org/drawingml/2006/main" xmlns:r="http://schemas.openxmlformats.org/officeDocument/2006/relationships" xmlns:p="http://schemas.openxmlformats.org/presentationml/2006/main">
+  <p:cSld>
+    <p:bg>
+      <p:bgPr>
+        <a:gradFill>
+          <a:gsLst>
+            <a:gs pos="18000">
+              <a:srgbClr val="42DAAB"/>
+            </a:gs>
+            <a:gs pos="0">
+              <a:schemeClr val="tx1"/>
+            </a:gs>
+            <a:gs pos="100000">
+              <a:schemeClr val="accent1">
+                <a:lumMod val="30000"/>
+                <a:lumOff val="70000"/>
+              </a:schemeClr>
+            </a:gs>
+          </a:gsLst>
+          <a:lin ang="2700000" scaled="1"/>
+        </a:gradFill>
+        <a:effectLst/>
+      </p:bgPr>
+    </p:bg>
+    <p:spTree>
+      <p:nvGrpSpPr>
+        <p:cNvPr id="1" name="">
+          <a:extLst>
+            <a:ext uri="{FF2B5EF4-FFF2-40B4-BE49-F238E27FC236}">
+              <a16:creationId xmlns:a16="http://schemas.microsoft.com/office/drawing/2014/main" id="{73D294CB-6BE7-E6A7-F004-B00F3FED7DB0}"/>
+            </a:ext>
+          </a:extLst>
+        </p:cNvPr>
+        <p:cNvGrpSpPr/>
+        <p:nvPr/>
+      </p:nvGrpSpPr>
+      <p:grpSpPr>
+        <a:xfrm>
+          <a:off x="0" y="0"/>
+          <a:ext cx="0" cy="0"/>
+          <a:chOff x="0" y="0"/>
+          <a:chExt cx="0" cy="0"/>
+        </a:xfrm>
+      </p:grpSpPr>
+      <p:sp>
+        <p:nvSpPr>
+          <p:cNvPr id="6" name="TextBox 5">
+            <a:extLst>
+              <a:ext uri="{FF2B5EF4-FFF2-40B4-BE49-F238E27FC236}">
+                <a16:creationId xmlns:a16="http://schemas.microsoft.com/office/drawing/2014/main" id="{4665B345-2071-EEF6-D1FB-2A1BE4CDB5D3}"/>
+              </a:ext>
+            </a:extLst>
+          </p:cNvPr>
+          <p:cNvSpPr txBox="1"/>
+          <p:nvPr/>
+        </p:nvSpPr>
+        <p:spPr>
+          <a:xfrm>
+            <a:off x="153650" y="3938185"/>
+            <a:ext cx="9485027" cy="1938992"/>
+          </a:xfrm>
+          <a:prstGeom prst="rect">
+            <a:avLst/>
+          </a:prstGeom>
+          <a:noFill/>
+        </p:spPr>
+        <p:txBody>
+          <a:bodyPr wrap="square">
+            <a:spAutoFit/>
+          </a:bodyPr>
+          <a:lstStyle/>
+          <a:p>
+            <a:pPr marL="285750" indent="-285750" rtl="0" fontAlgn="ctr">
+              <a:buFont typeface="Wingdings" panose="05000000000000000000" pitchFamily="2" charset="2"/>
+              <a:buChar char="§"/>
+            </a:pPr>
+            <a:r>
+              <a:rPr lang="en-US" sz="2000" b="1" dirty="0">
+                <a:effectLst/>
+                <a:latin typeface="Calibri" panose="020F0502020204030204" pitchFamily="34" charset="0"/>
+              </a:rPr>
+              <a:t>Azure AD Authentication</a:t>
+            </a:r>
+            <a:r>
+              <a:rPr lang="en-US" sz="2000" dirty="0">
+                <a:effectLst/>
+                <a:latin typeface="Calibri" panose="020F0502020204030204" pitchFamily="34" charset="0"/>
+              </a:rPr>
+              <a:t>: Ensures only authorized users can access the portal.</a:t>
+            </a:r>
+          </a:p>
+          <a:p>
+            <a:pPr marL="285750" indent="-285750" rtl="0" fontAlgn="ctr">
+              <a:buFont typeface="Wingdings" panose="05000000000000000000" pitchFamily="2" charset="2"/>
+              <a:buChar char="§"/>
+            </a:pPr>
+            <a:r>
+              <a:rPr lang="en-US" sz="2000" b="1" dirty="0">
+                <a:effectLst/>
+                <a:latin typeface="Calibri" panose="020F0502020204030204" pitchFamily="34" charset="0"/>
+              </a:rPr>
+              <a:t>RBAC</a:t>
+            </a:r>
+            <a:r>
+              <a:rPr lang="en-US" sz="2000" dirty="0">
+                <a:effectLst/>
+                <a:latin typeface="Calibri" panose="020F0502020204030204" pitchFamily="34" charset="0"/>
+              </a:rPr>
+              <a:t>: Manages access to resources based on user roles.</a:t>
+            </a:r>
+          </a:p>
+          <a:p>
+            <a:pPr marL="285750" indent="-285750" rtl="0" fontAlgn="ctr">
+              <a:buFont typeface="Wingdings" panose="05000000000000000000" pitchFamily="2" charset="2"/>
+              <a:buChar char="§"/>
+            </a:pPr>
+            <a:r>
+              <a:rPr lang="en-US" sz="2000" b="1" dirty="0">
+                <a:effectLst/>
+                <a:latin typeface="Calibri" panose="020F0502020204030204" pitchFamily="34" charset="0"/>
+              </a:rPr>
+              <a:t>Private Endpoints</a:t>
+            </a:r>
+            <a:r>
+              <a:rPr lang="en-US" sz="2000" dirty="0">
+                <a:effectLst/>
+                <a:latin typeface="Calibri" panose="020F0502020204030204" pitchFamily="34" charset="0"/>
+              </a:rPr>
+              <a:t>: Keeps internal communication secure.</a:t>
+            </a:r>
+          </a:p>
+          <a:p>
+            <a:pPr marL="285750" indent="-285750" rtl="0" fontAlgn="ctr">
+              <a:buFont typeface="Wingdings" panose="05000000000000000000" pitchFamily="2" charset="2"/>
+              <a:buChar char="§"/>
+            </a:pPr>
+            <a:r>
+              <a:rPr lang="en-US" sz="2000" b="1" dirty="0">
+                <a:effectLst/>
+                <a:latin typeface="Calibri" panose="020F0502020204030204" pitchFamily="34" charset="0"/>
+              </a:rPr>
+              <a:t>VPN Gateway</a:t>
+            </a:r>
+            <a:r>
+              <a:rPr lang="en-US" sz="2000" dirty="0">
+                <a:effectLst/>
+                <a:latin typeface="Calibri" panose="020F0502020204030204" pitchFamily="34" charset="0"/>
+              </a:rPr>
+              <a:t>: Ensures encrypted communication between on-premises and Azure.</a:t>
+            </a:r>
+          </a:p>
+          <a:p>
+            <a:pPr marL="285750" indent="-285750" rtl="0" fontAlgn="ctr">
+              <a:buFont typeface="Wingdings" panose="05000000000000000000" pitchFamily="2" charset="2"/>
+              <a:buChar char="§"/>
+            </a:pPr>
+            <a:r>
+              <a:rPr lang="en-US" sz="2000" b="1" dirty="0">
+                <a:effectLst/>
+                <a:latin typeface="Calibri" panose="020F0502020204030204" pitchFamily="34" charset="0"/>
+              </a:rPr>
+              <a:t>SAS Tokens</a:t>
+            </a:r>
+            <a:r>
+              <a:rPr lang="en-US" sz="2000" dirty="0">
+                <a:effectLst/>
+                <a:latin typeface="Calibri" panose="020F0502020204030204" pitchFamily="34" charset="0"/>
+              </a:rPr>
+              <a:t>: Temporary, secure access to recipe files.</a:t>
+            </a:r>
+          </a:p>
+          <a:p>
+            <a:pPr marL="285750" indent="-285750" rtl="0" fontAlgn="ctr">
+              <a:buFont typeface="Wingdings" panose="05000000000000000000" pitchFamily="2" charset="2"/>
+              <a:buChar char="§"/>
+            </a:pPr>
+            <a:r>
+              <a:rPr lang="en-US" sz="2000" b="1" dirty="0">
+                <a:latin typeface="Calibri" panose="020F0502020204030204" pitchFamily="34" charset="0"/>
+              </a:rPr>
+              <a:t>Azure </a:t>
+            </a:r>
+            <a:r>
+              <a:rPr lang="en-US" sz="2000" b="1" dirty="0" err="1">
+                <a:latin typeface="Calibri" panose="020F0502020204030204" pitchFamily="34" charset="0"/>
+              </a:rPr>
+              <a:t>KeyVault</a:t>
+            </a:r>
+            <a:r>
+              <a:rPr lang="en-US" sz="2000" dirty="0">
+                <a:latin typeface="Calibri" panose="020F0502020204030204" pitchFamily="34" charset="0"/>
+              </a:rPr>
+              <a:t>: Store Sensitive Information.</a:t>
+            </a:r>
+            <a:endParaRPr lang="en-US" sz="2000" dirty="0">
+              <a:effectLst/>
+              <a:latin typeface="Calibri" panose="020F0502020204030204" pitchFamily="34" charset="0"/>
+            </a:endParaRPr>
+          </a:p>
+        </p:txBody>
+      </p:sp>
+      <p:sp>
+        <p:nvSpPr>
+          <p:cNvPr id="8" name="TextBox 7">
+            <a:extLst>
+              <a:ext uri="{FF2B5EF4-FFF2-40B4-BE49-F238E27FC236}">
+                <a16:creationId xmlns:a16="http://schemas.microsoft.com/office/drawing/2014/main" id="{708E3AD6-9782-F951-6F8F-ADA322768FC7}"/>
+              </a:ext>
+            </a:extLst>
+          </p:cNvPr>
+          <p:cNvSpPr txBox="1"/>
+          <p:nvPr/>
+        </p:nvSpPr>
+        <p:spPr>
+          <a:xfrm>
+            <a:off x="258581" y="3414965"/>
+            <a:ext cx="6093500" cy="523220"/>
+          </a:xfrm>
+          <a:prstGeom prst="rect">
+            <a:avLst/>
+          </a:prstGeom>
+          <a:noFill/>
+        </p:spPr>
+        <p:txBody>
+          <a:bodyPr wrap="square">
+            <a:spAutoFit/>
+          </a:bodyPr>
+          <a:lstStyle/>
+          <a:p>
+            <a:r>
+              <a:rPr lang="en-US" sz="2800" b="1" dirty="0">
+                <a:solidFill>
+                  <a:schemeClr val="bg1"/>
+                </a:solidFill>
+                <a:effectLst/>
+                <a:latin typeface="Calibri" panose="020F0502020204030204" pitchFamily="34" charset="0"/>
+              </a:rPr>
+              <a:t>Security Considerations</a:t>
+            </a:r>
+            <a:endParaRPr lang="en-US" sz="2800" dirty="0">
+              <a:solidFill>
+                <a:schemeClr val="bg1"/>
+              </a:solidFill>
+            </a:endParaRPr>
+          </a:p>
+        </p:txBody>
+      </p:sp>
+      <p:sp>
+        <p:nvSpPr>
+          <p:cNvPr id="7" name="TextBox 6">
+            <a:extLst>
+              <a:ext uri="{FF2B5EF4-FFF2-40B4-BE49-F238E27FC236}">
+                <a16:creationId xmlns:a16="http://schemas.microsoft.com/office/drawing/2014/main" id="{1091320A-917C-742C-9646-725F6BDBFABE}"/>
+              </a:ext>
+            </a:extLst>
+          </p:cNvPr>
+          <p:cNvSpPr txBox="1"/>
+          <p:nvPr/>
+        </p:nvSpPr>
+        <p:spPr>
+          <a:xfrm>
+            <a:off x="153650" y="212977"/>
+            <a:ext cx="6820525" cy="523220"/>
+          </a:xfrm>
+          <a:prstGeom prst="rect">
+            <a:avLst/>
+          </a:prstGeom>
+          <a:noFill/>
+        </p:spPr>
+        <p:txBody>
+          <a:bodyPr wrap="square" rtlCol="0">
+            <a:spAutoFit/>
+          </a:bodyPr>
+          <a:lstStyle/>
+          <a:p>
+            <a:r>
+              <a:rPr lang="en-US" sz="2800" u="sng" dirty="0">
+                <a:solidFill>
+                  <a:schemeClr val="bg1"/>
+                </a:solidFill>
+                <a:effectLst/>
+                <a:latin typeface="Calibri" panose="020F0502020204030204" pitchFamily="34" charset="0"/>
+              </a:rPr>
+              <a:t>Flow of User Access &amp; File Management</a:t>
+            </a:r>
+            <a:endParaRPr lang="en-US" sz="2800" u="sng" dirty="0">
+              <a:solidFill>
+                <a:schemeClr val="bg1"/>
+              </a:solidFill>
+            </a:endParaRPr>
+          </a:p>
+        </p:txBody>
+      </p:sp>
+      <p:sp>
+        <p:nvSpPr>
+          <p:cNvPr id="9" name="TextBox 8">
+            <a:extLst>
+              <a:ext uri="{FF2B5EF4-FFF2-40B4-BE49-F238E27FC236}">
+                <a16:creationId xmlns:a16="http://schemas.microsoft.com/office/drawing/2014/main" id="{4459D5F9-4D6A-7FDD-9DAE-45E07E664473}"/>
+              </a:ext>
+            </a:extLst>
+          </p:cNvPr>
+          <p:cNvSpPr txBox="1"/>
+          <p:nvPr/>
+        </p:nvSpPr>
+        <p:spPr>
+          <a:xfrm>
+            <a:off x="258581" y="1427100"/>
+            <a:ext cx="8645578" cy="1938992"/>
+          </a:xfrm>
+          <a:prstGeom prst="rect">
+            <a:avLst/>
+          </a:prstGeom>
+          <a:noFill/>
+        </p:spPr>
+        <p:txBody>
+          <a:bodyPr wrap="square">
+            <a:spAutoFit/>
+          </a:bodyPr>
+          <a:lstStyle/>
+          <a:p>
+            <a:pPr marL="285750" indent="-285750" rtl="0" fontAlgn="ctr">
+              <a:buFont typeface="Wingdings" panose="05000000000000000000" pitchFamily="2" charset="2"/>
+              <a:buChar char="§"/>
+            </a:pPr>
+            <a:r>
+              <a:rPr lang="en-US" sz="2000" b="1" i="0" dirty="0">
+                <a:effectLst/>
+                <a:latin typeface="Calibri" panose="020F0502020204030204" pitchFamily="34" charset="0"/>
+              </a:rPr>
+              <a:t>User Authentication</a:t>
+            </a:r>
+            <a:r>
+              <a:rPr lang="en-US" sz="2000" b="0" i="0" dirty="0">
+                <a:effectLst/>
+                <a:latin typeface="Calibri" panose="020F0502020204030204" pitchFamily="34" charset="0"/>
+              </a:rPr>
+              <a:t>: Azure AD authenticates users, assigns roles.</a:t>
+            </a:r>
+            <a:endParaRPr lang="en-US" sz="2000" b="1" i="0" dirty="0">
+              <a:effectLst/>
+              <a:latin typeface="Calibri" panose="020F0502020204030204" pitchFamily="34" charset="0"/>
+            </a:endParaRPr>
+          </a:p>
+          <a:p>
+            <a:pPr marL="285750" indent="-285750" rtl="0" fontAlgn="ctr">
+              <a:buFont typeface="Wingdings" panose="05000000000000000000" pitchFamily="2" charset="2"/>
+              <a:buChar char="§"/>
+            </a:pPr>
+            <a:r>
+              <a:rPr lang="en-US" sz="2000" b="1" i="0" dirty="0">
+                <a:effectLst/>
+                <a:latin typeface="Calibri" panose="020F0502020204030204" pitchFamily="34" charset="0"/>
+              </a:rPr>
+              <a:t>Authorization</a:t>
+            </a:r>
+            <a:r>
+              <a:rPr lang="en-US" sz="2000" b="0" i="0" dirty="0">
+                <a:effectLst/>
+                <a:latin typeface="Calibri" panose="020F0502020204030204" pitchFamily="34" charset="0"/>
+              </a:rPr>
+              <a:t>: Role-based access control (RBAC) to Blob Storage.</a:t>
+            </a:r>
+            <a:endParaRPr lang="en-US" sz="2000" b="1" i="0" dirty="0">
+              <a:effectLst/>
+              <a:latin typeface="Calibri" panose="020F0502020204030204" pitchFamily="34" charset="0"/>
+            </a:endParaRPr>
+          </a:p>
+          <a:p>
+            <a:pPr marL="285750" indent="-285750" rtl="0" fontAlgn="ctr">
+              <a:buFont typeface="Wingdings" panose="05000000000000000000" pitchFamily="2" charset="2"/>
+              <a:buChar char="§"/>
+            </a:pPr>
+            <a:r>
+              <a:rPr lang="en-US" sz="2000" b="1" i="0" dirty="0">
+                <a:effectLst/>
+                <a:latin typeface="Calibri" panose="020F0502020204030204" pitchFamily="34" charset="0"/>
+              </a:rPr>
+              <a:t>Data Storage</a:t>
+            </a:r>
+            <a:r>
+              <a:rPr lang="en-US" sz="2000" b="0" i="0" dirty="0">
+                <a:effectLst/>
+                <a:latin typeface="Calibri" panose="020F0502020204030204" pitchFamily="34" charset="0"/>
+              </a:rPr>
+              <a:t>: Recipes stored securely in Blob Storage with versioning.</a:t>
+            </a:r>
+            <a:endParaRPr lang="en-US" sz="2000" b="1" i="0" dirty="0">
+              <a:effectLst/>
+              <a:latin typeface="Calibri" panose="020F0502020204030204" pitchFamily="34" charset="0"/>
+            </a:endParaRPr>
+          </a:p>
+          <a:p>
+            <a:pPr marL="285750" indent="-285750" rtl="0" fontAlgn="ctr">
+              <a:buFont typeface="Wingdings" panose="05000000000000000000" pitchFamily="2" charset="2"/>
+              <a:buChar char="§"/>
+            </a:pPr>
+            <a:r>
+              <a:rPr lang="en-US" sz="2000" b="1" i="0" dirty="0">
+                <a:effectLst/>
+                <a:latin typeface="Calibri" panose="020F0502020204030204" pitchFamily="34" charset="0"/>
+              </a:rPr>
+              <a:t>Automation</a:t>
+            </a:r>
+            <a:r>
+              <a:rPr lang="en-US" sz="2000" b="0" i="0" dirty="0">
+                <a:effectLst/>
+                <a:latin typeface="Calibri" panose="020F0502020204030204" pitchFamily="34" charset="0"/>
+              </a:rPr>
+              <a:t>: Azure Functions zip files for easier distribution.</a:t>
+            </a:r>
+            <a:endParaRPr lang="en-US" sz="2000" b="1" i="0" dirty="0">
+              <a:effectLst/>
+              <a:latin typeface="Calibri" panose="020F0502020204030204" pitchFamily="34" charset="0"/>
+            </a:endParaRPr>
+          </a:p>
+          <a:p>
+            <a:pPr marL="285750" indent="-285750" rtl="0" fontAlgn="ctr">
+              <a:buFont typeface="Wingdings" panose="05000000000000000000" pitchFamily="2" charset="2"/>
+              <a:buChar char="§"/>
+            </a:pPr>
+            <a:r>
+              <a:rPr lang="en-US" sz="2000" b="1" i="0" dirty="0">
+                <a:effectLst/>
+                <a:latin typeface="Calibri" panose="020F0502020204030204" pitchFamily="34" charset="0"/>
+              </a:rPr>
+              <a:t>Secure Distribution</a:t>
+            </a:r>
+            <a:r>
+              <a:rPr lang="en-US" sz="2000" b="0" i="0" dirty="0">
+                <a:effectLst/>
+                <a:latin typeface="Calibri" panose="020F0502020204030204" pitchFamily="34" charset="0"/>
+              </a:rPr>
+              <a:t>: Azure CDN delivers files globally with SAS tokens.</a:t>
+            </a:r>
+            <a:endParaRPr lang="en-US" sz="2000" b="1" i="0" dirty="0">
+              <a:effectLst/>
+              <a:latin typeface="Calibri" panose="020F0502020204030204" pitchFamily="34" charset="0"/>
+            </a:endParaRPr>
+          </a:p>
+          <a:p>
+            <a:pPr marL="285750" indent="-285750" rtl="0" fontAlgn="ctr">
+              <a:buFont typeface="Wingdings" panose="05000000000000000000" pitchFamily="2" charset="2"/>
+              <a:buChar char="§"/>
+            </a:pPr>
+            <a:r>
+              <a:rPr lang="en-US" sz="2000" b="1" i="0" dirty="0">
+                <a:effectLst/>
+                <a:latin typeface="Calibri" panose="020F0502020204030204" pitchFamily="34" charset="0"/>
+              </a:rPr>
+              <a:t>VPN Gateway</a:t>
+            </a:r>
+            <a:r>
+              <a:rPr lang="en-US" sz="2000" b="0" i="0" dirty="0">
+                <a:effectLst/>
+                <a:latin typeface="Calibri" panose="020F0502020204030204" pitchFamily="34" charset="0"/>
+              </a:rPr>
+              <a:t>: Secure access for on-premises systems.</a:t>
+            </a:r>
+            <a:endParaRPr lang="en-US" sz="2000" b="1" i="0" dirty="0">
+              <a:effectLst/>
+              <a:latin typeface="Calibri" panose="020F0502020204030204" pitchFamily="34" charset="0"/>
+            </a:endParaRPr>
+          </a:p>
+        </p:txBody>
+      </p:sp>
+    </p:spTree>
+    <p:extLst>
+      <p:ext uri="{BB962C8B-B14F-4D97-AF65-F5344CB8AC3E}">
+        <p14:creationId xmlns:p14="http://schemas.microsoft.com/office/powerpoint/2010/main" val="4278213206"/>
+      </p:ext>
+    </p:extLst>
+  </p:cSld>
+  <p:clrMapOvr>
+    <a:masterClrMapping/>
+  </p:clrMapOvr>
+</p:sld>
+</file>
+
+<file path=ppt/slides/slide8.xml><?xml version="1.0" encoding="utf-8"?>
+<p:sld xmlns:a="http://schemas.openxmlformats.org/drawingml/2006/main" xmlns:r="http://schemas.openxmlformats.org/officeDocument/2006/relationships" xmlns:p="http://schemas.openxmlformats.org/presentationml/2006/main">
+  <p:cSld>
+    <p:bg>
+      <p:bgPr>
+        <a:gradFill>
+          <a:gsLst>
+            <a:gs pos="18000">
+              <a:srgbClr val="42DAAB"/>
+            </a:gs>
+            <a:gs pos="0">
+              <a:schemeClr val="tx1"/>
+            </a:gs>
+            <a:gs pos="100000">
+              <a:schemeClr val="accent1">
+                <a:lumMod val="30000"/>
+                <a:lumOff val="70000"/>
+              </a:schemeClr>
+            </a:gs>
+          </a:gsLst>
+          <a:lin ang="2700000" scaled="1"/>
+        </a:gradFill>
+        <a:effectLst/>
+      </p:bgPr>
+    </p:bg>
+    <p:spTree>
+      <p:nvGrpSpPr>
+        <p:cNvPr id="1" name="">
+          <a:extLst>
+            <a:ext uri="{FF2B5EF4-FFF2-40B4-BE49-F238E27FC236}">
+              <a16:creationId xmlns:a16="http://schemas.microsoft.com/office/drawing/2014/main" id="{7A3AD305-3F67-B899-8549-96627DB010B1}"/>
+            </a:ext>
+          </a:extLst>
+        </p:cNvPr>
+        <p:cNvGrpSpPr/>
+        <p:nvPr/>
+      </p:nvGrpSpPr>
+      <p:grpSpPr>
+        <a:xfrm>
+          <a:off x="0" y="0"/>
+          <a:ext cx="0" cy="0"/>
+          <a:chOff x="0" y="0"/>
+          <a:chExt cx="0" cy="0"/>
+        </a:xfrm>
+      </p:grpSpPr>
+      <p:sp>
+        <p:nvSpPr>
+          <p:cNvPr id="2" name="TextBox 1">
+            <a:extLst>
+              <a:ext uri="{FF2B5EF4-FFF2-40B4-BE49-F238E27FC236}">
+                <a16:creationId xmlns:a16="http://schemas.microsoft.com/office/drawing/2014/main" id="{CC89CD65-83B3-F9FF-E1E2-A6F5C8577A5E}"/>
+              </a:ext>
+            </a:extLst>
+          </p:cNvPr>
+          <p:cNvSpPr txBox="1"/>
+          <p:nvPr/>
+        </p:nvSpPr>
+        <p:spPr>
+          <a:xfrm>
+            <a:off x="-1" y="256357"/>
+            <a:ext cx="6835515" cy="523220"/>
+          </a:xfrm>
+          <a:prstGeom prst="rect">
+            <a:avLst/>
+          </a:prstGeom>
+          <a:noFill/>
+        </p:spPr>
+        <p:txBody>
+          <a:bodyPr wrap="square" rtlCol="0">
+            <a:spAutoFit/>
+          </a:bodyPr>
+          <a:lstStyle/>
+          <a:p>
+            <a:r>
+              <a:rPr lang="en-US" sz="2800" u="sng" dirty="0">
+                <a:solidFill>
+                  <a:schemeClr val="bg1"/>
+                </a:solidFill>
+                <a:latin typeface="Calibri" panose="020F0502020204030204" pitchFamily="34" charset="0"/>
+                <a:ea typeface="Calibri" panose="020F0502020204030204" pitchFamily="34" charset="0"/>
+                <a:cs typeface="Calibri" panose="020F0502020204030204" pitchFamily="34" charset="0"/>
+              </a:rPr>
+              <a:t>Complete Architecture Diagram</a:t>
+            </a:r>
+          </a:p>
+        </p:txBody>
+      </p:sp>
+      <p:pic>
+        <p:nvPicPr>
+          <p:cNvPr id="6" name="Picture 5">
+            <a:extLst>
+              <a:ext uri="{FF2B5EF4-FFF2-40B4-BE49-F238E27FC236}">
+                <a16:creationId xmlns:a16="http://schemas.microsoft.com/office/drawing/2014/main" id="{E48EF8AB-A15C-89D1-AE85-E9516BE50B39}"/>
+              </a:ext>
+            </a:extLst>
+          </p:cNvPr>
+          <p:cNvPicPr>
+            <a:picLocks noChangeAspect="1"/>
+          </p:cNvPicPr>
+          <p:nvPr/>
+        </p:nvPicPr>
+        <p:blipFill>
+          <a:blip r:embed="rId2"/>
+          <a:stretch>
+            <a:fillRect/>
+          </a:stretch>
+        </p:blipFill>
+        <p:spPr>
+          <a:xfrm>
+            <a:off x="299803" y="933477"/>
+            <a:ext cx="11347553" cy="5668166"/>
+          </a:xfrm>
+          <a:prstGeom prst="rect">
+            <a:avLst/>
+          </a:prstGeom>
+        </p:spPr>
+      </p:pic>
+    </p:spTree>
+    <p:extLst>
+      <p:ext uri="{BB962C8B-B14F-4D97-AF65-F5344CB8AC3E}">
+        <p14:creationId xmlns:p14="http://schemas.microsoft.com/office/powerpoint/2010/main" val="3767454697"/>
+      </p:ext>
+    </p:extLst>
+  </p:cSld>
+  <p:clrMapOvr>
+    <a:masterClrMapping/>
+  </p:clrMapOvr>
+</p:sld>
+</file>
+
+<file path=ppt/slides/slide9.xml><?xml version="1.0" encoding="utf-8"?>
+<p:sld xmlns:a="http://schemas.openxmlformats.org/drawingml/2006/main" xmlns:r="http://schemas.openxmlformats.org/officeDocument/2006/relationships" xmlns:p="http://schemas.openxmlformats.org/presentationml/2006/main">
+  <p:cSld>
+    <p:bg>
+      <p:bgPr>
+        <a:gradFill>
+          <a:gsLst>
+            <a:gs pos="18000">
+              <a:srgbClr val="42DAAB"/>
+            </a:gs>
+            <a:gs pos="0">
+              <a:schemeClr val="tx1"/>
+            </a:gs>
+            <a:gs pos="100000">
+              <a:schemeClr val="accent1">
+                <a:lumMod val="30000"/>
+                <a:lumOff val="70000"/>
+              </a:schemeClr>
+            </a:gs>
+          </a:gsLst>
+          <a:lin ang="2700000" scaled="1"/>
+        </a:gradFill>
+        <a:effectLst/>
+      </p:bgPr>
+    </p:bg>
+    <p:spTree>
+      <p:nvGrpSpPr>
+        <p:cNvPr id="1" name="">
+          <a:extLst>
+            <a:ext uri="{FF2B5EF4-FFF2-40B4-BE49-F238E27FC236}">
+              <a16:creationId xmlns:a16="http://schemas.microsoft.com/office/drawing/2014/main" id="{45946E1B-3654-20DC-8B1D-E1ECF9413A2E}"/>
+            </a:ext>
+          </a:extLst>
+        </p:cNvPr>
+        <p:cNvGrpSpPr/>
+        <p:nvPr/>
+      </p:nvGrpSpPr>
+      <p:grpSpPr>
+        <a:xfrm>
+          <a:off x="0" y="0"/>
+          <a:ext cx="0" cy="0"/>
+          <a:chOff x="0" y="0"/>
+          <a:chExt cx="0" cy="0"/>
+        </a:xfrm>
+      </p:grpSpPr>
+      <p:sp>
+        <p:nvSpPr>
+          <p:cNvPr id="2" name="TextBox 1">
+            <a:extLst>
+              <a:ext uri="{FF2B5EF4-FFF2-40B4-BE49-F238E27FC236}">
+                <a16:creationId xmlns:a16="http://schemas.microsoft.com/office/drawing/2014/main" id="{9E2472A5-1953-F781-D6AF-983F896D436F}"/>
+              </a:ext>
+            </a:extLst>
+          </p:cNvPr>
+          <p:cNvSpPr txBox="1"/>
+          <p:nvPr/>
+        </p:nvSpPr>
+        <p:spPr>
+          <a:xfrm>
+            <a:off x="0" y="256357"/>
+            <a:ext cx="5067946" cy="523220"/>
+          </a:xfrm>
+          <a:prstGeom prst="rect">
+            <a:avLst/>
+          </a:prstGeom>
+          <a:noFill/>
+        </p:spPr>
+        <p:txBody>
+          <a:bodyPr wrap="square" rtlCol="0">
+            <a:spAutoFit/>
+          </a:bodyPr>
+          <a:lstStyle/>
+          <a:p>
+            <a:r>
+              <a:rPr lang="en-US" sz="2800" u="sng" dirty="0">
+                <a:solidFill>
+                  <a:schemeClr val="bg1"/>
+                </a:solidFill>
+                <a:latin typeface="Calibri" panose="020F0502020204030204" pitchFamily="34" charset="0"/>
+                <a:ea typeface="Calibri" panose="020F0502020204030204" pitchFamily="34" charset="0"/>
+                <a:cs typeface="Calibri" panose="020F0502020204030204" pitchFamily="34" charset="0"/>
+              </a:rPr>
+              <a:t>Benefits of This Architecture </a:t>
+            </a:r>
+          </a:p>
+        </p:txBody>
+      </p:sp>
+      <p:sp>
+        <p:nvSpPr>
+          <p:cNvPr id="4" name="TextBox 3">
+            <a:extLst>
+              <a:ext uri="{FF2B5EF4-FFF2-40B4-BE49-F238E27FC236}">
+                <a16:creationId xmlns:a16="http://schemas.microsoft.com/office/drawing/2014/main" id="{80E8E44B-02E8-60B3-9145-9B7CCB614C63}"/>
+              </a:ext>
+            </a:extLst>
+          </p:cNvPr>
+          <p:cNvSpPr txBox="1"/>
+          <p:nvPr/>
+        </p:nvSpPr>
+        <p:spPr>
+          <a:xfrm>
+            <a:off x="-1" y="1559377"/>
+            <a:ext cx="10343214" cy="1631216"/>
+          </a:xfrm>
+          <a:prstGeom prst="rect">
+            <a:avLst/>
+          </a:prstGeom>
+          <a:noFill/>
+        </p:spPr>
+        <p:txBody>
+          <a:bodyPr wrap="square">
+            <a:spAutoFit/>
+          </a:bodyPr>
+          <a:lstStyle/>
+          <a:p>
+            <a:pPr marL="342900" indent="-342900" rtl="0" fontAlgn="ctr">
+              <a:buFont typeface="Wingdings" panose="05000000000000000000" pitchFamily="2" charset="2"/>
+              <a:buChar char="§"/>
+            </a:pPr>
+            <a:r>
+              <a:rPr lang="en-US" sz="2000" b="1" i="0" dirty="0">
+                <a:effectLst/>
+                <a:latin typeface="Calibri" panose="020F0502020204030204" pitchFamily="34" charset="0"/>
+              </a:rPr>
+              <a:t>Scalability</a:t>
+            </a:r>
+            <a:r>
+              <a:rPr lang="en-US" sz="2000" b="0" i="0" dirty="0">
+                <a:effectLst/>
+                <a:latin typeface="Calibri" panose="020F0502020204030204" pitchFamily="34" charset="0"/>
+              </a:rPr>
+              <a:t>: Easily expand as business grows with isolated spoke networks.</a:t>
+            </a:r>
+            <a:endParaRPr lang="en-US" sz="2000" b="1" i="0" dirty="0">
+              <a:effectLst/>
+              <a:latin typeface="Calibri" panose="020F0502020204030204" pitchFamily="34" charset="0"/>
+            </a:endParaRPr>
+          </a:p>
+          <a:p>
+            <a:pPr marL="342900" indent="-342900" rtl="0" fontAlgn="ctr">
+              <a:buFont typeface="Wingdings" panose="05000000000000000000" pitchFamily="2" charset="2"/>
+              <a:buChar char="§"/>
+            </a:pPr>
+            <a:r>
+              <a:rPr lang="en-US" sz="2000" b="1" i="0" dirty="0">
+                <a:effectLst/>
+                <a:latin typeface="Calibri" panose="020F0502020204030204" pitchFamily="34" charset="0"/>
+              </a:rPr>
+              <a:t>Security</a:t>
+            </a:r>
+            <a:r>
+              <a:rPr lang="en-US" sz="2000" b="0" i="0" dirty="0">
+                <a:effectLst/>
+                <a:latin typeface="Calibri" panose="020F0502020204030204" pitchFamily="34" charset="0"/>
+              </a:rPr>
+              <a:t>: Robust data protection with encryption, RBAC, and private endpoints.</a:t>
+            </a:r>
+            <a:endParaRPr lang="en-US" sz="2000" b="1" i="0" dirty="0">
+              <a:effectLst/>
+              <a:latin typeface="Calibri" panose="020F0502020204030204" pitchFamily="34" charset="0"/>
+            </a:endParaRPr>
+          </a:p>
+          <a:p>
+            <a:pPr marL="342900" indent="-342900" rtl="0" fontAlgn="ctr">
+              <a:buFont typeface="Wingdings" panose="05000000000000000000" pitchFamily="2" charset="2"/>
+              <a:buChar char="§"/>
+            </a:pPr>
+            <a:r>
+              <a:rPr lang="en-US" sz="2000" b="1" i="0" dirty="0">
+                <a:effectLst/>
+                <a:latin typeface="Calibri" panose="020F0502020204030204" pitchFamily="34" charset="0"/>
+              </a:rPr>
+              <a:t>Global Reach</a:t>
+            </a:r>
+            <a:r>
+              <a:rPr lang="en-US" sz="2000" b="0" i="0" dirty="0">
+                <a:effectLst/>
+                <a:latin typeface="Calibri" panose="020F0502020204030204" pitchFamily="34" charset="0"/>
+              </a:rPr>
+              <a:t>: Fast, reliable delivery of recipe files via Azure CDN.</a:t>
+            </a:r>
+            <a:endParaRPr lang="en-US" sz="2000" b="1" i="0" dirty="0">
+              <a:effectLst/>
+              <a:latin typeface="Calibri" panose="020F0502020204030204" pitchFamily="34" charset="0"/>
+            </a:endParaRPr>
+          </a:p>
+          <a:p>
+            <a:pPr marL="342900" indent="-342900" rtl="0" fontAlgn="ctr">
+              <a:buFont typeface="Wingdings" panose="05000000000000000000" pitchFamily="2" charset="2"/>
+              <a:buChar char="§"/>
+            </a:pPr>
+            <a:r>
+              <a:rPr lang="en-US" sz="2000" b="1" i="0" dirty="0">
+                <a:effectLst/>
+                <a:latin typeface="Calibri" panose="020F0502020204030204" pitchFamily="34" charset="0"/>
+              </a:rPr>
+              <a:t>Automation</a:t>
+            </a:r>
+            <a:r>
+              <a:rPr lang="en-US" sz="2000" b="0" i="0" dirty="0">
+                <a:effectLst/>
+                <a:latin typeface="Calibri" panose="020F0502020204030204" pitchFamily="34" charset="0"/>
+              </a:rPr>
+              <a:t>: Reduces manual work with Azure Functions for file zipping.</a:t>
+            </a:r>
+            <a:endParaRPr lang="en-US" sz="2000" b="1" i="0" dirty="0">
+              <a:effectLst/>
+              <a:latin typeface="Calibri" panose="020F0502020204030204" pitchFamily="34" charset="0"/>
+            </a:endParaRPr>
+          </a:p>
+          <a:p>
+            <a:pPr marL="342900" indent="-342900" rtl="0" fontAlgn="ctr">
+              <a:buFont typeface="Wingdings" panose="05000000000000000000" pitchFamily="2" charset="2"/>
+              <a:buChar char="§"/>
+            </a:pPr>
+            <a:r>
+              <a:rPr lang="en-US" sz="2000" b="1" i="0" dirty="0">
+                <a:effectLst/>
+                <a:latin typeface="Calibri" panose="020F0502020204030204" pitchFamily="34" charset="0"/>
+              </a:rPr>
+              <a:t>Comprehensive Monitoring</a:t>
+            </a:r>
+            <a:r>
+              <a:rPr lang="en-US" sz="2000" b="0" i="0" dirty="0">
+                <a:effectLst/>
+                <a:latin typeface="Calibri" panose="020F0502020204030204" pitchFamily="34" charset="0"/>
+              </a:rPr>
+              <a:t>: Centralized logging and alerting for performance and security</a:t>
+            </a:r>
+            <a:r>
+              <a:rPr lang="en-US" sz="1800" b="0" i="0" dirty="0">
+                <a:effectLst/>
+                <a:latin typeface="Calibri" panose="020F0502020204030204" pitchFamily="34" charset="0"/>
+              </a:rPr>
+              <a:t>.</a:t>
+            </a:r>
+            <a:endParaRPr lang="en-US" sz="1800" b="1" i="0" dirty="0">
+              <a:effectLst/>
+              <a:latin typeface="Calibri" panose="020F0502020204030204" pitchFamily="34" charset="0"/>
+            </a:endParaRPr>
+          </a:p>
+        </p:txBody>
+      </p:sp>
+    </p:spTree>
+    <p:extLst>
+      <p:ext uri="{BB962C8B-B14F-4D97-AF65-F5344CB8AC3E}">
+        <p14:creationId xmlns:p14="http://schemas.microsoft.com/office/powerpoint/2010/main" val="4026869486"/>
+      </p:ext>
+    </p:extLst>
+  </p:cSld>
+  <p:clrMapOvr>
+    <a:masterClrMapping/>
+  </p:clrMapOvr>
+</p:sld>
+</file>
+
 <file path=ppt/theme/theme1.xml><?xml version="1.0" encoding="utf-8"?>
 <a:theme xmlns:a="http://schemas.openxmlformats.org/drawingml/2006/main" name="SwellVTI">
   <a:themeElements>

--- a/Circu Li Ion.pptx
+++ b/Circu Li Ion.pptx
@@ -5,20 +5,19 @@
     <p:sldMasterId id="2147483738" r:id="rId1"/>
   </p:sldMasterIdLst>
   <p:notesMasterIdLst>
-    <p:notesMasterId r:id="rId13"/>
+    <p:notesMasterId r:id="rId12"/>
   </p:notesMasterIdLst>
   <p:sldIdLst>
     <p:sldId id="257" r:id="rId2"/>
     <p:sldId id="258" r:id="rId3"/>
     <p:sldId id="259" r:id="rId4"/>
-    <p:sldId id="260" r:id="rId5"/>
-    <p:sldId id="267" r:id="rId6"/>
-    <p:sldId id="261" r:id="rId7"/>
-    <p:sldId id="262" r:id="rId8"/>
-    <p:sldId id="263" r:id="rId9"/>
-    <p:sldId id="264" r:id="rId10"/>
-    <p:sldId id="266" r:id="rId11"/>
-    <p:sldId id="265" r:id="rId12"/>
+    <p:sldId id="267" r:id="rId5"/>
+    <p:sldId id="261" r:id="rId6"/>
+    <p:sldId id="262" r:id="rId7"/>
+    <p:sldId id="263" r:id="rId8"/>
+    <p:sldId id="264" r:id="rId9"/>
+    <p:sldId id="266" r:id="rId10"/>
+    <p:sldId id="265" r:id="rId11"/>
   </p:sldIdLst>
   <p:sldSz cx="12192000" cy="6858000"/>
   <p:notesSz cx="6858000" cy="9144000"/>
@@ -4527,6 +4526,2640 @@
 </file>
 
 <file path=ppt/slides/slide10.xml><?xml version="1.0" encoding="utf-8"?>
+<p:sld xmlns:a="http://schemas.openxmlformats.org/drawingml/2006/main" xmlns:r="http://schemas.openxmlformats.org/officeDocument/2006/relationships" xmlns:p="http://schemas.openxmlformats.org/presentationml/2006/main">
+  <p:cSld>
+    <p:bg>
+      <p:bgPr>
+        <a:gradFill>
+          <a:gsLst>
+            <a:gs pos="18000">
+              <a:srgbClr val="42DAAB"/>
+            </a:gs>
+            <a:gs pos="0">
+              <a:schemeClr val="tx1"/>
+            </a:gs>
+            <a:gs pos="100000">
+              <a:schemeClr val="accent1">
+                <a:lumMod val="30000"/>
+                <a:lumOff val="70000"/>
+              </a:schemeClr>
+            </a:gs>
+          </a:gsLst>
+          <a:lin ang="2700000" scaled="1"/>
+        </a:gradFill>
+        <a:effectLst/>
+      </p:bgPr>
+    </p:bg>
+    <p:spTree>
+      <p:nvGrpSpPr>
+        <p:cNvPr id="1" name="">
+          <a:extLst>
+            <a:ext uri="{FF2B5EF4-FFF2-40B4-BE49-F238E27FC236}">
+              <a16:creationId xmlns:a16="http://schemas.microsoft.com/office/drawing/2014/main" id="{5D9EC191-AE48-37E5-72BA-8DAE88C050E9}"/>
+            </a:ext>
+          </a:extLst>
+        </p:cNvPr>
+        <p:cNvGrpSpPr/>
+        <p:nvPr/>
+      </p:nvGrpSpPr>
+      <p:grpSpPr>
+        <a:xfrm>
+          <a:off x="0" y="0"/>
+          <a:ext cx="0" cy="0"/>
+          <a:chOff x="0" y="0"/>
+          <a:chExt cx="0" cy="0"/>
+        </a:xfrm>
+      </p:grpSpPr>
+      <p:sp>
+        <p:nvSpPr>
+          <p:cNvPr id="2" name="TextBox 1">
+            <a:extLst>
+              <a:ext uri="{FF2B5EF4-FFF2-40B4-BE49-F238E27FC236}">
+                <a16:creationId xmlns:a16="http://schemas.microsoft.com/office/drawing/2014/main" id="{540E87E5-474D-830D-56CB-3F68E741F66B}"/>
+              </a:ext>
+            </a:extLst>
+          </p:cNvPr>
+          <p:cNvSpPr txBox="1"/>
+          <p:nvPr/>
+        </p:nvSpPr>
+        <p:spPr>
+          <a:xfrm>
+            <a:off x="3562027" y="3105834"/>
+            <a:ext cx="5067946" cy="646331"/>
+          </a:xfrm>
+          <a:prstGeom prst="rect">
+            <a:avLst/>
+          </a:prstGeom>
+          <a:noFill/>
+        </p:spPr>
+        <p:txBody>
+          <a:bodyPr wrap="square" rtlCol="0">
+            <a:spAutoFit/>
+          </a:bodyPr>
+          <a:lstStyle/>
+          <a:p>
+            <a:pPr algn="ctr"/>
+            <a:r>
+              <a:rPr lang="en-US" sz="3600" dirty="0"/>
+              <a:t>THANK YOU </a:t>
+            </a:r>
+          </a:p>
+        </p:txBody>
+      </p:sp>
+    </p:spTree>
+    <p:extLst>
+      <p:ext uri="{BB962C8B-B14F-4D97-AF65-F5344CB8AC3E}">
+        <p14:creationId xmlns:p14="http://schemas.microsoft.com/office/powerpoint/2010/main" val="2590805178"/>
+      </p:ext>
+    </p:extLst>
+  </p:cSld>
+  <p:clrMapOvr>
+    <a:masterClrMapping/>
+  </p:clrMapOvr>
+</p:sld>
+</file>
+
+<file path=ppt/slides/slide2.xml><?xml version="1.0" encoding="utf-8"?>
+<p:sld xmlns:a="http://schemas.openxmlformats.org/drawingml/2006/main" xmlns:r="http://schemas.openxmlformats.org/officeDocument/2006/relationships" xmlns:p="http://schemas.openxmlformats.org/presentationml/2006/main">
+  <p:cSld>
+    <p:bg>
+      <p:bgPr>
+        <a:gradFill>
+          <a:gsLst>
+            <a:gs pos="18000">
+              <a:srgbClr val="42DAAB"/>
+            </a:gs>
+            <a:gs pos="0">
+              <a:schemeClr val="tx1"/>
+            </a:gs>
+            <a:gs pos="100000">
+              <a:schemeClr val="accent1">
+                <a:lumMod val="30000"/>
+                <a:lumOff val="70000"/>
+              </a:schemeClr>
+            </a:gs>
+          </a:gsLst>
+          <a:lin ang="2700000" scaled="1"/>
+        </a:gradFill>
+        <a:effectLst/>
+      </p:bgPr>
+    </p:bg>
+    <p:spTree>
+      <p:nvGrpSpPr>
+        <p:cNvPr id="1" name=""/>
+        <p:cNvGrpSpPr/>
+        <p:nvPr/>
+      </p:nvGrpSpPr>
+      <p:grpSpPr>
+        <a:xfrm>
+          <a:off x="0" y="0"/>
+          <a:ext cx="0" cy="0"/>
+          <a:chOff x="0" y="0"/>
+          <a:chExt cx="0" cy="0"/>
+        </a:xfrm>
+      </p:grpSpPr>
+      <p:sp>
+        <p:nvSpPr>
+          <p:cNvPr id="6" name="TextBox 5">
+            <a:extLst>
+              <a:ext uri="{FF2B5EF4-FFF2-40B4-BE49-F238E27FC236}">
+                <a16:creationId xmlns:a16="http://schemas.microsoft.com/office/drawing/2014/main" id="{BB4F9EEB-65BD-B72A-DF62-00CDC4AB46D1}"/>
+              </a:ext>
+            </a:extLst>
+          </p:cNvPr>
+          <p:cNvSpPr txBox="1"/>
+          <p:nvPr/>
+        </p:nvSpPr>
+        <p:spPr>
+          <a:xfrm>
+            <a:off x="884421" y="1888761"/>
+            <a:ext cx="11111268" cy="1969770"/>
+          </a:xfrm>
+          <a:prstGeom prst="rect">
+            <a:avLst/>
+          </a:prstGeom>
+          <a:noFill/>
+        </p:spPr>
+        <p:txBody>
+          <a:bodyPr wrap="square" rtlCol="0">
+            <a:spAutoFit/>
+          </a:bodyPr>
+          <a:lstStyle/>
+          <a:p>
+            <a:r>
+              <a:rPr lang="en-US" sz="2800" dirty="0">
+                <a:solidFill>
+                  <a:schemeClr val="bg1"/>
+                </a:solidFill>
+              </a:rPr>
+              <a:t>Problem Statement ?</a:t>
+            </a:r>
+          </a:p>
+          <a:p>
+            <a:endParaRPr lang="en-US" sz="2000" dirty="0"/>
+          </a:p>
+          <a:p>
+            <a:pPr marL="285750" indent="-285750">
+              <a:buFont typeface="Wingdings" panose="05000000000000000000" pitchFamily="2" charset="2"/>
+              <a:buChar char="q"/>
+            </a:pPr>
+            <a:r>
+              <a:rPr lang="en-US" sz="2000" dirty="0">
+                <a:effectLst/>
+                <a:latin typeface="Calibri" panose="020F0502020204030204" pitchFamily="34" charset="0"/>
+              </a:rPr>
+              <a:t>Need a robust cloud infrastructure for storing, consolidating, and distributing automation recipes.</a:t>
+            </a:r>
+            <a:endParaRPr lang="en-US" sz="2000" dirty="0">
+              <a:latin typeface="Calibri" panose="020F0502020204030204" pitchFamily="34" charset="0"/>
+            </a:endParaRPr>
+          </a:p>
+          <a:p>
+            <a:pPr marL="742950" lvl="1" indent="-285750">
+              <a:buFont typeface="Wingdings" panose="05000000000000000000" pitchFamily="2" charset="2"/>
+              <a:buChar char="q"/>
+            </a:pPr>
+            <a:r>
+              <a:rPr lang="en-US" b="0" i="0" u="none" strike="noStrike" baseline="0" dirty="0">
+                <a:solidFill>
+                  <a:srgbClr val="000000"/>
+                </a:solidFill>
+                <a:latin typeface="Open Sans" panose="020B0606030504020204" pitchFamily="34" charset="0"/>
+              </a:rPr>
+              <a:t> A recipe is a set of instructions that a robotic arm follows to complete tasks. These instructions can cover a variety of actions, from recognizing screws to unscrewing them, and picking up various components of a battery </a:t>
+            </a:r>
+            <a:endParaRPr lang="en-US" sz="2000" dirty="0"/>
+          </a:p>
+        </p:txBody>
+      </p:sp>
+      <p:sp>
+        <p:nvSpPr>
+          <p:cNvPr id="8" name="TextBox 7">
+            <a:extLst>
+              <a:ext uri="{FF2B5EF4-FFF2-40B4-BE49-F238E27FC236}">
+                <a16:creationId xmlns:a16="http://schemas.microsoft.com/office/drawing/2014/main" id="{214B7011-3B9B-F36C-C5D8-C86FF41EBF92}"/>
+              </a:ext>
+            </a:extLst>
+          </p:cNvPr>
+          <p:cNvSpPr txBox="1"/>
+          <p:nvPr/>
+        </p:nvSpPr>
+        <p:spPr>
+          <a:xfrm>
+            <a:off x="884421" y="3901107"/>
+            <a:ext cx="11111268" cy="369332"/>
+          </a:xfrm>
+          <a:prstGeom prst="rect">
+            <a:avLst/>
+          </a:prstGeom>
+          <a:noFill/>
+        </p:spPr>
+        <p:txBody>
+          <a:bodyPr wrap="square">
+            <a:spAutoFit/>
+          </a:bodyPr>
+          <a:lstStyle/>
+          <a:p>
+            <a:pPr rtl="0" fontAlgn="ctr"/>
+            <a:r>
+              <a:rPr lang="en-US" sz="1800" dirty="0">
+                <a:effectLst/>
+                <a:latin typeface="Calibri" panose="020F0502020204030204" pitchFamily="34" charset="0"/>
+              </a:rPr>
+              <a:t> </a:t>
+            </a:r>
+          </a:p>
+        </p:txBody>
+      </p:sp>
+      <p:pic>
+        <p:nvPicPr>
+          <p:cNvPr id="10" name="Picture 9" descr="A black background with a black square&#10;&#10;Description automatically generated with medium confidence">
+            <a:extLst>
+              <a:ext uri="{FF2B5EF4-FFF2-40B4-BE49-F238E27FC236}">
+                <a16:creationId xmlns:a16="http://schemas.microsoft.com/office/drawing/2014/main" id="{FB9AC6AB-6C62-799D-4008-3DF66638A35C}"/>
+              </a:ext>
+            </a:extLst>
+          </p:cNvPr>
+          <p:cNvPicPr>
+            <a:picLocks noChangeAspect="1"/>
+          </p:cNvPicPr>
+          <p:nvPr/>
+        </p:nvPicPr>
+        <p:blipFill>
+          <a:blip r:embed="rId3">
+            <a:extLst>
+              <a:ext uri="{28A0092B-C50C-407E-A947-70E740481C1C}">
+                <a14:useLocalDpi xmlns:a14="http://schemas.microsoft.com/office/drawing/2010/main" val="0"/>
+              </a:ext>
+            </a:extLst>
+          </a:blip>
+          <a:stretch>
+            <a:fillRect/>
+          </a:stretch>
+        </p:blipFill>
+        <p:spPr>
+          <a:xfrm>
+            <a:off x="0" y="1749069"/>
+            <a:ext cx="1013278" cy="1013278"/>
+          </a:xfrm>
+          <a:prstGeom prst="rect">
+            <a:avLst/>
+          </a:prstGeom>
+        </p:spPr>
+      </p:pic>
+    </p:spTree>
+    <p:extLst>
+      <p:ext uri="{BB962C8B-B14F-4D97-AF65-F5344CB8AC3E}">
+        <p14:creationId xmlns:p14="http://schemas.microsoft.com/office/powerpoint/2010/main" val="3151958061"/>
+      </p:ext>
+    </p:extLst>
+  </p:cSld>
+  <p:clrMapOvr>
+    <a:masterClrMapping/>
+  </p:clrMapOvr>
+</p:sld>
+</file>
+
+<file path=ppt/slides/slide3.xml><?xml version="1.0" encoding="utf-8"?>
+<p:sld xmlns:a="http://schemas.openxmlformats.org/drawingml/2006/main" xmlns:r="http://schemas.openxmlformats.org/officeDocument/2006/relationships" xmlns:p="http://schemas.openxmlformats.org/presentationml/2006/main">
+  <p:cSld>
+    <p:bg>
+      <p:bgPr>
+        <a:gradFill>
+          <a:gsLst>
+            <a:gs pos="18000">
+              <a:srgbClr val="42DAAB"/>
+            </a:gs>
+            <a:gs pos="0">
+              <a:schemeClr val="tx1"/>
+            </a:gs>
+            <a:gs pos="100000">
+              <a:schemeClr val="accent1">
+                <a:lumMod val="30000"/>
+                <a:lumOff val="70000"/>
+              </a:schemeClr>
+            </a:gs>
+          </a:gsLst>
+          <a:lin ang="2700000" scaled="1"/>
+        </a:gradFill>
+        <a:effectLst/>
+      </p:bgPr>
+    </p:bg>
+    <p:spTree>
+      <p:nvGrpSpPr>
+        <p:cNvPr id="1" name="">
+          <a:extLst>
+            <a:ext uri="{FF2B5EF4-FFF2-40B4-BE49-F238E27FC236}">
+              <a16:creationId xmlns:a16="http://schemas.microsoft.com/office/drawing/2014/main" id="{835A5EF8-D030-CB60-D45F-C24C76164EF7}"/>
+            </a:ext>
+          </a:extLst>
+        </p:cNvPr>
+        <p:cNvGrpSpPr/>
+        <p:nvPr/>
+      </p:nvGrpSpPr>
+      <p:grpSpPr>
+        <a:xfrm>
+          <a:off x="0" y="0"/>
+          <a:ext cx="0" cy="0"/>
+          <a:chOff x="0" y="0"/>
+          <a:chExt cx="0" cy="0"/>
+        </a:xfrm>
+      </p:grpSpPr>
+      <p:sp>
+        <p:nvSpPr>
+          <p:cNvPr id="2" name="TextBox 1">
+            <a:extLst>
+              <a:ext uri="{FF2B5EF4-FFF2-40B4-BE49-F238E27FC236}">
+                <a16:creationId xmlns:a16="http://schemas.microsoft.com/office/drawing/2014/main" id="{5A676CB7-5AB3-282D-340A-107851000DAC}"/>
+              </a:ext>
+            </a:extLst>
+          </p:cNvPr>
+          <p:cNvSpPr txBox="1"/>
+          <p:nvPr/>
+        </p:nvSpPr>
+        <p:spPr>
+          <a:xfrm>
+            <a:off x="114077" y="226377"/>
+            <a:ext cx="5067946" cy="523220"/>
+          </a:xfrm>
+          <a:prstGeom prst="rect">
+            <a:avLst/>
+          </a:prstGeom>
+          <a:noFill/>
+        </p:spPr>
+        <p:txBody>
+          <a:bodyPr wrap="square" rtlCol="0">
+            <a:spAutoFit/>
+          </a:bodyPr>
+          <a:lstStyle/>
+          <a:p>
+            <a:r>
+              <a:rPr lang="en-US" sz="2800" u="sng" dirty="0">
+                <a:solidFill>
+                  <a:schemeClr val="bg1"/>
+                </a:solidFill>
+                <a:latin typeface="Calibri" panose="020F0502020204030204" pitchFamily="34" charset="0"/>
+                <a:ea typeface="Calibri" panose="020F0502020204030204" pitchFamily="34" charset="0"/>
+                <a:cs typeface="Calibri" panose="020F0502020204030204" pitchFamily="34" charset="0"/>
+              </a:rPr>
+              <a:t>Infrastructure Design Goals</a:t>
+            </a:r>
+          </a:p>
+        </p:txBody>
+      </p:sp>
+      <p:sp>
+        <p:nvSpPr>
+          <p:cNvPr id="4" name="TextBox 3">
+            <a:extLst>
+              <a:ext uri="{FF2B5EF4-FFF2-40B4-BE49-F238E27FC236}">
+                <a16:creationId xmlns:a16="http://schemas.microsoft.com/office/drawing/2014/main" id="{95E697A5-3B57-1B5A-3C17-929ECC096C35}"/>
+              </a:ext>
+            </a:extLst>
+          </p:cNvPr>
+          <p:cNvSpPr txBox="1"/>
+          <p:nvPr/>
+        </p:nvSpPr>
+        <p:spPr>
+          <a:xfrm>
+            <a:off x="393492" y="1104807"/>
+            <a:ext cx="9904750" cy="3139321"/>
+          </a:xfrm>
+          <a:prstGeom prst="rect">
+            <a:avLst/>
+          </a:prstGeom>
+          <a:noFill/>
+        </p:spPr>
+        <p:txBody>
+          <a:bodyPr wrap="square">
+            <a:spAutoFit/>
+          </a:bodyPr>
+          <a:lstStyle/>
+          <a:p>
+            <a:r>
+              <a:rPr lang="en-US" sz="2000" dirty="0">
+                <a:effectLst/>
+                <a:latin typeface="Calibri" panose="020F0502020204030204" pitchFamily="34" charset="0"/>
+              </a:rPr>
+              <a:t>Design a cloud solution to handle large and small recipe files efficiently, ensuring secure storage, easy distribution, and access control.</a:t>
+            </a:r>
+          </a:p>
+          <a:p>
+            <a:endParaRPr lang="en-US" sz="2000" dirty="0">
+              <a:latin typeface="Calibri" panose="020F0502020204030204" pitchFamily="34" charset="0"/>
+            </a:endParaRPr>
+          </a:p>
+          <a:p>
+            <a:pPr marL="285750" indent="-285750">
+              <a:buFont typeface="Wingdings" panose="05000000000000000000" pitchFamily="2" charset="2"/>
+              <a:buChar char="Ø"/>
+            </a:pPr>
+            <a:r>
+              <a:rPr lang="en-US" sz="2000" b="1" dirty="0">
+                <a:effectLst/>
+                <a:latin typeface="Calibri" panose="020F0502020204030204" pitchFamily="34" charset="0"/>
+              </a:rPr>
+              <a:t>Storage</a:t>
+            </a:r>
+            <a:r>
+              <a:rPr lang="en-US" sz="2000" dirty="0">
+                <a:effectLst/>
+                <a:latin typeface="Calibri" panose="020F0502020204030204" pitchFamily="34" charset="0"/>
+              </a:rPr>
+              <a:t>: Efficient handling of large binary files (1+ GB) and small configuration files.</a:t>
+            </a:r>
+            <a:r>
+              <a:rPr lang="en-US" sz="2000" dirty="0">
+                <a:latin typeface="Calibri" panose="020F0502020204030204" pitchFamily="34" charset="0"/>
+              </a:rPr>
+              <a:t> </a:t>
+            </a:r>
+            <a:r>
+              <a:rPr lang="en-US" sz="2000" dirty="0">
+                <a:effectLst/>
+                <a:latin typeface="Calibri" panose="020F0502020204030204" pitchFamily="34" charset="0"/>
+              </a:rPr>
+              <a:t>Version control to track changes.</a:t>
+            </a:r>
+          </a:p>
+          <a:p>
+            <a:pPr marL="285750" indent="-285750">
+              <a:buFont typeface="Wingdings" panose="05000000000000000000" pitchFamily="2" charset="2"/>
+              <a:buChar char="Ø"/>
+            </a:pPr>
+            <a:r>
+              <a:rPr lang="en-US" sz="2000" b="1" i="0" dirty="0">
+                <a:effectLst/>
+                <a:latin typeface="Calibri" panose="020F0502020204030204" pitchFamily="34" charset="0"/>
+              </a:rPr>
+              <a:t>Consolidation</a:t>
+            </a:r>
+            <a:r>
+              <a:rPr lang="en-US" sz="2000" b="0" i="0" dirty="0">
+                <a:effectLst/>
+                <a:latin typeface="Calibri" panose="020F0502020204030204" pitchFamily="34" charset="0"/>
+              </a:rPr>
+              <a:t>: Zip files for easy distribution and secure storage.</a:t>
+            </a:r>
+          </a:p>
+          <a:p>
+            <a:pPr marL="285750" indent="-285750">
+              <a:buFont typeface="Wingdings" panose="05000000000000000000" pitchFamily="2" charset="2"/>
+              <a:buChar char="Ø"/>
+            </a:pPr>
+            <a:r>
+              <a:rPr lang="en-US" sz="2000" b="1" i="0" dirty="0">
+                <a:effectLst/>
+                <a:latin typeface="Calibri" panose="020F0502020204030204" pitchFamily="34" charset="0"/>
+              </a:rPr>
+              <a:t>Distribution</a:t>
+            </a:r>
+            <a:r>
+              <a:rPr lang="en-US" sz="2000" b="0" i="0" dirty="0">
+                <a:effectLst/>
+                <a:latin typeface="Calibri" panose="020F0502020204030204" pitchFamily="34" charset="0"/>
+              </a:rPr>
+              <a:t>: Ensure global delivery with secure access.</a:t>
+            </a:r>
+          </a:p>
+          <a:p>
+            <a:pPr marL="285750" indent="-285750">
+              <a:buFont typeface="Wingdings" panose="05000000000000000000" pitchFamily="2" charset="2"/>
+              <a:buChar char="Ø"/>
+            </a:pPr>
+            <a:r>
+              <a:rPr lang="en-US" sz="2000" b="1" i="0" dirty="0">
+                <a:effectLst/>
+                <a:latin typeface="Calibri" panose="020F0502020204030204" pitchFamily="34" charset="0"/>
+              </a:rPr>
+              <a:t>Security</a:t>
+            </a:r>
+            <a:r>
+              <a:rPr lang="en-US" sz="2000" b="0" i="0" dirty="0">
+                <a:effectLst/>
+                <a:latin typeface="Calibri" panose="020F0502020204030204" pitchFamily="34" charset="0"/>
+              </a:rPr>
+              <a:t>: Encrypt data during storage and transmission.</a:t>
+            </a:r>
+          </a:p>
+          <a:p>
+            <a:pPr marL="285750" indent="-285750">
+              <a:buFont typeface="Wingdings" panose="05000000000000000000" pitchFamily="2" charset="2"/>
+              <a:buChar char="Ø"/>
+            </a:pPr>
+            <a:r>
+              <a:rPr lang="en-US" sz="2000" b="1" i="0" dirty="0">
+                <a:effectLst/>
+                <a:latin typeface="Calibri" panose="020F0502020204030204" pitchFamily="34" charset="0"/>
+              </a:rPr>
+              <a:t>Network</a:t>
+            </a:r>
+            <a:r>
+              <a:rPr lang="en-US" sz="2000" b="0" i="0" dirty="0">
+                <a:effectLst/>
+                <a:latin typeface="Calibri" panose="020F0502020204030204" pitchFamily="34" charset="0"/>
+              </a:rPr>
+              <a:t>: VPN for secure on-premises and cloud communication.</a:t>
+            </a:r>
+            <a:endParaRPr lang="en-US" sz="2000" b="1" i="0" dirty="0">
+              <a:effectLst/>
+              <a:latin typeface="Calibri" panose="020F0502020204030204" pitchFamily="34" charset="0"/>
+            </a:endParaRPr>
+          </a:p>
+          <a:p>
+            <a:endParaRPr lang="en-US" dirty="0">
+              <a:solidFill>
+                <a:schemeClr val="bg1"/>
+              </a:solidFill>
+              <a:latin typeface="Calibri" panose="020F0502020204030204" pitchFamily="34" charset="0"/>
+            </a:endParaRPr>
+          </a:p>
+        </p:txBody>
+      </p:sp>
+      <p:sp>
+        <p:nvSpPr>
+          <p:cNvPr id="3" name="TextBox 2">
+            <a:extLst>
+              <a:ext uri="{FF2B5EF4-FFF2-40B4-BE49-F238E27FC236}">
+                <a16:creationId xmlns:a16="http://schemas.microsoft.com/office/drawing/2014/main" id="{C969B131-292E-1189-DA0F-A4E15D40F1C1}"/>
+              </a:ext>
+            </a:extLst>
+          </p:cNvPr>
+          <p:cNvSpPr txBox="1"/>
+          <p:nvPr/>
+        </p:nvSpPr>
+        <p:spPr>
+          <a:xfrm>
+            <a:off x="277921" y="4337728"/>
+            <a:ext cx="5067946" cy="523220"/>
+          </a:xfrm>
+          <a:prstGeom prst="rect">
+            <a:avLst/>
+          </a:prstGeom>
+          <a:noFill/>
+        </p:spPr>
+        <p:txBody>
+          <a:bodyPr wrap="square" rtlCol="0">
+            <a:spAutoFit/>
+          </a:bodyPr>
+          <a:lstStyle/>
+          <a:p>
+            <a:r>
+              <a:rPr lang="en-US" sz="2800" u="sng" dirty="0">
+                <a:solidFill>
+                  <a:schemeClr val="bg1"/>
+                </a:solidFill>
+                <a:latin typeface="Calibri" panose="020F0502020204030204" pitchFamily="34" charset="0"/>
+                <a:ea typeface="Calibri" panose="020F0502020204030204" pitchFamily="34" charset="0"/>
+                <a:cs typeface="Calibri" panose="020F0502020204030204" pitchFamily="34" charset="0"/>
+              </a:rPr>
+              <a:t>Proposed Architecture Flow </a:t>
+            </a:r>
+          </a:p>
+        </p:txBody>
+      </p:sp>
+      <p:sp>
+        <p:nvSpPr>
+          <p:cNvPr id="5" name="Rectangle: Rounded Corners 4">
+            <a:extLst>
+              <a:ext uri="{FF2B5EF4-FFF2-40B4-BE49-F238E27FC236}">
+                <a16:creationId xmlns:a16="http://schemas.microsoft.com/office/drawing/2014/main" id="{AB3885C8-1BAE-F34A-10D8-7792D7AA08E8}"/>
+              </a:ext>
+            </a:extLst>
+          </p:cNvPr>
+          <p:cNvSpPr/>
+          <p:nvPr/>
+        </p:nvSpPr>
+        <p:spPr>
+          <a:xfrm>
+            <a:off x="689547" y="5216577"/>
+            <a:ext cx="1723869" cy="764499"/>
+          </a:xfrm>
+          <a:prstGeom prst="roundRect">
+            <a:avLst/>
+          </a:prstGeom>
+          <a:solidFill>
+            <a:srgbClr val="42DAAB"/>
+          </a:solidFill>
+        </p:spPr>
+        <p:style>
+          <a:lnRef idx="2">
+            <a:schemeClr val="accent1">
+              <a:shade val="15000"/>
+            </a:schemeClr>
+          </a:lnRef>
+          <a:fillRef idx="1">
+            <a:schemeClr val="accent1"/>
+          </a:fillRef>
+          <a:effectRef idx="0">
+            <a:schemeClr val="accent1"/>
+          </a:effectRef>
+          <a:fontRef idx="minor">
+            <a:schemeClr val="lt1"/>
+          </a:fontRef>
+        </p:style>
+        <p:txBody>
+          <a:bodyPr rtlCol="0" anchor="ctr"/>
+          <a:lstStyle/>
+          <a:p>
+            <a:pPr algn="ctr"/>
+            <a:r>
+              <a:rPr lang="en-US" sz="2000" dirty="0">
+                <a:solidFill>
+                  <a:schemeClr val="tx1"/>
+                </a:solidFill>
+                <a:latin typeface="Calibri" panose="020F0502020204030204" pitchFamily="34" charset="0"/>
+                <a:ea typeface="Calibri" panose="020F0502020204030204" pitchFamily="34" charset="0"/>
+                <a:cs typeface="Calibri" panose="020F0502020204030204" pitchFamily="34" charset="0"/>
+              </a:rPr>
+              <a:t>Data Source</a:t>
+            </a:r>
+          </a:p>
+        </p:txBody>
+      </p:sp>
+      <p:sp>
+        <p:nvSpPr>
+          <p:cNvPr id="6" name="Rectangle: Rounded Corners 5">
+            <a:extLst>
+              <a:ext uri="{FF2B5EF4-FFF2-40B4-BE49-F238E27FC236}">
+                <a16:creationId xmlns:a16="http://schemas.microsoft.com/office/drawing/2014/main" id="{98CD0170-21F3-42ED-AAFC-67191837979F}"/>
+              </a:ext>
+            </a:extLst>
+          </p:cNvPr>
+          <p:cNvSpPr/>
+          <p:nvPr/>
+        </p:nvSpPr>
+        <p:spPr>
+          <a:xfrm>
+            <a:off x="2955560" y="5216577"/>
+            <a:ext cx="1723869" cy="764499"/>
+          </a:xfrm>
+          <a:prstGeom prst="roundRect">
+            <a:avLst/>
+          </a:prstGeom>
+          <a:solidFill>
+            <a:srgbClr val="42DAAB"/>
+          </a:solidFill>
+        </p:spPr>
+        <p:style>
+          <a:lnRef idx="2">
+            <a:schemeClr val="accent1">
+              <a:shade val="15000"/>
+            </a:schemeClr>
+          </a:lnRef>
+          <a:fillRef idx="1">
+            <a:schemeClr val="accent1"/>
+          </a:fillRef>
+          <a:effectRef idx="0">
+            <a:schemeClr val="accent1"/>
+          </a:effectRef>
+          <a:fontRef idx="minor">
+            <a:schemeClr val="lt1"/>
+          </a:fontRef>
+        </p:style>
+        <p:txBody>
+          <a:bodyPr rtlCol="0" anchor="ctr"/>
+          <a:lstStyle/>
+          <a:p>
+            <a:pPr algn="ctr"/>
+            <a:r>
+              <a:rPr lang="en-US" sz="2000" dirty="0">
+                <a:solidFill>
+                  <a:schemeClr val="tx1"/>
+                </a:solidFill>
+                <a:latin typeface="Calibri" panose="020F0502020204030204" pitchFamily="34" charset="0"/>
+                <a:ea typeface="Calibri" panose="020F0502020204030204" pitchFamily="34" charset="0"/>
+                <a:cs typeface="Calibri" panose="020F0502020204030204" pitchFamily="34" charset="0"/>
+              </a:rPr>
+              <a:t>Store the Data</a:t>
+            </a:r>
+          </a:p>
+        </p:txBody>
+      </p:sp>
+      <p:sp>
+        <p:nvSpPr>
+          <p:cNvPr id="7" name="Rectangle: Rounded Corners 6">
+            <a:extLst>
+              <a:ext uri="{FF2B5EF4-FFF2-40B4-BE49-F238E27FC236}">
+                <a16:creationId xmlns:a16="http://schemas.microsoft.com/office/drawing/2014/main" id="{3E99E5F3-4975-BED0-BA21-56C4A9D9E8E8}"/>
+              </a:ext>
+            </a:extLst>
+          </p:cNvPr>
+          <p:cNvSpPr/>
+          <p:nvPr/>
+        </p:nvSpPr>
+        <p:spPr>
+          <a:xfrm>
+            <a:off x="5385005" y="5216576"/>
+            <a:ext cx="1723869" cy="764499"/>
+          </a:xfrm>
+          <a:prstGeom prst="roundRect">
+            <a:avLst/>
+          </a:prstGeom>
+          <a:solidFill>
+            <a:srgbClr val="42DAAB"/>
+          </a:solidFill>
+        </p:spPr>
+        <p:style>
+          <a:lnRef idx="2">
+            <a:schemeClr val="accent1">
+              <a:shade val="15000"/>
+            </a:schemeClr>
+          </a:lnRef>
+          <a:fillRef idx="1">
+            <a:schemeClr val="accent1"/>
+          </a:fillRef>
+          <a:effectRef idx="0">
+            <a:schemeClr val="accent1"/>
+          </a:effectRef>
+          <a:fontRef idx="minor">
+            <a:schemeClr val="lt1"/>
+          </a:fontRef>
+        </p:style>
+        <p:txBody>
+          <a:bodyPr rtlCol="0" anchor="ctr"/>
+          <a:lstStyle/>
+          <a:p>
+            <a:pPr algn="ctr"/>
+            <a:r>
+              <a:rPr lang="en-US" sz="2000" dirty="0">
+                <a:solidFill>
+                  <a:schemeClr val="tx1"/>
+                </a:solidFill>
+                <a:latin typeface="Calibri" panose="020F0502020204030204" pitchFamily="34" charset="0"/>
+                <a:ea typeface="Calibri" panose="020F0502020204030204" pitchFamily="34" charset="0"/>
+                <a:cs typeface="Calibri" panose="020F0502020204030204" pitchFamily="34" charset="0"/>
+              </a:rPr>
+              <a:t>Process the Data </a:t>
+            </a:r>
+          </a:p>
+        </p:txBody>
+      </p:sp>
+      <p:sp>
+        <p:nvSpPr>
+          <p:cNvPr id="8" name="Rectangle: Rounded Corners 7">
+            <a:extLst>
+              <a:ext uri="{FF2B5EF4-FFF2-40B4-BE49-F238E27FC236}">
+                <a16:creationId xmlns:a16="http://schemas.microsoft.com/office/drawing/2014/main" id="{107C2CC4-06BD-6E1A-3BC5-9467ED2C5877}"/>
+              </a:ext>
+            </a:extLst>
+          </p:cNvPr>
+          <p:cNvSpPr/>
+          <p:nvPr/>
+        </p:nvSpPr>
+        <p:spPr>
+          <a:xfrm>
+            <a:off x="7762828" y="5216576"/>
+            <a:ext cx="1723869" cy="764499"/>
+          </a:xfrm>
+          <a:prstGeom prst="roundRect">
+            <a:avLst/>
+          </a:prstGeom>
+          <a:solidFill>
+            <a:srgbClr val="42DAAB"/>
+          </a:solidFill>
+        </p:spPr>
+        <p:style>
+          <a:lnRef idx="2">
+            <a:schemeClr val="accent1">
+              <a:shade val="15000"/>
+            </a:schemeClr>
+          </a:lnRef>
+          <a:fillRef idx="1">
+            <a:schemeClr val="accent1"/>
+          </a:fillRef>
+          <a:effectRef idx="0">
+            <a:schemeClr val="accent1"/>
+          </a:effectRef>
+          <a:fontRef idx="minor">
+            <a:schemeClr val="lt1"/>
+          </a:fontRef>
+        </p:style>
+        <p:txBody>
+          <a:bodyPr rtlCol="0" anchor="ctr"/>
+          <a:lstStyle/>
+          <a:p>
+            <a:pPr algn="ctr"/>
+            <a:r>
+              <a:rPr lang="en-US" sz="2000" dirty="0">
+                <a:solidFill>
+                  <a:schemeClr val="tx1"/>
+                </a:solidFill>
+                <a:latin typeface="Calibri" panose="020F0502020204030204" pitchFamily="34" charset="0"/>
+                <a:ea typeface="Calibri" panose="020F0502020204030204" pitchFamily="34" charset="0"/>
+                <a:cs typeface="Calibri" panose="020F0502020204030204" pitchFamily="34" charset="0"/>
+              </a:rPr>
+              <a:t>Store the Data </a:t>
+            </a:r>
+          </a:p>
+        </p:txBody>
+      </p:sp>
+      <p:sp>
+        <p:nvSpPr>
+          <p:cNvPr id="9" name="Rectangle: Rounded Corners 8">
+            <a:extLst>
+              <a:ext uri="{FF2B5EF4-FFF2-40B4-BE49-F238E27FC236}">
+                <a16:creationId xmlns:a16="http://schemas.microsoft.com/office/drawing/2014/main" id="{E00638C6-D4BA-D9D8-1C38-CC6364C02BD3}"/>
+              </a:ext>
+            </a:extLst>
+          </p:cNvPr>
+          <p:cNvSpPr/>
+          <p:nvPr/>
+        </p:nvSpPr>
+        <p:spPr>
+          <a:xfrm>
+            <a:off x="10090878" y="5185158"/>
+            <a:ext cx="1723869" cy="764499"/>
+          </a:xfrm>
+          <a:prstGeom prst="roundRect">
+            <a:avLst/>
+          </a:prstGeom>
+          <a:solidFill>
+            <a:srgbClr val="42DAAB"/>
+          </a:solidFill>
+        </p:spPr>
+        <p:style>
+          <a:lnRef idx="2">
+            <a:schemeClr val="accent1">
+              <a:shade val="15000"/>
+            </a:schemeClr>
+          </a:lnRef>
+          <a:fillRef idx="1">
+            <a:schemeClr val="accent1"/>
+          </a:fillRef>
+          <a:effectRef idx="0">
+            <a:schemeClr val="accent1"/>
+          </a:effectRef>
+          <a:fontRef idx="minor">
+            <a:schemeClr val="lt1"/>
+          </a:fontRef>
+        </p:style>
+        <p:txBody>
+          <a:bodyPr rtlCol="0" anchor="ctr"/>
+          <a:lstStyle/>
+          <a:p>
+            <a:pPr algn="ctr"/>
+            <a:r>
+              <a:rPr lang="en-US" sz="2000" dirty="0">
+                <a:solidFill>
+                  <a:schemeClr val="tx1"/>
+                </a:solidFill>
+                <a:latin typeface="Calibri" panose="020F0502020204030204" pitchFamily="34" charset="0"/>
+                <a:ea typeface="Calibri" panose="020F0502020204030204" pitchFamily="34" charset="0"/>
+                <a:cs typeface="Calibri" panose="020F0502020204030204" pitchFamily="34" charset="0"/>
+              </a:rPr>
+              <a:t>Transfer to Customer</a:t>
+            </a:r>
+          </a:p>
+        </p:txBody>
+      </p:sp>
+      <p:sp>
+        <p:nvSpPr>
+          <p:cNvPr id="10" name="Arrow: Right 9">
+            <a:extLst>
+              <a:ext uri="{FF2B5EF4-FFF2-40B4-BE49-F238E27FC236}">
+                <a16:creationId xmlns:a16="http://schemas.microsoft.com/office/drawing/2014/main" id="{03A2B51C-300F-DEDB-9E3D-44E1D09FAC20}"/>
+              </a:ext>
+            </a:extLst>
+          </p:cNvPr>
+          <p:cNvSpPr/>
+          <p:nvPr/>
+        </p:nvSpPr>
+        <p:spPr>
+          <a:xfrm>
+            <a:off x="2413416" y="5511645"/>
+            <a:ext cx="542144" cy="154368"/>
+          </a:xfrm>
+          <a:prstGeom prst="rightArrow">
+            <a:avLst/>
+          </a:prstGeom>
+          <a:solidFill>
+            <a:schemeClr val="tx1"/>
+          </a:solidFill>
+        </p:spPr>
+        <p:style>
+          <a:lnRef idx="2">
+            <a:schemeClr val="accent1">
+              <a:shade val="15000"/>
+            </a:schemeClr>
+          </a:lnRef>
+          <a:fillRef idx="1">
+            <a:schemeClr val="accent1"/>
+          </a:fillRef>
+          <a:effectRef idx="0">
+            <a:schemeClr val="accent1"/>
+          </a:effectRef>
+          <a:fontRef idx="minor">
+            <a:schemeClr val="lt1"/>
+          </a:fontRef>
+        </p:style>
+        <p:txBody>
+          <a:bodyPr rtlCol="0" anchor="ctr"/>
+          <a:lstStyle/>
+          <a:p>
+            <a:pPr algn="ctr"/>
+            <a:endParaRPr lang="en-US"/>
+          </a:p>
+        </p:txBody>
+      </p:sp>
+      <p:sp>
+        <p:nvSpPr>
+          <p:cNvPr id="11" name="Arrow: Right 10">
+            <a:extLst>
+              <a:ext uri="{FF2B5EF4-FFF2-40B4-BE49-F238E27FC236}">
+                <a16:creationId xmlns:a16="http://schemas.microsoft.com/office/drawing/2014/main" id="{5F89F3FF-8B92-3E2A-8EE5-5650BDEFA9F0}"/>
+              </a:ext>
+            </a:extLst>
+          </p:cNvPr>
+          <p:cNvSpPr/>
+          <p:nvPr/>
+        </p:nvSpPr>
+        <p:spPr>
+          <a:xfrm>
+            <a:off x="4741466" y="5521641"/>
+            <a:ext cx="542144" cy="154368"/>
+          </a:xfrm>
+          <a:prstGeom prst="rightArrow">
+            <a:avLst/>
+          </a:prstGeom>
+          <a:solidFill>
+            <a:schemeClr val="tx1"/>
+          </a:solidFill>
+        </p:spPr>
+        <p:style>
+          <a:lnRef idx="2">
+            <a:schemeClr val="accent1">
+              <a:shade val="15000"/>
+            </a:schemeClr>
+          </a:lnRef>
+          <a:fillRef idx="1">
+            <a:schemeClr val="accent1"/>
+          </a:fillRef>
+          <a:effectRef idx="0">
+            <a:schemeClr val="accent1"/>
+          </a:effectRef>
+          <a:fontRef idx="minor">
+            <a:schemeClr val="lt1"/>
+          </a:fontRef>
+        </p:style>
+        <p:txBody>
+          <a:bodyPr rtlCol="0" anchor="ctr"/>
+          <a:lstStyle/>
+          <a:p>
+            <a:pPr algn="ctr"/>
+            <a:endParaRPr lang="en-US"/>
+          </a:p>
+        </p:txBody>
+      </p:sp>
+      <p:sp>
+        <p:nvSpPr>
+          <p:cNvPr id="12" name="Arrow: Right 11">
+            <a:extLst>
+              <a:ext uri="{FF2B5EF4-FFF2-40B4-BE49-F238E27FC236}">
+                <a16:creationId xmlns:a16="http://schemas.microsoft.com/office/drawing/2014/main" id="{5033F3BB-82CC-ECA9-7CF9-F568EA2408CE}"/>
+              </a:ext>
+            </a:extLst>
+          </p:cNvPr>
+          <p:cNvSpPr/>
+          <p:nvPr/>
+        </p:nvSpPr>
+        <p:spPr>
+          <a:xfrm>
+            <a:off x="7170911" y="5521375"/>
+            <a:ext cx="542144" cy="154368"/>
+          </a:xfrm>
+          <a:prstGeom prst="rightArrow">
+            <a:avLst/>
+          </a:prstGeom>
+          <a:solidFill>
+            <a:schemeClr val="tx1"/>
+          </a:solidFill>
+        </p:spPr>
+        <p:style>
+          <a:lnRef idx="2">
+            <a:schemeClr val="accent1">
+              <a:shade val="15000"/>
+            </a:schemeClr>
+          </a:lnRef>
+          <a:fillRef idx="1">
+            <a:schemeClr val="accent1"/>
+          </a:fillRef>
+          <a:effectRef idx="0">
+            <a:schemeClr val="accent1"/>
+          </a:effectRef>
+          <a:fontRef idx="minor">
+            <a:schemeClr val="lt1"/>
+          </a:fontRef>
+        </p:style>
+        <p:txBody>
+          <a:bodyPr rtlCol="0" anchor="ctr"/>
+          <a:lstStyle/>
+          <a:p>
+            <a:pPr algn="ctr"/>
+            <a:endParaRPr lang="en-US"/>
+          </a:p>
+        </p:txBody>
+      </p:sp>
+      <p:sp>
+        <p:nvSpPr>
+          <p:cNvPr id="13" name="Arrow: Right 12">
+            <a:extLst>
+              <a:ext uri="{FF2B5EF4-FFF2-40B4-BE49-F238E27FC236}">
+                <a16:creationId xmlns:a16="http://schemas.microsoft.com/office/drawing/2014/main" id="{5EC11C2D-CAAF-3AC5-B70B-F0CB1921F5E0}"/>
+              </a:ext>
+            </a:extLst>
+          </p:cNvPr>
+          <p:cNvSpPr/>
+          <p:nvPr/>
+        </p:nvSpPr>
+        <p:spPr>
+          <a:xfrm>
+            <a:off x="9507512" y="5547154"/>
+            <a:ext cx="542144" cy="154368"/>
+          </a:xfrm>
+          <a:prstGeom prst="rightArrow">
+            <a:avLst/>
+          </a:prstGeom>
+          <a:solidFill>
+            <a:schemeClr val="tx1"/>
+          </a:solidFill>
+        </p:spPr>
+        <p:style>
+          <a:lnRef idx="2">
+            <a:schemeClr val="accent1">
+              <a:shade val="15000"/>
+            </a:schemeClr>
+          </a:lnRef>
+          <a:fillRef idx="1">
+            <a:schemeClr val="accent1"/>
+          </a:fillRef>
+          <a:effectRef idx="0">
+            <a:schemeClr val="accent1"/>
+          </a:effectRef>
+          <a:fontRef idx="minor">
+            <a:schemeClr val="lt1"/>
+          </a:fontRef>
+        </p:style>
+        <p:txBody>
+          <a:bodyPr rtlCol="0" anchor="ctr"/>
+          <a:lstStyle/>
+          <a:p>
+            <a:pPr algn="ctr"/>
+            <a:endParaRPr lang="en-US"/>
+          </a:p>
+        </p:txBody>
+      </p:sp>
+    </p:spTree>
+    <p:extLst>
+      <p:ext uri="{BB962C8B-B14F-4D97-AF65-F5344CB8AC3E}">
+        <p14:creationId xmlns:p14="http://schemas.microsoft.com/office/powerpoint/2010/main" val="2828708031"/>
+      </p:ext>
+    </p:extLst>
+  </p:cSld>
+  <p:clrMapOvr>
+    <a:masterClrMapping/>
+  </p:clrMapOvr>
+</p:sld>
+</file>
+
+<file path=ppt/slides/slide4.xml><?xml version="1.0" encoding="utf-8"?>
+<p:sld xmlns:a="http://schemas.openxmlformats.org/drawingml/2006/main" xmlns:r="http://schemas.openxmlformats.org/officeDocument/2006/relationships" xmlns:p="http://schemas.openxmlformats.org/presentationml/2006/main">
+  <p:cSld>
+    <p:bg>
+      <p:bgPr>
+        <a:gradFill>
+          <a:gsLst>
+            <a:gs pos="18000">
+              <a:srgbClr val="42DAAB"/>
+            </a:gs>
+            <a:gs pos="0">
+              <a:schemeClr val="tx1"/>
+            </a:gs>
+            <a:gs pos="100000">
+              <a:schemeClr val="accent1">
+                <a:lumMod val="30000"/>
+                <a:lumOff val="70000"/>
+              </a:schemeClr>
+            </a:gs>
+          </a:gsLst>
+          <a:lin ang="2700000" scaled="1"/>
+        </a:gradFill>
+        <a:effectLst/>
+      </p:bgPr>
+    </p:bg>
+    <p:spTree>
+      <p:nvGrpSpPr>
+        <p:cNvPr id="1" name="">
+          <a:extLst>
+            <a:ext uri="{FF2B5EF4-FFF2-40B4-BE49-F238E27FC236}">
+              <a16:creationId xmlns:a16="http://schemas.microsoft.com/office/drawing/2014/main" id="{0D5234B8-144B-B8D0-23C8-F12FF43E95F6}"/>
+            </a:ext>
+          </a:extLst>
+        </p:cNvPr>
+        <p:cNvGrpSpPr/>
+        <p:nvPr/>
+      </p:nvGrpSpPr>
+      <p:grpSpPr>
+        <a:xfrm>
+          <a:off x="0" y="0"/>
+          <a:ext cx="0" cy="0"/>
+          <a:chOff x="0" y="0"/>
+          <a:chExt cx="0" cy="0"/>
+        </a:xfrm>
+      </p:grpSpPr>
+      <p:sp>
+        <p:nvSpPr>
+          <p:cNvPr id="2" name="TextBox 1">
+            <a:extLst>
+              <a:ext uri="{FF2B5EF4-FFF2-40B4-BE49-F238E27FC236}">
+                <a16:creationId xmlns:a16="http://schemas.microsoft.com/office/drawing/2014/main" id="{936EA33B-C159-CA52-2983-95EDB8E8B47A}"/>
+              </a:ext>
+            </a:extLst>
+          </p:cNvPr>
+          <p:cNvSpPr txBox="1"/>
+          <p:nvPr/>
+        </p:nvSpPr>
+        <p:spPr>
+          <a:xfrm>
+            <a:off x="0" y="256357"/>
+            <a:ext cx="5067946" cy="523220"/>
+          </a:xfrm>
+          <a:prstGeom prst="rect">
+            <a:avLst/>
+          </a:prstGeom>
+          <a:noFill/>
+        </p:spPr>
+        <p:txBody>
+          <a:bodyPr wrap="square" rtlCol="0">
+            <a:spAutoFit/>
+          </a:bodyPr>
+          <a:lstStyle/>
+          <a:p>
+            <a:r>
+              <a:rPr lang="en-US" sz="2800" u="sng" dirty="0">
+                <a:solidFill>
+                  <a:schemeClr val="bg1"/>
+                </a:solidFill>
+                <a:latin typeface="Calibri" panose="020F0502020204030204" pitchFamily="34" charset="0"/>
+                <a:ea typeface="Calibri" panose="020F0502020204030204" pitchFamily="34" charset="0"/>
+                <a:cs typeface="Calibri" panose="020F0502020204030204" pitchFamily="34" charset="0"/>
+              </a:rPr>
+              <a:t>Proposed Architecture</a:t>
+            </a:r>
+          </a:p>
+        </p:txBody>
+      </p:sp>
+      <p:sp>
+        <p:nvSpPr>
+          <p:cNvPr id="4" name="TextBox 3">
+            <a:extLst>
+              <a:ext uri="{FF2B5EF4-FFF2-40B4-BE49-F238E27FC236}">
+                <a16:creationId xmlns:a16="http://schemas.microsoft.com/office/drawing/2014/main" id="{0A2F2340-AAAE-CDFE-76FF-237B1661588C}"/>
+              </a:ext>
+            </a:extLst>
+          </p:cNvPr>
+          <p:cNvSpPr txBox="1"/>
+          <p:nvPr/>
+        </p:nvSpPr>
+        <p:spPr>
+          <a:xfrm>
+            <a:off x="273570" y="1101498"/>
+            <a:ext cx="10849131" cy="1692771"/>
+          </a:xfrm>
+          <a:prstGeom prst="rect">
+            <a:avLst/>
+          </a:prstGeom>
+          <a:noFill/>
+        </p:spPr>
+        <p:txBody>
+          <a:bodyPr wrap="square">
+            <a:spAutoFit/>
+          </a:bodyPr>
+          <a:lstStyle/>
+          <a:p>
+            <a:pPr rtl="0" fontAlgn="ctr"/>
+            <a:r>
+              <a:rPr lang="en-US" sz="2400" b="1" i="0" u="sng" dirty="0">
+                <a:effectLst/>
+                <a:latin typeface="Calibri" panose="020F0502020204030204" pitchFamily="34" charset="0"/>
+              </a:rPr>
+              <a:t>Hub-and-Spoke Network</a:t>
+            </a:r>
+            <a:r>
+              <a:rPr lang="en-US" sz="2400" b="0" i="0" u="sng" dirty="0">
+                <a:effectLst/>
+                <a:latin typeface="Calibri" panose="020F0502020204030204" pitchFamily="34" charset="0"/>
+              </a:rPr>
+              <a:t>:</a:t>
+            </a:r>
+          </a:p>
+          <a:p>
+            <a:pPr rtl="0" fontAlgn="ctr"/>
+            <a:endParaRPr lang="en-US" sz="2000" b="1" i="0" u="sng" dirty="0">
+              <a:effectLst/>
+              <a:latin typeface="Calibri" panose="020F0502020204030204" pitchFamily="34" charset="0"/>
+            </a:endParaRPr>
+          </a:p>
+          <a:p>
+            <a:pPr marL="742950" lvl="1" indent="-285750" rtl="0" fontAlgn="ctr">
+              <a:buFont typeface="Wingdings" panose="05000000000000000000" pitchFamily="2" charset="2"/>
+              <a:buChar char="q"/>
+            </a:pPr>
+            <a:r>
+              <a:rPr lang="en-US" sz="2000" b="1" i="0" dirty="0">
+                <a:effectLst/>
+                <a:latin typeface="Calibri" panose="020F0502020204030204" pitchFamily="34" charset="0"/>
+              </a:rPr>
+              <a:t>Hub: Centralized resources like firewall, VPN gateway, monitoring.</a:t>
+            </a:r>
+          </a:p>
+          <a:p>
+            <a:pPr marL="742950" lvl="1" indent="-285750" rtl="0" fontAlgn="ctr">
+              <a:buFont typeface="Wingdings" panose="05000000000000000000" pitchFamily="2" charset="2"/>
+              <a:buChar char="q"/>
+            </a:pPr>
+            <a:r>
+              <a:rPr lang="en-US" sz="2000" b="1" i="0" dirty="0">
+                <a:effectLst/>
+                <a:latin typeface="Calibri" panose="020F0502020204030204" pitchFamily="34" charset="0"/>
+              </a:rPr>
+              <a:t>Spokes: Isolated networks for storage, functions, CDN, and user </a:t>
+            </a:r>
+            <a:r>
+              <a:rPr lang="en-US" sz="2000" b="1" i="0" dirty="0" err="1">
+                <a:effectLst/>
+                <a:latin typeface="Calibri" panose="020F0502020204030204" pitchFamily="34" charset="0"/>
+              </a:rPr>
+              <a:t>portal,KeyVaults,IoT</a:t>
+            </a:r>
+            <a:r>
+              <a:rPr lang="en-US" sz="2000" b="1" i="0" dirty="0">
+                <a:effectLst/>
+                <a:latin typeface="Calibri" panose="020F0502020204030204" pitchFamily="34" charset="0"/>
+              </a:rPr>
+              <a:t> Hub &amp; event grid.</a:t>
+            </a:r>
+          </a:p>
+        </p:txBody>
+      </p:sp>
+      <p:pic>
+        <p:nvPicPr>
+          <p:cNvPr id="6" name="Graphic 5">
+            <a:extLst>
+              <a:ext uri="{FF2B5EF4-FFF2-40B4-BE49-F238E27FC236}">
+                <a16:creationId xmlns:a16="http://schemas.microsoft.com/office/drawing/2014/main" id="{80B8E82A-065B-81B9-416F-9966C8232D86}"/>
+              </a:ext>
+            </a:extLst>
+          </p:cNvPr>
+          <p:cNvPicPr>
+            <a:picLocks noChangeAspect="1"/>
+          </p:cNvPicPr>
+          <p:nvPr/>
+        </p:nvPicPr>
+        <p:blipFill>
+          <a:blip r:embed="rId2">
+            <a:extLst>
+              <a:ext uri="{96DAC541-7B7A-43D3-8B79-37D633B846F1}">
+                <asvg:svgBlip xmlns:asvg="http://schemas.microsoft.com/office/drawing/2016/SVG/main" r:embed="rId3"/>
+              </a:ext>
+            </a:extLst>
+          </a:blip>
+          <a:stretch>
+            <a:fillRect/>
+          </a:stretch>
+        </p:blipFill>
+        <p:spPr>
+          <a:xfrm>
+            <a:off x="1545279" y="4004592"/>
+            <a:ext cx="6164317" cy="2454510"/>
+          </a:xfrm>
+          <a:prstGeom prst="rect">
+            <a:avLst/>
+          </a:prstGeom>
+        </p:spPr>
+      </p:pic>
+      <p:sp>
+        <p:nvSpPr>
+          <p:cNvPr id="8" name="TextBox 7">
+            <a:extLst>
+              <a:ext uri="{FF2B5EF4-FFF2-40B4-BE49-F238E27FC236}">
+                <a16:creationId xmlns:a16="http://schemas.microsoft.com/office/drawing/2014/main" id="{8E15AA03-14E6-B16E-3F21-50F074E4BBFB}"/>
+              </a:ext>
+            </a:extLst>
+          </p:cNvPr>
+          <p:cNvSpPr txBox="1"/>
+          <p:nvPr/>
+        </p:nvSpPr>
+        <p:spPr>
+          <a:xfrm>
+            <a:off x="583647" y="2770180"/>
+            <a:ext cx="11408484" cy="707886"/>
+          </a:xfrm>
+          <a:prstGeom prst="rect">
+            <a:avLst/>
+          </a:prstGeom>
+          <a:noFill/>
+        </p:spPr>
+        <p:txBody>
+          <a:bodyPr wrap="square">
+            <a:spAutoFit/>
+          </a:bodyPr>
+          <a:lstStyle/>
+          <a:p>
+            <a:r>
+              <a:rPr lang="en-US" sz="2000" b="1" dirty="0">
+                <a:latin typeface="Calibri" panose="020F0502020204030204" pitchFamily="34" charset="0"/>
+                <a:ea typeface="Calibri" panose="020F0502020204030204" pitchFamily="34" charset="0"/>
+                <a:cs typeface="Calibri" panose="020F0502020204030204" pitchFamily="34" charset="0"/>
+              </a:rPr>
+              <a:t>Hub and Spoke</a:t>
+            </a:r>
+            <a:r>
+              <a:rPr lang="en-US" sz="2000" dirty="0">
+                <a:latin typeface="Calibri" panose="020F0502020204030204" pitchFamily="34" charset="0"/>
+                <a:ea typeface="Calibri" panose="020F0502020204030204" pitchFamily="34" charset="0"/>
+                <a:cs typeface="Calibri" panose="020F0502020204030204" pitchFamily="34" charset="0"/>
+              </a:rPr>
+              <a:t> network design will allow us to simplify security, improve scalability, manage costs more effectively, and ensure a flexible and robust architecture for handling large-scale data distribution</a:t>
+            </a:r>
+          </a:p>
+        </p:txBody>
+      </p:sp>
+    </p:spTree>
+    <p:extLst>
+      <p:ext uri="{BB962C8B-B14F-4D97-AF65-F5344CB8AC3E}">
+        <p14:creationId xmlns:p14="http://schemas.microsoft.com/office/powerpoint/2010/main" val="1590511877"/>
+      </p:ext>
+    </p:extLst>
+  </p:cSld>
+  <p:clrMapOvr>
+    <a:masterClrMapping/>
+  </p:clrMapOvr>
+</p:sld>
+</file>
+
+<file path=ppt/slides/slide5.xml><?xml version="1.0" encoding="utf-8"?>
+<p:sld xmlns:a="http://schemas.openxmlformats.org/drawingml/2006/main" xmlns:r="http://schemas.openxmlformats.org/officeDocument/2006/relationships" xmlns:p="http://schemas.openxmlformats.org/presentationml/2006/main">
+  <p:cSld>
+    <p:bg>
+      <p:bgPr>
+        <a:gradFill>
+          <a:gsLst>
+            <a:gs pos="18000">
+              <a:srgbClr val="42DAAB"/>
+            </a:gs>
+            <a:gs pos="0">
+              <a:schemeClr val="tx1"/>
+            </a:gs>
+            <a:gs pos="100000">
+              <a:schemeClr val="accent1">
+                <a:lumMod val="30000"/>
+                <a:lumOff val="70000"/>
+              </a:schemeClr>
+            </a:gs>
+          </a:gsLst>
+          <a:lin ang="2700000" scaled="1"/>
+        </a:gradFill>
+        <a:effectLst/>
+      </p:bgPr>
+    </p:bg>
+    <p:spTree>
+      <p:nvGrpSpPr>
+        <p:cNvPr id="1" name="">
+          <a:extLst>
+            <a:ext uri="{FF2B5EF4-FFF2-40B4-BE49-F238E27FC236}">
+              <a16:creationId xmlns:a16="http://schemas.microsoft.com/office/drawing/2014/main" id="{B8C55B13-0C4D-FEF7-02E6-C6CEA93460DB}"/>
+            </a:ext>
+          </a:extLst>
+        </p:cNvPr>
+        <p:cNvGrpSpPr/>
+        <p:nvPr/>
+      </p:nvGrpSpPr>
+      <p:grpSpPr>
+        <a:xfrm>
+          <a:off x="0" y="0"/>
+          <a:ext cx="0" cy="0"/>
+          <a:chOff x="0" y="0"/>
+          <a:chExt cx="0" cy="0"/>
+        </a:xfrm>
+      </p:grpSpPr>
+      <p:sp>
+        <p:nvSpPr>
+          <p:cNvPr id="2" name="TextBox 1">
+            <a:extLst>
+              <a:ext uri="{FF2B5EF4-FFF2-40B4-BE49-F238E27FC236}">
+                <a16:creationId xmlns:a16="http://schemas.microsoft.com/office/drawing/2014/main" id="{2566ADFF-4C07-DAF8-F793-E20BBDCC5BBC}"/>
+              </a:ext>
+            </a:extLst>
+          </p:cNvPr>
+          <p:cNvSpPr txBox="1"/>
+          <p:nvPr/>
+        </p:nvSpPr>
+        <p:spPr>
+          <a:xfrm>
+            <a:off x="-1" y="256357"/>
+            <a:ext cx="7060367" cy="523220"/>
+          </a:xfrm>
+          <a:prstGeom prst="rect">
+            <a:avLst/>
+          </a:prstGeom>
+          <a:noFill/>
+        </p:spPr>
+        <p:txBody>
+          <a:bodyPr wrap="square" rtlCol="0">
+            <a:spAutoFit/>
+          </a:bodyPr>
+          <a:lstStyle/>
+          <a:p>
+            <a:r>
+              <a:rPr lang="en-US" sz="2800" u="sng" dirty="0">
+                <a:solidFill>
+                  <a:schemeClr val="bg1"/>
+                </a:solidFill>
+                <a:latin typeface="Calibri" panose="020F0502020204030204" pitchFamily="34" charset="0"/>
+                <a:ea typeface="Calibri" panose="020F0502020204030204" pitchFamily="34" charset="0"/>
+                <a:cs typeface="Calibri" panose="020F0502020204030204" pitchFamily="34" charset="0"/>
+              </a:rPr>
+              <a:t>Detailed Architecture Components</a:t>
+            </a:r>
+          </a:p>
+        </p:txBody>
+      </p:sp>
+      <p:sp>
+        <p:nvSpPr>
+          <p:cNvPr id="5" name="TextBox 4">
+            <a:extLst>
+              <a:ext uri="{FF2B5EF4-FFF2-40B4-BE49-F238E27FC236}">
+                <a16:creationId xmlns:a16="http://schemas.microsoft.com/office/drawing/2014/main" id="{F2752558-C421-781B-A442-18D2D91A41F4}"/>
+              </a:ext>
+            </a:extLst>
+          </p:cNvPr>
+          <p:cNvSpPr txBox="1"/>
+          <p:nvPr/>
+        </p:nvSpPr>
+        <p:spPr>
+          <a:xfrm>
+            <a:off x="119919" y="1248753"/>
+            <a:ext cx="10519347" cy="5016758"/>
+          </a:xfrm>
+          <a:prstGeom prst="rect">
+            <a:avLst/>
+          </a:prstGeom>
+          <a:noFill/>
+        </p:spPr>
+        <p:txBody>
+          <a:bodyPr wrap="square">
+            <a:spAutoFit/>
+          </a:bodyPr>
+          <a:lstStyle/>
+          <a:p>
+            <a:pPr marL="342900" indent="-342900" rtl="0" fontAlgn="ctr">
+              <a:buFont typeface="Wingdings" panose="05000000000000000000" pitchFamily="2" charset="2"/>
+              <a:buChar char="§"/>
+            </a:pPr>
+            <a:r>
+              <a:rPr lang="en-US" sz="2000" b="1" i="0" dirty="0">
+                <a:effectLst/>
+                <a:latin typeface="Calibri" panose="020F0502020204030204" pitchFamily="34" charset="0"/>
+              </a:rPr>
+              <a:t>Hub Network</a:t>
+            </a:r>
+            <a:r>
+              <a:rPr lang="en-US" sz="2000" b="0" i="0" dirty="0">
+                <a:effectLst/>
+                <a:latin typeface="Calibri" panose="020F0502020204030204" pitchFamily="34" charset="0"/>
+              </a:rPr>
+              <a:t>:</a:t>
+            </a:r>
+            <a:endParaRPr lang="en-US" sz="2000" b="1" i="0" dirty="0">
+              <a:effectLst/>
+              <a:latin typeface="Calibri" panose="020F0502020204030204" pitchFamily="34" charset="0"/>
+            </a:endParaRPr>
+          </a:p>
+          <a:p>
+            <a:pPr marL="800100" lvl="1" indent="-342900" rtl="0" fontAlgn="ctr">
+              <a:buFont typeface="Wingdings" panose="05000000000000000000" pitchFamily="2" charset="2"/>
+              <a:buChar char="§"/>
+            </a:pPr>
+            <a:r>
+              <a:rPr lang="en-US" sz="2000" i="0" dirty="0">
+                <a:effectLst/>
+                <a:latin typeface="Calibri" panose="020F0502020204030204" pitchFamily="34" charset="0"/>
+              </a:rPr>
+              <a:t>Azure Firewall: Controls traffic and enforces security policies.</a:t>
+            </a:r>
+          </a:p>
+          <a:p>
+            <a:pPr marL="800100" lvl="1" indent="-342900" rtl="0" fontAlgn="ctr">
+              <a:buFont typeface="Wingdings" panose="05000000000000000000" pitchFamily="2" charset="2"/>
+              <a:buChar char="§"/>
+            </a:pPr>
+            <a:r>
+              <a:rPr lang="en-US" sz="2000" i="0" dirty="0">
+                <a:effectLst/>
+                <a:latin typeface="Calibri" panose="020F0502020204030204" pitchFamily="34" charset="0"/>
+              </a:rPr>
+              <a:t>VPN Gateway &amp;Express route: Secure communication between on-premises and Azure.</a:t>
+            </a:r>
+          </a:p>
+          <a:p>
+            <a:pPr marL="800100" lvl="1" indent="-342900" rtl="0" fontAlgn="ctr">
+              <a:buFont typeface="Wingdings" panose="05000000000000000000" pitchFamily="2" charset="2"/>
+              <a:buChar char="§"/>
+            </a:pPr>
+            <a:r>
+              <a:rPr lang="en-US" sz="2000" i="0" dirty="0">
+                <a:effectLst/>
+                <a:latin typeface="Calibri" panose="020F0502020204030204" pitchFamily="34" charset="0"/>
+              </a:rPr>
+              <a:t>Monitoring: Secure management and tracking.</a:t>
+            </a:r>
+          </a:p>
+          <a:p>
+            <a:pPr marL="800100" lvl="1" indent="-342900" rtl="0" fontAlgn="ctr">
+              <a:buFont typeface="Wingdings" panose="05000000000000000000" pitchFamily="2" charset="2"/>
+              <a:buChar char="§"/>
+            </a:pPr>
+            <a:r>
+              <a:rPr lang="en-US" sz="2000" dirty="0">
+                <a:latin typeface="Calibri" panose="020F0502020204030204" pitchFamily="34" charset="0"/>
+              </a:rPr>
+              <a:t>Application Gateway : Used </a:t>
+            </a:r>
+            <a:r>
+              <a:rPr lang="en-US" sz="2000" dirty="0">
+                <a:latin typeface="Calibri" panose="020F0502020204030204" pitchFamily="34" charset="0"/>
+                <a:ea typeface="Calibri" panose="020F0502020204030204" pitchFamily="34" charset="0"/>
+                <a:cs typeface="Calibri" panose="020F0502020204030204" pitchFamily="34" charset="0"/>
+              </a:rPr>
+              <a:t>load balancing and web traffic management</a:t>
+            </a:r>
+            <a:endParaRPr lang="en-US" sz="2000" i="0" dirty="0">
+              <a:effectLst/>
+              <a:latin typeface="Calibri" panose="020F0502020204030204" pitchFamily="34" charset="0"/>
+              <a:ea typeface="Calibri" panose="020F0502020204030204" pitchFamily="34" charset="0"/>
+              <a:cs typeface="Calibri" panose="020F0502020204030204" pitchFamily="34" charset="0"/>
+            </a:endParaRPr>
+          </a:p>
+          <a:p>
+            <a:pPr marL="800100" lvl="1" indent="-342900" rtl="0" fontAlgn="ctr">
+              <a:buFont typeface="Wingdings" panose="05000000000000000000" pitchFamily="2" charset="2"/>
+              <a:buChar char="§"/>
+            </a:pPr>
+            <a:endParaRPr lang="en-US" sz="2000" b="1" i="0" dirty="0">
+              <a:effectLst/>
+              <a:latin typeface="Calibri" panose="020F0502020204030204" pitchFamily="34" charset="0"/>
+            </a:endParaRPr>
+          </a:p>
+          <a:p>
+            <a:pPr marL="342900" indent="-342900" rtl="0" fontAlgn="ctr">
+              <a:buFont typeface="Wingdings" panose="05000000000000000000" pitchFamily="2" charset="2"/>
+              <a:buChar char="§"/>
+            </a:pPr>
+            <a:r>
+              <a:rPr lang="en-US" sz="2000" b="1" i="0" dirty="0">
+                <a:effectLst/>
+                <a:latin typeface="Calibri" panose="020F0502020204030204" pitchFamily="34" charset="0"/>
+              </a:rPr>
+              <a:t>Spoke Networks</a:t>
+            </a:r>
+            <a:r>
+              <a:rPr lang="en-US" sz="2000" b="0" i="0" dirty="0">
+                <a:effectLst/>
+                <a:latin typeface="Calibri" panose="020F0502020204030204" pitchFamily="34" charset="0"/>
+              </a:rPr>
+              <a:t>:</a:t>
+            </a:r>
+          </a:p>
+          <a:p>
+            <a:pPr marL="800100" lvl="1" indent="-342900" fontAlgn="ctr">
+              <a:buFont typeface="Wingdings" panose="05000000000000000000" pitchFamily="2" charset="2"/>
+              <a:buChar char="§"/>
+            </a:pPr>
+            <a:r>
+              <a:rPr lang="en-US" sz="2000" dirty="0">
+                <a:latin typeface="Calibri" panose="020F0502020204030204" pitchFamily="34" charset="0"/>
+              </a:rPr>
+              <a:t>Azure </a:t>
+            </a:r>
+            <a:r>
+              <a:rPr lang="en-US" sz="2000" dirty="0">
+                <a:latin typeface="Calibri" panose="020F0502020204030204" pitchFamily="34" charset="0"/>
+                <a:ea typeface="Calibri" panose="020F0502020204030204" pitchFamily="34" charset="0"/>
+                <a:cs typeface="Calibri" panose="020F0502020204030204" pitchFamily="34" charset="0"/>
+              </a:rPr>
+              <a:t>IoT Hub: enables secure and scalable communication with IoT devices.</a:t>
+            </a:r>
+          </a:p>
+          <a:p>
+            <a:pPr marL="800100" lvl="1" indent="-342900" fontAlgn="ctr">
+              <a:buFont typeface="Wingdings" panose="05000000000000000000" pitchFamily="2" charset="2"/>
+              <a:buChar char="§"/>
+            </a:pPr>
+            <a:r>
+              <a:rPr lang="en-US" sz="2000" i="0" dirty="0">
+                <a:effectLst/>
+                <a:latin typeface="Calibri" panose="020F0502020204030204" pitchFamily="34" charset="0"/>
+                <a:ea typeface="Calibri" panose="020F0502020204030204" pitchFamily="34" charset="0"/>
+                <a:cs typeface="Calibri" panose="020F0502020204030204" pitchFamily="34" charset="0"/>
+              </a:rPr>
+              <a:t>Event Grid</a:t>
+            </a:r>
+            <a:r>
+              <a:rPr lang="en-US" sz="2000" b="1" i="0" dirty="0">
+                <a:effectLst/>
+                <a:latin typeface="Calibri" panose="020F0502020204030204" pitchFamily="34" charset="0"/>
+                <a:ea typeface="Calibri" panose="020F0502020204030204" pitchFamily="34" charset="0"/>
+                <a:cs typeface="Calibri" panose="020F0502020204030204" pitchFamily="34" charset="0"/>
+              </a:rPr>
+              <a:t>: </a:t>
+            </a:r>
+            <a:r>
+              <a:rPr lang="en-US" sz="2000" dirty="0">
+                <a:latin typeface="Calibri" panose="020F0502020204030204" pitchFamily="34" charset="0"/>
+                <a:ea typeface="Calibri" panose="020F0502020204030204" pitchFamily="34" charset="0"/>
+                <a:cs typeface="Calibri" panose="020F0502020204030204" pitchFamily="34" charset="0"/>
+              </a:rPr>
+              <a:t>routing events from various sources to event handlers like Azure Functions or Webhooks</a:t>
+            </a:r>
+            <a:endParaRPr lang="en-US" sz="2000" b="1" i="0" dirty="0">
+              <a:effectLst/>
+              <a:latin typeface="Calibri" panose="020F0502020204030204" pitchFamily="34" charset="0"/>
+              <a:ea typeface="Calibri" panose="020F0502020204030204" pitchFamily="34" charset="0"/>
+              <a:cs typeface="Calibri" panose="020F0502020204030204" pitchFamily="34" charset="0"/>
+            </a:endParaRPr>
+          </a:p>
+          <a:p>
+            <a:pPr marL="800100" lvl="1" indent="-342900" rtl="0" fontAlgn="ctr">
+              <a:buFont typeface="Wingdings" panose="05000000000000000000" pitchFamily="2" charset="2"/>
+              <a:buChar char="§"/>
+            </a:pPr>
+            <a:r>
+              <a:rPr lang="en-US" sz="2000" i="0" dirty="0">
+                <a:effectLst/>
+                <a:latin typeface="Calibri" panose="020F0502020204030204" pitchFamily="34" charset="0"/>
+              </a:rPr>
+              <a:t>Storage: Azure Blob Storage with versioning.</a:t>
+            </a:r>
+          </a:p>
+          <a:p>
+            <a:pPr marL="800100" lvl="1" indent="-342900" rtl="0" fontAlgn="ctr">
+              <a:buFont typeface="Wingdings" panose="05000000000000000000" pitchFamily="2" charset="2"/>
+              <a:buChar char="§"/>
+            </a:pPr>
+            <a:r>
+              <a:rPr lang="en-US" sz="2000" i="0" dirty="0">
+                <a:effectLst/>
+                <a:latin typeface="Calibri" panose="020F0502020204030204" pitchFamily="34" charset="0"/>
+              </a:rPr>
+              <a:t>Function: Azure Functions for automating file processing.</a:t>
+            </a:r>
+          </a:p>
+          <a:p>
+            <a:pPr marL="800100" lvl="1" indent="-342900" rtl="0" fontAlgn="ctr">
+              <a:buFont typeface="Wingdings" panose="05000000000000000000" pitchFamily="2" charset="2"/>
+              <a:buChar char="§"/>
+            </a:pPr>
+            <a:r>
+              <a:rPr lang="en-US" sz="2000" i="0" dirty="0">
+                <a:effectLst/>
+                <a:latin typeface="Calibri" panose="020F0502020204030204" pitchFamily="34" charset="0"/>
+              </a:rPr>
+              <a:t>Content Delivery: Azure CDN for fast global access.</a:t>
+            </a:r>
+          </a:p>
+          <a:p>
+            <a:pPr marL="800100" lvl="1" indent="-342900" rtl="0" fontAlgn="ctr">
+              <a:buFont typeface="Wingdings" panose="05000000000000000000" pitchFamily="2" charset="2"/>
+              <a:buChar char="§"/>
+            </a:pPr>
+            <a:r>
+              <a:rPr lang="en-US" sz="2000" i="0" dirty="0">
+                <a:effectLst/>
+                <a:latin typeface="Calibri" panose="020F0502020204030204" pitchFamily="34" charset="0"/>
+              </a:rPr>
+              <a:t>User Portal: Web infrastructure for authentication and access.</a:t>
+            </a:r>
+          </a:p>
+          <a:p>
+            <a:pPr marL="800100" lvl="1" indent="-342900" rtl="0" fontAlgn="ctr">
+              <a:buFont typeface="Wingdings" panose="05000000000000000000" pitchFamily="2" charset="2"/>
+              <a:buChar char="§"/>
+            </a:pPr>
+            <a:r>
+              <a:rPr lang="en-US" sz="2000" dirty="0">
+                <a:latin typeface="Calibri" panose="020F0502020204030204" pitchFamily="34" charset="0"/>
+              </a:rPr>
+              <a:t>Azure </a:t>
+            </a:r>
+            <a:r>
+              <a:rPr lang="en-US" sz="2000" dirty="0" err="1">
+                <a:latin typeface="Calibri" panose="020F0502020204030204" pitchFamily="34" charset="0"/>
+              </a:rPr>
+              <a:t>KeyVault</a:t>
+            </a:r>
+            <a:r>
+              <a:rPr lang="en-US" sz="2000" dirty="0">
+                <a:latin typeface="Calibri" panose="020F0502020204030204" pitchFamily="34" charset="0"/>
+              </a:rPr>
+              <a:t>: To Store and Manage Keys &amp; secrets.</a:t>
+            </a:r>
+            <a:endParaRPr lang="en-US" sz="2000" i="0" dirty="0">
+              <a:effectLst/>
+              <a:latin typeface="Calibri" panose="020F0502020204030204" pitchFamily="34" charset="0"/>
+            </a:endParaRPr>
+          </a:p>
+          <a:p>
+            <a:pPr marL="800100" lvl="1" indent="-342900" rtl="0" fontAlgn="ctr">
+              <a:buFont typeface="Wingdings" panose="05000000000000000000" pitchFamily="2" charset="2"/>
+              <a:buChar char="§"/>
+            </a:pPr>
+            <a:endParaRPr lang="en-US" sz="2000" i="0" dirty="0">
+              <a:effectLst/>
+              <a:latin typeface="Calibri" panose="020F0502020204030204" pitchFamily="34" charset="0"/>
+            </a:endParaRPr>
+          </a:p>
+        </p:txBody>
+      </p:sp>
+    </p:spTree>
+    <p:extLst>
+      <p:ext uri="{BB962C8B-B14F-4D97-AF65-F5344CB8AC3E}">
+        <p14:creationId xmlns:p14="http://schemas.microsoft.com/office/powerpoint/2010/main" val="66079871"/>
+      </p:ext>
+    </p:extLst>
+  </p:cSld>
+  <p:clrMapOvr>
+    <a:masterClrMapping/>
+  </p:clrMapOvr>
+</p:sld>
+</file>
+
+<file path=ppt/slides/slide6.xml><?xml version="1.0" encoding="utf-8"?>
+<p:sld xmlns:a="http://schemas.openxmlformats.org/drawingml/2006/main" xmlns:r="http://schemas.openxmlformats.org/officeDocument/2006/relationships" xmlns:p="http://schemas.openxmlformats.org/presentationml/2006/main">
+  <p:cSld>
+    <p:bg>
+      <p:bgPr>
+        <a:gradFill>
+          <a:gsLst>
+            <a:gs pos="18000">
+              <a:srgbClr val="42DAAB"/>
+            </a:gs>
+            <a:gs pos="0">
+              <a:schemeClr val="tx1"/>
+            </a:gs>
+            <a:gs pos="100000">
+              <a:schemeClr val="accent1">
+                <a:lumMod val="30000"/>
+                <a:lumOff val="70000"/>
+              </a:schemeClr>
+            </a:gs>
+          </a:gsLst>
+          <a:lin ang="2700000" scaled="1"/>
+        </a:gradFill>
+        <a:effectLst/>
+      </p:bgPr>
+    </p:bg>
+    <p:spTree>
+      <p:nvGrpSpPr>
+        <p:cNvPr id="1" name="">
+          <a:extLst>
+            <a:ext uri="{FF2B5EF4-FFF2-40B4-BE49-F238E27FC236}">
+              <a16:creationId xmlns:a16="http://schemas.microsoft.com/office/drawing/2014/main" id="{73D294CB-6BE7-E6A7-F004-B00F3FED7DB0}"/>
+            </a:ext>
+          </a:extLst>
+        </p:cNvPr>
+        <p:cNvGrpSpPr/>
+        <p:nvPr/>
+      </p:nvGrpSpPr>
+      <p:grpSpPr>
+        <a:xfrm>
+          <a:off x="0" y="0"/>
+          <a:ext cx="0" cy="0"/>
+          <a:chOff x="0" y="0"/>
+          <a:chExt cx="0" cy="0"/>
+        </a:xfrm>
+      </p:grpSpPr>
+      <p:sp>
+        <p:nvSpPr>
+          <p:cNvPr id="6" name="TextBox 5">
+            <a:extLst>
+              <a:ext uri="{FF2B5EF4-FFF2-40B4-BE49-F238E27FC236}">
+                <a16:creationId xmlns:a16="http://schemas.microsoft.com/office/drawing/2014/main" id="{4665B345-2071-EEF6-D1FB-2A1BE4CDB5D3}"/>
+              </a:ext>
+            </a:extLst>
+          </p:cNvPr>
+          <p:cNvSpPr txBox="1"/>
+          <p:nvPr/>
+        </p:nvSpPr>
+        <p:spPr>
+          <a:xfrm>
+            <a:off x="153650" y="3938185"/>
+            <a:ext cx="9485027" cy="1938992"/>
+          </a:xfrm>
+          <a:prstGeom prst="rect">
+            <a:avLst/>
+          </a:prstGeom>
+          <a:noFill/>
+        </p:spPr>
+        <p:txBody>
+          <a:bodyPr wrap="square">
+            <a:spAutoFit/>
+          </a:bodyPr>
+          <a:lstStyle/>
+          <a:p>
+            <a:pPr marL="285750" indent="-285750" rtl="0" fontAlgn="ctr">
+              <a:buFont typeface="Wingdings" panose="05000000000000000000" pitchFamily="2" charset="2"/>
+              <a:buChar char="§"/>
+            </a:pPr>
+            <a:r>
+              <a:rPr lang="en-US" sz="2000" b="1" dirty="0">
+                <a:effectLst/>
+                <a:latin typeface="Calibri" panose="020F0502020204030204" pitchFamily="34" charset="0"/>
+              </a:rPr>
+              <a:t>Azure AD Authentication</a:t>
+            </a:r>
+            <a:r>
+              <a:rPr lang="en-US" sz="2000" dirty="0">
+                <a:effectLst/>
+                <a:latin typeface="Calibri" panose="020F0502020204030204" pitchFamily="34" charset="0"/>
+              </a:rPr>
+              <a:t>: Ensures only authorized users can access the portal.</a:t>
+            </a:r>
+          </a:p>
+          <a:p>
+            <a:pPr marL="285750" indent="-285750" rtl="0" fontAlgn="ctr">
+              <a:buFont typeface="Wingdings" panose="05000000000000000000" pitchFamily="2" charset="2"/>
+              <a:buChar char="§"/>
+            </a:pPr>
+            <a:r>
+              <a:rPr lang="en-US" sz="2000" b="1" dirty="0">
+                <a:effectLst/>
+                <a:latin typeface="Calibri" panose="020F0502020204030204" pitchFamily="34" charset="0"/>
+              </a:rPr>
+              <a:t>RBAC</a:t>
+            </a:r>
+            <a:r>
+              <a:rPr lang="en-US" sz="2000" dirty="0">
+                <a:effectLst/>
+                <a:latin typeface="Calibri" panose="020F0502020204030204" pitchFamily="34" charset="0"/>
+              </a:rPr>
+              <a:t>: Manages access to resources based on user roles.</a:t>
+            </a:r>
+          </a:p>
+          <a:p>
+            <a:pPr marL="285750" indent="-285750" rtl="0" fontAlgn="ctr">
+              <a:buFont typeface="Wingdings" panose="05000000000000000000" pitchFamily="2" charset="2"/>
+              <a:buChar char="§"/>
+            </a:pPr>
+            <a:r>
+              <a:rPr lang="en-US" sz="2000" b="1" dirty="0">
+                <a:effectLst/>
+                <a:latin typeface="Calibri" panose="020F0502020204030204" pitchFamily="34" charset="0"/>
+              </a:rPr>
+              <a:t>Private Endpoints</a:t>
+            </a:r>
+            <a:r>
+              <a:rPr lang="en-US" sz="2000" dirty="0">
+                <a:effectLst/>
+                <a:latin typeface="Calibri" panose="020F0502020204030204" pitchFamily="34" charset="0"/>
+              </a:rPr>
+              <a:t>: Keeps internal communication secure.</a:t>
+            </a:r>
+          </a:p>
+          <a:p>
+            <a:pPr marL="285750" indent="-285750" rtl="0" fontAlgn="ctr">
+              <a:buFont typeface="Wingdings" panose="05000000000000000000" pitchFamily="2" charset="2"/>
+              <a:buChar char="§"/>
+            </a:pPr>
+            <a:r>
+              <a:rPr lang="en-US" sz="2000" b="1" dirty="0">
+                <a:effectLst/>
+                <a:latin typeface="Calibri" panose="020F0502020204030204" pitchFamily="34" charset="0"/>
+              </a:rPr>
+              <a:t>VPN Gateway</a:t>
+            </a:r>
+            <a:r>
+              <a:rPr lang="en-US" sz="2000" dirty="0">
+                <a:effectLst/>
+                <a:latin typeface="Calibri" panose="020F0502020204030204" pitchFamily="34" charset="0"/>
+              </a:rPr>
+              <a:t>: Ensures encrypted communication between on-premises and Azure.</a:t>
+            </a:r>
+          </a:p>
+          <a:p>
+            <a:pPr marL="285750" indent="-285750" rtl="0" fontAlgn="ctr">
+              <a:buFont typeface="Wingdings" panose="05000000000000000000" pitchFamily="2" charset="2"/>
+              <a:buChar char="§"/>
+            </a:pPr>
+            <a:r>
+              <a:rPr lang="en-US" sz="2000" b="1" dirty="0">
+                <a:effectLst/>
+                <a:latin typeface="Calibri" panose="020F0502020204030204" pitchFamily="34" charset="0"/>
+              </a:rPr>
+              <a:t>SAS Tokens</a:t>
+            </a:r>
+            <a:r>
+              <a:rPr lang="en-US" sz="2000" dirty="0">
+                <a:effectLst/>
+                <a:latin typeface="Calibri" panose="020F0502020204030204" pitchFamily="34" charset="0"/>
+              </a:rPr>
+              <a:t>: Temporary, secure access to recipe files.</a:t>
+            </a:r>
+          </a:p>
+          <a:p>
+            <a:pPr marL="285750" indent="-285750" rtl="0" fontAlgn="ctr">
+              <a:buFont typeface="Wingdings" panose="05000000000000000000" pitchFamily="2" charset="2"/>
+              <a:buChar char="§"/>
+            </a:pPr>
+            <a:r>
+              <a:rPr lang="en-US" sz="2000" b="1" dirty="0">
+                <a:latin typeface="Calibri" panose="020F0502020204030204" pitchFamily="34" charset="0"/>
+              </a:rPr>
+              <a:t>Azure </a:t>
+            </a:r>
+            <a:r>
+              <a:rPr lang="en-US" sz="2000" b="1" dirty="0" err="1">
+                <a:latin typeface="Calibri" panose="020F0502020204030204" pitchFamily="34" charset="0"/>
+              </a:rPr>
+              <a:t>KeyVault</a:t>
+            </a:r>
+            <a:r>
+              <a:rPr lang="en-US" sz="2000" dirty="0">
+                <a:latin typeface="Calibri" panose="020F0502020204030204" pitchFamily="34" charset="0"/>
+              </a:rPr>
+              <a:t>: Store Sensitive Information.</a:t>
+            </a:r>
+            <a:endParaRPr lang="en-US" sz="2000" dirty="0">
+              <a:effectLst/>
+              <a:latin typeface="Calibri" panose="020F0502020204030204" pitchFamily="34" charset="0"/>
+            </a:endParaRPr>
+          </a:p>
+        </p:txBody>
+      </p:sp>
+      <p:sp>
+        <p:nvSpPr>
+          <p:cNvPr id="8" name="TextBox 7">
+            <a:extLst>
+              <a:ext uri="{FF2B5EF4-FFF2-40B4-BE49-F238E27FC236}">
+                <a16:creationId xmlns:a16="http://schemas.microsoft.com/office/drawing/2014/main" id="{708E3AD6-9782-F951-6F8F-ADA322768FC7}"/>
+              </a:ext>
+            </a:extLst>
+          </p:cNvPr>
+          <p:cNvSpPr txBox="1"/>
+          <p:nvPr/>
+        </p:nvSpPr>
+        <p:spPr>
+          <a:xfrm>
+            <a:off x="258581" y="3414965"/>
+            <a:ext cx="6093500" cy="523220"/>
+          </a:xfrm>
+          <a:prstGeom prst="rect">
+            <a:avLst/>
+          </a:prstGeom>
+          <a:noFill/>
+        </p:spPr>
+        <p:txBody>
+          <a:bodyPr wrap="square">
+            <a:spAutoFit/>
+          </a:bodyPr>
+          <a:lstStyle/>
+          <a:p>
+            <a:r>
+              <a:rPr lang="en-US" sz="2800" b="1" dirty="0">
+                <a:solidFill>
+                  <a:schemeClr val="bg1"/>
+                </a:solidFill>
+                <a:effectLst/>
+                <a:latin typeface="Calibri" panose="020F0502020204030204" pitchFamily="34" charset="0"/>
+              </a:rPr>
+              <a:t>Security Considerations</a:t>
+            </a:r>
+            <a:endParaRPr lang="en-US" sz="2800" dirty="0">
+              <a:solidFill>
+                <a:schemeClr val="bg1"/>
+              </a:solidFill>
+            </a:endParaRPr>
+          </a:p>
+        </p:txBody>
+      </p:sp>
+      <p:sp>
+        <p:nvSpPr>
+          <p:cNvPr id="7" name="TextBox 6">
+            <a:extLst>
+              <a:ext uri="{FF2B5EF4-FFF2-40B4-BE49-F238E27FC236}">
+                <a16:creationId xmlns:a16="http://schemas.microsoft.com/office/drawing/2014/main" id="{1091320A-917C-742C-9646-725F6BDBFABE}"/>
+              </a:ext>
+            </a:extLst>
+          </p:cNvPr>
+          <p:cNvSpPr txBox="1"/>
+          <p:nvPr/>
+        </p:nvSpPr>
+        <p:spPr>
+          <a:xfrm>
+            <a:off x="153650" y="212977"/>
+            <a:ext cx="6820525" cy="523220"/>
+          </a:xfrm>
+          <a:prstGeom prst="rect">
+            <a:avLst/>
+          </a:prstGeom>
+          <a:noFill/>
+        </p:spPr>
+        <p:txBody>
+          <a:bodyPr wrap="square" rtlCol="0">
+            <a:spAutoFit/>
+          </a:bodyPr>
+          <a:lstStyle/>
+          <a:p>
+            <a:r>
+              <a:rPr lang="en-US" sz="2800" u="sng" dirty="0">
+                <a:solidFill>
+                  <a:schemeClr val="bg1"/>
+                </a:solidFill>
+                <a:effectLst/>
+                <a:latin typeface="Calibri" panose="020F0502020204030204" pitchFamily="34" charset="0"/>
+              </a:rPr>
+              <a:t>Flow of User Access &amp; File Management</a:t>
+            </a:r>
+            <a:endParaRPr lang="en-US" sz="2800" u="sng" dirty="0">
+              <a:solidFill>
+                <a:schemeClr val="bg1"/>
+              </a:solidFill>
+            </a:endParaRPr>
+          </a:p>
+        </p:txBody>
+      </p:sp>
+      <p:sp>
+        <p:nvSpPr>
+          <p:cNvPr id="9" name="TextBox 8">
+            <a:extLst>
+              <a:ext uri="{FF2B5EF4-FFF2-40B4-BE49-F238E27FC236}">
+                <a16:creationId xmlns:a16="http://schemas.microsoft.com/office/drawing/2014/main" id="{4459D5F9-4D6A-7FDD-9DAE-45E07E664473}"/>
+              </a:ext>
+            </a:extLst>
+          </p:cNvPr>
+          <p:cNvSpPr txBox="1"/>
+          <p:nvPr/>
+        </p:nvSpPr>
+        <p:spPr>
+          <a:xfrm>
+            <a:off x="258581" y="1427100"/>
+            <a:ext cx="8645578" cy="1938992"/>
+          </a:xfrm>
+          <a:prstGeom prst="rect">
+            <a:avLst/>
+          </a:prstGeom>
+          <a:noFill/>
+        </p:spPr>
+        <p:txBody>
+          <a:bodyPr wrap="square">
+            <a:spAutoFit/>
+          </a:bodyPr>
+          <a:lstStyle/>
+          <a:p>
+            <a:pPr marL="285750" indent="-285750" rtl="0" fontAlgn="ctr">
+              <a:buFont typeface="Wingdings" panose="05000000000000000000" pitchFamily="2" charset="2"/>
+              <a:buChar char="§"/>
+            </a:pPr>
+            <a:r>
+              <a:rPr lang="en-US" sz="2000" b="1" i="0" dirty="0">
+                <a:effectLst/>
+                <a:latin typeface="Calibri" panose="020F0502020204030204" pitchFamily="34" charset="0"/>
+              </a:rPr>
+              <a:t>User Authentication</a:t>
+            </a:r>
+            <a:r>
+              <a:rPr lang="en-US" sz="2000" b="0" i="0" dirty="0">
+                <a:effectLst/>
+                <a:latin typeface="Calibri" panose="020F0502020204030204" pitchFamily="34" charset="0"/>
+              </a:rPr>
+              <a:t>: Azure AD authenticates users, assigns roles.</a:t>
+            </a:r>
+            <a:endParaRPr lang="en-US" sz="2000" b="1" i="0" dirty="0">
+              <a:effectLst/>
+              <a:latin typeface="Calibri" panose="020F0502020204030204" pitchFamily="34" charset="0"/>
+            </a:endParaRPr>
+          </a:p>
+          <a:p>
+            <a:pPr marL="285750" indent="-285750" rtl="0" fontAlgn="ctr">
+              <a:buFont typeface="Wingdings" panose="05000000000000000000" pitchFamily="2" charset="2"/>
+              <a:buChar char="§"/>
+            </a:pPr>
+            <a:r>
+              <a:rPr lang="en-US" sz="2000" b="1" i="0" dirty="0">
+                <a:effectLst/>
+                <a:latin typeface="Calibri" panose="020F0502020204030204" pitchFamily="34" charset="0"/>
+              </a:rPr>
+              <a:t>Authorization</a:t>
+            </a:r>
+            <a:r>
+              <a:rPr lang="en-US" sz="2000" b="0" i="0" dirty="0">
+                <a:effectLst/>
+                <a:latin typeface="Calibri" panose="020F0502020204030204" pitchFamily="34" charset="0"/>
+              </a:rPr>
+              <a:t>: Role-based access control (RBAC) to Blob Storage.</a:t>
+            </a:r>
+            <a:endParaRPr lang="en-US" sz="2000" b="1" i="0" dirty="0">
+              <a:effectLst/>
+              <a:latin typeface="Calibri" panose="020F0502020204030204" pitchFamily="34" charset="0"/>
+            </a:endParaRPr>
+          </a:p>
+          <a:p>
+            <a:pPr marL="285750" indent="-285750" rtl="0" fontAlgn="ctr">
+              <a:buFont typeface="Wingdings" panose="05000000000000000000" pitchFamily="2" charset="2"/>
+              <a:buChar char="§"/>
+            </a:pPr>
+            <a:r>
+              <a:rPr lang="en-US" sz="2000" b="1" i="0" dirty="0">
+                <a:effectLst/>
+                <a:latin typeface="Calibri" panose="020F0502020204030204" pitchFamily="34" charset="0"/>
+              </a:rPr>
+              <a:t>Data Storage</a:t>
+            </a:r>
+            <a:r>
+              <a:rPr lang="en-US" sz="2000" b="0" i="0" dirty="0">
+                <a:effectLst/>
+                <a:latin typeface="Calibri" panose="020F0502020204030204" pitchFamily="34" charset="0"/>
+              </a:rPr>
+              <a:t>: Recipes stored securely in Blob Storage with versioning.</a:t>
+            </a:r>
+            <a:endParaRPr lang="en-US" sz="2000" b="1" i="0" dirty="0">
+              <a:effectLst/>
+              <a:latin typeface="Calibri" panose="020F0502020204030204" pitchFamily="34" charset="0"/>
+            </a:endParaRPr>
+          </a:p>
+          <a:p>
+            <a:pPr marL="285750" indent="-285750" rtl="0" fontAlgn="ctr">
+              <a:buFont typeface="Wingdings" panose="05000000000000000000" pitchFamily="2" charset="2"/>
+              <a:buChar char="§"/>
+            </a:pPr>
+            <a:r>
+              <a:rPr lang="en-US" sz="2000" b="1" i="0" dirty="0">
+                <a:effectLst/>
+                <a:latin typeface="Calibri" panose="020F0502020204030204" pitchFamily="34" charset="0"/>
+              </a:rPr>
+              <a:t>Automation</a:t>
+            </a:r>
+            <a:r>
+              <a:rPr lang="en-US" sz="2000" b="0" i="0" dirty="0">
+                <a:effectLst/>
+                <a:latin typeface="Calibri" panose="020F0502020204030204" pitchFamily="34" charset="0"/>
+              </a:rPr>
+              <a:t>: Azure Functions zip files for easier distribution.</a:t>
+            </a:r>
+            <a:endParaRPr lang="en-US" sz="2000" b="1" i="0" dirty="0">
+              <a:effectLst/>
+              <a:latin typeface="Calibri" panose="020F0502020204030204" pitchFamily="34" charset="0"/>
+            </a:endParaRPr>
+          </a:p>
+          <a:p>
+            <a:pPr marL="285750" indent="-285750" rtl="0" fontAlgn="ctr">
+              <a:buFont typeface="Wingdings" panose="05000000000000000000" pitchFamily="2" charset="2"/>
+              <a:buChar char="§"/>
+            </a:pPr>
+            <a:r>
+              <a:rPr lang="en-US" sz="2000" b="1" i="0" dirty="0">
+                <a:effectLst/>
+                <a:latin typeface="Calibri" panose="020F0502020204030204" pitchFamily="34" charset="0"/>
+              </a:rPr>
+              <a:t>Secure Distribution</a:t>
+            </a:r>
+            <a:r>
+              <a:rPr lang="en-US" sz="2000" b="0" i="0" dirty="0">
+                <a:effectLst/>
+                <a:latin typeface="Calibri" panose="020F0502020204030204" pitchFamily="34" charset="0"/>
+              </a:rPr>
+              <a:t>: Azure CDN delivers files globally with SAS tokens.</a:t>
+            </a:r>
+            <a:endParaRPr lang="en-US" sz="2000" b="1" i="0" dirty="0">
+              <a:effectLst/>
+              <a:latin typeface="Calibri" panose="020F0502020204030204" pitchFamily="34" charset="0"/>
+            </a:endParaRPr>
+          </a:p>
+          <a:p>
+            <a:pPr marL="285750" indent="-285750" rtl="0" fontAlgn="ctr">
+              <a:buFont typeface="Wingdings" panose="05000000000000000000" pitchFamily="2" charset="2"/>
+              <a:buChar char="§"/>
+            </a:pPr>
+            <a:r>
+              <a:rPr lang="en-US" sz="2000" b="1" i="0" dirty="0">
+                <a:effectLst/>
+                <a:latin typeface="Calibri" panose="020F0502020204030204" pitchFamily="34" charset="0"/>
+              </a:rPr>
+              <a:t>VPN Gateway</a:t>
+            </a:r>
+            <a:r>
+              <a:rPr lang="en-US" sz="2000" b="0" i="0" dirty="0">
+                <a:effectLst/>
+                <a:latin typeface="Calibri" panose="020F0502020204030204" pitchFamily="34" charset="0"/>
+              </a:rPr>
+              <a:t>: Secure access for on-premises systems.</a:t>
+            </a:r>
+            <a:endParaRPr lang="en-US" sz="2000" b="1" i="0" dirty="0">
+              <a:effectLst/>
+              <a:latin typeface="Calibri" panose="020F0502020204030204" pitchFamily="34" charset="0"/>
+            </a:endParaRPr>
+          </a:p>
+        </p:txBody>
+      </p:sp>
+    </p:spTree>
+    <p:extLst>
+      <p:ext uri="{BB962C8B-B14F-4D97-AF65-F5344CB8AC3E}">
+        <p14:creationId xmlns:p14="http://schemas.microsoft.com/office/powerpoint/2010/main" val="4278213206"/>
+      </p:ext>
+    </p:extLst>
+  </p:cSld>
+  <p:clrMapOvr>
+    <a:masterClrMapping/>
+  </p:clrMapOvr>
+</p:sld>
+</file>
+
+<file path=ppt/slides/slide7.xml><?xml version="1.0" encoding="utf-8"?>
+<p:sld xmlns:a="http://schemas.openxmlformats.org/drawingml/2006/main" xmlns:r="http://schemas.openxmlformats.org/officeDocument/2006/relationships" xmlns:p="http://schemas.openxmlformats.org/presentationml/2006/main">
+  <p:cSld>
+    <p:bg>
+      <p:bgPr>
+        <a:gradFill>
+          <a:gsLst>
+            <a:gs pos="18000">
+              <a:srgbClr val="42DAAB"/>
+            </a:gs>
+            <a:gs pos="0">
+              <a:schemeClr val="tx1"/>
+            </a:gs>
+            <a:gs pos="100000">
+              <a:schemeClr val="accent1">
+                <a:lumMod val="30000"/>
+                <a:lumOff val="70000"/>
+              </a:schemeClr>
+            </a:gs>
+          </a:gsLst>
+          <a:lin ang="2700000" scaled="1"/>
+        </a:gradFill>
+        <a:effectLst/>
+      </p:bgPr>
+    </p:bg>
+    <p:spTree>
+      <p:nvGrpSpPr>
+        <p:cNvPr id="1" name="">
+          <a:extLst>
+            <a:ext uri="{FF2B5EF4-FFF2-40B4-BE49-F238E27FC236}">
+              <a16:creationId xmlns:a16="http://schemas.microsoft.com/office/drawing/2014/main" id="{7A3AD305-3F67-B899-8549-96627DB010B1}"/>
+            </a:ext>
+          </a:extLst>
+        </p:cNvPr>
+        <p:cNvGrpSpPr/>
+        <p:nvPr/>
+      </p:nvGrpSpPr>
+      <p:grpSpPr>
+        <a:xfrm>
+          <a:off x="0" y="0"/>
+          <a:ext cx="0" cy="0"/>
+          <a:chOff x="0" y="0"/>
+          <a:chExt cx="0" cy="0"/>
+        </a:xfrm>
+      </p:grpSpPr>
+      <p:sp>
+        <p:nvSpPr>
+          <p:cNvPr id="2" name="TextBox 1">
+            <a:extLst>
+              <a:ext uri="{FF2B5EF4-FFF2-40B4-BE49-F238E27FC236}">
+                <a16:creationId xmlns:a16="http://schemas.microsoft.com/office/drawing/2014/main" id="{CC89CD65-83B3-F9FF-E1E2-A6F5C8577A5E}"/>
+              </a:ext>
+            </a:extLst>
+          </p:cNvPr>
+          <p:cNvSpPr txBox="1"/>
+          <p:nvPr/>
+        </p:nvSpPr>
+        <p:spPr>
+          <a:xfrm>
+            <a:off x="-1" y="256357"/>
+            <a:ext cx="6835515" cy="523220"/>
+          </a:xfrm>
+          <a:prstGeom prst="rect">
+            <a:avLst/>
+          </a:prstGeom>
+          <a:noFill/>
+        </p:spPr>
+        <p:txBody>
+          <a:bodyPr wrap="square" rtlCol="0">
+            <a:spAutoFit/>
+          </a:bodyPr>
+          <a:lstStyle/>
+          <a:p>
+            <a:r>
+              <a:rPr lang="en-US" sz="2800" u="sng" dirty="0">
+                <a:solidFill>
+                  <a:schemeClr val="bg1"/>
+                </a:solidFill>
+                <a:latin typeface="Calibri" panose="020F0502020204030204" pitchFamily="34" charset="0"/>
+                <a:ea typeface="Calibri" panose="020F0502020204030204" pitchFamily="34" charset="0"/>
+                <a:cs typeface="Calibri" panose="020F0502020204030204" pitchFamily="34" charset="0"/>
+              </a:rPr>
+              <a:t>Complete Architecture Diagram</a:t>
+            </a:r>
+          </a:p>
+        </p:txBody>
+      </p:sp>
+      <p:pic>
+        <p:nvPicPr>
+          <p:cNvPr id="6" name="Picture 5">
+            <a:extLst>
+              <a:ext uri="{FF2B5EF4-FFF2-40B4-BE49-F238E27FC236}">
+                <a16:creationId xmlns:a16="http://schemas.microsoft.com/office/drawing/2014/main" id="{E48EF8AB-A15C-89D1-AE85-E9516BE50B39}"/>
+              </a:ext>
+            </a:extLst>
+          </p:cNvPr>
+          <p:cNvPicPr>
+            <a:picLocks noChangeAspect="1"/>
+          </p:cNvPicPr>
+          <p:nvPr/>
+        </p:nvPicPr>
+        <p:blipFill>
+          <a:blip r:embed="rId2"/>
+          <a:stretch>
+            <a:fillRect/>
+          </a:stretch>
+        </p:blipFill>
+        <p:spPr>
+          <a:xfrm>
+            <a:off x="299803" y="933477"/>
+            <a:ext cx="11347553" cy="5668166"/>
+          </a:xfrm>
+          <a:prstGeom prst="rect">
+            <a:avLst/>
+          </a:prstGeom>
+        </p:spPr>
+      </p:pic>
+    </p:spTree>
+    <p:extLst>
+      <p:ext uri="{BB962C8B-B14F-4D97-AF65-F5344CB8AC3E}">
+        <p14:creationId xmlns:p14="http://schemas.microsoft.com/office/powerpoint/2010/main" val="3767454697"/>
+      </p:ext>
+    </p:extLst>
+  </p:cSld>
+  <p:clrMapOvr>
+    <a:masterClrMapping/>
+  </p:clrMapOvr>
+</p:sld>
+</file>
+
+<file path=ppt/slides/slide8.xml><?xml version="1.0" encoding="utf-8"?>
+<p:sld xmlns:a="http://schemas.openxmlformats.org/drawingml/2006/main" xmlns:r="http://schemas.openxmlformats.org/officeDocument/2006/relationships" xmlns:p="http://schemas.openxmlformats.org/presentationml/2006/main">
+  <p:cSld>
+    <p:bg>
+      <p:bgPr>
+        <a:gradFill>
+          <a:gsLst>
+            <a:gs pos="18000">
+              <a:srgbClr val="42DAAB"/>
+            </a:gs>
+            <a:gs pos="0">
+              <a:schemeClr val="tx1"/>
+            </a:gs>
+            <a:gs pos="100000">
+              <a:schemeClr val="accent1">
+                <a:lumMod val="30000"/>
+                <a:lumOff val="70000"/>
+              </a:schemeClr>
+            </a:gs>
+          </a:gsLst>
+          <a:lin ang="2700000" scaled="1"/>
+        </a:gradFill>
+        <a:effectLst/>
+      </p:bgPr>
+    </p:bg>
+    <p:spTree>
+      <p:nvGrpSpPr>
+        <p:cNvPr id="1" name="">
+          <a:extLst>
+            <a:ext uri="{FF2B5EF4-FFF2-40B4-BE49-F238E27FC236}">
+              <a16:creationId xmlns:a16="http://schemas.microsoft.com/office/drawing/2014/main" id="{45946E1B-3654-20DC-8B1D-E1ECF9413A2E}"/>
+            </a:ext>
+          </a:extLst>
+        </p:cNvPr>
+        <p:cNvGrpSpPr/>
+        <p:nvPr/>
+      </p:nvGrpSpPr>
+      <p:grpSpPr>
+        <a:xfrm>
+          <a:off x="0" y="0"/>
+          <a:ext cx="0" cy="0"/>
+          <a:chOff x="0" y="0"/>
+          <a:chExt cx="0" cy="0"/>
+        </a:xfrm>
+      </p:grpSpPr>
+      <p:sp>
+        <p:nvSpPr>
+          <p:cNvPr id="2" name="TextBox 1">
+            <a:extLst>
+              <a:ext uri="{FF2B5EF4-FFF2-40B4-BE49-F238E27FC236}">
+                <a16:creationId xmlns:a16="http://schemas.microsoft.com/office/drawing/2014/main" id="{9E2472A5-1953-F781-D6AF-983F896D436F}"/>
+              </a:ext>
+            </a:extLst>
+          </p:cNvPr>
+          <p:cNvSpPr txBox="1"/>
+          <p:nvPr/>
+        </p:nvSpPr>
+        <p:spPr>
+          <a:xfrm>
+            <a:off x="0" y="256357"/>
+            <a:ext cx="5067946" cy="523220"/>
+          </a:xfrm>
+          <a:prstGeom prst="rect">
+            <a:avLst/>
+          </a:prstGeom>
+          <a:noFill/>
+        </p:spPr>
+        <p:txBody>
+          <a:bodyPr wrap="square" rtlCol="0">
+            <a:spAutoFit/>
+          </a:bodyPr>
+          <a:lstStyle/>
+          <a:p>
+            <a:r>
+              <a:rPr lang="en-US" sz="2800" u="sng" dirty="0">
+                <a:solidFill>
+                  <a:schemeClr val="bg1"/>
+                </a:solidFill>
+                <a:latin typeface="Calibri" panose="020F0502020204030204" pitchFamily="34" charset="0"/>
+                <a:ea typeface="Calibri" panose="020F0502020204030204" pitchFamily="34" charset="0"/>
+                <a:cs typeface="Calibri" panose="020F0502020204030204" pitchFamily="34" charset="0"/>
+              </a:rPr>
+              <a:t>Benefits of This Architecture </a:t>
+            </a:r>
+          </a:p>
+        </p:txBody>
+      </p:sp>
+      <p:sp>
+        <p:nvSpPr>
+          <p:cNvPr id="4" name="TextBox 3">
+            <a:extLst>
+              <a:ext uri="{FF2B5EF4-FFF2-40B4-BE49-F238E27FC236}">
+                <a16:creationId xmlns:a16="http://schemas.microsoft.com/office/drawing/2014/main" id="{80E8E44B-02E8-60B3-9145-9B7CCB614C63}"/>
+              </a:ext>
+            </a:extLst>
+          </p:cNvPr>
+          <p:cNvSpPr txBox="1"/>
+          <p:nvPr/>
+        </p:nvSpPr>
+        <p:spPr>
+          <a:xfrm>
+            <a:off x="-1" y="1559377"/>
+            <a:ext cx="10343214" cy="1631216"/>
+          </a:xfrm>
+          <a:prstGeom prst="rect">
+            <a:avLst/>
+          </a:prstGeom>
+          <a:noFill/>
+        </p:spPr>
+        <p:txBody>
+          <a:bodyPr wrap="square">
+            <a:spAutoFit/>
+          </a:bodyPr>
+          <a:lstStyle/>
+          <a:p>
+            <a:pPr marL="342900" indent="-342900" rtl="0" fontAlgn="ctr">
+              <a:buFont typeface="Wingdings" panose="05000000000000000000" pitchFamily="2" charset="2"/>
+              <a:buChar char="§"/>
+            </a:pPr>
+            <a:r>
+              <a:rPr lang="en-US" sz="2000" b="1" i="0" dirty="0">
+                <a:effectLst/>
+                <a:latin typeface="Calibri" panose="020F0502020204030204" pitchFamily="34" charset="0"/>
+              </a:rPr>
+              <a:t>Scalability</a:t>
+            </a:r>
+            <a:r>
+              <a:rPr lang="en-US" sz="2000" b="0" i="0" dirty="0">
+                <a:effectLst/>
+                <a:latin typeface="Calibri" panose="020F0502020204030204" pitchFamily="34" charset="0"/>
+              </a:rPr>
+              <a:t>: Easily expand as business grows with isolated spoke networks.</a:t>
+            </a:r>
+            <a:endParaRPr lang="en-US" sz="2000" b="1" i="0" dirty="0">
+              <a:effectLst/>
+              <a:latin typeface="Calibri" panose="020F0502020204030204" pitchFamily="34" charset="0"/>
+            </a:endParaRPr>
+          </a:p>
+          <a:p>
+            <a:pPr marL="342900" indent="-342900" rtl="0" fontAlgn="ctr">
+              <a:buFont typeface="Wingdings" panose="05000000000000000000" pitchFamily="2" charset="2"/>
+              <a:buChar char="§"/>
+            </a:pPr>
+            <a:r>
+              <a:rPr lang="en-US" sz="2000" b="1" i="0" dirty="0">
+                <a:effectLst/>
+                <a:latin typeface="Calibri" panose="020F0502020204030204" pitchFamily="34" charset="0"/>
+              </a:rPr>
+              <a:t>Security</a:t>
+            </a:r>
+            <a:r>
+              <a:rPr lang="en-US" sz="2000" b="0" i="0" dirty="0">
+                <a:effectLst/>
+                <a:latin typeface="Calibri" panose="020F0502020204030204" pitchFamily="34" charset="0"/>
+              </a:rPr>
+              <a:t>: Robust data protection with encryption, RBAC, and private endpoints.</a:t>
+            </a:r>
+            <a:endParaRPr lang="en-US" sz="2000" b="1" i="0" dirty="0">
+              <a:effectLst/>
+              <a:latin typeface="Calibri" panose="020F0502020204030204" pitchFamily="34" charset="0"/>
+            </a:endParaRPr>
+          </a:p>
+          <a:p>
+            <a:pPr marL="342900" indent="-342900" rtl="0" fontAlgn="ctr">
+              <a:buFont typeface="Wingdings" panose="05000000000000000000" pitchFamily="2" charset="2"/>
+              <a:buChar char="§"/>
+            </a:pPr>
+            <a:r>
+              <a:rPr lang="en-US" sz="2000" b="1" i="0" dirty="0">
+                <a:effectLst/>
+                <a:latin typeface="Calibri" panose="020F0502020204030204" pitchFamily="34" charset="0"/>
+              </a:rPr>
+              <a:t>Global Reach</a:t>
+            </a:r>
+            <a:r>
+              <a:rPr lang="en-US" sz="2000" b="0" i="0" dirty="0">
+                <a:effectLst/>
+                <a:latin typeface="Calibri" panose="020F0502020204030204" pitchFamily="34" charset="0"/>
+              </a:rPr>
+              <a:t>: Fast, reliable delivery of recipe files via Azure CDN.</a:t>
+            </a:r>
+            <a:endParaRPr lang="en-US" sz="2000" b="1" i="0" dirty="0">
+              <a:effectLst/>
+              <a:latin typeface="Calibri" panose="020F0502020204030204" pitchFamily="34" charset="0"/>
+            </a:endParaRPr>
+          </a:p>
+          <a:p>
+            <a:pPr marL="342900" indent="-342900" rtl="0" fontAlgn="ctr">
+              <a:buFont typeface="Wingdings" panose="05000000000000000000" pitchFamily="2" charset="2"/>
+              <a:buChar char="§"/>
+            </a:pPr>
+            <a:r>
+              <a:rPr lang="en-US" sz="2000" b="1" i="0" dirty="0">
+                <a:effectLst/>
+                <a:latin typeface="Calibri" panose="020F0502020204030204" pitchFamily="34" charset="0"/>
+              </a:rPr>
+              <a:t>Automation</a:t>
+            </a:r>
+            <a:r>
+              <a:rPr lang="en-US" sz="2000" b="0" i="0" dirty="0">
+                <a:effectLst/>
+                <a:latin typeface="Calibri" panose="020F0502020204030204" pitchFamily="34" charset="0"/>
+              </a:rPr>
+              <a:t>: Reduces manual work with Azure Functions for file zipping.</a:t>
+            </a:r>
+            <a:endParaRPr lang="en-US" sz="2000" b="1" i="0" dirty="0">
+              <a:effectLst/>
+              <a:latin typeface="Calibri" panose="020F0502020204030204" pitchFamily="34" charset="0"/>
+            </a:endParaRPr>
+          </a:p>
+          <a:p>
+            <a:pPr marL="342900" indent="-342900" rtl="0" fontAlgn="ctr">
+              <a:buFont typeface="Wingdings" panose="05000000000000000000" pitchFamily="2" charset="2"/>
+              <a:buChar char="§"/>
+            </a:pPr>
+            <a:r>
+              <a:rPr lang="en-US" sz="2000" b="1" i="0" dirty="0">
+                <a:effectLst/>
+                <a:latin typeface="Calibri" panose="020F0502020204030204" pitchFamily="34" charset="0"/>
+              </a:rPr>
+              <a:t>Comprehensive Monitoring</a:t>
+            </a:r>
+            <a:r>
+              <a:rPr lang="en-US" sz="2000" b="0" i="0" dirty="0">
+                <a:effectLst/>
+                <a:latin typeface="Calibri" panose="020F0502020204030204" pitchFamily="34" charset="0"/>
+              </a:rPr>
+              <a:t>: Centralized logging and alerting for performance and security</a:t>
+            </a:r>
+            <a:r>
+              <a:rPr lang="en-US" sz="1800" b="0" i="0" dirty="0">
+                <a:effectLst/>
+                <a:latin typeface="Calibri" panose="020F0502020204030204" pitchFamily="34" charset="0"/>
+              </a:rPr>
+              <a:t>.</a:t>
+            </a:r>
+            <a:endParaRPr lang="en-US" sz="1800" b="1" i="0" dirty="0">
+              <a:effectLst/>
+              <a:latin typeface="Calibri" panose="020F0502020204030204" pitchFamily="34" charset="0"/>
+            </a:endParaRPr>
+          </a:p>
+        </p:txBody>
+      </p:sp>
+    </p:spTree>
+    <p:extLst>
+      <p:ext uri="{BB962C8B-B14F-4D97-AF65-F5344CB8AC3E}">
+        <p14:creationId xmlns:p14="http://schemas.microsoft.com/office/powerpoint/2010/main" val="4026869486"/>
+      </p:ext>
+    </p:extLst>
+  </p:cSld>
+  <p:clrMapOvr>
+    <a:masterClrMapping/>
+  </p:clrMapOvr>
+</p:sld>
+</file>
+
+<file path=ppt/slides/slide9.xml><?xml version="1.0" encoding="utf-8"?>
 <p:sld xmlns:a="http://schemas.openxmlformats.org/drawingml/2006/main" xmlns:r="http://schemas.openxmlformats.org/officeDocument/2006/relationships" xmlns:p="http://schemas.openxmlformats.org/presentationml/2006/main">
   <p:cSld>
     <p:bg>
@@ -5269,3020 +7902,6 @@
 </p:sld>
 </file>
 
-<file path=ppt/slides/slide11.xml><?xml version="1.0" encoding="utf-8"?>
-<p:sld xmlns:a="http://schemas.openxmlformats.org/drawingml/2006/main" xmlns:r="http://schemas.openxmlformats.org/officeDocument/2006/relationships" xmlns:p="http://schemas.openxmlformats.org/presentationml/2006/main">
-  <p:cSld>
-    <p:bg>
-      <p:bgPr>
-        <a:gradFill>
-          <a:gsLst>
-            <a:gs pos="18000">
-              <a:srgbClr val="42DAAB"/>
-            </a:gs>
-            <a:gs pos="0">
-              <a:schemeClr val="tx1"/>
-            </a:gs>
-            <a:gs pos="100000">
-              <a:schemeClr val="accent1">
-                <a:lumMod val="30000"/>
-                <a:lumOff val="70000"/>
-              </a:schemeClr>
-            </a:gs>
-          </a:gsLst>
-          <a:lin ang="2700000" scaled="1"/>
-        </a:gradFill>
-        <a:effectLst/>
-      </p:bgPr>
-    </p:bg>
-    <p:spTree>
-      <p:nvGrpSpPr>
-        <p:cNvPr id="1" name="">
-          <a:extLst>
-            <a:ext uri="{FF2B5EF4-FFF2-40B4-BE49-F238E27FC236}">
-              <a16:creationId xmlns:a16="http://schemas.microsoft.com/office/drawing/2014/main" id="{5D9EC191-AE48-37E5-72BA-8DAE88C050E9}"/>
-            </a:ext>
-          </a:extLst>
-        </p:cNvPr>
-        <p:cNvGrpSpPr/>
-        <p:nvPr/>
-      </p:nvGrpSpPr>
-      <p:grpSpPr>
-        <a:xfrm>
-          <a:off x="0" y="0"/>
-          <a:ext cx="0" cy="0"/>
-          <a:chOff x="0" y="0"/>
-          <a:chExt cx="0" cy="0"/>
-        </a:xfrm>
-      </p:grpSpPr>
-      <p:sp>
-        <p:nvSpPr>
-          <p:cNvPr id="2" name="TextBox 1">
-            <a:extLst>
-              <a:ext uri="{FF2B5EF4-FFF2-40B4-BE49-F238E27FC236}">
-                <a16:creationId xmlns:a16="http://schemas.microsoft.com/office/drawing/2014/main" id="{540E87E5-474D-830D-56CB-3F68E741F66B}"/>
-              </a:ext>
-            </a:extLst>
-          </p:cNvPr>
-          <p:cNvSpPr txBox="1"/>
-          <p:nvPr/>
-        </p:nvSpPr>
-        <p:spPr>
-          <a:xfrm>
-            <a:off x="3562027" y="3105834"/>
-            <a:ext cx="5067946" cy="646331"/>
-          </a:xfrm>
-          <a:prstGeom prst="rect">
-            <a:avLst/>
-          </a:prstGeom>
-          <a:noFill/>
-        </p:spPr>
-        <p:txBody>
-          <a:bodyPr wrap="square" rtlCol="0">
-            <a:spAutoFit/>
-          </a:bodyPr>
-          <a:lstStyle/>
-          <a:p>
-            <a:pPr algn="ctr"/>
-            <a:r>
-              <a:rPr lang="en-US" sz="3600" dirty="0"/>
-              <a:t>THANK YOU </a:t>
-            </a:r>
-          </a:p>
-        </p:txBody>
-      </p:sp>
-    </p:spTree>
-    <p:extLst>
-      <p:ext uri="{BB962C8B-B14F-4D97-AF65-F5344CB8AC3E}">
-        <p14:creationId xmlns:p14="http://schemas.microsoft.com/office/powerpoint/2010/main" val="2590805178"/>
-      </p:ext>
-    </p:extLst>
-  </p:cSld>
-  <p:clrMapOvr>
-    <a:masterClrMapping/>
-  </p:clrMapOvr>
-</p:sld>
-</file>
-
-<file path=ppt/slides/slide2.xml><?xml version="1.0" encoding="utf-8"?>
-<p:sld xmlns:a="http://schemas.openxmlformats.org/drawingml/2006/main" xmlns:r="http://schemas.openxmlformats.org/officeDocument/2006/relationships" xmlns:p="http://schemas.openxmlformats.org/presentationml/2006/main">
-  <p:cSld>
-    <p:bg>
-      <p:bgPr>
-        <a:gradFill>
-          <a:gsLst>
-            <a:gs pos="18000">
-              <a:srgbClr val="42DAAB"/>
-            </a:gs>
-            <a:gs pos="0">
-              <a:schemeClr val="tx1"/>
-            </a:gs>
-            <a:gs pos="100000">
-              <a:schemeClr val="accent1">
-                <a:lumMod val="30000"/>
-                <a:lumOff val="70000"/>
-              </a:schemeClr>
-            </a:gs>
-          </a:gsLst>
-          <a:lin ang="2700000" scaled="1"/>
-        </a:gradFill>
-        <a:effectLst/>
-      </p:bgPr>
-    </p:bg>
-    <p:spTree>
-      <p:nvGrpSpPr>
-        <p:cNvPr id="1" name=""/>
-        <p:cNvGrpSpPr/>
-        <p:nvPr/>
-      </p:nvGrpSpPr>
-      <p:grpSpPr>
-        <a:xfrm>
-          <a:off x="0" y="0"/>
-          <a:ext cx="0" cy="0"/>
-          <a:chOff x="0" y="0"/>
-          <a:chExt cx="0" cy="0"/>
-        </a:xfrm>
-      </p:grpSpPr>
-      <p:sp>
-        <p:nvSpPr>
-          <p:cNvPr id="6" name="TextBox 5">
-            <a:extLst>
-              <a:ext uri="{FF2B5EF4-FFF2-40B4-BE49-F238E27FC236}">
-                <a16:creationId xmlns:a16="http://schemas.microsoft.com/office/drawing/2014/main" id="{BB4F9EEB-65BD-B72A-DF62-00CDC4AB46D1}"/>
-              </a:ext>
-            </a:extLst>
-          </p:cNvPr>
-          <p:cNvSpPr txBox="1"/>
-          <p:nvPr/>
-        </p:nvSpPr>
-        <p:spPr>
-          <a:xfrm>
-            <a:off x="884421" y="1888761"/>
-            <a:ext cx="11111268" cy="1969770"/>
-          </a:xfrm>
-          <a:prstGeom prst="rect">
-            <a:avLst/>
-          </a:prstGeom>
-          <a:noFill/>
-        </p:spPr>
-        <p:txBody>
-          <a:bodyPr wrap="square" rtlCol="0">
-            <a:spAutoFit/>
-          </a:bodyPr>
-          <a:lstStyle/>
-          <a:p>
-            <a:r>
-              <a:rPr lang="en-US" sz="2800" dirty="0">
-                <a:solidFill>
-                  <a:schemeClr val="bg1"/>
-                </a:solidFill>
-              </a:rPr>
-              <a:t>Problem Statement ?</a:t>
-            </a:r>
-          </a:p>
-          <a:p>
-            <a:endParaRPr lang="en-US" sz="2000" dirty="0"/>
-          </a:p>
-          <a:p>
-            <a:pPr marL="285750" indent="-285750">
-              <a:buFont typeface="Wingdings" panose="05000000000000000000" pitchFamily="2" charset="2"/>
-              <a:buChar char="q"/>
-            </a:pPr>
-            <a:r>
-              <a:rPr lang="en-US" sz="2000" dirty="0">
-                <a:effectLst/>
-                <a:latin typeface="Calibri" panose="020F0502020204030204" pitchFamily="34" charset="0"/>
-              </a:rPr>
-              <a:t>Need a robust cloud infrastructure for storing, consolidating, and distributing automation recipes.</a:t>
-            </a:r>
-            <a:endParaRPr lang="en-US" sz="2000" dirty="0">
-              <a:latin typeface="Calibri" panose="020F0502020204030204" pitchFamily="34" charset="0"/>
-            </a:endParaRPr>
-          </a:p>
-          <a:p>
-            <a:pPr marL="742950" lvl="1" indent="-285750">
-              <a:buFont typeface="Wingdings" panose="05000000000000000000" pitchFamily="2" charset="2"/>
-              <a:buChar char="q"/>
-            </a:pPr>
-            <a:r>
-              <a:rPr lang="en-US" b="0" i="0" u="none" strike="noStrike" baseline="0" dirty="0">
-                <a:solidFill>
-                  <a:srgbClr val="000000"/>
-                </a:solidFill>
-                <a:latin typeface="Open Sans" panose="020B0606030504020204" pitchFamily="34" charset="0"/>
-              </a:rPr>
-              <a:t> A recipe is a set of instructions that a robotic arm follows to complete tasks. These instructions can cover a variety of actions, from recognizing screws to unscrewing them, and picking up various components of a battery </a:t>
-            </a:r>
-            <a:endParaRPr lang="en-US" sz="2000" dirty="0"/>
-          </a:p>
-        </p:txBody>
-      </p:sp>
-      <p:sp>
-        <p:nvSpPr>
-          <p:cNvPr id="8" name="TextBox 7">
-            <a:extLst>
-              <a:ext uri="{FF2B5EF4-FFF2-40B4-BE49-F238E27FC236}">
-                <a16:creationId xmlns:a16="http://schemas.microsoft.com/office/drawing/2014/main" id="{214B7011-3B9B-F36C-C5D8-C86FF41EBF92}"/>
-              </a:ext>
-            </a:extLst>
-          </p:cNvPr>
-          <p:cNvSpPr txBox="1"/>
-          <p:nvPr/>
-        </p:nvSpPr>
-        <p:spPr>
-          <a:xfrm>
-            <a:off x="884421" y="3901107"/>
-            <a:ext cx="11111268" cy="369332"/>
-          </a:xfrm>
-          <a:prstGeom prst="rect">
-            <a:avLst/>
-          </a:prstGeom>
-          <a:noFill/>
-        </p:spPr>
-        <p:txBody>
-          <a:bodyPr wrap="square">
-            <a:spAutoFit/>
-          </a:bodyPr>
-          <a:lstStyle/>
-          <a:p>
-            <a:pPr rtl="0" fontAlgn="ctr"/>
-            <a:r>
-              <a:rPr lang="en-US" sz="1800" dirty="0">
-                <a:effectLst/>
-                <a:latin typeface="Calibri" panose="020F0502020204030204" pitchFamily="34" charset="0"/>
-              </a:rPr>
-              <a:t> </a:t>
-            </a:r>
-          </a:p>
-        </p:txBody>
-      </p:sp>
-      <p:pic>
-        <p:nvPicPr>
-          <p:cNvPr id="10" name="Picture 9" descr="A black background with a black square&#10;&#10;Description automatically generated with medium confidence">
-            <a:extLst>
-              <a:ext uri="{FF2B5EF4-FFF2-40B4-BE49-F238E27FC236}">
-                <a16:creationId xmlns:a16="http://schemas.microsoft.com/office/drawing/2014/main" id="{FB9AC6AB-6C62-799D-4008-3DF66638A35C}"/>
-              </a:ext>
-            </a:extLst>
-          </p:cNvPr>
-          <p:cNvPicPr>
-            <a:picLocks noChangeAspect="1"/>
-          </p:cNvPicPr>
-          <p:nvPr/>
-        </p:nvPicPr>
-        <p:blipFill>
-          <a:blip r:embed="rId3">
-            <a:extLst>
-              <a:ext uri="{28A0092B-C50C-407E-A947-70E740481C1C}">
-                <a14:useLocalDpi xmlns:a14="http://schemas.microsoft.com/office/drawing/2010/main" val="0"/>
-              </a:ext>
-            </a:extLst>
-          </a:blip>
-          <a:stretch>
-            <a:fillRect/>
-          </a:stretch>
-        </p:blipFill>
-        <p:spPr>
-          <a:xfrm>
-            <a:off x="0" y="1749069"/>
-            <a:ext cx="1013278" cy="1013278"/>
-          </a:xfrm>
-          <a:prstGeom prst="rect">
-            <a:avLst/>
-          </a:prstGeom>
-        </p:spPr>
-      </p:pic>
-    </p:spTree>
-    <p:extLst>
-      <p:ext uri="{BB962C8B-B14F-4D97-AF65-F5344CB8AC3E}">
-        <p14:creationId xmlns:p14="http://schemas.microsoft.com/office/powerpoint/2010/main" val="3151958061"/>
-      </p:ext>
-    </p:extLst>
-  </p:cSld>
-  <p:clrMapOvr>
-    <a:masterClrMapping/>
-  </p:clrMapOvr>
-</p:sld>
-</file>
-
-<file path=ppt/slides/slide3.xml><?xml version="1.0" encoding="utf-8"?>
-<p:sld xmlns:a="http://schemas.openxmlformats.org/drawingml/2006/main" xmlns:r="http://schemas.openxmlformats.org/officeDocument/2006/relationships" xmlns:p="http://schemas.openxmlformats.org/presentationml/2006/main">
-  <p:cSld>
-    <p:bg>
-      <p:bgPr>
-        <a:gradFill>
-          <a:gsLst>
-            <a:gs pos="18000">
-              <a:srgbClr val="42DAAB"/>
-            </a:gs>
-            <a:gs pos="0">
-              <a:schemeClr val="tx1"/>
-            </a:gs>
-            <a:gs pos="100000">
-              <a:schemeClr val="accent1">
-                <a:lumMod val="30000"/>
-                <a:lumOff val="70000"/>
-              </a:schemeClr>
-            </a:gs>
-          </a:gsLst>
-          <a:lin ang="2700000" scaled="1"/>
-        </a:gradFill>
-        <a:effectLst/>
-      </p:bgPr>
-    </p:bg>
-    <p:spTree>
-      <p:nvGrpSpPr>
-        <p:cNvPr id="1" name="">
-          <a:extLst>
-            <a:ext uri="{FF2B5EF4-FFF2-40B4-BE49-F238E27FC236}">
-              <a16:creationId xmlns:a16="http://schemas.microsoft.com/office/drawing/2014/main" id="{835A5EF8-D030-CB60-D45F-C24C76164EF7}"/>
-            </a:ext>
-          </a:extLst>
-        </p:cNvPr>
-        <p:cNvGrpSpPr/>
-        <p:nvPr/>
-      </p:nvGrpSpPr>
-      <p:grpSpPr>
-        <a:xfrm>
-          <a:off x="0" y="0"/>
-          <a:ext cx="0" cy="0"/>
-          <a:chOff x="0" y="0"/>
-          <a:chExt cx="0" cy="0"/>
-        </a:xfrm>
-      </p:grpSpPr>
-      <p:sp>
-        <p:nvSpPr>
-          <p:cNvPr id="2" name="TextBox 1">
-            <a:extLst>
-              <a:ext uri="{FF2B5EF4-FFF2-40B4-BE49-F238E27FC236}">
-                <a16:creationId xmlns:a16="http://schemas.microsoft.com/office/drawing/2014/main" id="{5A676CB7-5AB3-282D-340A-107851000DAC}"/>
-              </a:ext>
-            </a:extLst>
-          </p:cNvPr>
-          <p:cNvSpPr txBox="1"/>
-          <p:nvPr/>
-        </p:nvSpPr>
-        <p:spPr>
-          <a:xfrm>
-            <a:off x="114077" y="226377"/>
-            <a:ext cx="5067946" cy="523220"/>
-          </a:xfrm>
-          <a:prstGeom prst="rect">
-            <a:avLst/>
-          </a:prstGeom>
-          <a:noFill/>
-        </p:spPr>
-        <p:txBody>
-          <a:bodyPr wrap="square" rtlCol="0">
-            <a:spAutoFit/>
-          </a:bodyPr>
-          <a:lstStyle/>
-          <a:p>
-            <a:r>
-              <a:rPr lang="en-US" sz="2800" u="sng" dirty="0">
-                <a:solidFill>
-                  <a:schemeClr val="bg1"/>
-                </a:solidFill>
-                <a:latin typeface="Calibri" panose="020F0502020204030204" pitchFamily="34" charset="0"/>
-                <a:ea typeface="Calibri" panose="020F0502020204030204" pitchFamily="34" charset="0"/>
-                <a:cs typeface="Calibri" panose="020F0502020204030204" pitchFamily="34" charset="0"/>
-              </a:rPr>
-              <a:t>Infrastructure Design Goals</a:t>
-            </a:r>
-          </a:p>
-        </p:txBody>
-      </p:sp>
-      <p:sp>
-        <p:nvSpPr>
-          <p:cNvPr id="4" name="TextBox 3">
-            <a:extLst>
-              <a:ext uri="{FF2B5EF4-FFF2-40B4-BE49-F238E27FC236}">
-                <a16:creationId xmlns:a16="http://schemas.microsoft.com/office/drawing/2014/main" id="{95E697A5-3B57-1B5A-3C17-929ECC096C35}"/>
-              </a:ext>
-            </a:extLst>
-          </p:cNvPr>
-          <p:cNvSpPr txBox="1"/>
-          <p:nvPr/>
-        </p:nvSpPr>
-        <p:spPr>
-          <a:xfrm>
-            <a:off x="393492" y="1104807"/>
-            <a:ext cx="9904750" cy="3139321"/>
-          </a:xfrm>
-          <a:prstGeom prst="rect">
-            <a:avLst/>
-          </a:prstGeom>
-          <a:noFill/>
-        </p:spPr>
-        <p:txBody>
-          <a:bodyPr wrap="square">
-            <a:spAutoFit/>
-          </a:bodyPr>
-          <a:lstStyle/>
-          <a:p>
-            <a:r>
-              <a:rPr lang="en-US" sz="2000" dirty="0">
-                <a:effectLst/>
-                <a:latin typeface="Calibri" panose="020F0502020204030204" pitchFamily="34" charset="0"/>
-              </a:rPr>
-              <a:t>Design a cloud solution to handle large and small recipe files efficiently, ensuring secure storage, easy distribution, and access control.</a:t>
-            </a:r>
-          </a:p>
-          <a:p>
-            <a:endParaRPr lang="en-US" sz="2000" dirty="0">
-              <a:latin typeface="Calibri" panose="020F0502020204030204" pitchFamily="34" charset="0"/>
-            </a:endParaRPr>
-          </a:p>
-          <a:p>
-            <a:pPr marL="285750" indent="-285750">
-              <a:buFont typeface="Wingdings" panose="05000000000000000000" pitchFamily="2" charset="2"/>
-              <a:buChar char="Ø"/>
-            </a:pPr>
-            <a:r>
-              <a:rPr lang="en-US" sz="2000" b="1" dirty="0">
-                <a:effectLst/>
-                <a:latin typeface="Calibri" panose="020F0502020204030204" pitchFamily="34" charset="0"/>
-              </a:rPr>
-              <a:t>Storage</a:t>
-            </a:r>
-            <a:r>
-              <a:rPr lang="en-US" sz="2000" dirty="0">
-                <a:effectLst/>
-                <a:latin typeface="Calibri" panose="020F0502020204030204" pitchFamily="34" charset="0"/>
-              </a:rPr>
-              <a:t>: Efficient handling of large binary files (1+ GB) and small configuration files.</a:t>
-            </a:r>
-            <a:r>
-              <a:rPr lang="en-US" sz="2000" dirty="0">
-                <a:latin typeface="Calibri" panose="020F0502020204030204" pitchFamily="34" charset="0"/>
-              </a:rPr>
-              <a:t> </a:t>
-            </a:r>
-            <a:r>
-              <a:rPr lang="en-US" sz="2000" dirty="0">
-                <a:effectLst/>
-                <a:latin typeface="Calibri" panose="020F0502020204030204" pitchFamily="34" charset="0"/>
-              </a:rPr>
-              <a:t>Version control to track changes.</a:t>
-            </a:r>
-          </a:p>
-          <a:p>
-            <a:pPr marL="285750" indent="-285750">
-              <a:buFont typeface="Wingdings" panose="05000000000000000000" pitchFamily="2" charset="2"/>
-              <a:buChar char="Ø"/>
-            </a:pPr>
-            <a:r>
-              <a:rPr lang="en-US" sz="2000" b="1" i="0" dirty="0">
-                <a:effectLst/>
-                <a:latin typeface="Calibri" panose="020F0502020204030204" pitchFamily="34" charset="0"/>
-              </a:rPr>
-              <a:t>Consolidation</a:t>
-            </a:r>
-            <a:r>
-              <a:rPr lang="en-US" sz="2000" b="0" i="0" dirty="0">
-                <a:effectLst/>
-                <a:latin typeface="Calibri" panose="020F0502020204030204" pitchFamily="34" charset="0"/>
-              </a:rPr>
-              <a:t>: Zip files for easy distribution and secure storage.</a:t>
-            </a:r>
-          </a:p>
-          <a:p>
-            <a:pPr marL="285750" indent="-285750">
-              <a:buFont typeface="Wingdings" panose="05000000000000000000" pitchFamily="2" charset="2"/>
-              <a:buChar char="Ø"/>
-            </a:pPr>
-            <a:r>
-              <a:rPr lang="en-US" sz="2000" b="1" i="0" dirty="0">
-                <a:effectLst/>
-                <a:latin typeface="Calibri" panose="020F0502020204030204" pitchFamily="34" charset="0"/>
-              </a:rPr>
-              <a:t>Distribution</a:t>
-            </a:r>
-            <a:r>
-              <a:rPr lang="en-US" sz="2000" b="0" i="0" dirty="0">
-                <a:effectLst/>
-                <a:latin typeface="Calibri" panose="020F0502020204030204" pitchFamily="34" charset="0"/>
-              </a:rPr>
-              <a:t>: Ensure global delivery with secure access.</a:t>
-            </a:r>
-          </a:p>
-          <a:p>
-            <a:pPr marL="285750" indent="-285750">
-              <a:buFont typeface="Wingdings" panose="05000000000000000000" pitchFamily="2" charset="2"/>
-              <a:buChar char="Ø"/>
-            </a:pPr>
-            <a:r>
-              <a:rPr lang="en-US" sz="2000" b="1" i="0" dirty="0">
-                <a:effectLst/>
-                <a:latin typeface="Calibri" panose="020F0502020204030204" pitchFamily="34" charset="0"/>
-              </a:rPr>
-              <a:t>Security</a:t>
-            </a:r>
-            <a:r>
-              <a:rPr lang="en-US" sz="2000" b="0" i="0" dirty="0">
-                <a:effectLst/>
-                <a:latin typeface="Calibri" panose="020F0502020204030204" pitchFamily="34" charset="0"/>
-              </a:rPr>
-              <a:t>: Encrypt data during storage and transmission.</a:t>
-            </a:r>
-          </a:p>
-          <a:p>
-            <a:pPr marL="285750" indent="-285750">
-              <a:buFont typeface="Wingdings" panose="05000000000000000000" pitchFamily="2" charset="2"/>
-              <a:buChar char="Ø"/>
-            </a:pPr>
-            <a:r>
-              <a:rPr lang="en-US" sz="2000" b="1" i="0" dirty="0">
-                <a:effectLst/>
-                <a:latin typeface="Calibri" panose="020F0502020204030204" pitchFamily="34" charset="0"/>
-              </a:rPr>
-              <a:t>Network</a:t>
-            </a:r>
-            <a:r>
-              <a:rPr lang="en-US" sz="2000" b="0" i="0" dirty="0">
-                <a:effectLst/>
-                <a:latin typeface="Calibri" panose="020F0502020204030204" pitchFamily="34" charset="0"/>
-              </a:rPr>
-              <a:t>: VPN for secure on-premises and cloud communication.</a:t>
-            </a:r>
-            <a:endParaRPr lang="en-US" sz="2000" b="1" i="0" dirty="0">
-              <a:effectLst/>
-              <a:latin typeface="Calibri" panose="020F0502020204030204" pitchFamily="34" charset="0"/>
-            </a:endParaRPr>
-          </a:p>
-          <a:p>
-            <a:endParaRPr lang="en-US" dirty="0">
-              <a:solidFill>
-                <a:schemeClr val="bg1"/>
-              </a:solidFill>
-              <a:latin typeface="Calibri" panose="020F0502020204030204" pitchFamily="34" charset="0"/>
-            </a:endParaRPr>
-          </a:p>
-        </p:txBody>
-      </p:sp>
-      <p:sp>
-        <p:nvSpPr>
-          <p:cNvPr id="3" name="TextBox 2">
-            <a:extLst>
-              <a:ext uri="{FF2B5EF4-FFF2-40B4-BE49-F238E27FC236}">
-                <a16:creationId xmlns:a16="http://schemas.microsoft.com/office/drawing/2014/main" id="{C969B131-292E-1189-DA0F-A4E15D40F1C1}"/>
-              </a:ext>
-            </a:extLst>
-          </p:cNvPr>
-          <p:cNvSpPr txBox="1"/>
-          <p:nvPr/>
-        </p:nvSpPr>
-        <p:spPr>
-          <a:xfrm>
-            <a:off x="277921" y="4337728"/>
-            <a:ext cx="5067946" cy="523220"/>
-          </a:xfrm>
-          <a:prstGeom prst="rect">
-            <a:avLst/>
-          </a:prstGeom>
-          <a:noFill/>
-        </p:spPr>
-        <p:txBody>
-          <a:bodyPr wrap="square" rtlCol="0">
-            <a:spAutoFit/>
-          </a:bodyPr>
-          <a:lstStyle/>
-          <a:p>
-            <a:r>
-              <a:rPr lang="en-US" sz="2800" u="sng" dirty="0">
-                <a:solidFill>
-                  <a:schemeClr val="bg1"/>
-                </a:solidFill>
-                <a:latin typeface="Calibri" panose="020F0502020204030204" pitchFamily="34" charset="0"/>
-                <a:ea typeface="Calibri" panose="020F0502020204030204" pitchFamily="34" charset="0"/>
-                <a:cs typeface="Calibri" panose="020F0502020204030204" pitchFamily="34" charset="0"/>
-              </a:rPr>
-              <a:t>Proposed Architecture Flow </a:t>
-            </a:r>
-          </a:p>
-        </p:txBody>
-      </p:sp>
-      <p:sp>
-        <p:nvSpPr>
-          <p:cNvPr id="5" name="Rectangle: Rounded Corners 4">
-            <a:extLst>
-              <a:ext uri="{FF2B5EF4-FFF2-40B4-BE49-F238E27FC236}">
-                <a16:creationId xmlns:a16="http://schemas.microsoft.com/office/drawing/2014/main" id="{AB3885C8-1BAE-F34A-10D8-7792D7AA08E8}"/>
-              </a:ext>
-            </a:extLst>
-          </p:cNvPr>
-          <p:cNvSpPr/>
-          <p:nvPr/>
-        </p:nvSpPr>
-        <p:spPr>
-          <a:xfrm>
-            <a:off x="689547" y="5216577"/>
-            <a:ext cx="1723869" cy="764499"/>
-          </a:xfrm>
-          <a:prstGeom prst="roundRect">
-            <a:avLst/>
-          </a:prstGeom>
-          <a:solidFill>
-            <a:srgbClr val="42DAAB"/>
-          </a:solidFill>
-        </p:spPr>
-        <p:style>
-          <a:lnRef idx="2">
-            <a:schemeClr val="accent1">
-              <a:shade val="15000"/>
-            </a:schemeClr>
-          </a:lnRef>
-          <a:fillRef idx="1">
-            <a:schemeClr val="accent1"/>
-          </a:fillRef>
-          <a:effectRef idx="0">
-            <a:schemeClr val="accent1"/>
-          </a:effectRef>
-          <a:fontRef idx="minor">
-            <a:schemeClr val="lt1"/>
-          </a:fontRef>
-        </p:style>
-        <p:txBody>
-          <a:bodyPr rtlCol="0" anchor="ctr"/>
-          <a:lstStyle/>
-          <a:p>
-            <a:pPr algn="ctr"/>
-            <a:r>
-              <a:rPr lang="en-US" sz="2000" dirty="0">
-                <a:solidFill>
-                  <a:schemeClr val="tx1"/>
-                </a:solidFill>
-                <a:latin typeface="Calibri" panose="020F0502020204030204" pitchFamily="34" charset="0"/>
-                <a:ea typeface="Calibri" panose="020F0502020204030204" pitchFamily="34" charset="0"/>
-                <a:cs typeface="Calibri" panose="020F0502020204030204" pitchFamily="34" charset="0"/>
-              </a:rPr>
-              <a:t>Data Source</a:t>
-            </a:r>
-          </a:p>
-        </p:txBody>
-      </p:sp>
-      <p:sp>
-        <p:nvSpPr>
-          <p:cNvPr id="6" name="Rectangle: Rounded Corners 5">
-            <a:extLst>
-              <a:ext uri="{FF2B5EF4-FFF2-40B4-BE49-F238E27FC236}">
-                <a16:creationId xmlns:a16="http://schemas.microsoft.com/office/drawing/2014/main" id="{98CD0170-21F3-42ED-AAFC-67191837979F}"/>
-              </a:ext>
-            </a:extLst>
-          </p:cNvPr>
-          <p:cNvSpPr/>
-          <p:nvPr/>
-        </p:nvSpPr>
-        <p:spPr>
-          <a:xfrm>
-            <a:off x="2955560" y="5216577"/>
-            <a:ext cx="1723869" cy="764499"/>
-          </a:xfrm>
-          <a:prstGeom prst="roundRect">
-            <a:avLst/>
-          </a:prstGeom>
-          <a:solidFill>
-            <a:srgbClr val="42DAAB"/>
-          </a:solidFill>
-        </p:spPr>
-        <p:style>
-          <a:lnRef idx="2">
-            <a:schemeClr val="accent1">
-              <a:shade val="15000"/>
-            </a:schemeClr>
-          </a:lnRef>
-          <a:fillRef idx="1">
-            <a:schemeClr val="accent1"/>
-          </a:fillRef>
-          <a:effectRef idx="0">
-            <a:schemeClr val="accent1"/>
-          </a:effectRef>
-          <a:fontRef idx="minor">
-            <a:schemeClr val="lt1"/>
-          </a:fontRef>
-        </p:style>
-        <p:txBody>
-          <a:bodyPr rtlCol="0" anchor="ctr"/>
-          <a:lstStyle/>
-          <a:p>
-            <a:pPr algn="ctr"/>
-            <a:r>
-              <a:rPr lang="en-US" sz="2000" dirty="0">
-                <a:solidFill>
-                  <a:schemeClr val="tx1"/>
-                </a:solidFill>
-                <a:latin typeface="Calibri" panose="020F0502020204030204" pitchFamily="34" charset="0"/>
-                <a:ea typeface="Calibri" panose="020F0502020204030204" pitchFamily="34" charset="0"/>
-                <a:cs typeface="Calibri" panose="020F0502020204030204" pitchFamily="34" charset="0"/>
-              </a:rPr>
-              <a:t>Store the Data</a:t>
-            </a:r>
-          </a:p>
-        </p:txBody>
-      </p:sp>
-      <p:sp>
-        <p:nvSpPr>
-          <p:cNvPr id="7" name="Rectangle: Rounded Corners 6">
-            <a:extLst>
-              <a:ext uri="{FF2B5EF4-FFF2-40B4-BE49-F238E27FC236}">
-                <a16:creationId xmlns:a16="http://schemas.microsoft.com/office/drawing/2014/main" id="{3E99E5F3-4975-BED0-BA21-56C4A9D9E8E8}"/>
-              </a:ext>
-            </a:extLst>
-          </p:cNvPr>
-          <p:cNvSpPr/>
-          <p:nvPr/>
-        </p:nvSpPr>
-        <p:spPr>
-          <a:xfrm>
-            <a:off x="5385005" y="5216576"/>
-            <a:ext cx="1723869" cy="764499"/>
-          </a:xfrm>
-          <a:prstGeom prst="roundRect">
-            <a:avLst/>
-          </a:prstGeom>
-          <a:solidFill>
-            <a:srgbClr val="42DAAB"/>
-          </a:solidFill>
-        </p:spPr>
-        <p:style>
-          <a:lnRef idx="2">
-            <a:schemeClr val="accent1">
-              <a:shade val="15000"/>
-            </a:schemeClr>
-          </a:lnRef>
-          <a:fillRef idx="1">
-            <a:schemeClr val="accent1"/>
-          </a:fillRef>
-          <a:effectRef idx="0">
-            <a:schemeClr val="accent1"/>
-          </a:effectRef>
-          <a:fontRef idx="minor">
-            <a:schemeClr val="lt1"/>
-          </a:fontRef>
-        </p:style>
-        <p:txBody>
-          <a:bodyPr rtlCol="0" anchor="ctr"/>
-          <a:lstStyle/>
-          <a:p>
-            <a:pPr algn="ctr"/>
-            <a:r>
-              <a:rPr lang="en-US" sz="2000" dirty="0">
-                <a:solidFill>
-                  <a:schemeClr val="tx1"/>
-                </a:solidFill>
-                <a:latin typeface="Calibri" panose="020F0502020204030204" pitchFamily="34" charset="0"/>
-                <a:ea typeface="Calibri" panose="020F0502020204030204" pitchFamily="34" charset="0"/>
-                <a:cs typeface="Calibri" panose="020F0502020204030204" pitchFamily="34" charset="0"/>
-              </a:rPr>
-              <a:t>Process the Data </a:t>
-            </a:r>
-          </a:p>
-        </p:txBody>
-      </p:sp>
-      <p:sp>
-        <p:nvSpPr>
-          <p:cNvPr id="8" name="Rectangle: Rounded Corners 7">
-            <a:extLst>
-              <a:ext uri="{FF2B5EF4-FFF2-40B4-BE49-F238E27FC236}">
-                <a16:creationId xmlns:a16="http://schemas.microsoft.com/office/drawing/2014/main" id="{107C2CC4-06BD-6E1A-3BC5-9467ED2C5877}"/>
-              </a:ext>
-            </a:extLst>
-          </p:cNvPr>
-          <p:cNvSpPr/>
-          <p:nvPr/>
-        </p:nvSpPr>
-        <p:spPr>
-          <a:xfrm>
-            <a:off x="7762828" y="5216576"/>
-            <a:ext cx="1723869" cy="764499"/>
-          </a:xfrm>
-          <a:prstGeom prst="roundRect">
-            <a:avLst/>
-          </a:prstGeom>
-          <a:solidFill>
-            <a:srgbClr val="42DAAB"/>
-          </a:solidFill>
-        </p:spPr>
-        <p:style>
-          <a:lnRef idx="2">
-            <a:schemeClr val="accent1">
-              <a:shade val="15000"/>
-            </a:schemeClr>
-          </a:lnRef>
-          <a:fillRef idx="1">
-            <a:schemeClr val="accent1"/>
-          </a:fillRef>
-          <a:effectRef idx="0">
-            <a:schemeClr val="accent1"/>
-          </a:effectRef>
-          <a:fontRef idx="minor">
-            <a:schemeClr val="lt1"/>
-          </a:fontRef>
-        </p:style>
-        <p:txBody>
-          <a:bodyPr rtlCol="0" anchor="ctr"/>
-          <a:lstStyle/>
-          <a:p>
-            <a:pPr algn="ctr"/>
-            <a:r>
-              <a:rPr lang="en-US" sz="2000" dirty="0">
-                <a:solidFill>
-                  <a:schemeClr val="tx1"/>
-                </a:solidFill>
-                <a:latin typeface="Calibri" panose="020F0502020204030204" pitchFamily="34" charset="0"/>
-                <a:ea typeface="Calibri" panose="020F0502020204030204" pitchFamily="34" charset="0"/>
-                <a:cs typeface="Calibri" panose="020F0502020204030204" pitchFamily="34" charset="0"/>
-              </a:rPr>
-              <a:t>Store the Data </a:t>
-            </a:r>
-          </a:p>
-        </p:txBody>
-      </p:sp>
-      <p:sp>
-        <p:nvSpPr>
-          <p:cNvPr id="9" name="Rectangle: Rounded Corners 8">
-            <a:extLst>
-              <a:ext uri="{FF2B5EF4-FFF2-40B4-BE49-F238E27FC236}">
-                <a16:creationId xmlns:a16="http://schemas.microsoft.com/office/drawing/2014/main" id="{E00638C6-D4BA-D9D8-1C38-CC6364C02BD3}"/>
-              </a:ext>
-            </a:extLst>
-          </p:cNvPr>
-          <p:cNvSpPr/>
-          <p:nvPr/>
-        </p:nvSpPr>
-        <p:spPr>
-          <a:xfrm>
-            <a:off x="10090878" y="5185158"/>
-            <a:ext cx="1723869" cy="764499"/>
-          </a:xfrm>
-          <a:prstGeom prst="roundRect">
-            <a:avLst/>
-          </a:prstGeom>
-          <a:solidFill>
-            <a:srgbClr val="42DAAB"/>
-          </a:solidFill>
-        </p:spPr>
-        <p:style>
-          <a:lnRef idx="2">
-            <a:schemeClr val="accent1">
-              <a:shade val="15000"/>
-            </a:schemeClr>
-          </a:lnRef>
-          <a:fillRef idx="1">
-            <a:schemeClr val="accent1"/>
-          </a:fillRef>
-          <a:effectRef idx="0">
-            <a:schemeClr val="accent1"/>
-          </a:effectRef>
-          <a:fontRef idx="minor">
-            <a:schemeClr val="lt1"/>
-          </a:fontRef>
-        </p:style>
-        <p:txBody>
-          <a:bodyPr rtlCol="0" anchor="ctr"/>
-          <a:lstStyle/>
-          <a:p>
-            <a:pPr algn="ctr"/>
-            <a:r>
-              <a:rPr lang="en-US" sz="2000" dirty="0">
-                <a:solidFill>
-                  <a:schemeClr val="tx1"/>
-                </a:solidFill>
-                <a:latin typeface="Calibri" panose="020F0502020204030204" pitchFamily="34" charset="0"/>
-                <a:ea typeface="Calibri" panose="020F0502020204030204" pitchFamily="34" charset="0"/>
-                <a:cs typeface="Calibri" panose="020F0502020204030204" pitchFamily="34" charset="0"/>
-              </a:rPr>
-              <a:t>Transfer to Customer</a:t>
-            </a:r>
-          </a:p>
-        </p:txBody>
-      </p:sp>
-      <p:sp>
-        <p:nvSpPr>
-          <p:cNvPr id="10" name="Arrow: Right 9">
-            <a:extLst>
-              <a:ext uri="{FF2B5EF4-FFF2-40B4-BE49-F238E27FC236}">
-                <a16:creationId xmlns:a16="http://schemas.microsoft.com/office/drawing/2014/main" id="{03A2B51C-300F-DEDB-9E3D-44E1D09FAC20}"/>
-              </a:ext>
-            </a:extLst>
-          </p:cNvPr>
-          <p:cNvSpPr/>
-          <p:nvPr/>
-        </p:nvSpPr>
-        <p:spPr>
-          <a:xfrm>
-            <a:off x="2413416" y="5511645"/>
-            <a:ext cx="542144" cy="154368"/>
-          </a:xfrm>
-          <a:prstGeom prst="rightArrow">
-            <a:avLst/>
-          </a:prstGeom>
-          <a:solidFill>
-            <a:srgbClr val="42DAAB"/>
-          </a:solidFill>
-        </p:spPr>
-        <p:style>
-          <a:lnRef idx="2">
-            <a:schemeClr val="accent1">
-              <a:shade val="15000"/>
-            </a:schemeClr>
-          </a:lnRef>
-          <a:fillRef idx="1">
-            <a:schemeClr val="accent1"/>
-          </a:fillRef>
-          <a:effectRef idx="0">
-            <a:schemeClr val="accent1"/>
-          </a:effectRef>
-          <a:fontRef idx="minor">
-            <a:schemeClr val="lt1"/>
-          </a:fontRef>
-        </p:style>
-        <p:txBody>
-          <a:bodyPr rtlCol="0" anchor="ctr"/>
-          <a:lstStyle/>
-          <a:p>
-            <a:pPr algn="ctr"/>
-            <a:endParaRPr lang="en-US"/>
-          </a:p>
-        </p:txBody>
-      </p:sp>
-      <p:sp>
-        <p:nvSpPr>
-          <p:cNvPr id="11" name="Arrow: Right 10">
-            <a:extLst>
-              <a:ext uri="{FF2B5EF4-FFF2-40B4-BE49-F238E27FC236}">
-                <a16:creationId xmlns:a16="http://schemas.microsoft.com/office/drawing/2014/main" id="{5F89F3FF-8B92-3E2A-8EE5-5650BDEFA9F0}"/>
-              </a:ext>
-            </a:extLst>
-          </p:cNvPr>
-          <p:cNvSpPr/>
-          <p:nvPr/>
-        </p:nvSpPr>
-        <p:spPr>
-          <a:xfrm>
-            <a:off x="4741466" y="5521641"/>
-            <a:ext cx="542144" cy="154368"/>
-          </a:xfrm>
-          <a:prstGeom prst="rightArrow">
-            <a:avLst/>
-          </a:prstGeom>
-          <a:solidFill>
-            <a:srgbClr val="42DAAB"/>
-          </a:solidFill>
-        </p:spPr>
-        <p:style>
-          <a:lnRef idx="2">
-            <a:schemeClr val="accent1">
-              <a:shade val="15000"/>
-            </a:schemeClr>
-          </a:lnRef>
-          <a:fillRef idx="1">
-            <a:schemeClr val="accent1"/>
-          </a:fillRef>
-          <a:effectRef idx="0">
-            <a:schemeClr val="accent1"/>
-          </a:effectRef>
-          <a:fontRef idx="minor">
-            <a:schemeClr val="lt1"/>
-          </a:fontRef>
-        </p:style>
-        <p:txBody>
-          <a:bodyPr rtlCol="0" anchor="ctr"/>
-          <a:lstStyle/>
-          <a:p>
-            <a:pPr algn="ctr"/>
-            <a:endParaRPr lang="en-US"/>
-          </a:p>
-        </p:txBody>
-      </p:sp>
-      <p:sp>
-        <p:nvSpPr>
-          <p:cNvPr id="12" name="Arrow: Right 11">
-            <a:extLst>
-              <a:ext uri="{FF2B5EF4-FFF2-40B4-BE49-F238E27FC236}">
-                <a16:creationId xmlns:a16="http://schemas.microsoft.com/office/drawing/2014/main" id="{5033F3BB-82CC-ECA9-7CF9-F568EA2408CE}"/>
-              </a:ext>
-            </a:extLst>
-          </p:cNvPr>
-          <p:cNvSpPr/>
-          <p:nvPr/>
-        </p:nvSpPr>
-        <p:spPr>
-          <a:xfrm>
-            <a:off x="7170911" y="5521375"/>
-            <a:ext cx="542144" cy="154368"/>
-          </a:xfrm>
-          <a:prstGeom prst="rightArrow">
-            <a:avLst/>
-          </a:prstGeom>
-          <a:solidFill>
-            <a:srgbClr val="42DAAB"/>
-          </a:solidFill>
-        </p:spPr>
-        <p:style>
-          <a:lnRef idx="2">
-            <a:schemeClr val="accent1">
-              <a:shade val="15000"/>
-            </a:schemeClr>
-          </a:lnRef>
-          <a:fillRef idx="1">
-            <a:schemeClr val="accent1"/>
-          </a:fillRef>
-          <a:effectRef idx="0">
-            <a:schemeClr val="accent1"/>
-          </a:effectRef>
-          <a:fontRef idx="minor">
-            <a:schemeClr val="lt1"/>
-          </a:fontRef>
-        </p:style>
-        <p:txBody>
-          <a:bodyPr rtlCol="0" anchor="ctr"/>
-          <a:lstStyle/>
-          <a:p>
-            <a:pPr algn="ctr"/>
-            <a:endParaRPr lang="en-US"/>
-          </a:p>
-        </p:txBody>
-      </p:sp>
-      <p:sp>
-        <p:nvSpPr>
-          <p:cNvPr id="13" name="Arrow: Right 12">
-            <a:extLst>
-              <a:ext uri="{FF2B5EF4-FFF2-40B4-BE49-F238E27FC236}">
-                <a16:creationId xmlns:a16="http://schemas.microsoft.com/office/drawing/2014/main" id="{5EC11C2D-CAAF-3AC5-B70B-F0CB1921F5E0}"/>
-              </a:ext>
-            </a:extLst>
-          </p:cNvPr>
-          <p:cNvSpPr/>
-          <p:nvPr/>
-        </p:nvSpPr>
-        <p:spPr>
-          <a:xfrm>
-            <a:off x="9507512" y="5547154"/>
-            <a:ext cx="542144" cy="154368"/>
-          </a:xfrm>
-          <a:prstGeom prst="rightArrow">
-            <a:avLst/>
-          </a:prstGeom>
-          <a:solidFill>
-            <a:srgbClr val="42DAAB"/>
-          </a:solidFill>
-        </p:spPr>
-        <p:style>
-          <a:lnRef idx="2">
-            <a:schemeClr val="accent1">
-              <a:shade val="15000"/>
-            </a:schemeClr>
-          </a:lnRef>
-          <a:fillRef idx="1">
-            <a:schemeClr val="accent1"/>
-          </a:fillRef>
-          <a:effectRef idx="0">
-            <a:schemeClr val="accent1"/>
-          </a:effectRef>
-          <a:fontRef idx="minor">
-            <a:schemeClr val="lt1"/>
-          </a:fontRef>
-        </p:style>
-        <p:txBody>
-          <a:bodyPr rtlCol="0" anchor="ctr"/>
-          <a:lstStyle/>
-          <a:p>
-            <a:pPr algn="ctr"/>
-            <a:endParaRPr lang="en-US"/>
-          </a:p>
-        </p:txBody>
-      </p:sp>
-    </p:spTree>
-    <p:extLst>
-      <p:ext uri="{BB962C8B-B14F-4D97-AF65-F5344CB8AC3E}">
-        <p14:creationId xmlns:p14="http://schemas.microsoft.com/office/powerpoint/2010/main" val="2828708031"/>
-      </p:ext>
-    </p:extLst>
-  </p:cSld>
-  <p:clrMapOvr>
-    <a:masterClrMapping/>
-  </p:clrMapOvr>
-</p:sld>
-</file>
-
-<file path=ppt/slides/slide4.xml><?xml version="1.0" encoding="utf-8"?>
-<p:sld xmlns:a="http://schemas.openxmlformats.org/drawingml/2006/main" xmlns:r="http://schemas.openxmlformats.org/officeDocument/2006/relationships" xmlns:p="http://schemas.openxmlformats.org/presentationml/2006/main">
-  <p:cSld>
-    <p:bg>
-      <p:bgPr>
-        <a:gradFill>
-          <a:gsLst>
-            <a:gs pos="18000">
-              <a:srgbClr val="42DAAB"/>
-            </a:gs>
-            <a:gs pos="0">
-              <a:schemeClr val="tx1"/>
-            </a:gs>
-            <a:gs pos="100000">
-              <a:schemeClr val="accent1">
-                <a:lumMod val="30000"/>
-                <a:lumOff val="70000"/>
-              </a:schemeClr>
-            </a:gs>
-          </a:gsLst>
-          <a:lin ang="2700000" scaled="1"/>
-        </a:gradFill>
-        <a:effectLst/>
-      </p:bgPr>
-    </p:bg>
-    <p:spTree>
-      <p:nvGrpSpPr>
-        <p:cNvPr id="1" name="">
-          <a:extLst>
-            <a:ext uri="{FF2B5EF4-FFF2-40B4-BE49-F238E27FC236}">
-              <a16:creationId xmlns:a16="http://schemas.microsoft.com/office/drawing/2014/main" id="{68A5709C-FDC5-D578-DF26-AD5570EFA7DA}"/>
-            </a:ext>
-          </a:extLst>
-        </p:cNvPr>
-        <p:cNvGrpSpPr/>
-        <p:nvPr/>
-      </p:nvGrpSpPr>
-      <p:grpSpPr>
-        <a:xfrm>
-          <a:off x="0" y="0"/>
-          <a:ext cx="0" cy="0"/>
-          <a:chOff x="0" y="0"/>
-          <a:chExt cx="0" cy="0"/>
-        </a:xfrm>
-      </p:grpSpPr>
-      <p:sp>
-        <p:nvSpPr>
-          <p:cNvPr id="2" name="TextBox 1">
-            <a:extLst>
-              <a:ext uri="{FF2B5EF4-FFF2-40B4-BE49-F238E27FC236}">
-                <a16:creationId xmlns:a16="http://schemas.microsoft.com/office/drawing/2014/main" id="{612760B1-88FC-8525-484C-0CBA15007C7F}"/>
-              </a:ext>
-            </a:extLst>
-          </p:cNvPr>
-          <p:cNvSpPr txBox="1"/>
-          <p:nvPr/>
-        </p:nvSpPr>
-        <p:spPr>
-          <a:xfrm>
-            <a:off x="0" y="256357"/>
-            <a:ext cx="5067946" cy="523220"/>
-          </a:xfrm>
-          <a:prstGeom prst="rect">
-            <a:avLst/>
-          </a:prstGeom>
-          <a:noFill/>
-        </p:spPr>
-        <p:txBody>
-          <a:bodyPr wrap="square" rtlCol="0">
-            <a:spAutoFit/>
-          </a:bodyPr>
-          <a:lstStyle/>
-          <a:p>
-            <a:r>
-              <a:rPr lang="en-US" sz="2800" u="sng" dirty="0">
-                <a:solidFill>
-                  <a:schemeClr val="bg1"/>
-                </a:solidFill>
-                <a:latin typeface="Calibri" panose="020F0502020204030204" pitchFamily="34" charset="0"/>
-                <a:ea typeface="Calibri" panose="020F0502020204030204" pitchFamily="34" charset="0"/>
-                <a:cs typeface="Calibri" panose="020F0502020204030204" pitchFamily="34" charset="0"/>
-              </a:rPr>
-              <a:t>Proposed Architecture Flow </a:t>
-            </a:r>
-          </a:p>
-        </p:txBody>
-      </p:sp>
-      <p:sp>
-        <p:nvSpPr>
-          <p:cNvPr id="5" name="Rectangle: Rounded Corners 4">
-            <a:extLst>
-              <a:ext uri="{FF2B5EF4-FFF2-40B4-BE49-F238E27FC236}">
-                <a16:creationId xmlns:a16="http://schemas.microsoft.com/office/drawing/2014/main" id="{8EA17AB2-3F3D-DA6F-B2CE-E305E67EC947}"/>
-              </a:ext>
-            </a:extLst>
-          </p:cNvPr>
-          <p:cNvSpPr/>
-          <p:nvPr/>
-        </p:nvSpPr>
-        <p:spPr>
-          <a:xfrm>
-            <a:off x="449705" y="1678898"/>
-            <a:ext cx="1723869" cy="764499"/>
-          </a:xfrm>
-          <a:prstGeom prst="roundRect">
-            <a:avLst/>
-          </a:prstGeom>
-          <a:solidFill>
-            <a:srgbClr val="42DAAB"/>
-          </a:solidFill>
-        </p:spPr>
-        <p:style>
-          <a:lnRef idx="2">
-            <a:schemeClr val="accent1">
-              <a:shade val="15000"/>
-            </a:schemeClr>
-          </a:lnRef>
-          <a:fillRef idx="1">
-            <a:schemeClr val="accent1"/>
-          </a:fillRef>
-          <a:effectRef idx="0">
-            <a:schemeClr val="accent1"/>
-          </a:effectRef>
-          <a:fontRef idx="minor">
-            <a:schemeClr val="lt1"/>
-          </a:fontRef>
-        </p:style>
-        <p:txBody>
-          <a:bodyPr rtlCol="0" anchor="ctr"/>
-          <a:lstStyle/>
-          <a:p>
-            <a:pPr algn="ctr"/>
-            <a:r>
-              <a:rPr lang="en-US" dirty="0">
-                <a:solidFill>
-                  <a:schemeClr val="tx1"/>
-                </a:solidFill>
-              </a:rPr>
-              <a:t>Data Source</a:t>
-            </a:r>
-          </a:p>
-        </p:txBody>
-      </p:sp>
-      <p:sp>
-        <p:nvSpPr>
-          <p:cNvPr id="7" name="Rectangle: Rounded Corners 6">
-            <a:extLst>
-              <a:ext uri="{FF2B5EF4-FFF2-40B4-BE49-F238E27FC236}">
-                <a16:creationId xmlns:a16="http://schemas.microsoft.com/office/drawing/2014/main" id="{9A296D5C-15E2-2B4D-175B-FA5CBCA8F4B5}"/>
-              </a:ext>
-            </a:extLst>
-          </p:cNvPr>
-          <p:cNvSpPr/>
-          <p:nvPr/>
-        </p:nvSpPr>
-        <p:spPr>
-          <a:xfrm>
-            <a:off x="2715718" y="1678898"/>
-            <a:ext cx="1723869" cy="764499"/>
-          </a:xfrm>
-          <a:prstGeom prst="roundRect">
-            <a:avLst/>
-          </a:prstGeom>
-          <a:solidFill>
-            <a:srgbClr val="42DAAB"/>
-          </a:solidFill>
-        </p:spPr>
-        <p:style>
-          <a:lnRef idx="2">
-            <a:schemeClr val="accent1">
-              <a:shade val="15000"/>
-            </a:schemeClr>
-          </a:lnRef>
-          <a:fillRef idx="1">
-            <a:schemeClr val="accent1"/>
-          </a:fillRef>
-          <a:effectRef idx="0">
-            <a:schemeClr val="accent1"/>
-          </a:effectRef>
-          <a:fontRef idx="minor">
-            <a:schemeClr val="lt1"/>
-          </a:fontRef>
-        </p:style>
-        <p:txBody>
-          <a:bodyPr rtlCol="0" anchor="ctr"/>
-          <a:lstStyle/>
-          <a:p>
-            <a:pPr algn="ctr"/>
-            <a:r>
-              <a:rPr lang="en-US" dirty="0">
-                <a:solidFill>
-                  <a:schemeClr val="tx1"/>
-                </a:solidFill>
-              </a:rPr>
-              <a:t>Store the Data</a:t>
-            </a:r>
-          </a:p>
-        </p:txBody>
-      </p:sp>
-      <p:sp>
-        <p:nvSpPr>
-          <p:cNvPr id="9" name="Rectangle: Rounded Corners 8">
-            <a:extLst>
-              <a:ext uri="{FF2B5EF4-FFF2-40B4-BE49-F238E27FC236}">
-                <a16:creationId xmlns:a16="http://schemas.microsoft.com/office/drawing/2014/main" id="{73A9E44D-F576-9209-31E4-A940B83AC820}"/>
-              </a:ext>
-            </a:extLst>
-          </p:cNvPr>
-          <p:cNvSpPr/>
-          <p:nvPr/>
-        </p:nvSpPr>
-        <p:spPr>
-          <a:xfrm>
-            <a:off x="4861809" y="1678897"/>
-            <a:ext cx="1723869" cy="764499"/>
-          </a:xfrm>
-          <a:prstGeom prst="roundRect">
-            <a:avLst/>
-          </a:prstGeom>
-          <a:solidFill>
-            <a:srgbClr val="42DAAB"/>
-          </a:solidFill>
-        </p:spPr>
-        <p:style>
-          <a:lnRef idx="2">
-            <a:schemeClr val="accent1">
-              <a:shade val="15000"/>
-            </a:schemeClr>
-          </a:lnRef>
-          <a:fillRef idx="1">
-            <a:schemeClr val="accent1"/>
-          </a:fillRef>
-          <a:effectRef idx="0">
-            <a:schemeClr val="accent1"/>
-          </a:effectRef>
-          <a:fontRef idx="minor">
-            <a:schemeClr val="lt1"/>
-          </a:fontRef>
-        </p:style>
-        <p:txBody>
-          <a:bodyPr rtlCol="0" anchor="ctr"/>
-          <a:lstStyle/>
-          <a:p>
-            <a:pPr algn="ctr"/>
-            <a:r>
-              <a:rPr lang="en-US" dirty="0">
-                <a:solidFill>
-                  <a:schemeClr val="tx1"/>
-                </a:solidFill>
-              </a:rPr>
-              <a:t>Process the Data </a:t>
-            </a:r>
-          </a:p>
-        </p:txBody>
-      </p:sp>
-      <p:sp>
-        <p:nvSpPr>
-          <p:cNvPr id="10" name="Rectangle: Rounded Corners 9">
-            <a:extLst>
-              <a:ext uri="{FF2B5EF4-FFF2-40B4-BE49-F238E27FC236}">
-                <a16:creationId xmlns:a16="http://schemas.microsoft.com/office/drawing/2014/main" id="{75496CCE-5014-F233-E1D9-C6AA6D986CE3}"/>
-              </a:ext>
-            </a:extLst>
-          </p:cNvPr>
-          <p:cNvSpPr/>
-          <p:nvPr/>
-        </p:nvSpPr>
-        <p:spPr>
-          <a:xfrm>
-            <a:off x="7127822" y="1678897"/>
-            <a:ext cx="1723869" cy="764499"/>
-          </a:xfrm>
-          <a:prstGeom prst="roundRect">
-            <a:avLst/>
-          </a:prstGeom>
-          <a:solidFill>
-            <a:srgbClr val="42DAAB"/>
-          </a:solidFill>
-        </p:spPr>
-        <p:style>
-          <a:lnRef idx="2">
-            <a:schemeClr val="accent1">
-              <a:shade val="15000"/>
-            </a:schemeClr>
-          </a:lnRef>
-          <a:fillRef idx="1">
-            <a:schemeClr val="accent1"/>
-          </a:fillRef>
-          <a:effectRef idx="0">
-            <a:schemeClr val="accent1"/>
-          </a:effectRef>
-          <a:fontRef idx="minor">
-            <a:schemeClr val="lt1"/>
-          </a:fontRef>
-        </p:style>
-        <p:txBody>
-          <a:bodyPr rtlCol="0" anchor="ctr"/>
-          <a:lstStyle/>
-          <a:p>
-            <a:pPr algn="ctr"/>
-            <a:r>
-              <a:rPr lang="en-US" dirty="0">
-                <a:solidFill>
-                  <a:schemeClr val="tx1"/>
-                </a:solidFill>
-              </a:rPr>
-              <a:t>Store the Data </a:t>
-            </a:r>
-          </a:p>
-        </p:txBody>
-      </p:sp>
-      <p:sp>
-        <p:nvSpPr>
-          <p:cNvPr id="11" name="Rectangle: Rounded Corners 10">
-            <a:extLst>
-              <a:ext uri="{FF2B5EF4-FFF2-40B4-BE49-F238E27FC236}">
-                <a16:creationId xmlns:a16="http://schemas.microsoft.com/office/drawing/2014/main" id="{FD1A0A7C-16EB-0152-612C-A693641C86E8}"/>
-              </a:ext>
-            </a:extLst>
-          </p:cNvPr>
-          <p:cNvSpPr/>
-          <p:nvPr/>
-        </p:nvSpPr>
-        <p:spPr>
-          <a:xfrm>
-            <a:off x="9476282" y="1678897"/>
-            <a:ext cx="1723869" cy="764499"/>
-          </a:xfrm>
-          <a:prstGeom prst="roundRect">
-            <a:avLst/>
-          </a:prstGeom>
-          <a:solidFill>
-            <a:srgbClr val="42DAAB"/>
-          </a:solidFill>
-        </p:spPr>
-        <p:style>
-          <a:lnRef idx="2">
-            <a:schemeClr val="accent1">
-              <a:shade val="15000"/>
-            </a:schemeClr>
-          </a:lnRef>
-          <a:fillRef idx="1">
-            <a:schemeClr val="accent1"/>
-          </a:fillRef>
-          <a:effectRef idx="0">
-            <a:schemeClr val="accent1"/>
-          </a:effectRef>
-          <a:fontRef idx="minor">
-            <a:schemeClr val="lt1"/>
-          </a:fontRef>
-        </p:style>
-        <p:txBody>
-          <a:bodyPr rtlCol="0" anchor="ctr"/>
-          <a:lstStyle/>
-          <a:p>
-            <a:pPr algn="ctr"/>
-            <a:r>
-              <a:rPr lang="en-US" dirty="0">
-                <a:solidFill>
-                  <a:schemeClr val="tx1"/>
-                </a:solidFill>
-              </a:rPr>
-              <a:t>Transfer to Customer</a:t>
-            </a:r>
-          </a:p>
-        </p:txBody>
-      </p:sp>
-    </p:spTree>
-    <p:extLst>
-      <p:ext uri="{BB962C8B-B14F-4D97-AF65-F5344CB8AC3E}">
-        <p14:creationId xmlns:p14="http://schemas.microsoft.com/office/powerpoint/2010/main" val="4026245086"/>
-      </p:ext>
-    </p:extLst>
-  </p:cSld>
-  <p:clrMapOvr>
-    <a:masterClrMapping/>
-  </p:clrMapOvr>
-</p:sld>
-</file>
-
-<file path=ppt/slides/slide5.xml><?xml version="1.0" encoding="utf-8"?>
-<p:sld xmlns:a="http://schemas.openxmlformats.org/drawingml/2006/main" xmlns:r="http://schemas.openxmlformats.org/officeDocument/2006/relationships" xmlns:p="http://schemas.openxmlformats.org/presentationml/2006/main">
-  <p:cSld>
-    <p:bg>
-      <p:bgPr>
-        <a:gradFill>
-          <a:gsLst>
-            <a:gs pos="18000">
-              <a:srgbClr val="42DAAB"/>
-            </a:gs>
-            <a:gs pos="0">
-              <a:schemeClr val="tx1"/>
-            </a:gs>
-            <a:gs pos="100000">
-              <a:schemeClr val="accent1">
-                <a:lumMod val="30000"/>
-                <a:lumOff val="70000"/>
-              </a:schemeClr>
-            </a:gs>
-          </a:gsLst>
-          <a:lin ang="2700000" scaled="1"/>
-        </a:gradFill>
-        <a:effectLst/>
-      </p:bgPr>
-    </p:bg>
-    <p:spTree>
-      <p:nvGrpSpPr>
-        <p:cNvPr id="1" name="">
-          <a:extLst>
-            <a:ext uri="{FF2B5EF4-FFF2-40B4-BE49-F238E27FC236}">
-              <a16:creationId xmlns:a16="http://schemas.microsoft.com/office/drawing/2014/main" id="{0D5234B8-144B-B8D0-23C8-F12FF43E95F6}"/>
-            </a:ext>
-          </a:extLst>
-        </p:cNvPr>
-        <p:cNvGrpSpPr/>
-        <p:nvPr/>
-      </p:nvGrpSpPr>
-      <p:grpSpPr>
-        <a:xfrm>
-          <a:off x="0" y="0"/>
-          <a:ext cx="0" cy="0"/>
-          <a:chOff x="0" y="0"/>
-          <a:chExt cx="0" cy="0"/>
-        </a:xfrm>
-      </p:grpSpPr>
-      <p:sp>
-        <p:nvSpPr>
-          <p:cNvPr id="2" name="TextBox 1">
-            <a:extLst>
-              <a:ext uri="{FF2B5EF4-FFF2-40B4-BE49-F238E27FC236}">
-                <a16:creationId xmlns:a16="http://schemas.microsoft.com/office/drawing/2014/main" id="{936EA33B-C159-CA52-2983-95EDB8E8B47A}"/>
-              </a:ext>
-            </a:extLst>
-          </p:cNvPr>
-          <p:cNvSpPr txBox="1"/>
-          <p:nvPr/>
-        </p:nvSpPr>
-        <p:spPr>
-          <a:xfrm>
-            <a:off x="0" y="256357"/>
-            <a:ext cx="5067946" cy="523220"/>
-          </a:xfrm>
-          <a:prstGeom prst="rect">
-            <a:avLst/>
-          </a:prstGeom>
-          <a:noFill/>
-        </p:spPr>
-        <p:txBody>
-          <a:bodyPr wrap="square" rtlCol="0">
-            <a:spAutoFit/>
-          </a:bodyPr>
-          <a:lstStyle/>
-          <a:p>
-            <a:r>
-              <a:rPr lang="en-US" sz="2800" u="sng" dirty="0">
-                <a:solidFill>
-                  <a:schemeClr val="bg1"/>
-                </a:solidFill>
-                <a:latin typeface="Calibri" panose="020F0502020204030204" pitchFamily="34" charset="0"/>
-                <a:ea typeface="Calibri" panose="020F0502020204030204" pitchFamily="34" charset="0"/>
-                <a:cs typeface="Calibri" panose="020F0502020204030204" pitchFamily="34" charset="0"/>
-              </a:rPr>
-              <a:t>Proposed Architecture</a:t>
-            </a:r>
-          </a:p>
-        </p:txBody>
-      </p:sp>
-      <p:sp>
-        <p:nvSpPr>
-          <p:cNvPr id="4" name="TextBox 3">
-            <a:extLst>
-              <a:ext uri="{FF2B5EF4-FFF2-40B4-BE49-F238E27FC236}">
-                <a16:creationId xmlns:a16="http://schemas.microsoft.com/office/drawing/2014/main" id="{0A2F2340-AAAE-CDFE-76FF-237B1661588C}"/>
-              </a:ext>
-            </a:extLst>
-          </p:cNvPr>
-          <p:cNvSpPr txBox="1"/>
-          <p:nvPr/>
-        </p:nvSpPr>
-        <p:spPr>
-          <a:xfrm>
-            <a:off x="273570" y="1101498"/>
-            <a:ext cx="10849131" cy="1692771"/>
-          </a:xfrm>
-          <a:prstGeom prst="rect">
-            <a:avLst/>
-          </a:prstGeom>
-          <a:noFill/>
-        </p:spPr>
-        <p:txBody>
-          <a:bodyPr wrap="square">
-            <a:spAutoFit/>
-          </a:bodyPr>
-          <a:lstStyle/>
-          <a:p>
-            <a:pPr rtl="0" fontAlgn="ctr"/>
-            <a:r>
-              <a:rPr lang="en-US" sz="2400" b="1" i="0" u="sng" dirty="0">
-                <a:effectLst/>
-                <a:latin typeface="Calibri" panose="020F0502020204030204" pitchFamily="34" charset="0"/>
-              </a:rPr>
-              <a:t>Hub-and-Spoke Network</a:t>
-            </a:r>
-            <a:r>
-              <a:rPr lang="en-US" sz="2400" b="0" i="0" u="sng" dirty="0">
-                <a:effectLst/>
-                <a:latin typeface="Calibri" panose="020F0502020204030204" pitchFamily="34" charset="0"/>
-              </a:rPr>
-              <a:t>:</a:t>
-            </a:r>
-          </a:p>
-          <a:p>
-            <a:pPr rtl="0" fontAlgn="ctr"/>
-            <a:endParaRPr lang="en-US" sz="2000" b="1" i="0" u="sng" dirty="0">
-              <a:effectLst/>
-              <a:latin typeface="Calibri" panose="020F0502020204030204" pitchFamily="34" charset="0"/>
-            </a:endParaRPr>
-          </a:p>
-          <a:p>
-            <a:pPr marL="742950" lvl="1" indent="-285750" rtl="0" fontAlgn="ctr">
-              <a:buFont typeface="Wingdings" panose="05000000000000000000" pitchFamily="2" charset="2"/>
-              <a:buChar char="q"/>
-            </a:pPr>
-            <a:r>
-              <a:rPr lang="en-US" sz="2000" b="1" i="0" dirty="0">
-                <a:effectLst/>
-                <a:latin typeface="Calibri" panose="020F0502020204030204" pitchFamily="34" charset="0"/>
-              </a:rPr>
-              <a:t>Hub: Centralized resources like firewall, VPN gateway, monitoring.</a:t>
-            </a:r>
-          </a:p>
-          <a:p>
-            <a:pPr marL="742950" lvl="1" indent="-285750" rtl="0" fontAlgn="ctr">
-              <a:buFont typeface="Wingdings" panose="05000000000000000000" pitchFamily="2" charset="2"/>
-              <a:buChar char="q"/>
-            </a:pPr>
-            <a:r>
-              <a:rPr lang="en-US" sz="2000" b="1" i="0" dirty="0">
-                <a:effectLst/>
-                <a:latin typeface="Calibri" panose="020F0502020204030204" pitchFamily="34" charset="0"/>
-              </a:rPr>
-              <a:t>Spokes: Isolated networks for storage, functions, CDN, and user </a:t>
-            </a:r>
-            <a:r>
-              <a:rPr lang="en-US" sz="2000" b="1" i="0" dirty="0" err="1">
-                <a:effectLst/>
-                <a:latin typeface="Calibri" panose="020F0502020204030204" pitchFamily="34" charset="0"/>
-              </a:rPr>
-              <a:t>portal,KeyVaults,IoT</a:t>
-            </a:r>
-            <a:r>
-              <a:rPr lang="en-US" sz="2000" b="1" i="0" dirty="0">
-                <a:effectLst/>
-                <a:latin typeface="Calibri" panose="020F0502020204030204" pitchFamily="34" charset="0"/>
-              </a:rPr>
-              <a:t> Hub &amp; event grid.</a:t>
-            </a:r>
-          </a:p>
-        </p:txBody>
-      </p:sp>
-      <p:pic>
-        <p:nvPicPr>
-          <p:cNvPr id="6" name="Graphic 5">
-            <a:extLst>
-              <a:ext uri="{FF2B5EF4-FFF2-40B4-BE49-F238E27FC236}">
-                <a16:creationId xmlns:a16="http://schemas.microsoft.com/office/drawing/2014/main" id="{80B8E82A-065B-81B9-416F-9966C8232D86}"/>
-              </a:ext>
-            </a:extLst>
-          </p:cNvPr>
-          <p:cNvPicPr>
-            <a:picLocks noChangeAspect="1"/>
-          </p:cNvPicPr>
-          <p:nvPr/>
-        </p:nvPicPr>
-        <p:blipFill>
-          <a:blip r:embed="rId2">
-            <a:extLst>
-              <a:ext uri="{96DAC541-7B7A-43D3-8B79-37D633B846F1}">
-                <asvg:svgBlip xmlns:asvg="http://schemas.microsoft.com/office/drawing/2016/SVG/main" r:embed="rId3"/>
-              </a:ext>
-            </a:extLst>
-          </a:blip>
-          <a:stretch>
-            <a:fillRect/>
-          </a:stretch>
-        </p:blipFill>
-        <p:spPr>
-          <a:xfrm>
-            <a:off x="1545279" y="4004592"/>
-            <a:ext cx="6164317" cy="2454510"/>
-          </a:xfrm>
-          <a:prstGeom prst="rect">
-            <a:avLst/>
-          </a:prstGeom>
-        </p:spPr>
-      </p:pic>
-      <p:sp>
-        <p:nvSpPr>
-          <p:cNvPr id="8" name="TextBox 7">
-            <a:extLst>
-              <a:ext uri="{FF2B5EF4-FFF2-40B4-BE49-F238E27FC236}">
-                <a16:creationId xmlns:a16="http://schemas.microsoft.com/office/drawing/2014/main" id="{8E15AA03-14E6-B16E-3F21-50F074E4BBFB}"/>
-              </a:ext>
-            </a:extLst>
-          </p:cNvPr>
-          <p:cNvSpPr txBox="1"/>
-          <p:nvPr/>
-        </p:nvSpPr>
-        <p:spPr>
-          <a:xfrm>
-            <a:off x="583647" y="2770180"/>
-            <a:ext cx="11408484" cy="707886"/>
-          </a:xfrm>
-          <a:prstGeom prst="rect">
-            <a:avLst/>
-          </a:prstGeom>
-          <a:noFill/>
-        </p:spPr>
-        <p:txBody>
-          <a:bodyPr wrap="square">
-            <a:spAutoFit/>
-          </a:bodyPr>
-          <a:lstStyle/>
-          <a:p>
-            <a:r>
-              <a:rPr lang="en-US" sz="2000" b="1" dirty="0">
-                <a:latin typeface="Calibri" panose="020F0502020204030204" pitchFamily="34" charset="0"/>
-                <a:ea typeface="Calibri" panose="020F0502020204030204" pitchFamily="34" charset="0"/>
-                <a:cs typeface="Calibri" panose="020F0502020204030204" pitchFamily="34" charset="0"/>
-              </a:rPr>
-              <a:t>Hub and Spoke</a:t>
-            </a:r>
-            <a:r>
-              <a:rPr lang="en-US" sz="2000" dirty="0">
-                <a:latin typeface="Calibri" panose="020F0502020204030204" pitchFamily="34" charset="0"/>
-                <a:ea typeface="Calibri" panose="020F0502020204030204" pitchFamily="34" charset="0"/>
-                <a:cs typeface="Calibri" panose="020F0502020204030204" pitchFamily="34" charset="0"/>
-              </a:rPr>
-              <a:t> network design will allow us to simplify security, improve scalability, manage costs more effectively, and ensure a flexible and robust architecture for handling large-scale data distribution</a:t>
-            </a:r>
-          </a:p>
-        </p:txBody>
-      </p:sp>
-    </p:spTree>
-    <p:extLst>
-      <p:ext uri="{BB962C8B-B14F-4D97-AF65-F5344CB8AC3E}">
-        <p14:creationId xmlns:p14="http://schemas.microsoft.com/office/powerpoint/2010/main" val="1590511877"/>
-      </p:ext>
-    </p:extLst>
-  </p:cSld>
-  <p:clrMapOvr>
-    <a:masterClrMapping/>
-  </p:clrMapOvr>
-</p:sld>
-</file>
-
-<file path=ppt/slides/slide6.xml><?xml version="1.0" encoding="utf-8"?>
-<p:sld xmlns:a="http://schemas.openxmlformats.org/drawingml/2006/main" xmlns:r="http://schemas.openxmlformats.org/officeDocument/2006/relationships" xmlns:p="http://schemas.openxmlformats.org/presentationml/2006/main">
-  <p:cSld>
-    <p:bg>
-      <p:bgPr>
-        <a:gradFill>
-          <a:gsLst>
-            <a:gs pos="18000">
-              <a:srgbClr val="42DAAB"/>
-            </a:gs>
-            <a:gs pos="0">
-              <a:schemeClr val="tx1"/>
-            </a:gs>
-            <a:gs pos="100000">
-              <a:schemeClr val="accent1">
-                <a:lumMod val="30000"/>
-                <a:lumOff val="70000"/>
-              </a:schemeClr>
-            </a:gs>
-          </a:gsLst>
-          <a:lin ang="2700000" scaled="1"/>
-        </a:gradFill>
-        <a:effectLst/>
-      </p:bgPr>
-    </p:bg>
-    <p:spTree>
-      <p:nvGrpSpPr>
-        <p:cNvPr id="1" name="">
-          <a:extLst>
-            <a:ext uri="{FF2B5EF4-FFF2-40B4-BE49-F238E27FC236}">
-              <a16:creationId xmlns:a16="http://schemas.microsoft.com/office/drawing/2014/main" id="{B8C55B13-0C4D-FEF7-02E6-C6CEA93460DB}"/>
-            </a:ext>
-          </a:extLst>
-        </p:cNvPr>
-        <p:cNvGrpSpPr/>
-        <p:nvPr/>
-      </p:nvGrpSpPr>
-      <p:grpSpPr>
-        <a:xfrm>
-          <a:off x="0" y="0"/>
-          <a:ext cx="0" cy="0"/>
-          <a:chOff x="0" y="0"/>
-          <a:chExt cx="0" cy="0"/>
-        </a:xfrm>
-      </p:grpSpPr>
-      <p:sp>
-        <p:nvSpPr>
-          <p:cNvPr id="2" name="TextBox 1">
-            <a:extLst>
-              <a:ext uri="{FF2B5EF4-FFF2-40B4-BE49-F238E27FC236}">
-                <a16:creationId xmlns:a16="http://schemas.microsoft.com/office/drawing/2014/main" id="{2566ADFF-4C07-DAF8-F793-E20BBDCC5BBC}"/>
-              </a:ext>
-            </a:extLst>
-          </p:cNvPr>
-          <p:cNvSpPr txBox="1"/>
-          <p:nvPr/>
-        </p:nvSpPr>
-        <p:spPr>
-          <a:xfrm>
-            <a:off x="-1" y="256357"/>
-            <a:ext cx="7060367" cy="523220"/>
-          </a:xfrm>
-          <a:prstGeom prst="rect">
-            <a:avLst/>
-          </a:prstGeom>
-          <a:noFill/>
-        </p:spPr>
-        <p:txBody>
-          <a:bodyPr wrap="square" rtlCol="0">
-            <a:spAutoFit/>
-          </a:bodyPr>
-          <a:lstStyle/>
-          <a:p>
-            <a:r>
-              <a:rPr lang="en-US" sz="2800" u="sng" dirty="0">
-                <a:solidFill>
-                  <a:schemeClr val="bg1"/>
-                </a:solidFill>
-                <a:latin typeface="Calibri" panose="020F0502020204030204" pitchFamily="34" charset="0"/>
-                <a:ea typeface="Calibri" panose="020F0502020204030204" pitchFamily="34" charset="0"/>
-                <a:cs typeface="Calibri" panose="020F0502020204030204" pitchFamily="34" charset="0"/>
-              </a:rPr>
-              <a:t>Detailed Architecture Components</a:t>
-            </a:r>
-          </a:p>
-        </p:txBody>
-      </p:sp>
-      <p:sp>
-        <p:nvSpPr>
-          <p:cNvPr id="5" name="TextBox 4">
-            <a:extLst>
-              <a:ext uri="{FF2B5EF4-FFF2-40B4-BE49-F238E27FC236}">
-                <a16:creationId xmlns:a16="http://schemas.microsoft.com/office/drawing/2014/main" id="{F2752558-C421-781B-A442-18D2D91A41F4}"/>
-              </a:ext>
-            </a:extLst>
-          </p:cNvPr>
-          <p:cNvSpPr txBox="1"/>
-          <p:nvPr/>
-        </p:nvSpPr>
-        <p:spPr>
-          <a:xfrm>
-            <a:off x="119919" y="1248753"/>
-            <a:ext cx="10519347" cy="5016758"/>
-          </a:xfrm>
-          <a:prstGeom prst="rect">
-            <a:avLst/>
-          </a:prstGeom>
-          <a:noFill/>
-        </p:spPr>
-        <p:txBody>
-          <a:bodyPr wrap="square">
-            <a:spAutoFit/>
-          </a:bodyPr>
-          <a:lstStyle/>
-          <a:p>
-            <a:pPr marL="342900" indent="-342900" rtl="0" fontAlgn="ctr">
-              <a:buFont typeface="Wingdings" panose="05000000000000000000" pitchFamily="2" charset="2"/>
-              <a:buChar char="§"/>
-            </a:pPr>
-            <a:r>
-              <a:rPr lang="en-US" sz="2000" b="1" i="0" dirty="0">
-                <a:effectLst/>
-                <a:latin typeface="Calibri" panose="020F0502020204030204" pitchFamily="34" charset="0"/>
-              </a:rPr>
-              <a:t>Hub Network</a:t>
-            </a:r>
-            <a:r>
-              <a:rPr lang="en-US" sz="2000" b="0" i="0" dirty="0">
-                <a:effectLst/>
-                <a:latin typeface="Calibri" panose="020F0502020204030204" pitchFamily="34" charset="0"/>
-              </a:rPr>
-              <a:t>:</a:t>
-            </a:r>
-            <a:endParaRPr lang="en-US" sz="2000" b="1" i="0" dirty="0">
-              <a:effectLst/>
-              <a:latin typeface="Calibri" panose="020F0502020204030204" pitchFamily="34" charset="0"/>
-            </a:endParaRPr>
-          </a:p>
-          <a:p>
-            <a:pPr marL="800100" lvl="1" indent="-342900" rtl="0" fontAlgn="ctr">
-              <a:buFont typeface="Wingdings" panose="05000000000000000000" pitchFamily="2" charset="2"/>
-              <a:buChar char="§"/>
-            </a:pPr>
-            <a:r>
-              <a:rPr lang="en-US" sz="2000" i="0" dirty="0">
-                <a:effectLst/>
-                <a:latin typeface="Calibri" panose="020F0502020204030204" pitchFamily="34" charset="0"/>
-              </a:rPr>
-              <a:t>Azure Firewall: Controls traffic and enforces security policies.</a:t>
-            </a:r>
-          </a:p>
-          <a:p>
-            <a:pPr marL="800100" lvl="1" indent="-342900" rtl="0" fontAlgn="ctr">
-              <a:buFont typeface="Wingdings" panose="05000000000000000000" pitchFamily="2" charset="2"/>
-              <a:buChar char="§"/>
-            </a:pPr>
-            <a:r>
-              <a:rPr lang="en-US" sz="2000" i="0" dirty="0">
-                <a:effectLst/>
-                <a:latin typeface="Calibri" panose="020F0502020204030204" pitchFamily="34" charset="0"/>
-              </a:rPr>
-              <a:t>VPN Gateway &amp;Express route: Secure communication between on-premises and Azure.</a:t>
-            </a:r>
-          </a:p>
-          <a:p>
-            <a:pPr marL="800100" lvl="1" indent="-342900" rtl="0" fontAlgn="ctr">
-              <a:buFont typeface="Wingdings" panose="05000000000000000000" pitchFamily="2" charset="2"/>
-              <a:buChar char="§"/>
-            </a:pPr>
-            <a:r>
-              <a:rPr lang="en-US" sz="2000" i="0" dirty="0">
-                <a:effectLst/>
-                <a:latin typeface="Calibri" panose="020F0502020204030204" pitchFamily="34" charset="0"/>
-              </a:rPr>
-              <a:t>Monitoring: Secure management and tracking.</a:t>
-            </a:r>
-          </a:p>
-          <a:p>
-            <a:pPr marL="800100" lvl="1" indent="-342900" rtl="0" fontAlgn="ctr">
-              <a:buFont typeface="Wingdings" panose="05000000000000000000" pitchFamily="2" charset="2"/>
-              <a:buChar char="§"/>
-            </a:pPr>
-            <a:r>
-              <a:rPr lang="en-US" sz="2000" dirty="0">
-                <a:latin typeface="Calibri" panose="020F0502020204030204" pitchFamily="34" charset="0"/>
-              </a:rPr>
-              <a:t>Application Gateway : Used </a:t>
-            </a:r>
-            <a:r>
-              <a:rPr lang="en-US" sz="2000" dirty="0">
-                <a:latin typeface="Calibri" panose="020F0502020204030204" pitchFamily="34" charset="0"/>
-                <a:ea typeface="Calibri" panose="020F0502020204030204" pitchFamily="34" charset="0"/>
-                <a:cs typeface="Calibri" panose="020F0502020204030204" pitchFamily="34" charset="0"/>
-              </a:rPr>
-              <a:t>load balancing and web traffic management</a:t>
-            </a:r>
-            <a:endParaRPr lang="en-US" sz="2000" i="0" dirty="0">
-              <a:effectLst/>
-              <a:latin typeface="Calibri" panose="020F0502020204030204" pitchFamily="34" charset="0"/>
-              <a:ea typeface="Calibri" panose="020F0502020204030204" pitchFamily="34" charset="0"/>
-              <a:cs typeface="Calibri" panose="020F0502020204030204" pitchFamily="34" charset="0"/>
-            </a:endParaRPr>
-          </a:p>
-          <a:p>
-            <a:pPr marL="800100" lvl="1" indent="-342900" rtl="0" fontAlgn="ctr">
-              <a:buFont typeface="Wingdings" panose="05000000000000000000" pitchFamily="2" charset="2"/>
-              <a:buChar char="§"/>
-            </a:pPr>
-            <a:endParaRPr lang="en-US" sz="2000" b="1" i="0" dirty="0">
-              <a:effectLst/>
-              <a:latin typeface="Calibri" panose="020F0502020204030204" pitchFamily="34" charset="0"/>
-            </a:endParaRPr>
-          </a:p>
-          <a:p>
-            <a:pPr marL="342900" indent="-342900" rtl="0" fontAlgn="ctr">
-              <a:buFont typeface="Wingdings" panose="05000000000000000000" pitchFamily="2" charset="2"/>
-              <a:buChar char="§"/>
-            </a:pPr>
-            <a:r>
-              <a:rPr lang="en-US" sz="2000" b="1" i="0" dirty="0">
-                <a:effectLst/>
-                <a:latin typeface="Calibri" panose="020F0502020204030204" pitchFamily="34" charset="0"/>
-              </a:rPr>
-              <a:t>Spoke Networks</a:t>
-            </a:r>
-            <a:r>
-              <a:rPr lang="en-US" sz="2000" b="0" i="0" dirty="0">
-                <a:effectLst/>
-                <a:latin typeface="Calibri" panose="020F0502020204030204" pitchFamily="34" charset="0"/>
-              </a:rPr>
-              <a:t>:</a:t>
-            </a:r>
-          </a:p>
-          <a:p>
-            <a:pPr marL="800100" lvl="1" indent="-342900" fontAlgn="ctr">
-              <a:buFont typeface="Wingdings" panose="05000000000000000000" pitchFamily="2" charset="2"/>
-              <a:buChar char="§"/>
-            </a:pPr>
-            <a:r>
-              <a:rPr lang="en-US" sz="2000" dirty="0">
-                <a:latin typeface="Calibri" panose="020F0502020204030204" pitchFamily="34" charset="0"/>
-              </a:rPr>
-              <a:t>Azure </a:t>
-            </a:r>
-            <a:r>
-              <a:rPr lang="en-US" sz="2000" dirty="0">
-                <a:latin typeface="Calibri" panose="020F0502020204030204" pitchFamily="34" charset="0"/>
-                <a:ea typeface="Calibri" panose="020F0502020204030204" pitchFamily="34" charset="0"/>
-                <a:cs typeface="Calibri" panose="020F0502020204030204" pitchFamily="34" charset="0"/>
-              </a:rPr>
-              <a:t>IoT Hub: enables secure and scalable communication with IoT devices.</a:t>
-            </a:r>
-          </a:p>
-          <a:p>
-            <a:pPr marL="800100" lvl="1" indent="-342900" fontAlgn="ctr">
-              <a:buFont typeface="Wingdings" panose="05000000000000000000" pitchFamily="2" charset="2"/>
-              <a:buChar char="§"/>
-            </a:pPr>
-            <a:r>
-              <a:rPr lang="en-US" sz="2000" i="0" dirty="0">
-                <a:effectLst/>
-                <a:latin typeface="Calibri" panose="020F0502020204030204" pitchFamily="34" charset="0"/>
-                <a:ea typeface="Calibri" panose="020F0502020204030204" pitchFamily="34" charset="0"/>
-                <a:cs typeface="Calibri" panose="020F0502020204030204" pitchFamily="34" charset="0"/>
-              </a:rPr>
-              <a:t>Event Grid</a:t>
-            </a:r>
-            <a:r>
-              <a:rPr lang="en-US" sz="2000" b="1" i="0" dirty="0">
-                <a:effectLst/>
-                <a:latin typeface="Calibri" panose="020F0502020204030204" pitchFamily="34" charset="0"/>
-                <a:ea typeface="Calibri" panose="020F0502020204030204" pitchFamily="34" charset="0"/>
-                <a:cs typeface="Calibri" panose="020F0502020204030204" pitchFamily="34" charset="0"/>
-              </a:rPr>
-              <a:t>: </a:t>
-            </a:r>
-            <a:r>
-              <a:rPr lang="en-US" sz="2000" dirty="0">
-                <a:latin typeface="Calibri" panose="020F0502020204030204" pitchFamily="34" charset="0"/>
-                <a:ea typeface="Calibri" panose="020F0502020204030204" pitchFamily="34" charset="0"/>
-                <a:cs typeface="Calibri" panose="020F0502020204030204" pitchFamily="34" charset="0"/>
-              </a:rPr>
-              <a:t>routing events from various sources to event handlers like Azure Functions or Webhooks</a:t>
-            </a:r>
-            <a:endParaRPr lang="en-US" sz="2000" b="1" i="0" dirty="0">
-              <a:effectLst/>
-              <a:latin typeface="Calibri" panose="020F0502020204030204" pitchFamily="34" charset="0"/>
-              <a:ea typeface="Calibri" panose="020F0502020204030204" pitchFamily="34" charset="0"/>
-              <a:cs typeface="Calibri" panose="020F0502020204030204" pitchFamily="34" charset="0"/>
-            </a:endParaRPr>
-          </a:p>
-          <a:p>
-            <a:pPr marL="800100" lvl="1" indent="-342900" rtl="0" fontAlgn="ctr">
-              <a:buFont typeface="Wingdings" panose="05000000000000000000" pitchFamily="2" charset="2"/>
-              <a:buChar char="§"/>
-            </a:pPr>
-            <a:r>
-              <a:rPr lang="en-US" sz="2000" i="0" dirty="0">
-                <a:effectLst/>
-                <a:latin typeface="Calibri" panose="020F0502020204030204" pitchFamily="34" charset="0"/>
-              </a:rPr>
-              <a:t>Storage: Azure Blob Storage with versioning.</a:t>
-            </a:r>
-          </a:p>
-          <a:p>
-            <a:pPr marL="800100" lvl="1" indent="-342900" rtl="0" fontAlgn="ctr">
-              <a:buFont typeface="Wingdings" panose="05000000000000000000" pitchFamily="2" charset="2"/>
-              <a:buChar char="§"/>
-            </a:pPr>
-            <a:r>
-              <a:rPr lang="en-US" sz="2000" i="0" dirty="0">
-                <a:effectLst/>
-                <a:latin typeface="Calibri" panose="020F0502020204030204" pitchFamily="34" charset="0"/>
-              </a:rPr>
-              <a:t>Function: Azure Functions for automating file processing.</a:t>
-            </a:r>
-          </a:p>
-          <a:p>
-            <a:pPr marL="800100" lvl="1" indent="-342900" rtl="0" fontAlgn="ctr">
-              <a:buFont typeface="Wingdings" panose="05000000000000000000" pitchFamily="2" charset="2"/>
-              <a:buChar char="§"/>
-            </a:pPr>
-            <a:r>
-              <a:rPr lang="en-US" sz="2000" i="0" dirty="0">
-                <a:effectLst/>
-                <a:latin typeface="Calibri" panose="020F0502020204030204" pitchFamily="34" charset="0"/>
-              </a:rPr>
-              <a:t>Content Delivery: Azure CDN for fast global access.</a:t>
-            </a:r>
-          </a:p>
-          <a:p>
-            <a:pPr marL="800100" lvl="1" indent="-342900" rtl="0" fontAlgn="ctr">
-              <a:buFont typeface="Wingdings" panose="05000000000000000000" pitchFamily="2" charset="2"/>
-              <a:buChar char="§"/>
-            </a:pPr>
-            <a:r>
-              <a:rPr lang="en-US" sz="2000" i="0" dirty="0">
-                <a:effectLst/>
-                <a:latin typeface="Calibri" panose="020F0502020204030204" pitchFamily="34" charset="0"/>
-              </a:rPr>
-              <a:t>User Portal: Web infrastructure for authentication and access.</a:t>
-            </a:r>
-          </a:p>
-          <a:p>
-            <a:pPr marL="800100" lvl="1" indent="-342900" rtl="0" fontAlgn="ctr">
-              <a:buFont typeface="Wingdings" panose="05000000000000000000" pitchFamily="2" charset="2"/>
-              <a:buChar char="§"/>
-            </a:pPr>
-            <a:r>
-              <a:rPr lang="en-US" sz="2000" dirty="0">
-                <a:latin typeface="Calibri" panose="020F0502020204030204" pitchFamily="34" charset="0"/>
-              </a:rPr>
-              <a:t>Azure </a:t>
-            </a:r>
-            <a:r>
-              <a:rPr lang="en-US" sz="2000" dirty="0" err="1">
-                <a:latin typeface="Calibri" panose="020F0502020204030204" pitchFamily="34" charset="0"/>
-              </a:rPr>
-              <a:t>KeyVault</a:t>
-            </a:r>
-            <a:r>
-              <a:rPr lang="en-US" sz="2000" dirty="0">
-                <a:latin typeface="Calibri" panose="020F0502020204030204" pitchFamily="34" charset="0"/>
-              </a:rPr>
-              <a:t>: To Store and Manage Keys &amp; secrets.</a:t>
-            </a:r>
-            <a:endParaRPr lang="en-US" sz="2000" i="0" dirty="0">
-              <a:effectLst/>
-              <a:latin typeface="Calibri" panose="020F0502020204030204" pitchFamily="34" charset="0"/>
-            </a:endParaRPr>
-          </a:p>
-          <a:p>
-            <a:pPr marL="800100" lvl="1" indent="-342900" rtl="0" fontAlgn="ctr">
-              <a:buFont typeface="Wingdings" panose="05000000000000000000" pitchFamily="2" charset="2"/>
-              <a:buChar char="§"/>
-            </a:pPr>
-            <a:endParaRPr lang="en-US" sz="2000" i="0" dirty="0">
-              <a:effectLst/>
-              <a:latin typeface="Calibri" panose="020F0502020204030204" pitchFamily="34" charset="0"/>
-            </a:endParaRPr>
-          </a:p>
-        </p:txBody>
-      </p:sp>
-    </p:spTree>
-    <p:extLst>
-      <p:ext uri="{BB962C8B-B14F-4D97-AF65-F5344CB8AC3E}">
-        <p14:creationId xmlns:p14="http://schemas.microsoft.com/office/powerpoint/2010/main" val="66079871"/>
-      </p:ext>
-    </p:extLst>
-  </p:cSld>
-  <p:clrMapOvr>
-    <a:masterClrMapping/>
-  </p:clrMapOvr>
-</p:sld>
-</file>
-
-<file path=ppt/slides/slide7.xml><?xml version="1.0" encoding="utf-8"?>
-<p:sld xmlns:a="http://schemas.openxmlformats.org/drawingml/2006/main" xmlns:r="http://schemas.openxmlformats.org/officeDocument/2006/relationships" xmlns:p="http://schemas.openxmlformats.org/presentationml/2006/main">
-  <p:cSld>
-    <p:bg>
-      <p:bgPr>
-        <a:gradFill>
-          <a:gsLst>
-            <a:gs pos="18000">
-              <a:srgbClr val="42DAAB"/>
-            </a:gs>
-            <a:gs pos="0">
-              <a:schemeClr val="tx1"/>
-            </a:gs>
-            <a:gs pos="100000">
-              <a:schemeClr val="accent1">
-                <a:lumMod val="30000"/>
-                <a:lumOff val="70000"/>
-              </a:schemeClr>
-            </a:gs>
-          </a:gsLst>
-          <a:lin ang="2700000" scaled="1"/>
-        </a:gradFill>
-        <a:effectLst/>
-      </p:bgPr>
-    </p:bg>
-    <p:spTree>
-      <p:nvGrpSpPr>
-        <p:cNvPr id="1" name="">
-          <a:extLst>
-            <a:ext uri="{FF2B5EF4-FFF2-40B4-BE49-F238E27FC236}">
-              <a16:creationId xmlns:a16="http://schemas.microsoft.com/office/drawing/2014/main" id="{73D294CB-6BE7-E6A7-F004-B00F3FED7DB0}"/>
-            </a:ext>
-          </a:extLst>
-        </p:cNvPr>
-        <p:cNvGrpSpPr/>
-        <p:nvPr/>
-      </p:nvGrpSpPr>
-      <p:grpSpPr>
-        <a:xfrm>
-          <a:off x="0" y="0"/>
-          <a:ext cx="0" cy="0"/>
-          <a:chOff x="0" y="0"/>
-          <a:chExt cx="0" cy="0"/>
-        </a:xfrm>
-      </p:grpSpPr>
-      <p:sp>
-        <p:nvSpPr>
-          <p:cNvPr id="6" name="TextBox 5">
-            <a:extLst>
-              <a:ext uri="{FF2B5EF4-FFF2-40B4-BE49-F238E27FC236}">
-                <a16:creationId xmlns:a16="http://schemas.microsoft.com/office/drawing/2014/main" id="{4665B345-2071-EEF6-D1FB-2A1BE4CDB5D3}"/>
-              </a:ext>
-            </a:extLst>
-          </p:cNvPr>
-          <p:cNvSpPr txBox="1"/>
-          <p:nvPr/>
-        </p:nvSpPr>
-        <p:spPr>
-          <a:xfrm>
-            <a:off x="153650" y="3938185"/>
-            <a:ext cx="9485027" cy="1938992"/>
-          </a:xfrm>
-          <a:prstGeom prst="rect">
-            <a:avLst/>
-          </a:prstGeom>
-          <a:noFill/>
-        </p:spPr>
-        <p:txBody>
-          <a:bodyPr wrap="square">
-            <a:spAutoFit/>
-          </a:bodyPr>
-          <a:lstStyle/>
-          <a:p>
-            <a:pPr marL="285750" indent="-285750" rtl="0" fontAlgn="ctr">
-              <a:buFont typeface="Wingdings" panose="05000000000000000000" pitchFamily="2" charset="2"/>
-              <a:buChar char="§"/>
-            </a:pPr>
-            <a:r>
-              <a:rPr lang="en-US" sz="2000" b="1" dirty="0">
-                <a:effectLst/>
-                <a:latin typeface="Calibri" panose="020F0502020204030204" pitchFamily="34" charset="0"/>
-              </a:rPr>
-              <a:t>Azure AD Authentication</a:t>
-            </a:r>
-            <a:r>
-              <a:rPr lang="en-US" sz="2000" dirty="0">
-                <a:effectLst/>
-                <a:latin typeface="Calibri" panose="020F0502020204030204" pitchFamily="34" charset="0"/>
-              </a:rPr>
-              <a:t>: Ensures only authorized users can access the portal.</a:t>
-            </a:r>
-          </a:p>
-          <a:p>
-            <a:pPr marL="285750" indent="-285750" rtl="0" fontAlgn="ctr">
-              <a:buFont typeface="Wingdings" panose="05000000000000000000" pitchFamily="2" charset="2"/>
-              <a:buChar char="§"/>
-            </a:pPr>
-            <a:r>
-              <a:rPr lang="en-US" sz="2000" b="1" dirty="0">
-                <a:effectLst/>
-                <a:latin typeface="Calibri" panose="020F0502020204030204" pitchFamily="34" charset="0"/>
-              </a:rPr>
-              <a:t>RBAC</a:t>
-            </a:r>
-            <a:r>
-              <a:rPr lang="en-US" sz="2000" dirty="0">
-                <a:effectLst/>
-                <a:latin typeface="Calibri" panose="020F0502020204030204" pitchFamily="34" charset="0"/>
-              </a:rPr>
-              <a:t>: Manages access to resources based on user roles.</a:t>
-            </a:r>
-          </a:p>
-          <a:p>
-            <a:pPr marL="285750" indent="-285750" rtl="0" fontAlgn="ctr">
-              <a:buFont typeface="Wingdings" panose="05000000000000000000" pitchFamily="2" charset="2"/>
-              <a:buChar char="§"/>
-            </a:pPr>
-            <a:r>
-              <a:rPr lang="en-US" sz="2000" b="1" dirty="0">
-                <a:effectLst/>
-                <a:latin typeface="Calibri" panose="020F0502020204030204" pitchFamily="34" charset="0"/>
-              </a:rPr>
-              <a:t>Private Endpoints</a:t>
-            </a:r>
-            <a:r>
-              <a:rPr lang="en-US" sz="2000" dirty="0">
-                <a:effectLst/>
-                <a:latin typeface="Calibri" panose="020F0502020204030204" pitchFamily="34" charset="0"/>
-              </a:rPr>
-              <a:t>: Keeps internal communication secure.</a:t>
-            </a:r>
-          </a:p>
-          <a:p>
-            <a:pPr marL="285750" indent="-285750" rtl="0" fontAlgn="ctr">
-              <a:buFont typeface="Wingdings" panose="05000000000000000000" pitchFamily="2" charset="2"/>
-              <a:buChar char="§"/>
-            </a:pPr>
-            <a:r>
-              <a:rPr lang="en-US" sz="2000" b="1" dirty="0">
-                <a:effectLst/>
-                <a:latin typeface="Calibri" panose="020F0502020204030204" pitchFamily="34" charset="0"/>
-              </a:rPr>
-              <a:t>VPN Gateway</a:t>
-            </a:r>
-            <a:r>
-              <a:rPr lang="en-US" sz="2000" dirty="0">
-                <a:effectLst/>
-                <a:latin typeface="Calibri" panose="020F0502020204030204" pitchFamily="34" charset="0"/>
-              </a:rPr>
-              <a:t>: Ensures encrypted communication between on-premises and Azure.</a:t>
-            </a:r>
-          </a:p>
-          <a:p>
-            <a:pPr marL="285750" indent="-285750" rtl="0" fontAlgn="ctr">
-              <a:buFont typeface="Wingdings" panose="05000000000000000000" pitchFamily="2" charset="2"/>
-              <a:buChar char="§"/>
-            </a:pPr>
-            <a:r>
-              <a:rPr lang="en-US" sz="2000" b="1" dirty="0">
-                <a:effectLst/>
-                <a:latin typeface="Calibri" panose="020F0502020204030204" pitchFamily="34" charset="0"/>
-              </a:rPr>
-              <a:t>SAS Tokens</a:t>
-            </a:r>
-            <a:r>
-              <a:rPr lang="en-US" sz="2000" dirty="0">
-                <a:effectLst/>
-                <a:latin typeface="Calibri" panose="020F0502020204030204" pitchFamily="34" charset="0"/>
-              </a:rPr>
-              <a:t>: Temporary, secure access to recipe files.</a:t>
-            </a:r>
-          </a:p>
-          <a:p>
-            <a:pPr marL="285750" indent="-285750" rtl="0" fontAlgn="ctr">
-              <a:buFont typeface="Wingdings" panose="05000000000000000000" pitchFamily="2" charset="2"/>
-              <a:buChar char="§"/>
-            </a:pPr>
-            <a:r>
-              <a:rPr lang="en-US" sz="2000" b="1" dirty="0">
-                <a:latin typeface="Calibri" panose="020F0502020204030204" pitchFamily="34" charset="0"/>
-              </a:rPr>
-              <a:t>Azure </a:t>
-            </a:r>
-            <a:r>
-              <a:rPr lang="en-US" sz="2000" b="1" dirty="0" err="1">
-                <a:latin typeface="Calibri" panose="020F0502020204030204" pitchFamily="34" charset="0"/>
-              </a:rPr>
-              <a:t>KeyVault</a:t>
-            </a:r>
-            <a:r>
-              <a:rPr lang="en-US" sz="2000" dirty="0">
-                <a:latin typeface="Calibri" panose="020F0502020204030204" pitchFamily="34" charset="0"/>
-              </a:rPr>
-              <a:t>: Store Sensitive Information.</a:t>
-            </a:r>
-            <a:endParaRPr lang="en-US" sz="2000" dirty="0">
-              <a:effectLst/>
-              <a:latin typeface="Calibri" panose="020F0502020204030204" pitchFamily="34" charset="0"/>
-            </a:endParaRPr>
-          </a:p>
-        </p:txBody>
-      </p:sp>
-      <p:sp>
-        <p:nvSpPr>
-          <p:cNvPr id="8" name="TextBox 7">
-            <a:extLst>
-              <a:ext uri="{FF2B5EF4-FFF2-40B4-BE49-F238E27FC236}">
-                <a16:creationId xmlns:a16="http://schemas.microsoft.com/office/drawing/2014/main" id="{708E3AD6-9782-F951-6F8F-ADA322768FC7}"/>
-              </a:ext>
-            </a:extLst>
-          </p:cNvPr>
-          <p:cNvSpPr txBox="1"/>
-          <p:nvPr/>
-        </p:nvSpPr>
-        <p:spPr>
-          <a:xfrm>
-            <a:off x="258581" y="3414965"/>
-            <a:ext cx="6093500" cy="523220"/>
-          </a:xfrm>
-          <a:prstGeom prst="rect">
-            <a:avLst/>
-          </a:prstGeom>
-          <a:noFill/>
-        </p:spPr>
-        <p:txBody>
-          <a:bodyPr wrap="square">
-            <a:spAutoFit/>
-          </a:bodyPr>
-          <a:lstStyle/>
-          <a:p>
-            <a:r>
-              <a:rPr lang="en-US" sz="2800" b="1" dirty="0">
-                <a:solidFill>
-                  <a:schemeClr val="bg1"/>
-                </a:solidFill>
-                <a:effectLst/>
-                <a:latin typeface="Calibri" panose="020F0502020204030204" pitchFamily="34" charset="0"/>
-              </a:rPr>
-              <a:t>Security Considerations</a:t>
-            </a:r>
-            <a:endParaRPr lang="en-US" sz="2800" dirty="0">
-              <a:solidFill>
-                <a:schemeClr val="bg1"/>
-              </a:solidFill>
-            </a:endParaRPr>
-          </a:p>
-        </p:txBody>
-      </p:sp>
-      <p:sp>
-        <p:nvSpPr>
-          <p:cNvPr id="7" name="TextBox 6">
-            <a:extLst>
-              <a:ext uri="{FF2B5EF4-FFF2-40B4-BE49-F238E27FC236}">
-                <a16:creationId xmlns:a16="http://schemas.microsoft.com/office/drawing/2014/main" id="{1091320A-917C-742C-9646-725F6BDBFABE}"/>
-              </a:ext>
-            </a:extLst>
-          </p:cNvPr>
-          <p:cNvSpPr txBox="1"/>
-          <p:nvPr/>
-        </p:nvSpPr>
-        <p:spPr>
-          <a:xfrm>
-            <a:off x="153650" y="212977"/>
-            <a:ext cx="6820525" cy="523220"/>
-          </a:xfrm>
-          <a:prstGeom prst="rect">
-            <a:avLst/>
-          </a:prstGeom>
-          <a:noFill/>
-        </p:spPr>
-        <p:txBody>
-          <a:bodyPr wrap="square" rtlCol="0">
-            <a:spAutoFit/>
-          </a:bodyPr>
-          <a:lstStyle/>
-          <a:p>
-            <a:r>
-              <a:rPr lang="en-US" sz="2800" u="sng" dirty="0">
-                <a:solidFill>
-                  <a:schemeClr val="bg1"/>
-                </a:solidFill>
-                <a:effectLst/>
-                <a:latin typeface="Calibri" panose="020F0502020204030204" pitchFamily="34" charset="0"/>
-              </a:rPr>
-              <a:t>Flow of User Access &amp; File Management</a:t>
-            </a:r>
-            <a:endParaRPr lang="en-US" sz="2800" u="sng" dirty="0">
-              <a:solidFill>
-                <a:schemeClr val="bg1"/>
-              </a:solidFill>
-            </a:endParaRPr>
-          </a:p>
-        </p:txBody>
-      </p:sp>
-      <p:sp>
-        <p:nvSpPr>
-          <p:cNvPr id="9" name="TextBox 8">
-            <a:extLst>
-              <a:ext uri="{FF2B5EF4-FFF2-40B4-BE49-F238E27FC236}">
-                <a16:creationId xmlns:a16="http://schemas.microsoft.com/office/drawing/2014/main" id="{4459D5F9-4D6A-7FDD-9DAE-45E07E664473}"/>
-              </a:ext>
-            </a:extLst>
-          </p:cNvPr>
-          <p:cNvSpPr txBox="1"/>
-          <p:nvPr/>
-        </p:nvSpPr>
-        <p:spPr>
-          <a:xfrm>
-            <a:off x="258581" y="1427100"/>
-            <a:ext cx="8645578" cy="1938992"/>
-          </a:xfrm>
-          <a:prstGeom prst="rect">
-            <a:avLst/>
-          </a:prstGeom>
-          <a:noFill/>
-        </p:spPr>
-        <p:txBody>
-          <a:bodyPr wrap="square">
-            <a:spAutoFit/>
-          </a:bodyPr>
-          <a:lstStyle/>
-          <a:p>
-            <a:pPr marL="285750" indent="-285750" rtl="0" fontAlgn="ctr">
-              <a:buFont typeface="Wingdings" panose="05000000000000000000" pitchFamily="2" charset="2"/>
-              <a:buChar char="§"/>
-            </a:pPr>
-            <a:r>
-              <a:rPr lang="en-US" sz="2000" b="1" i="0" dirty="0">
-                <a:effectLst/>
-                <a:latin typeface="Calibri" panose="020F0502020204030204" pitchFamily="34" charset="0"/>
-              </a:rPr>
-              <a:t>User Authentication</a:t>
-            </a:r>
-            <a:r>
-              <a:rPr lang="en-US" sz="2000" b="0" i="0" dirty="0">
-                <a:effectLst/>
-                <a:latin typeface="Calibri" panose="020F0502020204030204" pitchFamily="34" charset="0"/>
-              </a:rPr>
-              <a:t>: Azure AD authenticates users, assigns roles.</a:t>
-            </a:r>
-            <a:endParaRPr lang="en-US" sz="2000" b="1" i="0" dirty="0">
-              <a:effectLst/>
-              <a:latin typeface="Calibri" panose="020F0502020204030204" pitchFamily="34" charset="0"/>
-            </a:endParaRPr>
-          </a:p>
-          <a:p>
-            <a:pPr marL="285750" indent="-285750" rtl="0" fontAlgn="ctr">
-              <a:buFont typeface="Wingdings" panose="05000000000000000000" pitchFamily="2" charset="2"/>
-              <a:buChar char="§"/>
-            </a:pPr>
-            <a:r>
-              <a:rPr lang="en-US" sz="2000" b="1" i="0" dirty="0">
-                <a:effectLst/>
-                <a:latin typeface="Calibri" panose="020F0502020204030204" pitchFamily="34" charset="0"/>
-              </a:rPr>
-              <a:t>Authorization</a:t>
-            </a:r>
-            <a:r>
-              <a:rPr lang="en-US" sz="2000" b="0" i="0" dirty="0">
-                <a:effectLst/>
-                <a:latin typeface="Calibri" panose="020F0502020204030204" pitchFamily="34" charset="0"/>
-              </a:rPr>
-              <a:t>: Role-based access control (RBAC) to Blob Storage.</a:t>
-            </a:r>
-            <a:endParaRPr lang="en-US" sz="2000" b="1" i="0" dirty="0">
-              <a:effectLst/>
-              <a:latin typeface="Calibri" panose="020F0502020204030204" pitchFamily="34" charset="0"/>
-            </a:endParaRPr>
-          </a:p>
-          <a:p>
-            <a:pPr marL="285750" indent="-285750" rtl="0" fontAlgn="ctr">
-              <a:buFont typeface="Wingdings" panose="05000000000000000000" pitchFamily="2" charset="2"/>
-              <a:buChar char="§"/>
-            </a:pPr>
-            <a:r>
-              <a:rPr lang="en-US" sz="2000" b="1" i="0" dirty="0">
-                <a:effectLst/>
-                <a:latin typeface="Calibri" panose="020F0502020204030204" pitchFamily="34" charset="0"/>
-              </a:rPr>
-              <a:t>Data Storage</a:t>
-            </a:r>
-            <a:r>
-              <a:rPr lang="en-US" sz="2000" b="0" i="0" dirty="0">
-                <a:effectLst/>
-                <a:latin typeface="Calibri" panose="020F0502020204030204" pitchFamily="34" charset="0"/>
-              </a:rPr>
-              <a:t>: Recipes stored securely in Blob Storage with versioning.</a:t>
-            </a:r>
-            <a:endParaRPr lang="en-US" sz="2000" b="1" i="0" dirty="0">
-              <a:effectLst/>
-              <a:latin typeface="Calibri" panose="020F0502020204030204" pitchFamily="34" charset="0"/>
-            </a:endParaRPr>
-          </a:p>
-          <a:p>
-            <a:pPr marL="285750" indent="-285750" rtl="0" fontAlgn="ctr">
-              <a:buFont typeface="Wingdings" panose="05000000000000000000" pitchFamily="2" charset="2"/>
-              <a:buChar char="§"/>
-            </a:pPr>
-            <a:r>
-              <a:rPr lang="en-US" sz="2000" b="1" i="0" dirty="0">
-                <a:effectLst/>
-                <a:latin typeface="Calibri" panose="020F0502020204030204" pitchFamily="34" charset="0"/>
-              </a:rPr>
-              <a:t>Automation</a:t>
-            </a:r>
-            <a:r>
-              <a:rPr lang="en-US" sz="2000" b="0" i="0" dirty="0">
-                <a:effectLst/>
-                <a:latin typeface="Calibri" panose="020F0502020204030204" pitchFamily="34" charset="0"/>
-              </a:rPr>
-              <a:t>: Azure Functions zip files for easier distribution.</a:t>
-            </a:r>
-            <a:endParaRPr lang="en-US" sz="2000" b="1" i="0" dirty="0">
-              <a:effectLst/>
-              <a:latin typeface="Calibri" panose="020F0502020204030204" pitchFamily="34" charset="0"/>
-            </a:endParaRPr>
-          </a:p>
-          <a:p>
-            <a:pPr marL="285750" indent="-285750" rtl="0" fontAlgn="ctr">
-              <a:buFont typeface="Wingdings" panose="05000000000000000000" pitchFamily="2" charset="2"/>
-              <a:buChar char="§"/>
-            </a:pPr>
-            <a:r>
-              <a:rPr lang="en-US" sz="2000" b="1" i="0" dirty="0">
-                <a:effectLst/>
-                <a:latin typeface="Calibri" panose="020F0502020204030204" pitchFamily="34" charset="0"/>
-              </a:rPr>
-              <a:t>Secure Distribution</a:t>
-            </a:r>
-            <a:r>
-              <a:rPr lang="en-US" sz="2000" b="0" i="0" dirty="0">
-                <a:effectLst/>
-                <a:latin typeface="Calibri" panose="020F0502020204030204" pitchFamily="34" charset="0"/>
-              </a:rPr>
-              <a:t>: Azure CDN delivers files globally with SAS tokens.</a:t>
-            </a:r>
-            <a:endParaRPr lang="en-US" sz="2000" b="1" i="0" dirty="0">
-              <a:effectLst/>
-              <a:latin typeface="Calibri" panose="020F0502020204030204" pitchFamily="34" charset="0"/>
-            </a:endParaRPr>
-          </a:p>
-          <a:p>
-            <a:pPr marL="285750" indent="-285750" rtl="0" fontAlgn="ctr">
-              <a:buFont typeface="Wingdings" panose="05000000000000000000" pitchFamily="2" charset="2"/>
-              <a:buChar char="§"/>
-            </a:pPr>
-            <a:r>
-              <a:rPr lang="en-US" sz="2000" b="1" i="0" dirty="0">
-                <a:effectLst/>
-                <a:latin typeface="Calibri" panose="020F0502020204030204" pitchFamily="34" charset="0"/>
-              </a:rPr>
-              <a:t>VPN Gateway</a:t>
-            </a:r>
-            <a:r>
-              <a:rPr lang="en-US" sz="2000" b="0" i="0" dirty="0">
-                <a:effectLst/>
-                <a:latin typeface="Calibri" panose="020F0502020204030204" pitchFamily="34" charset="0"/>
-              </a:rPr>
-              <a:t>: Secure access for on-premises systems.</a:t>
-            </a:r>
-            <a:endParaRPr lang="en-US" sz="2000" b="1" i="0" dirty="0">
-              <a:effectLst/>
-              <a:latin typeface="Calibri" panose="020F0502020204030204" pitchFamily="34" charset="0"/>
-            </a:endParaRPr>
-          </a:p>
-        </p:txBody>
-      </p:sp>
-    </p:spTree>
-    <p:extLst>
-      <p:ext uri="{BB962C8B-B14F-4D97-AF65-F5344CB8AC3E}">
-        <p14:creationId xmlns:p14="http://schemas.microsoft.com/office/powerpoint/2010/main" val="4278213206"/>
-      </p:ext>
-    </p:extLst>
-  </p:cSld>
-  <p:clrMapOvr>
-    <a:masterClrMapping/>
-  </p:clrMapOvr>
-</p:sld>
-</file>
-
-<file path=ppt/slides/slide8.xml><?xml version="1.0" encoding="utf-8"?>
-<p:sld xmlns:a="http://schemas.openxmlformats.org/drawingml/2006/main" xmlns:r="http://schemas.openxmlformats.org/officeDocument/2006/relationships" xmlns:p="http://schemas.openxmlformats.org/presentationml/2006/main">
-  <p:cSld>
-    <p:bg>
-      <p:bgPr>
-        <a:gradFill>
-          <a:gsLst>
-            <a:gs pos="18000">
-              <a:srgbClr val="42DAAB"/>
-            </a:gs>
-            <a:gs pos="0">
-              <a:schemeClr val="tx1"/>
-            </a:gs>
-            <a:gs pos="100000">
-              <a:schemeClr val="accent1">
-                <a:lumMod val="30000"/>
-                <a:lumOff val="70000"/>
-              </a:schemeClr>
-            </a:gs>
-          </a:gsLst>
-          <a:lin ang="2700000" scaled="1"/>
-        </a:gradFill>
-        <a:effectLst/>
-      </p:bgPr>
-    </p:bg>
-    <p:spTree>
-      <p:nvGrpSpPr>
-        <p:cNvPr id="1" name="">
-          <a:extLst>
-            <a:ext uri="{FF2B5EF4-FFF2-40B4-BE49-F238E27FC236}">
-              <a16:creationId xmlns:a16="http://schemas.microsoft.com/office/drawing/2014/main" id="{7A3AD305-3F67-B899-8549-96627DB010B1}"/>
-            </a:ext>
-          </a:extLst>
-        </p:cNvPr>
-        <p:cNvGrpSpPr/>
-        <p:nvPr/>
-      </p:nvGrpSpPr>
-      <p:grpSpPr>
-        <a:xfrm>
-          <a:off x="0" y="0"/>
-          <a:ext cx="0" cy="0"/>
-          <a:chOff x="0" y="0"/>
-          <a:chExt cx="0" cy="0"/>
-        </a:xfrm>
-      </p:grpSpPr>
-      <p:sp>
-        <p:nvSpPr>
-          <p:cNvPr id="2" name="TextBox 1">
-            <a:extLst>
-              <a:ext uri="{FF2B5EF4-FFF2-40B4-BE49-F238E27FC236}">
-                <a16:creationId xmlns:a16="http://schemas.microsoft.com/office/drawing/2014/main" id="{CC89CD65-83B3-F9FF-E1E2-A6F5C8577A5E}"/>
-              </a:ext>
-            </a:extLst>
-          </p:cNvPr>
-          <p:cNvSpPr txBox="1"/>
-          <p:nvPr/>
-        </p:nvSpPr>
-        <p:spPr>
-          <a:xfrm>
-            <a:off x="-1" y="256357"/>
-            <a:ext cx="6835515" cy="523220"/>
-          </a:xfrm>
-          <a:prstGeom prst="rect">
-            <a:avLst/>
-          </a:prstGeom>
-          <a:noFill/>
-        </p:spPr>
-        <p:txBody>
-          <a:bodyPr wrap="square" rtlCol="0">
-            <a:spAutoFit/>
-          </a:bodyPr>
-          <a:lstStyle/>
-          <a:p>
-            <a:r>
-              <a:rPr lang="en-US" sz="2800" u="sng" dirty="0">
-                <a:solidFill>
-                  <a:schemeClr val="bg1"/>
-                </a:solidFill>
-                <a:latin typeface="Calibri" panose="020F0502020204030204" pitchFamily="34" charset="0"/>
-                <a:ea typeface="Calibri" panose="020F0502020204030204" pitchFamily="34" charset="0"/>
-                <a:cs typeface="Calibri" panose="020F0502020204030204" pitchFamily="34" charset="0"/>
-              </a:rPr>
-              <a:t>Complete Architecture Diagram</a:t>
-            </a:r>
-          </a:p>
-        </p:txBody>
-      </p:sp>
-      <p:pic>
-        <p:nvPicPr>
-          <p:cNvPr id="6" name="Picture 5">
-            <a:extLst>
-              <a:ext uri="{FF2B5EF4-FFF2-40B4-BE49-F238E27FC236}">
-                <a16:creationId xmlns:a16="http://schemas.microsoft.com/office/drawing/2014/main" id="{E48EF8AB-A15C-89D1-AE85-E9516BE50B39}"/>
-              </a:ext>
-            </a:extLst>
-          </p:cNvPr>
-          <p:cNvPicPr>
-            <a:picLocks noChangeAspect="1"/>
-          </p:cNvPicPr>
-          <p:nvPr/>
-        </p:nvPicPr>
-        <p:blipFill>
-          <a:blip r:embed="rId2"/>
-          <a:stretch>
-            <a:fillRect/>
-          </a:stretch>
-        </p:blipFill>
-        <p:spPr>
-          <a:xfrm>
-            <a:off x="299803" y="933477"/>
-            <a:ext cx="11347553" cy="5668166"/>
-          </a:xfrm>
-          <a:prstGeom prst="rect">
-            <a:avLst/>
-          </a:prstGeom>
-        </p:spPr>
-      </p:pic>
-    </p:spTree>
-    <p:extLst>
-      <p:ext uri="{BB962C8B-B14F-4D97-AF65-F5344CB8AC3E}">
-        <p14:creationId xmlns:p14="http://schemas.microsoft.com/office/powerpoint/2010/main" val="3767454697"/>
-      </p:ext>
-    </p:extLst>
-  </p:cSld>
-  <p:clrMapOvr>
-    <a:masterClrMapping/>
-  </p:clrMapOvr>
-</p:sld>
-</file>
-
-<file path=ppt/slides/slide9.xml><?xml version="1.0" encoding="utf-8"?>
-<p:sld xmlns:a="http://schemas.openxmlformats.org/drawingml/2006/main" xmlns:r="http://schemas.openxmlformats.org/officeDocument/2006/relationships" xmlns:p="http://schemas.openxmlformats.org/presentationml/2006/main">
-  <p:cSld>
-    <p:bg>
-      <p:bgPr>
-        <a:gradFill>
-          <a:gsLst>
-            <a:gs pos="18000">
-              <a:srgbClr val="42DAAB"/>
-            </a:gs>
-            <a:gs pos="0">
-              <a:schemeClr val="tx1"/>
-            </a:gs>
-            <a:gs pos="100000">
-              <a:schemeClr val="accent1">
-                <a:lumMod val="30000"/>
-                <a:lumOff val="70000"/>
-              </a:schemeClr>
-            </a:gs>
-          </a:gsLst>
-          <a:lin ang="2700000" scaled="1"/>
-        </a:gradFill>
-        <a:effectLst/>
-      </p:bgPr>
-    </p:bg>
-    <p:spTree>
-      <p:nvGrpSpPr>
-        <p:cNvPr id="1" name="">
-          <a:extLst>
-            <a:ext uri="{FF2B5EF4-FFF2-40B4-BE49-F238E27FC236}">
-              <a16:creationId xmlns:a16="http://schemas.microsoft.com/office/drawing/2014/main" id="{45946E1B-3654-20DC-8B1D-E1ECF9413A2E}"/>
-            </a:ext>
-          </a:extLst>
-        </p:cNvPr>
-        <p:cNvGrpSpPr/>
-        <p:nvPr/>
-      </p:nvGrpSpPr>
-      <p:grpSpPr>
-        <a:xfrm>
-          <a:off x="0" y="0"/>
-          <a:ext cx="0" cy="0"/>
-          <a:chOff x="0" y="0"/>
-          <a:chExt cx="0" cy="0"/>
-        </a:xfrm>
-      </p:grpSpPr>
-      <p:sp>
-        <p:nvSpPr>
-          <p:cNvPr id="2" name="TextBox 1">
-            <a:extLst>
-              <a:ext uri="{FF2B5EF4-FFF2-40B4-BE49-F238E27FC236}">
-                <a16:creationId xmlns:a16="http://schemas.microsoft.com/office/drawing/2014/main" id="{9E2472A5-1953-F781-D6AF-983F896D436F}"/>
-              </a:ext>
-            </a:extLst>
-          </p:cNvPr>
-          <p:cNvSpPr txBox="1"/>
-          <p:nvPr/>
-        </p:nvSpPr>
-        <p:spPr>
-          <a:xfrm>
-            <a:off x="0" y="256357"/>
-            <a:ext cx="5067946" cy="523220"/>
-          </a:xfrm>
-          <a:prstGeom prst="rect">
-            <a:avLst/>
-          </a:prstGeom>
-          <a:noFill/>
-        </p:spPr>
-        <p:txBody>
-          <a:bodyPr wrap="square" rtlCol="0">
-            <a:spAutoFit/>
-          </a:bodyPr>
-          <a:lstStyle/>
-          <a:p>
-            <a:r>
-              <a:rPr lang="en-US" sz="2800" u="sng" dirty="0">
-                <a:solidFill>
-                  <a:schemeClr val="bg1"/>
-                </a:solidFill>
-                <a:latin typeface="Calibri" panose="020F0502020204030204" pitchFamily="34" charset="0"/>
-                <a:ea typeface="Calibri" panose="020F0502020204030204" pitchFamily="34" charset="0"/>
-                <a:cs typeface="Calibri" panose="020F0502020204030204" pitchFamily="34" charset="0"/>
-              </a:rPr>
-              <a:t>Benefits of This Architecture </a:t>
-            </a:r>
-          </a:p>
-        </p:txBody>
-      </p:sp>
-      <p:sp>
-        <p:nvSpPr>
-          <p:cNvPr id="4" name="TextBox 3">
-            <a:extLst>
-              <a:ext uri="{FF2B5EF4-FFF2-40B4-BE49-F238E27FC236}">
-                <a16:creationId xmlns:a16="http://schemas.microsoft.com/office/drawing/2014/main" id="{80E8E44B-02E8-60B3-9145-9B7CCB614C63}"/>
-              </a:ext>
-            </a:extLst>
-          </p:cNvPr>
-          <p:cNvSpPr txBox="1"/>
-          <p:nvPr/>
-        </p:nvSpPr>
-        <p:spPr>
-          <a:xfrm>
-            <a:off x="-1" y="1559377"/>
-            <a:ext cx="10343214" cy="1631216"/>
-          </a:xfrm>
-          <a:prstGeom prst="rect">
-            <a:avLst/>
-          </a:prstGeom>
-          <a:noFill/>
-        </p:spPr>
-        <p:txBody>
-          <a:bodyPr wrap="square">
-            <a:spAutoFit/>
-          </a:bodyPr>
-          <a:lstStyle/>
-          <a:p>
-            <a:pPr marL="342900" indent="-342900" rtl="0" fontAlgn="ctr">
-              <a:buFont typeface="Wingdings" panose="05000000000000000000" pitchFamily="2" charset="2"/>
-              <a:buChar char="§"/>
-            </a:pPr>
-            <a:r>
-              <a:rPr lang="en-US" sz="2000" b="1" i="0" dirty="0">
-                <a:effectLst/>
-                <a:latin typeface="Calibri" panose="020F0502020204030204" pitchFamily="34" charset="0"/>
-              </a:rPr>
-              <a:t>Scalability</a:t>
-            </a:r>
-            <a:r>
-              <a:rPr lang="en-US" sz="2000" b="0" i="0" dirty="0">
-                <a:effectLst/>
-                <a:latin typeface="Calibri" panose="020F0502020204030204" pitchFamily="34" charset="0"/>
-              </a:rPr>
-              <a:t>: Easily expand as business grows with isolated spoke networks.</a:t>
-            </a:r>
-            <a:endParaRPr lang="en-US" sz="2000" b="1" i="0" dirty="0">
-              <a:effectLst/>
-              <a:latin typeface="Calibri" panose="020F0502020204030204" pitchFamily="34" charset="0"/>
-            </a:endParaRPr>
-          </a:p>
-          <a:p>
-            <a:pPr marL="342900" indent="-342900" rtl="0" fontAlgn="ctr">
-              <a:buFont typeface="Wingdings" panose="05000000000000000000" pitchFamily="2" charset="2"/>
-              <a:buChar char="§"/>
-            </a:pPr>
-            <a:r>
-              <a:rPr lang="en-US" sz="2000" b="1" i="0" dirty="0">
-                <a:effectLst/>
-                <a:latin typeface="Calibri" panose="020F0502020204030204" pitchFamily="34" charset="0"/>
-              </a:rPr>
-              <a:t>Security</a:t>
-            </a:r>
-            <a:r>
-              <a:rPr lang="en-US" sz="2000" b="0" i="0" dirty="0">
-                <a:effectLst/>
-                <a:latin typeface="Calibri" panose="020F0502020204030204" pitchFamily="34" charset="0"/>
-              </a:rPr>
-              <a:t>: Robust data protection with encryption, RBAC, and private endpoints.</a:t>
-            </a:r>
-            <a:endParaRPr lang="en-US" sz="2000" b="1" i="0" dirty="0">
-              <a:effectLst/>
-              <a:latin typeface="Calibri" panose="020F0502020204030204" pitchFamily="34" charset="0"/>
-            </a:endParaRPr>
-          </a:p>
-          <a:p>
-            <a:pPr marL="342900" indent="-342900" rtl="0" fontAlgn="ctr">
-              <a:buFont typeface="Wingdings" panose="05000000000000000000" pitchFamily="2" charset="2"/>
-              <a:buChar char="§"/>
-            </a:pPr>
-            <a:r>
-              <a:rPr lang="en-US" sz="2000" b="1" i="0" dirty="0">
-                <a:effectLst/>
-                <a:latin typeface="Calibri" panose="020F0502020204030204" pitchFamily="34" charset="0"/>
-              </a:rPr>
-              <a:t>Global Reach</a:t>
-            </a:r>
-            <a:r>
-              <a:rPr lang="en-US" sz="2000" b="0" i="0" dirty="0">
-                <a:effectLst/>
-                <a:latin typeface="Calibri" panose="020F0502020204030204" pitchFamily="34" charset="0"/>
-              </a:rPr>
-              <a:t>: Fast, reliable delivery of recipe files via Azure CDN.</a:t>
-            </a:r>
-            <a:endParaRPr lang="en-US" sz="2000" b="1" i="0" dirty="0">
-              <a:effectLst/>
-              <a:latin typeface="Calibri" panose="020F0502020204030204" pitchFamily="34" charset="0"/>
-            </a:endParaRPr>
-          </a:p>
-          <a:p>
-            <a:pPr marL="342900" indent="-342900" rtl="0" fontAlgn="ctr">
-              <a:buFont typeface="Wingdings" panose="05000000000000000000" pitchFamily="2" charset="2"/>
-              <a:buChar char="§"/>
-            </a:pPr>
-            <a:r>
-              <a:rPr lang="en-US" sz="2000" b="1" i="0" dirty="0">
-                <a:effectLst/>
-                <a:latin typeface="Calibri" panose="020F0502020204030204" pitchFamily="34" charset="0"/>
-              </a:rPr>
-              <a:t>Automation</a:t>
-            </a:r>
-            <a:r>
-              <a:rPr lang="en-US" sz="2000" b="0" i="0" dirty="0">
-                <a:effectLst/>
-                <a:latin typeface="Calibri" panose="020F0502020204030204" pitchFamily="34" charset="0"/>
-              </a:rPr>
-              <a:t>: Reduces manual work with Azure Functions for file zipping.</a:t>
-            </a:r>
-            <a:endParaRPr lang="en-US" sz="2000" b="1" i="0" dirty="0">
-              <a:effectLst/>
-              <a:latin typeface="Calibri" panose="020F0502020204030204" pitchFamily="34" charset="0"/>
-            </a:endParaRPr>
-          </a:p>
-          <a:p>
-            <a:pPr marL="342900" indent="-342900" rtl="0" fontAlgn="ctr">
-              <a:buFont typeface="Wingdings" panose="05000000000000000000" pitchFamily="2" charset="2"/>
-              <a:buChar char="§"/>
-            </a:pPr>
-            <a:r>
-              <a:rPr lang="en-US" sz="2000" b="1" i="0" dirty="0">
-                <a:effectLst/>
-                <a:latin typeface="Calibri" panose="020F0502020204030204" pitchFamily="34" charset="0"/>
-              </a:rPr>
-              <a:t>Comprehensive Monitoring</a:t>
-            </a:r>
-            <a:r>
-              <a:rPr lang="en-US" sz="2000" b="0" i="0" dirty="0">
-                <a:effectLst/>
-                <a:latin typeface="Calibri" panose="020F0502020204030204" pitchFamily="34" charset="0"/>
-              </a:rPr>
-              <a:t>: Centralized logging and alerting for performance and security</a:t>
-            </a:r>
-            <a:r>
-              <a:rPr lang="en-US" sz="1800" b="0" i="0" dirty="0">
-                <a:effectLst/>
-                <a:latin typeface="Calibri" panose="020F0502020204030204" pitchFamily="34" charset="0"/>
-              </a:rPr>
-              <a:t>.</a:t>
-            </a:r>
-            <a:endParaRPr lang="en-US" sz="1800" b="1" i="0" dirty="0">
-              <a:effectLst/>
-              <a:latin typeface="Calibri" panose="020F0502020204030204" pitchFamily="34" charset="0"/>
-            </a:endParaRPr>
-          </a:p>
-        </p:txBody>
-      </p:sp>
-    </p:spTree>
-    <p:extLst>
-      <p:ext uri="{BB962C8B-B14F-4D97-AF65-F5344CB8AC3E}">
-        <p14:creationId xmlns:p14="http://schemas.microsoft.com/office/powerpoint/2010/main" val="4026869486"/>
-      </p:ext>
-    </p:extLst>
-  </p:cSld>
-  <p:clrMapOvr>
-    <a:masterClrMapping/>
-  </p:clrMapOvr>
-</p:sld>
-</file>
-
 <file path=ppt/theme/theme1.xml><?xml version="1.0" encoding="utf-8"?>
 <a:theme xmlns:a="http://schemas.openxmlformats.org/drawingml/2006/main" name="SwellVTI">
   <a:themeElements>

--- a/Circu Li Ion.pptx
+++ b/Circu Li Ion.pptx
@@ -206,7 +206,7 @@
           <a:p>
             <a:fld id="{B8675DA5-36BE-4448-9266-980E75C28C94}" type="datetimeFigureOut">
               <a:rPr lang="en-US" smtClean="0"/>
-              <a:t>12/15/2024</a:t>
+              <a:t>12/16/2024</a:t>
             </a:fld>
             <a:endParaRPr lang="en-US"/>
           </a:p>
@@ -954,7 +954,7 @@
           <a:p>
             <a:fld id="{1E351CED-465B-40B5-ADCE-957C918F227B}" type="datetimeFigureOut">
               <a:rPr lang="en-US" smtClean="0"/>
-              <a:t>12/15/2024</a:t>
+              <a:t>12/16/2024</a:t>
             </a:fld>
             <a:endParaRPr lang="en-US"/>
           </a:p>
@@ -1162,7 +1162,7 @@
           <a:p>
             <a:fld id="{1E351CED-465B-40B5-ADCE-957C918F227B}" type="datetimeFigureOut">
               <a:rPr lang="en-US" smtClean="0"/>
-              <a:t>12/15/2024</a:t>
+              <a:t>12/16/2024</a:t>
             </a:fld>
             <a:endParaRPr lang="en-US"/>
           </a:p>
@@ -1372,7 +1372,7 @@
           <a:p>
             <a:fld id="{1E351CED-465B-40B5-ADCE-957C918F227B}" type="datetimeFigureOut">
               <a:rPr lang="en-US" smtClean="0"/>
-              <a:t>12/15/2024</a:t>
+              <a:t>12/16/2024</a:t>
             </a:fld>
             <a:endParaRPr lang="en-US"/>
           </a:p>
@@ -1572,7 +1572,7 @@
           <a:p>
             <a:fld id="{1E351CED-465B-40B5-ADCE-957C918F227B}" type="datetimeFigureOut">
               <a:rPr lang="en-US" smtClean="0"/>
-              <a:t>12/15/2024</a:t>
+              <a:t>12/16/2024</a:t>
             </a:fld>
             <a:endParaRPr lang="en-US"/>
           </a:p>
@@ -2150,7 +2150,7 @@
           <a:p>
             <a:fld id="{1E351CED-465B-40B5-ADCE-957C918F227B}" type="datetimeFigureOut">
               <a:rPr lang="en-US" smtClean="0"/>
-              <a:t>12/15/2024</a:t>
+              <a:t>12/16/2024</a:t>
             </a:fld>
             <a:endParaRPr lang="en-US"/>
           </a:p>
@@ -2423,7 +2423,7 @@
           <a:p>
             <a:fld id="{1E351CED-465B-40B5-ADCE-957C918F227B}" type="datetimeFigureOut">
               <a:rPr lang="en-US" smtClean="0"/>
-              <a:t>12/15/2024</a:t>
+              <a:t>12/16/2024</a:t>
             </a:fld>
             <a:endParaRPr lang="en-US"/>
           </a:p>
@@ -2840,7 +2840,7 @@
           <a:p>
             <a:fld id="{1E351CED-465B-40B5-ADCE-957C918F227B}" type="datetimeFigureOut">
               <a:rPr lang="en-US" smtClean="0"/>
-              <a:t>12/15/2024</a:t>
+              <a:t>12/16/2024</a:t>
             </a:fld>
             <a:endParaRPr lang="en-US"/>
           </a:p>
@@ -2987,7 +2987,7 @@
           <a:p>
             <a:fld id="{1E351CED-465B-40B5-ADCE-957C918F227B}" type="datetimeFigureOut">
               <a:rPr lang="en-US" smtClean="0"/>
-              <a:t>12/15/2024</a:t>
+              <a:t>12/16/2024</a:t>
             </a:fld>
             <a:endParaRPr lang="en-US"/>
           </a:p>
@@ -3100,7 +3100,7 @@
           <a:p>
             <a:fld id="{1E351CED-465B-40B5-ADCE-957C918F227B}" type="datetimeFigureOut">
               <a:rPr lang="en-US" smtClean="0"/>
-              <a:t>12/15/2024</a:t>
+              <a:t>12/16/2024</a:t>
             </a:fld>
             <a:endParaRPr lang="en-US"/>
           </a:p>
@@ -3415,7 +3415,7 @@
           <a:p>
             <a:fld id="{1E351CED-465B-40B5-ADCE-957C918F227B}" type="datetimeFigureOut">
               <a:rPr lang="en-US" smtClean="0"/>
-              <a:t>12/15/2024</a:t>
+              <a:t>12/16/2024</a:t>
             </a:fld>
             <a:endParaRPr lang="en-US"/>
           </a:p>
@@ -3709,7 +3709,7 @@
           <a:p>
             <a:fld id="{1E351CED-465B-40B5-ADCE-957C918F227B}" type="datetimeFigureOut">
               <a:rPr lang="en-US" smtClean="0"/>
-              <a:t>12/15/2024</a:t>
+              <a:t>12/16/2024</a:t>
             </a:fld>
             <a:endParaRPr lang="en-US"/>
           </a:p>
@@ -3950,7 +3950,7 @@
           <a:p>
             <a:fld id="{1E351CED-465B-40B5-ADCE-957C918F227B}" type="datetimeFigureOut">
               <a:rPr lang="en-US" smtClean="0"/>
-              <a:t>12/15/2024</a:t>
+              <a:t>12/16/2024</a:t>
             </a:fld>
             <a:endParaRPr lang="en-US"/>
           </a:p>
@@ -5075,539 +5075,6 @@
           </a:p>
         </p:txBody>
       </p:sp>
-      <p:sp>
-        <p:nvSpPr>
-          <p:cNvPr id="3" name="TextBox 2">
-            <a:extLst>
-              <a:ext uri="{FF2B5EF4-FFF2-40B4-BE49-F238E27FC236}">
-                <a16:creationId xmlns:a16="http://schemas.microsoft.com/office/drawing/2014/main" id="{C969B131-292E-1189-DA0F-A4E15D40F1C1}"/>
-              </a:ext>
-            </a:extLst>
-          </p:cNvPr>
-          <p:cNvSpPr txBox="1"/>
-          <p:nvPr/>
-        </p:nvSpPr>
-        <p:spPr>
-          <a:xfrm>
-            <a:off x="277921" y="4337728"/>
-            <a:ext cx="5067946" cy="523220"/>
-          </a:xfrm>
-          <a:prstGeom prst="rect">
-            <a:avLst/>
-          </a:prstGeom>
-          <a:noFill/>
-        </p:spPr>
-        <p:txBody>
-          <a:bodyPr wrap="square" rtlCol="0">
-            <a:spAutoFit/>
-          </a:bodyPr>
-          <a:lstStyle/>
-          <a:p>
-            <a:r>
-              <a:rPr lang="en-US" sz="2800" u="sng" dirty="0">
-                <a:solidFill>
-                  <a:schemeClr val="bg1"/>
-                </a:solidFill>
-                <a:latin typeface="Calibri" panose="020F0502020204030204" pitchFamily="34" charset="0"/>
-                <a:ea typeface="Calibri" panose="020F0502020204030204" pitchFamily="34" charset="0"/>
-                <a:cs typeface="Calibri" panose="020F0502020204030204" pitchFamily="34" charset="0"/>
-              </a:rPr>
-              <a:t>Proposed Architecture Flow </a:t>
-            </a:r>
-          </a:p>
-        </p:txBody>
-      </p:sp>
-      <p:sp>
-        <p:nvSpPr>
-          <p:cNvPr id="5" name="Rectangle: Rounded Corners 4">
-            <a:extLst>
-              <a:ext uri="{FF2B5EF4-FFF2-40B4-BE49-F238E27FC236}">
-                <a16:creationId xmlns:a16="http://schemas.microsoft.com/office/drawing/2014/main" id="{AB3885C8-1BAE-F34A-10D8-7792D7AA08E8}"/>
-              </a:ext>
-            </a:extLst>
-          </p:cNvPr>
-          <p:cNvSpPr/>
-          <p:nvPr/>
-        </p:nvSpPr>
-        <p:spPr>
-          <a:xfrm>
-            <a:off x="689547" y="5216577"/>
-            <a:ext cx="1723869" cy="764499"/>
-          </a:xfrm>
-          <a:prstGeom prst="roundRect">
-            <a:avLst/>
-          </a:prstGeom>
-          <a:solidFill>
-            <a:srgbClr val="42DAAB"/>
-          </a:solidFill>
-        </p:spPr>
-        <p:style>
-          <a:lnRef idx="2">
-            <a:schemeClr val="accent1">
-              <a:shade val="15000"/>
-            </a:schemeClr>
-          </a:lnRef>
-          <a:fillRef idx="1">
-            <a:schemeClr val="accent1"/>
-          </a:fillRef>
-          <a:effectRef idx="0">
-            <a:schemeClr val="accent1"/>
-          </a:effectRef>
-          <a:fontRef idx="minor">
-            <a:schemeClr val="lt1"/>
-          </a:fontRef>
-        </p:style>
-        <p:txBody>
-          <a:bodyPr rtlCol="0" anchor="ctr"/>
-          <a:lstStyle/>
-          <a:p>
-            <a:pPr algn="ctr"/>
-            <a:r>
-              <a:rPr lang="en-US" sz="2000" dirty="0">
-                <a:solidFill>
-                  <a:schemeClr val="tx1"/>
-                </a:solidFill>
-                <a:latin typeface="Calibri" panose="020F0502020204030204" pitchFamily="34" charset="0"/>
-                <a:ea typeface="Calibri" panose="020F0502020204030204" pitchFamily="34" charset="0"/>
-                <a:cs typeface="Calibri" panose="020F0502020204030204" pitchFamily="34" charset="0"/>
-              </a:rPr>
-              <a:t>Data Source</a:t>
-            </a:r>
-          </a:p>
-        </p:txBody>
-      </p:sp>
-      <p:sp>
-        <p:nvSpPr>
-          <p:cNvPr id="6" name="Rectangle: Rounded Corners 5">
-            <a:extLst>
-              <a:ext uri="{FF2B5EF4-FFF2-40B4-BE49-F238E27FC236}">
-                <a16:creationId xmlns:a16="http://schemas.microsoft.com/office/drawing/2014/main" id="{98CD0170-21F3-42ED-AAFC-67191837979F}"/>
-              </a:ext>
-            </a:extLst>
-          </p:cNvPr>
-          <p:cNvSpPr/>
-          <p:nvPr/>
-        </p:nvSpPr>
-        <p:spPr>
-          <a:xfrm>
-            <a:off x="2955560" y="5216577"/>
-            <a:ext cx="1723869" cy="764499"/>
-          </a:xfrm>
-          <a:prstGeom prst="roundRect">
-            <a:avLst/>
-          </a:prstGeom>
-          <a:solidFill>
-            <a:srgbClr val="42DAAB"/>
-          </a:solidFill>
-        </p:spPr>
-        <p:style>
-          <a:lnRef idx="2">
-            <a:schemeClr val="accent1">
-              <a:shade val="15000"/>
-            </a:schemeClr>
-          </a:lnRef>
-          <a:fillRef idx="1">
-            <a:schemeClr val="accent1"/>
-          </a:fillRef>
-          <a:effectRef idx="0">
-            <a:schemeClr val="accent1"/>
-          </a:effectRef>
-          <a:fontRef idx="minor">
-            <a:schemeClr val="lt1"/>
-          </a:fontRef>
-        </p:style>
-        <p:txBody>
-          <a:bodyPr rtlCol="0" anchor="ctr"/>
-          <a:lstStyle/>
-          <a:p>
-            <a:pPr algn="ctr"/>
-            <a:r>
-              <a:rPr lang="en-US" sz="2000" dirty="0">
-                <a:solidFill>
-                  <a:schemeClr val="tx1"/>
-                </a:solidFill>
-                <a:latin typeface="Calibri" panose="020F0502020204030204" pitchFamily="34" charset="0"/>
-                <a:ea typeface="Calibri" panose="020F0502020204030204" pitchFamily="34" charset="0"/>
-                <a:cs typeface="Calibri" panose="020F0502020204030204" pitchFamily="34" charset="0"/>
-              </a:rPr>
-              <a:t>Store the Data</a:t>
-            </a:r>
-          </a:p>
-        </p:txBody>
-      </p:sp>
-      <p:sp>
-        <p:nvSpPr>
-          <p:cNvPr id="7" name="Rectangle: Rounded Corners 6">
-            <a:extLst>
-              <a:ext uri="{FF2B5EF4-FFF2-40B4-BE49-F238E27FC236}">
-                <a16:creationId xmlns:a16="http://schemas.microsoft.com/office/drawing/2014/main" id="{3E99E5F3-4975-BED0-BA21-56C4A9D9E8E8}"/>
-              </a:ext>
-            </a:extLst>
-          </p:cNvPr>
-          <p:cNvSpPr/>
-          <p:nvPr/>
-        </p:nvSpPr>
-        <p:spPr>
-          <a:xfrm>
-            <a:off x="5385005" y="5216576"/>
-            <a:ext cx="1723869" cy="764499"/>
-          </a:xfrm>
-          <a:prstGeom prst="roundRect">
-            <a:avLst/>
-          </a:prstGeom>
-          <a:solidFill>
-            <a:srgbClr val="42DAAB"/>
-          </a:solidFill>
-        </p:spPr>
-        <p:style>
-          <a:lnRef idx="2">
-            <a:schemeClr val="accent1">
-              <a:shade val="15000"/>
-            </a:schemeClr>
-          </a:lnRef>
-          <a:fillRef idx="1">
-            <a:schemeClr val="accent1"/>
-          </a:fillRef>
-          <a:effectRef idx="0">
-            <a:schemeClr val="accent1"/>
-          </a:effectRef>
-          <a:fontRef idx="minor">
-            <a:schemeClr val="lt1"/>
-          </a:fontRef>
-        </p:style>
-        <p:txBody>
-          <a:bodyPr rtlCol="0" anchor="ctr"/>
-          <a:lstStyle/>
-          <a:p>
-            <a:pPr algn="ctr"/>
-            <a:r>
-              <a:rPr lang="en-US" sz="2000" dirty="0">
-                <a:solidFill>
-                  <a:schemeClr val="tx1"/>
-                </a:solidFill>
-                <a:latin typeface="Calibri" panose="020F0502020204030204" pitchFamily="34" charset="0"/>
-                <a:ea typeface="Calibri" panose="020F0502020204030204" pitchFamily="34" charset="0"/>
-                <a:cs typeface="Calibri" panose="020F0502020204030204" pitchFamily="34" charset="0"/>
-              </a:rPr>
-              <a:t>Process the Data </a:t>
-            </a:r>
-          </a:p>
-        </p:txBody>
-      </p:sp>
-      <p:sp>
-        <p:nvSpPr>
-          <p:cNvPr id="8" name="Rectangle: Rounded Corners 7">
-            <a:extLst>
-              <a:ext uri="{FF2B5EF4-FFF2-40B4-BE49-F238E27FC236}">
-                <a16:creationId xmlns:a16="http://schemas.microsoft.com/office/drawing/2014/main" id="{107C2CC4-06BD-6E1A-3BC5-9467ED2C5877}"/>
-              </a:ext>
-            </a:extLst>
-          </p:cNvPr>
-          <p:cNvSpPr/>
-          <p:nvPr/>
-        </p:nvSpPr>
-        <p:spPr>
-          <a:xfrm>
-            <a:off x="7762828" y="5216576"/>
-            <a:ext cx="1723869" cy="764499"/>
-          </a:xfrm>
-          <a:prstGeom prst="roundRect">
-            <a:avLst/>
-          </a:prstGeom>
-          <a:solidFill>
-            <a:srgbClr val="42DAAB"/>
-          </a:solidFill>
-        </p:spPr>
-        <p:style>
-          <a:lnRef idx="2">
-            <a:schemeClr val="accent1">
-              <a:shade val="15000"/>
-            </a:schemeClr>
-          </a:lnRef>
-          <a:fillRef idx="1">
-            <a:schemeClr val="accent1"/>
-          </a:fillRef>
-          <a:effectRef idx="0">
-            <a:schemeClr val="accent1"/>
-          </a:effectRef>
-          <a:fontRef idx="minor">
-            <a:schemeClr val="lt1"/>
-          </a:fontRef>
-        </p:style>
-        <p:txBody>
-          <a:bodyPr rtlCol="0" anchor="ctr"/>
-          <a:lstStyle/>
-          <a:p>
-            <a:pPr algn="ctr"/>
-            <a:r>
-              <a:rPr lang="en-US" sz="2000" dirty="0">
-                <a:solidFill>
-                  <a:schemeClr val="tx1"/>
-                </a:solidFill>
-                <a:latin typeface="Calibri" panose="020F0502020204030204" pitchFamily="34" charset="0"/>
-                <a:ea typeface="Calibri" panose="020F0502020204030204" pitchFamily="34" charset="0"/>
-                <a:cs typeface="Calibri" panose="020F0502020204030204" pitchFamily="34" charset="0"/>
-              </a:rPr>
-              <a:t>Store the Data </a:t>
-            </a:r>
-          </a:p>
-        </p:txBody>
-      </p:sp>
-      <p:sp>
-        <p:nvSpPr>
-          <p:cNvPr id="9" name="Rectangle: Rounded Corners 8">
-            <a:extLst>
-              <a:ext uri="{FF2B5EF4-FFF2-40B4-BE49-F238E27FC236}">
-                <a16:creationId xmlns:a16="http://schemas.microsoft.com/office/drawing/2014/main" id="{E00638C6-D4BA-D9D8-1C38-CC6364C02BD3}"/>
-              </a:ext>
-            </a:extLst>
-          </p:cNvPr>
-          <p:cNvSpPr/>
-          <p:nvPr/>
-        </p:nvSpPr>
-        <p:spPr>
-          <a:xfrm>
-            <a:off x="10090878" y="5185158"/>
-            <a:ext cx="1723869" cy="764499"/>
-          </a:xfrm>
-          <a:prstGeom prst="roundRect">
-            <a:avLst/>
-          </a:prstGeom>
-          <a:solidFill>
-            <a:srgbClr val="42DAAB"/>
-          </a:solidFill>
-        </p:spPr>
-        <p:style>
-          <a:lnRef idx="2">
-            <a:schemeClr val="accent1">
-              <a:shade val="15000"/>
-            </a:schemeClr>
-          </a:lnRef>
-          <a:fillRef idx="1">
-            <a:schemeClr val="accent1"/>
-          </a:fillRef>
-          <a:effectRef idx="0">
-            <a:schemeClr val="accent1"/>
-          </a:effectRef>
-          <a:fontRef idx="minor">
-            <a:schemeClr val="lt1"/>
-          </a:fontRef>
-        </p:style>
-        <p:txBody>
-          <a:bodyPr rtlCol="0" anchor="ctr"/>
-          <a:lstStyle/>
-          <a:p>
-            <a:pPr algn="ctr"/>
-            <a:r>
-              <a:rPr lang="en-US" sz="2000" dirty="0">
-                <a:solidFill>
-                  <a:schemeClr val="tx1"/>
-                </a:solidFill>
-                <a:latin typeface="Calibri" panose="020F0502020204030204" pitchFamily="34" charset="0"/>
-                <a:ea typeface="Calibri" panose="020F0502020204030204" pitchFamily="34" charset="0"/>
-                <a:cs typeface="Calibri" panose="020F0502020204030204" pitchFamily="34" charset="0"/>
-              </a:rPr>
-              <a:t>Transfer to Customer</a:t>
-            </a:r>
-          </a:p>
-        </p:txBody>
-      </p:sp>
-      <p:sp>
-        <p:nvSpPr>
-          <p:cNvPr id="10" name="Arrow: Right 9">
-            <a:extLst>
-              <a:ext uri="{FF2B5EF4-FFF2-40B4-BE49-F238E27FC236}">
-                <a16:creationId xmlns:a16="http://schemas.microsoft.com/office/drawing/2014/main" id="{03A2B51C-300F-DEDB-9E3D-44E1D09FAC20}"/>
-              </a:ext>
-            </a:extLst>
-          </p:cNvPr>
-          <p:cNvSpPr/>
-          <p:nvPr/>
-        </p:nvSpPr>
-        <p:spPr>
-          <a:xfrm>
-            <a:off x="2413416" y="5511645"/>
-            <a:ext cx="542144" cy="154368"/>
-          </a:xfrm>
-          <a:prstGeom prst="rightArrow">
-            <a:avLst/>
-          </a:prstGeom>
-          <a:solidFill>
-            <a:schemeClr val="tx1"/>
-          </a:solidFill>
-        </p:spPr>
-        <p:style>
-          <a:lnRef idx="2">
-            <a:schemeClr val="accent1">
-              <a:shade val="15000"/>
-            </a:schemeClr>
-          </a:lnRef>
-          <a:fillRef idx="1">
-            <a:schemeClr val="accent1"/>
-          </a:fillRef>
-          <a:effectRef idx="0">
-            <a:schemeClr val="accent1"/>
-          </a:effectRef>
-          <a:fontRef idx="minor">
-            <a:schemeClr val="lt1"/>
-          </a:fontRef>
-        </p:style>
-        <p:txBody>
-          <a:bodyPr rtlCol="0" anchor="ctr"/>
-          <a:lstStyle/>
-          <a:p>
-            <a:pPr algn="ctr"/>
-            <a:endParaRPr lang="en-US"/>
-          </a:p>
-        </p:txBody>
-      </p:sp>
-      <p:sp>
-        <p:nvSpPr>
-          <p:cNvPr id="11" name="Arrow: Right 10">
-            <a:extLst>
-              <a:ext uri="{FF2B5EF4-FFF2-40B4-BE49-F238E27FC236}">
-                <a16:creationId xmlns:a16="http://schemas.microsoft.com/office/drawing/2014/main" id="{5F89F3FF-8B92-3E2A-8EE5-5650BDEFA9F0}"/>
-              </a:ext>
-            </a:extLst>
-          </p:cNvPr>
-          <p:cNvSpPr/>
-          <p:nvPr/>
-        </p:nvSpPr>
-        <p:spPr>
-          <a:xfrm>
-            <a:off x="4741466" y="5521641"/>
-            <a:ext cx="542144" cy="154368"/>
-          </a:xfrm>
-          <a:prstGeom prst="rightArrow">
-            <a:avLst/>
-          </a:prstGeom>
-          <a:solidFill>
-            <a:schemeClr val="tx1"/>
-          </a:solidFill>
-        </p:spPr>
-        <p:style>
-          <a:lnRef idx="2">
-            <a:schemeClr val="accent1">
-              <a:shade val="15000"/>
-            </a:schemeClr>
-          </a:lnRef>
-          <a:fillRef idx="1">
-            <a:schemeClr val="accent1"/>
-          </a:fillRef>
-          <a:effectRef idx="0">
-            <a:schemeClr val="accent1"/>
-          </a:effectRef>
-          <a:fontRef idx="minor">
-            <a:schemeClr val="lt1"/>
-          </a:fontRef>
-        </p:style>
-        <p:txBody>
-          <a:bodyPr rtlCol="0" anchor="ctr"/>
-          <a:lstStyle/>
-          <a:p>
-            <a:pPr algn="ctr"/>
-            <a:endParaRPr lang="en-US"/>
-          </a:p>
-        </p:txBody>
-      </p:sp>
-      <p:sp>
-        <p:nvSpPr>
-          <p:cNvPr id="12" name="Arrow: Right 11">
-            <a:extLst>
-              <a:ext uri="{FF2B5EF4-FFF2-40B4-BE49-F238E27FC236}">
-                <a16:creationId xmlns:a16="http://schemas.microsoft.com/office/drawing/2014/main" id="{5033F3BB-82CC-ECA9-7CF9-F568EA2408CE}"/>
-              </a:ext>
-            </a:extLst>
-          </p:cNvPr>
-          <p:cNvSpPr/>
-          <p:nvPr/>
-        </p:nvSpPr>
-        <p:spPr>
-          <a:xfrm>
-            <a:off x="7170911" y="5521375"/>
-            <a:ext cx="542144" cy="154368"/>
-          </a:xfrm>
-          <a:prstGeom prst="rightArrow">
-            <a:avLst/>
-          </a:prstGeom>
-          <a:solidFill>
-            <a:schemeClr val="tx1"/>
-          </a:solidFill>
-        </p:spPr>
-        <p:style>
-          <a:lnRef idx="2">
-            <a:schemeClr val="accent1">
-              <a:shade val="15000"/>
-            </a:schemeClr>
-          </a:lnRef>
-          <a:fillRef idx="1">
-            <a:schemeClr val="accent1"/>
-          </a:fillRef>
-          <a:effectRef idx="0">
-            <a:schemeClr val="accent1"/>
-          </a:effectRef>
-          <a:fontRef idx="minor">
-            <a:schemeClr val="lt1"/>
-          </a:fontRef>
-        </p:style>
-        <p:txBody>
-          <a:bodyPr rtlCol="0" anchor="ctr"/>
-          <a:lstStyle/>
-          <a:p>
-            <a:pPr algn="ctr"/>
-            <a:endParaRPr lang="en-US"/>
-          </a:p>
-        </p:txBody>
-      </p:sp>
-      <p:sp>
-        <p:nvSpPr>
-          <p:cNvPr id="13" name="Arrow: Right 12">
-            <a:extLst>
-              <a:ext uri="{FF2B5EF4-FFF2-40B4-BE49-F238E27FC236}">
-                <a16:creationId xmlns:a16="http://schemas.microsoft.com/office/drawing/2014/main" id="{5EC11C2D-CAAF-3AC5-B70B-F0CB1921F5E0}"/>
-              </a:ext>
-            </a:extLst>
-          </p:cNvPr>
-          <p:cNvSpPr/>
-          <p:nvPr/>
-        </p:nvSpPr>
-        <p:spPr>
-          <a:xfrm>
-            <a:off x="9507512" y="5547154"/>
-            <a:ext cx="542144" cy="154368"/>
-          </a:xfrm>
-          <a:prstGeom prst="rightArrow">
-            <a:avLst/>
-          </a:prstGeom>
-          <a:solidFill>
-            <a:schemeClr val="tx1"/>
-          </a:solidFill>
-        </p:spPr>
-        <p:style>
-          <a:lnRef idx="2">
-            <a:schemeClr val="accent1">
-              <a:shade val="15000"/>
-            </a:schemeClr>
-          </a:lnRef>
-          <a:fillRef idx="1">
-            <a:schemeClr val="accent1"/>
-          </a:fillRef>
-          <a:effectRef idx="0">
-            <a:schemeClr val="accent1"/>
-          </a:effectRef>
-          <a:fontRef idx="minor">
-            <a:schemeClr val="lt1"/>
-          </a:fontRef>
-        </p:style>
-        <p:txBody>
-          <a:bodyPr rtlCol="0" anchor="ctr"/>
-          <a:lstStyle/>
-          <a:p>
-            <a:pPr algn="ctr"/>
-            <a:endParaRPr lang="en-US"/>
-          </a:p>
-        </p:txBody>
-      </p:sp>
     </p:spTree>
     <p:extLst>
       <p:ext uri="{BB962C8B-B14F-4D97-AF65-F5344CB8AC3E}">
@@ -5680,7 +5147,7 @@
         </p:nvSpPr>
         <p:spPr>
           <a:xfrm>
-            <a:off x="0" y="256357"/>
+            <a:off x="0" y="3515039"/>
             <a:ext cx="5067946" cy="523220"/>
           </a:xfrm>
           <a:prstGeom prst="rect">
@@ -5722,7 +5189,7 @@
         </p:nvSpPr>
         <p:spPr>
           <a:xfrm>
-            <a:off x="273570" y="1101498"/>
+            <a:off x="318541" y="4099531"/>
             <a:ext cx="10849131" cy="1692771"/>
           </a:xfrm>
           <a:prstGeom prst="rect">
@@ -5801,57 +5268,21 @@
           </a:p>
         </p:txBody>
       </p:sp>
-      <p:pic>
-        <p:nvPicPr>
-          <p:cNvPr id="6" name="Graphic 5">
-            <a:extLst>
-              <a:ext uri="{FF2B5EF4-FFF2-40B4-BE49-F238E27FC236}">
-                <a16:creationId xmlns:a16="http://schemas.microsoft.com/office/drawing/2014/main" id="{80B8E82A-065B-81B9-416F-9966C8232D86}"/>
-              </a:ext>
-            </a:extLst>
-          </p:cNvPr>
-          <p:cNvPicPr>
-            <a:picLocks noChangeAspect="1"/>
-          </p:cNvPicPr>
+      <p:sp>
+        <p:nvSpPr>
+          <p:cNvPr id="8" name="TextBox 7">
+            <a:extLst>
+              <a:ext uri="{FF2B5EF4-FFF2-40B4-BE49-F238E27FC236}">
+                <a16:creationId xmlns:a16="http://schemas.microsoft.com/office/drawing/2014/main" id="{8E15AA03-14E6-B16E-3F21-50F074E4BBFB}"/>
+              </a:ext>
+            </a:extLst>
+          </p:cNvPr>
+          <p:cNvSpPr txBox="1"/>
           <p:nvPr/>
-        </p:nvPicPr>
-        <p:blipFill>
-          <a:blip r:embed="rId2">
-            <a:extLst>
-              <a:ext uri="{96DAC541-7B7A-43D3-8B79-37D633B846F1}">
-                <asvg:svgBlip xmlns:asvg="http://schemas.microsoft.com/office/drawing/2016/SVG/main" r:embed="rId3"/>
-              </a:ext>
-            </a:extLst>
-          </a:blip>
-          <a:stretch>
-            <a:fillRect/>
-          </a:stretch>
-        </p:blipFill>
+        </p:nvSpPr>
         <p:spPr>
           <a:xfrm>
-            <a:off x="1545279" y="4004592"/>
-            <a:ext cx="6164317" cy="2454510"/>
-          </a:xfrm>
-          <a:prstGeom prst="rect">
-            <a:avLst/>
-          </a:prstGeom>
-        </p:spPr>
-      </p:pic>
-      <p:sp>
-        <p:nvSpPr>
-          <p:cNvPr id="8" name="TextBox 7">
-            <a:extLst>
-              <a:ext uri="{FF2B5EF4-FFF2-40B4-BE49-F238E27FC236}">
-                <a16:creationId xmlns:a16="http://schemas.microsoft.com/office/drawing/2014/main" id="{8E15AA03-14E6-B16E-3F21-50F074E4BBFB}"/>
-              </a:ext>
-            </a:extLst>
-          </p:cNvPr>
-          <p:cNvSpPr txBox="1"/>
-          <p:nvPr/>
-        </p:nvSpPr>
-        <p:spPr>
-          <a:xfrm>
-            <a:off x="583647" y="2770180"/>
+            <a:off x="783516" y="5914846"/>
             <a:ext cx="11408484" cy="707886"/>
           </a:xfrm>
           <a:prstGeom prst="rect">
@@ -5881,6 +5312,539 @@
               </a:rPr>
               <a:t> network design will allow us to simplify security, improve scalability, manage costs more effectively, and ensure a flexible and robust architecture for handling large-scale data distribution</a:t>
             </a:r>
+          </a:p>
+        </p:txBody>
+      </p:sp>
+      <p:sp>
+        <p:nvSpPr>
+          <p:cNvPr id="3" name="TextBox 2">
+            <a:extLst>
+              <a:ext uri="{FF2B5EF4-FFF2-40B4-BE49-F238E27FC236}">
+                <a16:creationId xmlns:a16="http://schemas.microsoft.com/office/drawing/2014/main" id="{C969B131-292E-1189-DA0F-A4E15D40F1C1}"/>
+              </a:ext>
+            </a:extLst>
+          </p:cNvPr>
+          <p:cNvSpPr txBox="1"/>
+          <p:nvPr/>
+        </p:nvSpPr>
+        <p:spPr>
+          <a:xfrm>
+            <a:off x="0" y="542478"/>
+            <a:ext cx="5067946" cy="523220"/>
+          </a:xfrm>
+          <a:prstGeom prst="rect">
+            <a:avLst/>
+          </a:prstGeom>
+          <a:noFill/>
+        </p:spPr>
+        <p:txBody>
+          <a:bodyPr wrap="square" rtlCol="0">
+            <a:spAutoFit/>
+          </a:bodyPr>
+          <a:lstStyle/>
+          <a:p>
+            <a:r>
+              <a:rPr lang="en-US" sz="2800" u="sng" dirty="0">
+                <a:solidFill>
+                  <a:schemeClr val="bg1"/>
+                </a:solidFill>
+                <a:latin typeface="Calibri" panose="020F0502020204030204" pitchFamily="34" charset="0"/>
+                <a:ea typeface="Calibri" panose="020F0502020204030204" pitchFamily="34" charset="0"/>
+                <a:cs typeface="Calibri" panose="020F0502020204030204" pitchFamily="34" charset="0"/>
+              </a:rPr>
+              <a:t>Proposed Architecture Flow </a:t>
+            </a:r>
+          </a:p>
+        </p:txBody>
+      </p:sp>
+      <p:sp>
+        <p:nvSpPr>
+          <p:cNvPr id="5" name="Rectangle: Rounded Corners 4">
+            <a:extLst>
+              <a:ext uri="{FF2B5EF4-FFF2-40B4-BE49-F238E27FC236}">
+                <a16:creationId xmlns:a16="http://schemas.microsoft.com/office/drawing/2014/main" id="{AB3885C8-1BAE-F34A-10D8-7792D7AA08E8}"/>
+              </a:ext>
+            </a:extLst>
+          </p:cNvPr>
+          <p:cNvSpPr/>
+          <p:nvPr/>
+        </p:nvSpPr>
+        <p:spPr>
+          <a:xfrm>
+            <a:off x="318541" y="1802406"/>
+            <a:ext cx="1723869" cy="764499"/>
+          </a:xfrm>
+          <a:prstGeom prst="roundRect">
+            <a:avLst/>
+          </a:prstGeom>
+          <a:solidFill>
+            <a:srgbClr val="42DAAB"/>
+          </a:solidFill>
+        </p:spPr>
+        <p:style>
+          <a:lnRef idx="2">
+            <a:schemeClr val="accent1">
+              <a:shade val="15000"/>
+            </a:schemeClr>
+          </a:lnRef>
+          <a:fillRef idx="1">
+            <a:schemeClr val="accent1"/>
+          </a:fillRef>
+          <a:effectRef idx="0">
+            <a:schemeClr val="accent1"/>
+          </a:effectRef>
+          <a:fontRef idx="minor">
+            <a:schemeClr val="lt1"/>
+          </a:fontRef>
+        </p:style>
+        <p:txBody>
+          <a:bodyPr rtlCol="0" anchor="ctr"/>
+          <a:lstStyle/>
+          <a:p>
+            <a:pPr algn="ctr"/>
+            <a:r>
+              <a:rPr lang="en-US" sz="2000" dirty="0">
+                <a:solidFill>
+                  <a:schemeClr val="tx1"/>
+                </a:solidFill>
+                <a:latin typeface="Calibri" panose="020F0502020204030204" pitchFamily="34" charset="0"/>
+                <a:ea typeface="Calibri" panose="020F0502020204030204" pitchFamily="34" charset="0"/>
+                <a:cs typeface="Calibri" panose="020F0502020204030204" pitchFamily="34" charset="0"/>
+              </a:rPr>
+              <a:t>Data Source</a:t>
+            </a:r>
+          </a:p>
+        </p:txBody>
+      </p:sp>
+      <p:sp>
+        <p:nvSpPr>
+          <p:cNvPr id="7" name="Rectangle: Rounded Corners 6">
+            <a:extLst>
+              <a:ext uri="{FF2B5EF4-FFF2-40B4-BE49-F238E27FC236}">
+                <a16:creationId xmlns:a16="http://schemas.microsoft.com/office/drawing/2014/main" id="{98CD0170-21F3-42ED-AAFC-67191837979F}"/>
+              </a:ext>
+            </a:extLst>
+          </p:cNvPr>
+          <p:cNvSpPr/>
+          <p:nvPr/>
+        </p:nvSpPr>
+        <p:spPr>
+          <a:xfrm>
+            <a:off x="2584554" y="1802406"/>
+            <a:ext cx="1723869" cy="764499"/>
+          </a:xfrm>
+          <a:prstGeom prst="roundRect">
+            <a:avLst/>
+          </a:prstGeom>
+          <a:solidFill>
+            <a:srgbClr val="42DAAB"/>
+          </a:solidFill>
+        </p:spPr>
+        <p:style>
+          <a:lnRef idx="2">
+            <a:schemeClr val="accent1">
+              <a:shade val="15000"/>
+            </a:schemeClr>
+          </a:lnRef>
+          <a:fillRef idx="1">
+            <a:schemeClr val="accent1"/>
+          </a:fillRef>
+          <a:effectRef idx="0">
+            <a:schemeClr val="accent1"/>
+          </a:effectRef>
+          <a:fontRef idx="minor">
+            <a:schemeClr val="lt1"/>
+          </a:fontRef>
+        </p:style>
+        <p:txBody>
+          <a:bodyPr rtlCol="0" anchor="ctr"/>
+          <a:lstStyle/>
+          <a:p>
+            <a:pPr algn="ctr"/>
+            <a:r>
+              <a:rPr lang="en-US" sz="2000" dirty="0">
+                <a:solidFill>
+                  <a:schemeClr val="tx1"/>
+                </a:solidFill>
+                <a:latin typeface="Calibri" panose="020F0502020204030204" pitchFamily="34" charset="0"/>
+                <a:ea typeface="Calibri" panose="020F0502020204030204" pitchFamily="34" charset="0"/>
+                <a:cs typeface="Calibri" panose="020F0502020204030204" pitchFamily="34" charset="0"/>
+              </a:rPr>
+              <a:t>Store the Data</a:t>
+            </a:r>
+          </a:p>
+        </p:txBody>
+      </p:sp>
+      <p:sp>
+        <p:nvSpPr>
+          <p:cNvPr id="9" name="Rectangle: Rounded Corners 8">
+            <a:extLst>
+              <a:ext uri="{FF2B5EF4-FFF2-40B4-BE49-F238E27FC236}">
+                <a16:creationId xmlns:a16="http://schemas.microsoft.com/office/drawing/2014/main" id="{3E99E5F3-4975-BED0-BA21-56C4A9D9E8E8}"/>
+              </a:ext>
+            </a:extLst>
+          </p:cNvPr>
+          <p:cNvSpPr/>
+          <p:nvPr/>
+        </p:nvSpPr>
+        <p:spPr>
+          <a:xfrm>
+            <a:off x="5013999" y="1802405"/>
+            <a:ext cx="1723869" cy="764499"/>
+          </a:xfrm>
+          <a:prstGeom prst="roundRect">
+            <a:avLst/>
+          </a:prstGeom>
+          <a:solidFill>
+            <a:srgbClr val="42DAAB"/>
+          </a:solidFill>
+        </p:spPr>
+        <p:style>
+          <a:lnRef idx="2">
+            <a:schemeClr val="accent1">
+              <a:shade val="15000"/>
+            </a:schemeClr>
+          </a:lnRef>
+          <a:fillRef idx="1">
+            <a:schemeClr val="accent1"/>
+          </a:fillRef>
+          <a:effectRef idx="0">
+            <a:schemeClr val="accent1"/>
+          </a:effectRef>
+          <a:fontRef idx="minor">
+            <a:schemeClr val="lt1"/>
+          </a:fontRef>
+        </p:style>
+        <p:txBody>
+          <a:bodyPr rtlCol="0" anchor="ctr"/>
+          <a:lstStyle/>
+          <a:p>
+            <a:pPr algn="ctr"/>
+            <a:r>
+              <a:rPr lang="en-US" sz="2000" dirty="0">
+                <a:solidFill>
+                  <a:schemeClr val="tx1"/>
+                </a:solidFill>
+                <a:latin typeface="Calibri" panose="020F0502020204030204" pitchFamily="34" charset="0"/>
+                <a:ea typeface="Calibri" panose="020F0502020204030204" pitchFamily="34" charset="0"/>
+                <a:cs typeface="Calibri" panose="020F0502020204030204" pitchFamily="34" charset="0"/>
+              </a:rPr>
+              <a:t>Process the Data </a:t>
+            </a:r>
+          </a:p>
+        </p:txBody>
+      </p:sp>
+      <p:sp>
+        <p:nvSpPr>
+          <p:cNvPr id="10" name="Rectangle: Rounded Corners 9">
+            <a:extLst>
+              <a:ext uri="{FF2B5EF4-FFF2-40B4-BE49-F238E27FC236}">
+                <a16:creationId xmlns:a16="http://schemas.microsoft.com/office/drawing/2014/main" id="{107C2CC4-06BD-6E1A-3BC5-9467ED2C5877}"/>
+              </a:ext>
+            </a:extLst>
+          </p:cNvPr>
+          <p:cNvSpPr/>
+          <p:nvPr/>
+        </p:nvSpPr>
+        <p:spPr>
+          <a:xfrm>
+            <a:off x="7391822" y="1802405"/>
+            <a:ext cx="1723869" cy="764499"/>
+          </a:xfrm>
+          <a:prstGeom prst="roundRect">
+            <a:avLst/>
+          </a:prstGeom>
+          <a:solidFill>
+            <a:srgbClr val="42DAAB"/>
+          </a:solidFill>
+        </p:spPr>
+        <p:style>
+          <a:lnRef idx="2">
+            <a:schemeClr val="accent1">
+              <a:shade val="15000"/>
+            </a:schemeClr>
+          </a:lnRef>
+          <a:fillRef idx="1">
+            <a:schemeClr val="accent1"/>
+          </a:fillRef>
+          <a:effectRef idx="0">
+            <a:schemeClr val="accent1"/>
+          </a:effectRef>
+          <a:fontRef idx="minor">
+            <a:schemeClr val="lt1"/>
+          </a:fontRef>
+        </p:style>
+        <p:txBody>
+          <a:bodyPr rtlCol="0" anchor="ctr"/>
+          <a:lstStyle/>
+          <a:p>
+            <a:pPr algn="ctr"/>
+            <a:r>
+              <a:rPr lang="en-US" sz="2000" dirty="0">
+                <a:solidFill>
+                  <a:schemeClr val="tx1"/>
+                </a:solidFill>
+                <a:latin typeface="Calibri" panose="020F0502020204030204" pitchFamily="34" charset="0"/>
+                <a:ea typeface="Calibri" panose="020F0502020204030204" pitchFamily="34" charset="0"/>
+                <a:cs typeface="Calibri" panose="020F0502020204030204" pitchFamily="34" charset="0"/>
+              </a:rPr>
+              <a:t>Store the Data </a:t>
+            </a:r>
+          </a:p>
+        </p:txBody>
+      </p:sp>
+      <p:sp>
+        <p:nvSpPr>
+          <p:cNvPr id="11" name="Rectangle: Rounded Corners 10">
+            <a:extLst>
+              <a:ext uri="{FF2B5EF4-FFF2-40B4-BE49-F238E27FC236}">
+                <a16:creationId xmlns:a16="http://schemas.microsoft.com/office/drawing/2014/main" id="{E00638C6-D4BA-D9D8-1C38-CC6364C02BD3}"/>
+              </a:ext>
+            </a:extLst>
+          </p:cNvPr>
+          <p:cNvSpPr/>
+          <p:nvPr/>
+        </p:nvSpPr>
+        <p:spPr>
+          <a:xfrm>
+            <a:off x="9719872" y="1770987"/>
+            <a:ext cx="1723869" cy="764499"/>
+          </a:xfrm>
+          <a:prstGeom prst="roundRect">
+            <a:avLst/>
+          </a:prstGeom>
+          <a:solidFill>
+            <a:srgbClr val="42DAAB"/>
+          </a:solidFill>
+        </p:spPr>
+        <p:style>
+          <a:lnRef idx="2">
+            <a:schemeClr val="accent1">
+              <a:shade val="15000"/>
+            </a:schemeClr>
+          </a:lnRef>
+          <a:fillRef idx="1">
+            <a:schemeClr val="accent1"/>
+          </a:fillRef>
+          <a:effectRef idx="0">
+            <a:schemeClr val="accent1"/>
+          </a:effectRef>
+          <a:fontRef idx="minor">
+            <a:schemeClr val="lt1"/>
+          </a:fontRef>
+        </p:style>
+        <p:txBody>
+          <a:bodyPr rtlCol="0" anchor="ctr"/>
+          <a:lstStyle/>
+          <a:p>
+            <a:pPr algn="ctr"/>
+            <a:r>
+              <a:rPr lang="en-US" sz="2000" dirty="0">
+                <a:solidFill>
+                  <a:schemeClr val="tx1"/>
+                </a:solidFill>
+                <a:latin typeface="Calibri" panose="020F0502020204030204" pitchFamily="34" charset="0"/>
+                <a:ea typeface="Calibri" panose="020F0502020204030204" pitchFamily="34" charset="0"/>
+                <a:cs typeface="Calibri" panose="020F0502020204030204" pitchFamily="34" charset="0"/>
+              </a:rPr>
+              <a:t>Transfer to Customer</a:t>
+            </a:r>
+          </a:p>
+        </p:txBody>
+      </p:sp>
+      <p:sp>
+        <p:nvSpPr>
+          <p:cNvPr id="12" name="Arrow: Right 11">
+            <a:extLst>
+              <a:ext uri="{FF2B5EF4-FFF2-40B4-BE49-F238E27FC236}">
+                <a16:creationId xmlns:a16="http://schemas.microsoft.com/office/drawing/2014/main" id="{03A2B51C-300F-DEDB-9E3D-44E1D09FAC20}"/>
+              </a:ext>
+            </a:extLst>
+          </p:cNvPr>
+          <p:cNvSpPr/>
+          <p:nvPr/>
+        </p:nvSpPr>
+        <p:spPr>
+          <a:xfrm>
+            <a:off x="2042410" y="2097474"/>
+            <a:ext cx="542144" cy="154368"/>
+          </a:xfrm>
+          <a:prstGeom prst="rightArrow">
+            <a:avLst/>
+          </a:prstGeom>
+          <a:solidFill>
+            <a:schemeClr val="tx1"/>
+          </a:solidFill>
+        </p:spPr>
+        <p:style>
+          <a:lnRef idx="2">
+            <a:schemeClr val="accent1">
+              <a:shade val="15000"/>
+            </a:schemeClr>
+          </a:lnRef>
+          <a:fillRef idx="1">
+            <a:schemeClr val="accent1"/>
+          </a:fillRef>
+          <a:effectRef idx="0">
+            <a:schemeClr val="accent1"/>
+          </a:effectRef>
+          <a:fontRef idx="minor">
+            <a:schemeClr val="lt1"/>
+          </a:fontRef>
+        </p:style>
+        <p:txBody>
+          <a:bodyPr rtlCol="0" anchor="ctr"/>
+          <a:lstStyle/>
+          <a:p>
+            <a:pPr algn="ctr"/>
+            <a:endParaRPr lang="en-US"/>
+          </a:p>
+        </p:txBody>
+      </p:sp>
+      <p:sp>
+        <p:nvSpPr>
+          <p:cNvPr id="13" name="Arrow: Right 12">
+            <a:extLst>
+              <a:ext uri="{FF2B5EF4-FFF2-40B4-BE49-F238E27FC236}">
+                <a16:creationId xmlns:a16="http://schemas.microsoft.com/office/drawing/2014/main" id="{5F89F3FF-8B92-3E2A-8EE5-5650BDEFA9F0}"/>
+              </a:ext>
+            </a:extLst>
+          </p:cNvPr>
+          <p:cNvSpPr/>
+          <p:nvPr/>
+        </p:nvSpPr>
+        <p:spPr>
+          <a:xfrm>
+            <a:off x="4370460" y="2107470"/>
+            <a:ext cx="542144" cy="154368"/>
+          </a:xfrm>
+          <a:prstGeom prst="rightArrow">
+            <a:avLst/>
+          </a:prstGeom>
+          <a:solidFill>
+            <a:schemeClr val="tx1"/>
+          </a:solidFill>
+        </p:spPr>
+        <p:style>
+          <a:lnRef idx="2">
+            <a:schemeClr val="accent1">
+              <a:shade val="15000"/>
+            </a:schemeClr>
+          </a:lnRef>
+          <a:fillRef idx="1">
+            <a:schemeClr val="accent1"/>
+          </a:fillRef>
+          <a:effectRef idx="0">
+            <a:schemeClr val="accent1"/>
+          </a:effectRef>
+          <a:fontRef idx="minor">
+            <a:schemeClr val="lt1"/>
+          </a:fontRef>
+        </p:style>
+        <p:txBody>
+          <a:bodyPr rtlCol="0" anchor="ctr"/>
+          <a:lstStyle/>
+          <a:p>
+            <a:pPr algn="ctr"/>
+            <a:endParaRPr lang="en-US"/>
+          </a:p>
+        </p:txBody>
+      </p:sp>
+      <p:sp>
+        <p:nvSpPr>
+          <p:cNvPr id="14" name="Arrow: Right 13">
+            <a:extLst>
+              <a:ext uri="{FF2B5EF4-FFF2-40B4-BE49-F238E27FC236}">
+                <a16:creationId xmlns:a16="http://schemas.microsoft.com/office/drawing/2014/main" id="{5033F3BB-82CC-ECA9-7CF9-F568EA2408CE}"/>
+              </a:ext>
+            </a:extLst>
+          </p:cNvPr>
+          <p:cNvSpPr/>
+          <p:nvPr/>
+        </p:nvSpPr>
+        <p:spPr>
+          <a:xfrm>
+            <a:off x="6799905" y="2107204"/>
+            <a:ext cx="542144" cy="154368"/>
+          </a:xfrm>
+          <a:prstGeom prst="rightArrow">
+            <a:avLst/>
+          </a:prstGeom>
+          <a:solidFill>
+            <a:schemeClr val="tx1"/>
+          </a:solidFill>
+        </p:spPr>
+        <p:style>
+          <a:lnRef idx="2">
+            <a:schemeClr val="accent1">
+              <a:shade val="15000"/>
+            </a:schemeClr>
+          </a:lnRef>
+          <a:fillRef idx="1">
+            <a:schemeClr val="accent1"/>
+          </a:fillRef>
+          <a:effectRef idx="0">
+            <a:schemeClr val="accent1"/>
+          </a:effectRef>
+          <a:fontRef idx="minor">
+            <a:schemeClr val="lt1"/>
+          </a:fontRef>
+        </p:style>
+        <p:txBody>
+          <a:bodyPr rtlCol="0" anchor="ctr"/>
+          <a:lstStyle/>
+          <a:p>
+            <a:pPr algn="ctr"/>
+            <a:endParaRPr lang="en-US"/>
+          </a:p>
+        </p:txBody>
+      </p:sp>
+      <p:sp>
+        <p:nvSpPr>
+          <p:cNvPr id="15" name="Arrow: Right 14">
+            <a:extLst>
+              <a:ext uri="{FF2B5EF4-FFF2-40B4-BE49-F238E27FC236}">
+                <a16:creationId xmlns:a16="http://schemas.microsoft.com/office/drawing/2014/main" id="{5EC11C2D-CAAF-3AC5-B70B-F0CB1921F5E0}"/>
+              </a:ext>
+            </a:extLst>
+          </p:cNvPr>
+          <p:cNvSpPr/>
+          <p:nvPr/>
+        </p:nvSpPr>
+        <p:spPr>
+          <a:xfrm>
+            <a:off x="9136506" y="2132983"/>
+            <a:ext cx="542144" cy="154368"/>
+          </a:xfrm>
+          <a:prstGeom prst="rightArrow">
+            <a:avLst/>
+          </a:prstGeom>
+          <a:solidFill>
+            <a:schemeClr val="tx1"/>
+          </a:solidFill>
+        </p:spPr>
+        <p:style>
+          <a:lnRef idx="2">
+            <a:schemeClr val="accent1">
+              <a:shade val="15000"/>
+            </a:schemeClr>
+          </a:lnRef>
+          <a:fillRef idx="1">
+            <a:schemeClr val="accent1"/>
+          </a:fillRef>
+          <a:effectRef idx="0">
+            <a:schemeClr val="accent1"/>
+          </a:effectRef>
+          <a:fontRef idx="minor">
+            <a:schemeClr val="lt1"/>
+          </a:fontRef>
+        </p:style>
+        <p:txBody>
+          <a:bodyPr rtlCol="0" anchor="ctr"/>
+          <a:lstStyle/>
+          <a:p>
+            <a:pPr algn="ctr"/>
+            <a:endParaRPr lang="en-US"/>
           </a:p>
         </p:txBody>
       </p:sp>

--- a/Circu Li Ion.pptx
+++ b/Circu Li Ion.pptx
@@ -5135,10 +5135,10 @@
       </p:grpSpPr>
       <p:sp>
         <p:nvSpPr>
-          <p:cNvPr id="2" name="TextBox 1">
-            <a:extLst>
-              <a:ext uri="{FF2B5EF4-FFF2-40B4-BE49-F238E27FC236}">
-                <a16:creationId xmlns:a16="http://schemas.microsoft.com/office/drawing/2014/main" id="{936EA33B-C159-CA52-2983-95EDB8E8B47A}"/>
+          <p:cNvPr id="4" name="TextBox 3">
+            <a:extLst>
+              <a:ext uri="{FF2B5EF4-FFF2-40B4-BE49-F238E27FC236}">
+                <a16:creationId xmlns:a16="http://schemas.microsoft.com/office/drawing/2014/main" id="{0A2F2340-AAAE-CDFE-76FF-237B1661588C}"/>
               </a:ext>
             </a:extLst>
           </p:cNvPr>
@@ -5147,8 +5147,8 @@
         </p:nvSpPr>
         <p:spPr>
           <a:xfrm>
-            <a:off x="0" y="3515039"/>
-            <a:ext cx="5067946" cy="523220"/>
+            <a:off x="318541" y="4099531"/>
+            <a:ext cx="11873459" cy="1384995"/>
           </a:xfrm>
           <a:prstGeom prst="rect">
             <a:avLst/>
@@ -5156,48 +5156,6 @@
           <a:noFill/>
         </p:spPr>
         <p:txBody>
-          <a:bodyPr wrap="square" rtlCol="0">
-            <a:spAutoFit/>
-          </a:bodyPr>
-          <a:lstStyle/>
-          <a:p>
-            <a:r>
-              <a:rPr lang="en-US" sz="2800" u="sng" dirty="0">
-                <a:solidFill>
-                  <a:schemeClr val="bg1"/>
-                </a:solidFill>
-                <a:latin typeface="Calibri" panose="020F0502020204030204" pitchFamily="34" charset="0"/>
-                <a:ea typeface="Calibri" panose="020F0502020204030204" pitchFamily="34" charset="0"/>
-                <a:cs typeface="Calibri" panose="020F0502020204030204" pitchFamily="34" charset="0"/>
-              </a:rPr>
-              <a:t>Proposed Architecture</a:t>
-            </a:r>
-          </a:p>
-        </p:txBody>
-      </p:sp>
-      <p:sp>
-        <p:nvSpPr>
-          <p:cNvPr id="4" name="TextBox 3">
-            <a:extLst>
-              <a:ext uri="{FF2B5EF4-FFF2-40B4-BE49-F238E27FC236}">
-                <a16:creationId xmlns:a16="http://schemas.microsoft.com/office/drawing/2014/main" id="{0A2F2340-AAAE-CDFE-76FF-237B1661588C}"/>
-              </a:ext>
-            </a:extLst>
-          </p:cNvPr>
-          <p:cNvSpPr txBox="1"/>
-          <p:nvPr/>
-        </p:nvSpPr>
-        <p:spPr>
-          <a:xfrm>
-            <a:off x="318541" y="4099531"/>
-            <a:ext cx="10849131" cy="1692771"/>
-          </a:xfrm>
-          <a:prstGeom prst="rect">
-            <a:avLst/>
-          </a:prstGeom>
-          <a:noFill/>
-        </p:spPr>
-        <p:txBody>
           <a:bodyPr wrap="square">
             <a:spAutoFit/>
           </a:bodyPr>
@@ -5236,8 +5194,18 @@
                 <a:effectLst/>
                 <a:latin typeface="Calibri" panose="020F0502020204030204" pitchFamily="34" charset="0"/>
               </a:rPr>
-              <a:t>Hub: Centralized resources like firewall, VPN gateway, monitoring.</a:t>
-            </a:r>
+              <a:t>Hub: Centralized resources like firewall, VPN gateway/Express Route, </a:t>
+            </a:r>
+            <a:r>
+              <a:rPr lang="en-US" sz="2000" b="1" dirty="0">
+                <a:latin typeface="Calibri" panose="020F0502020204030204" pitchFamily="34" charset="0"/>
+              </a:rPr>
+              <a:t>Monitoring, Application Gateway </a:t>
+            </a:r>
+            <a:endParaRPr lang="en-US" sz="2000" b="1" i="0" dirty="0">
+              <a:effectLst/>
+              <a:latin typeface="Calibri" panose="020F0502020204030204" pitchFamily="34" charset="0"/>
+            </a:endParaRPr>
           </a:p>
           <a:p>
             <a:pPr marL="742950" lvl="1" indent="-285750" rtl="0" fontAlgn="ctr">
@@ -5282,7 +5250,7 @@
         </p:nvSpPr>
         <p:spPr>
           <a:xfrm>
-            <a:off x="783516" y="5914846"/>
+            <a:off x="783516" y="5607636"/>
             <a:ext cx="11408484" cy="707886"/>
           </a:xfrm>
           <a:prstGeom prst="rect">
@@ -6111,7 +6079,7 @@
                 <a:ea typeface="Calibri" panose="020F0502020204030204" pitchFamily="34" charset="0"/>
                 <a:cs typeface="Calibri" panose="020F0502020204030204" pitchFamily="34" charset="0"/>
               </a:rPr>
-              <a:t>IoT Hub: enables secure and scalable communication with IoT devices.</a:t>
+              <a:t>IoT Hub: Enables secure and scalable communication with IoT devices.</a:t>
             </a:r>
           </a:p>
           <a:p>
@@ -6138,12 +6106,34 @@
               <a:t>: </a:t>
             </a:r>
             <a:r>
-              <a:rPr lang="en-US" sz="2000" dirty="0">
+              <a:rPr lang="en-US" sz="2000" i="0" dirty="0">
+                <a:effectLst/>
                 <a:latin typeface="Calibri" panose="020F0502020204030204" pitchFamily="34" charset="0"/>
                 <a:ea typeface="Calibri" panose="020F0502020204030204" pitchFamily="34" charset="0"/>
                 <a:cs typeface="Calibri" panose="020F0502020204030204" pitchFamily="34" charset="0"/>
               </a:rPr>
-              <a:t>routing events from various sources to event handlers like Azure Functions or Webhooks</a:t>
+              <a:t>R</a:t>
+            </a:r>
+            <a:r>
+              <a:rPr lang="en-US" sz="2000" dirty="0">
+                <a:latin typeface="Calibri" panose="020F0502020204030204" pitchFamily="34" charset="0"/>
+                <a:ea typeface="Calibri" panose="020F0502020204030204" pitchFamily="34" charset="0"/>
+                <a:cs typeface="Calibri" panose="020F0502020204030204" pitchFamily="34" charset="0"/>
+              </a:rPr>
+              <a:t>outing events from various sources to event handlers like Azure Functions or Webhooks</a:t>
+            </a:r>
+          </a:p>
+          <a:p>
+            <a:pPr marL="800100" lvl="1" indent="-342900" fontAlgn="ctr">
+              <a:buFont typeface="Wingdings" panose="05000000000000000000" pitchFamily="2" charset="2"/>
+              <a:buChar char="§"/>
+            </a:pPr>
+            <a:r>
+              <a:rPr lang="en-US" sz="2000" i="0" dirty="0">
+                <a:effectLst/>
+                <a:latin typeface="Calibri" panose="020F0502020204030204" pitchFamily="34" charset="0"/>
+              </a:rPr>
+              <a:t>Function: Azure Functions for automating file processing.</a:t>
             </a:r>
             <a:endParaRPr lang="en-US" sz="2000" b="1" i="0" dirty="0">
               <a:effectLst/>
@@ -6163,19 +6153,6 @@
                 <a:latin typeface="Calibri" panose="020F0502020204030204" pitchFamily="34" charset="0"/>
               </a:rPr>
               <a:t>Storage: Azure Blob Storage with versioning.</a:t>
-            </a:r>
-          </a:p>
-          <a:p>
-            <a:pPr marL="800100" lvl="1" indent="-342900" rtl="0" fontAlgn="ctr">
-              <a:buFont typeface="Wingdings" panose="05000000000000000000" pitchFamily="2" charset="2"/>
-              <a:buChar char="§"/>
-            </a:pPr>
-            <a:r>
-              <a:rPr lang="en-US" sz="2000" i="0" dirty="0">
-                <a:effectLst/>
-                <a:latin typeface="Calibri" panose="020F0502020204030204" pitchFamily="34" charset="0"/>
-              </a:rPr>
-              <a:t>Function: Azure Functions for automating file processing.</a:t>
             </a:r>
           </a:p>
           <a:p>
@@ -6399,35 +6376,25 @@
                 <a:effectLst/>
                 <a:latin typeface="Calibri" panose="020F0502020204030204" pitchFamily="34" charset="0"/>
               </a:rPr>
-              <a:t>VPN Gateway</a:t>
+              <a:t>VPN Gateway/Express Route</a:t>
             </a:r>
             <a:r>
               <a:rPr lang="en-US" sz="2000" dirty="0">
                 <a:effectLst/>
                 <a:latin typeface="Calibri" panose="020F0502020204030204" pitchFamily="34" charset="0"/>
               </a:rPr>
-              <a:t>: Ensures encrypted communication between on-premises and Azure.</a:t>
-            </a:r>
-          </a:p>
-          <a:p>
-            <a:pPr marL="285750" indent="-285750" rtl="0" fontAlgn="ctr">
-              <a:buFont typeface="Wingdings" panose="05000000000000000000" pitchFamily="2" charset="2"/>
-              <a:buChar char="§"/>
-            </a:pPr>
-            <a:r>
-              <a:rPr lang="en-US" sz="2000" b="1" dirty="0">
-                <a:effectLst/>
-                <a:latin typeface="Calibri" panose="020F0502020204030204" pitchFamily="34" charset="0"/>
-              </a:rPr>
-              <a:t>SAS Tokens</a:t>
+              <a:t>: Ensures encrypted communication between on-premises and Azure</a:t>
             </a:r>
             <a:r>
               <a:rPr lang="en-US" sz="2000" dirty="0">
-                <a:effectLst/>
-                <a:latin typeface="Calibri" panose="020F0502020204030204" pitchFamily="34" charset="0"/>
-              </a:rPr>
-              <a:t>: Temporary, secure access to recipe files.</a:t>
-            </a:r>
+                <a:latin typeface="Calibri" panose="020F0502020204030204" pitchFamily="34" charset="0"/>
+              </a:rPr>
+              <a:t>.</a:t>
+            </a:r>
+            <a:endParaRPr lang="en-US" sz="2000" dirty="0">
+              <a:effectLst/>
+              <a:latin typeface="Calibri" panose="020F0502020204030204" pitchFamily="34" charset="0"/>
+            </a:endParaRPr>
           </a:p>
           <a:p>
             <a:pPr marL="285750" indent="-285750" rtl="0" fontAlgn="ctr">

--- a/Circu Li Ion.pptx
+++ b/Circu Li Ion.pptx
@@ -5231,7 +5231,7 @@
                 <a:effectLst/>
                 <a:latin typeface="Calibri" panose="020F0502020204030204" pitchFamily="34" charset="0"/>
               </a:rPr>
-              <a:t> Hub &amp; event grid.</a:t>
+              <a:t> Hub.</a:t>
             </a:r>
           </a:p>
         </p:txBody>
@@ -5931,7 +5931,7 @@
         <p:spPr>
           <a:xfrm>
             <a:off x="119919" y="1248753"/>
-            <a:ext cx="10519347" cy="5016758"/>
+            <a:ext cx="10519347" cy="4401205"/>
           </a:xfrm>
           <a:prstGeom prst="rect">
             <a:avLst/>
@@ -6080,47 +6080,6 @@
                 <a:cs typeface="Calibri" panose="020F0502020204030204" pitchFamily="34" charset="0"/>
               </a:rPr>
               <a:t>IoT Hub: Enables secure and scalable communication with IoT devices.</a:t>
-            </a:r>
-          </a:p>
-          <a:p>
-            <a:pPr marL="800100" lvl="1" indent="-342900" fontAlgn="ctr">
-              <a:buFont typeface="Wingdings" panose="05000000000000000000" pitchFamily="2" charset="2"/>
-              <a:buChar char="§"/>
-            </a:pPr>
-            <a:r>
-              <a:rPr lang="en-US" sz="2000" i="0" dirty="0">
-                <a:effectLst/>
-                <a:latin typeface="Calibri" panose="020F0502020204030204" pitchFamily="34" charset="0"/>
-                <a:ea typeface="Calibri" panose="020F0502020204030204" pitchFamily="34" charset="0"/>
-                <a:cs typeface="Calibri" panose="020F0502020204030204" pitchFamily="34" charset="0"/>
-              </a:rPr>
-              <a:t>Event Grid</a:t>
-            </a:r>
-            <a:r>
-              <a:rPr lang="en-US" sz="2000" b="1" i="0" dirty="0">
-                <a:effectLst/>
-                <a:latin typeface="Calibri" panose="020F0502020204030204" pitchFamily="34" charset="0"/>
-                <a:ea typeface="Calibri" panose="020F0502020204030204" pitchFamily="34" charset="0"/>
-                <a:cs typeface="Calibri" panose="020F0502020204030204" pitchFamily="34" charset="0"/>
-              </a:rPr>
-              <a:t>: </a:t>
-            </a:r>
-            <a:r>
-              <a:rPr lang="en-US" sz="2000" i="0" dirty="0">
-                <a:effectLst/>
-                <a:latin typeface="Calibri" panose="020F0502020204030204" pitchFamily="34" charset="0"/>
-                <a:ea typeface="Calibri" panose="020F0502020204030204" pitchFamily="34" charset="0"/>
-                <a:cs typeface="Calibri" panose="020F0502020204030204" pitchFamily="34" charset="0"/>
-              </a:rPr>
-              <a:t>R</a:t>
-            </a:r>
-            <a:r>
-              <a:rPr lang="en-US" sz="2000" dirty="0">
-                <a:latin typeface="Calibri" panose="020F0502020204030204" pitchFamily="34" charset="0"/>
-                <a:ea typeface="Calibri" panose="020F0502020204030204" pitchFamily="34" charset="0"/>
-                <a:cs typeface="Calibri" panose="020F0502020204030204" pitchFamily="34" charset="0"/>
-              </a:rPr>
-              <a:t>outing events from various sources to event handlers like Azure Functions or Webhooks</a:t>
             </a:r>
           </a:p>
           <a:p>
@@ -6793,10 +6752,10 @@
       </p:sp>
       <p:pic>
         <p:nvPicPr>
-          <p:cNvPr id="6" name="Picture 5">
-            <a:extLst>
-              <a:ext uri="{FF2B5EF4-FFF2-40B4-BE49-F238E27FC236}">
-                <a16:creationId xmlns:a16="http://schemas.microsoft.com/office/drawing/2014/main" id="{E48EF8AB-A15C-89D1-AE85-E9516BE50B39}"/>
+          <p:cNvPr id="4" name="Picture 3">
+            <a:extLst>
+              <a:ext uri="{FF2B5EF4-FFF2-40B4-BE49-F238E27FC236}">
+                <a16:creationId xmlns:a16="http://schemas.microsoft.com/office/drawing/2014/main" id="{1C81A86F-A406-1B1E-3D0D-461FA3479A14}"/>
               </a:ext>
             </a:extLst>
           </p:cNvPr>
@@ -6813,8 +6772,8 @@
         </p:blipFill>
         <p:spPr>
           <a:xfrm>
-            <a:off x="299803" y="933477"/>
-            <a:ext cx="11347553" cy="5668166"/>
+            <a:off x="254833" y="824403"/>
+            <a:ext cx="11197652" cy="5777240"/>
           </a:xfrm>
           <a:prstGeom prst="rect">
             <a:avLst/>
